--- a/Pikcio_tokens.pptx
+++ b/Pikcio_tokens.pptx
@@ -8,6 +8,9 @@
     <p:sldId id="256" r:id="rId2"/>
     <p:sldId id="259" r:id="rId3"/>
     <p:sldId id="258" r:id="rId4"/>
+    <p:sldId id="260" r:id="rId5"/>
+    <p:sldId id="261" r:id="rId6"/>
+    <p:sldId id="262" r:id="rId7"/>
   </p:sldIdLst>
   <p:sldSz cx="12192000" cy="6858000"/>
   <p:notesSz cx="6858000" cy="9144000"/>
@@ -261,7 +264,7 @@
           <a:p>
             <a:fld id="{3B3A7B9A-38C2-40F8-BF0C-E69FC542A6B2}" type="datetimeFigureOut">
               <a:rPr lang="fr-FR" smtClean="0"/>
-              <a:t>11/09/2018</a:t>
+              <a:t>12/09/2018</a:t>
             </a:fld>
             <a:endParaRPr lang="fr-FR"/>
           </a:p>
@@ -315,7 +318,7 @@
           <a:p>
             <a:fld id="{B948C2EC-6902-45C3-9054-2660ED95BCC3}" type="slidenum">
               <a:rPr lang="fr-FR" smtClean="0"/>
-              <a:t>‹#›</a:t>
+              <a:t>‹N°›</a:t>
             </a:fld>
             <a:endParaRPr lang="fr-FR"/>
           </a:p>
@@ -459,7 +462,7 @@
           <a:p>
             <a:fld id="{3B3A7B9A-38C2-40F8-BF0C-E69FC542A6B2}" type="datetimeFigureOut">
               <a:rPr lang="fr-FR" smtClean="0"/>
-              <a:t>11/09/2018</a:t>
+              <a:t>12/09/2018</a:t>
             </a:fld>
             <a:endParaRPr lang="fr-FR"/>
           </a:p>
@@ -513,7 +516,7 @@
           <a:p>
             <a:fld id="{B948C2EC-6902-45C3-9054-2660ED95BCC3}" type="slidenum">
               <a:rPr lang="fr-FR" smtClean="0"/>
-              <a:t>‹#›</a:t>
+              <a:t>‹N°›</a:t>
             </a:fld>
             <a:endParaRPr lang="fr-FR"/>
           </a:p>
@@ -667,7 +670,7 @@
           <a:p>
             <a:fld id="{3B3A7B9A-38C2-40F8-BF0C-E69FC542A6B2}" type="datetimeFigureOut">
               <a:rPr lang="fr-FR" smtClean="0"/>
-              <a:t>11/09/2018</a:t>
+              <a:t>12/09/2018</a:t>
             </a:fld>
             <a:endParaRPr lang="fr-FR"/>
           </a:p>
@@ -721,7 +724,7 @@
           <a:p>
             <a:fld id="{B948C2EC-6902-45C3-9054-2660ED95BCC3}" type="slidenum">
               <a:rPr lang="fr-FR" smtClean="0"/>
-              <a:t>‹#›</a:t>
+              <a:t>‹N°›</a:t>
             </a:fld>
             <a:endParaRPr lang="fr-FR"/>
           </a:p>
@@ -865,7 +868,7 @@
           <a:p>
             <a:fld id="{3B3A7B9A-38C2-40F8-BF0C-E69FC542A6B2}" type="datetimeFigureOut">
               <a:rPr lang="fr-FR" smtClean="0"/>
-              <a:t>11/09/2018</a:t>
+              <a:t>12/09/2018</a:t>
             </a:fld>
             <a:endParaRPr lang="fr-FR"/>
           </a:p>
@@ -919,7 +922,7 @@
           <a:p>
             <a:fld id="{B948C2EC-6902-45C3-9054-2660ED95BCC3}" type="slidenum">
               <a:rPr lang="fr-FR" smtClean="0"/>
-              <a:t>‹#›</a:t>
+              <a:t>‹N°›</a:t>
             </a:fld>
             <a:endParaRPr lang="fr-FR"/>
           </a:p>
@@ -1140,7 +1143,7 @@
           <a:p>
             <a:fld id="{3B3A7B9A-38C2-40F8-BF0C-E69FC542A6B2}" type="datetimeFigureOut">
               <a:rPr lang="fr-FR" smtClean="0"/>
-              <a:t>11/09/2018</a:t>
+              <a:t>12/09/2018</a:t>
             </a:fld>
             <a:endParaRPr lang="fr-FR"/>
           </a:p>
@@ -1194,7 +1197,7 @@
           <a:p>
             <a:fld id="{B948C2EC-6902-45C3-9054-2660ED95BCC3}" type="slidenum">
               <a:rPr lang="fr-FR" smtClean="0"/>
-              <a:t>‹#›</a:t>
+              <a:t>‹N°›</a:t>
             </a:fld>
             <a:endParaRPr lang="fr-FR"/>
           </a:p>
@@ -1405,7 +1408,7 @@
           <a:p>
             <a:fld id="{3B3A7B9A-38C2-40F8-BF0C-E69FC542A6B2}" type="datetimeFigureOut">
               <a:rPr lang="fr-FR" smtClean="0"/>
-              <a:t>11/09/2018</a:t>
+              <a:t>12/09/2018</a:t>
             </a:fld>
             <a:endParaRPr lang="fr-FR"/>
           </a:p>
@@ -1459,7 +1462,7 @@
           <a:p>
             <a:fld id="{B948C2EC-6902-45C3-9054-2660ED95BCC3}" type="slidenum">
               <a:rPr lang="fr-FR" smtClean="0"/>
-              <a:t>‹#›</a:t>
+              <a:t>‹N°›</a:t>
             </a:fld>
             <a:endParaRPr lang="fr-FR"/>
           </a:p>
@@ -1817,7 +1820,7 @@
           <a:p>
             <a:fld id="{3B3A7B9A-38C2-40F8-BF0C-E69FC542A6B2}" type="datetimeFigureOut">
               <a:rPr lang="fr-FR" smtClean="0"/>
-              <a:t>11/09/2018</a:t>
+              <a:t>12/09/2018</a:t>
             </a:fld>
             <a:endParaRPr lang="fr-FR"/>
           </a:p>
@@ -1871,7 +1874,7 @@
           <a:p>
             <a:fld id="{B948C2EC-6902-45C3-9054-2660ED95BCC3}" type="slidenum">
               <a:rPr lang="fr-FR" smtClean="0"/>
-              <a:t>‹#›</a:t>
+              <a:t>‹N°›</a:t>
             </a:fld>
             <a:endParaRPr lang="fr-FR"/>
           </a:p>
@@ -1958,7 +1961,7 @@
           <a:p>
             <a:fld id="{3B3A7B9A-38C2-40F8-BF0C-E69FC542A6B2}" type="datetimeFigureOut">
               <a:rPr lang="fr-FR" smtClean="0"/>
-              <a:t>11/09/2018</a:t>
+              <a:t>12/09/2018</a:t>
             </a:fld>
             <a:endParaRPr lang="fr-FR"/>
           </a:p>
@@ -2012,7 +2015,7 @@
           <a:p>
             <a:fld id="{B948C2EC-6902-45C3-9054-2660ED95BCC3}" type="slidenum">
               <a:rPr lang="fr-FR" smtClean="0"/>
-              <a:t>‹#›</a:t>
+              <a:t>‹N°›</a:t>
             </a:fld>
             <a:endParaRPr lang="fr-FR"/>
           </a:p>
@@ -2071,7 +2074,7 @@
           <a:p>
             <a:fld id="{3B3A7B9A-38C2-40F8-BF0C-E69FC542A6B2}" type="datetimeFigureOut">
               <a:rPr lang="fr-FR" smtClean="0"/>
-              <a:t>11/09/2018</a:t>
+              <a:t>12/09/2018</a:t>
             </a:fld>
             <a:endParaRPr lang="fr-FR"/>
           </a:p>
@@ -2125,7 +2128,7 @@
           <a:p>
             <a:fld id="{B948C2EC-6902-45C3-9054-2660ED95BCC3}" type="slidenum">
               <a:rPr lang="fr-FR" smtClean="0"/>
-              <a:t>‹#›</a:t>
+              <a:t>‹N°›</a:t>
             </a:fld>
             <a:endParaRPr lang="fr-FR"/>
           </a:p>
@@ -2382,7 +2385,7 @@
           <a:p>
             <a:fld id="{3B3A7B9A-38C2-40F8-BF0C-E69FC542A6B2}" type="datetimeFigureOut">
               <a:rPr lang="fr-FR" smtClean="0"/>
-              <a:t>11/09/2018</a:t>
+              <a:t>12/09/2018</a:t>
             </a:fld>
             <a:endParaRPr lang="fr-FR"/>
           </a:p>
@@ -2436,7 +2439,7 @@
           <a:p>
             <a:fld id="{B948C2EC-6902-45C3-9054-2660ED95BCC3}" type="slidenum">
               <a:rPr lang="fr-FR" smtClean="0"/>
-              <a:t>‹#›</a:t>
+              <a:t>‹N°›</a:t>
             </a:fld>
             <a:endParaRPr lang="fr-FR"/>
           </a:p>
@@ -2670,7 +2673,7 @@
           <a:p>
             <a:fld id="{3B3A7B9A-38C2-40F8-BF0C-E69FC542A6B2}" type="datetimeFigureOut">
               <a:rPr lang="fr-FR" smtClean="0"/>
-              <a:t>11/09/2018</a:t>
+              <a:t>12/09/2018</a:t>
             </a:fld>
             <a:endParaRPr lang="fr-FR"/>
           </a:p>
@@ -2724,7 +2727,7 @@
           <a:p>
             <a:fld id="{B948C2EC-6902-45C3-9054-2660ED95BCC3}" type="slidenum">
               <a:rPr lang="fr-FR" smtClean="0"/>
-              <a:t>‹#›</a:t>
+              <a:t>‹N°›</a:t>
             </a:fld>
             <a:endParaRPr lang="fr-FR"/>
           </a:p>
@@ -2911,7 +2914,7 @@
           <a:p>
             <a:fld id="{3B3A7B9A-38C2-40F8-BF0C-E69FC542A6B2}" type="datetimeFigureOut">
               <a:rPr lang="fr-FR" smtClean="0"/>
-              <a:t>11/09/2018</a:t>
+              <a:t>12/09/2018</a:t>
             </a:fld>
             <a:endParaRPr lang="fr-FR"/>
           </a:p>
@@ -3001,7 +3004,7 @@
           <a:p>
             <a:fld id="{B948C2EC-6902-45C3-9054-2660ED95BCC3}" type="slidenum">
               <a:rPr lang="fr-FR" smtClean="0"/>
-              <a:t>‹#›</a:t>
+              <a:t>‹N°›</a:t>
             </a:fld>
             <a:endParaRPr lang="fr-FR"/>
           </a:p>
@@ -5273,7 +5276,7 @@
         <p:spPr>
           <a:xfrm>
             <a:off x="1895831" y="312808"/>
-            <a:ext cx="5873724" cy="626518"/>
+            <a:ext cx="5750292" cy="683264"/>
           </a:xfrm>
           <a:prstGeom prst="rect">
             <a:avLst/>
@@ -5294,7 +5297,7 @@
               </a:spcAft>
             </a:pPr>
             <a:r>
-              <a:rPr lang="en-US" sz="3200" dirty="0">
+              <a:rPr lang="en-US" sz="3200" dirty="0" err="1">
                 <a:solidFill>
                   <a:schemeClr val="tx1">
                     <a:lumMod val="75000"/>
@@ -5305,7 +5308,21 @@
                 <a:ea typeface="MS Mincho" panose="02020609040205080304" pitchFamily="49" charset="-128"/>
                 <a:cs typeface="MinionPro-Regular"/>
               </a:rPr>
-              <a:t>Smart contract v2 Roadmap</a:t>
+              <a:t>Pikcio</a:t>
+            </a:r>
+            <a:r>
+              <a:rPr lang="en-US" sz="3200" dirty="0">
+                <a:solidFill>
+                  <a:schemeClr val="tx1">
+                    <a:lumMod val="75000"/>
+                    <a:lumOff val="25000"/>
+                  </a:schemeClr>
+                </a:solidFill>
+                <a:latin typeface="Century Gothic" panose="020B0502020202020204" pitchFamily="34" charset="0"/>
+                <a:ea typeface="MS Mincho" panose="02020609040205080304" pitchFamily="49" charset="-128"/>
+                <a:cs typeface="MinionPro-Regular"/>
+              </a:rPr>
+              <a:t> Token: Events module</a:t>
             </a:r>
             <a:endParaRPr lang="fr-FR" sz="1200" dirty="0">
               <a:solidFill>
@@ -5337,8 +5354,8 @@
         </p:nvSpPr>
         <p:spPr bwMode="auto">
           <a:xfrm>
-            <a:off x="1031845" y="1363424"/>
-            <a:ext cx="7306812" cy="1979709"/>
+            <a:off x="1031844" y="1363424"/>
+            <a:ext cx="10698601" cy="4275658"/>
           </a:xfrm>
           <a:prstGeom prst="rect">
             <a:avLst/>
@@ -5366,33 +5383,20 @@
               </a:spcAft>
             </a:pPr>
             <a:r>
-              <a:rPr lang="fr-FR" dirty="0">
-                <a:solidFill>
-                  <a:schemeClr val="tx1">
-                    <a:lumMod val="65000"/>
-                    <a:lumOff val="35000"/>
-                  </a:schemeClr>
-                </a:solidFill>
-                <a:ea typeface="Calibri" panose="020F0502020204030204" pitchFamily="34" charset="0"/>
-                <a:cs typeface="Arial" panose="020B0604020202020204" pitchFamily="34" charset="0"/>
-              </a:rPr>
-              <a:t>Merge </a:t>
-            </a:r>
-            <a:r>
-              <a:rPr lang="fr-FR" dirty="0" err="1">
-                <a:solidFill>
-                  <a:schemeClr val="tx1">
-                    <a:lumMod val="65000"/>
-                    <a:lumOff val="35000"/>
-                  </a:schemeClr>
-                </a:solidFill>
-                <a:ea typeface="Calibri" panose="020F0502020204030204" pitchFamily="34" charset="0"/>
-                <a:cs typeface="Arial" panose="020B0604020202020204" pitchFamily="34" charset="0"/>
-              </a:rPr>
-              <a:t>with</a:t>
-            </a:r>
-            <a:r>
-              <a:rPr lang="fr-FR" dirty="0">
+              <a:rPr lang="fr-FR" b="1" dirty="0" err="1">
+                <a:solidFill>
+                  <a:schemeClr val="tx1">
+                    <a:lumMod val="65000"/>
+                    <a:lumOff val="35000"/>
+                  </a:schemeClr>
+                </a:solidFill>
+                <a:ea typeface="Calibri" panose="020F0502020204030204" pitchFamily="34" charset="0"/>
+                <a:cs typeface="Arial" panose="020B0604020202020204" pitchFamily="34" charset="0"/>
+              </a:rPr>
+              <a:t>Some</a:t>
+            </a:r>
+            <a:r>
+              <a:rPr lang="fr-FR" b="1" dirty="0">
                 <a:solidFill>
                   <a:schemeClr val="tx1">
                     <a:lumMod val="65000"/>
@@ -5405,18 +5409,480 @@
               <a:t> </a:t>
             </a:r>
             <a:r>
-              <a:rPr lang="fr-FR" dirty="0" err="1">
-                <a:solidFill>
-                  <a:schemeClr val="tx1">
-                    <a:lumMod val="65000"/>
-                    <a:lumOff val="35000"/>
-                  </a:schemeClr>
-                </a:solidFill>
-                <a:ea typeface="Calibri" panose="020F0502020204030204" pitchFamily="34" charset="0"/>
-                <a:cs typeface="Arial" panose="020B0604020202020204" pitchFamily="34" charset="0"/>
-              </a:rPr>
-              <a:t>PoU</a:t>
-            </a:r>
+              <a:rPr lang="fr-FR" b="1" dirty="0" err="1">
+                <a:solidFill>
+                  <a:schemeClr val="tx1">
+                    <a:lumMod val="65000"/>
+                    <a:lumOff val="35000"/>
+                  </a:schemeClr>
+                </a:solidFill>
+                <a:ea typeface="Calibri" panose="020F0502020204030204" pitchFamily="34" charset="0"/>
+                <a:cs typeface="Arial" panose="020B0604020202020204" pitchFamily="34" charset="0"/>
+              </a:rPr>
+              <a:t>functions</a:t>
+            </a:r>
+            <a:r>
+              <a:rPr lang="fr-FR" b="1" dirty="0">
+                <a:solidFill>
+                  <a:schemeClr val="tx1">
+                    <a:lumMod val="65000"/>
+                    <a:lumOff val="35000"/>
+                  </a:schemeClr>
+                </a:solidFill>
+                <a:ea typeface="Calibri" panose="020F0502020204030204" pitchFamily="34" charset="0"/>
+                <a:cs typeface="Arial" panose="020B0604020202020204" pitchFamily="34" charset="0"/>
+              </a:rPr>
+              <a:t> </a:t>
+            </a:r>
+            <a:r>
+              <a:rPr lang="fr-FR" b="1" dirty="0" err="1">
+                <a:solidFill>
+                  <a:schemeClr val="tx1">
+                    <a:lumMod val="65000"/>
+                    <a:lumOff val="35000"/>
+                  </a:schemeClr>
+                </a:solidFill>
+                <a:ea typeface="Calibri" panose="020F0502020204030204" pitchFamily="34" charset="0"/>
+                <a:cs typeface="Arial" panose="020B0604020202020204" pitchFamily="34" charset="0"/>
+              </a:rPr>
+              <a:t>can</a:t>
+            </a:r>
+            <a:r>
+              <a:rPr lang="fr-FR" b="1" dirty="0">
+                <a:solidFill>
+                  <a:schemeClr val="tx1">
+                    <a:lumMod val="65000"/>
+                    <a:lumOff val="35000"/>
+                  </a:schemeClr>
+                </a:solidFill>
+                <a:ea typeface="Calibri" panose="020F0502020204030204" pitchFamily="34" charset="0"/>
+                <a:cs typeface="Arial" panose="020B0604020202020204" pitchFamily="34" charset="0"/>
+              </a:rPr>
+              <a:t> trigger </a:t>
+            </a:r>
+            <a:r>
+              <a:rPr lang="fr-FR" b="1" dirty="0" err="1">
+                <a:solidFill>
+                  <a:schemeClr val="tx1">
+                    <a:lumMod val="65000"/>
+                    <a:lumOff val="35000"/>
+                  </a:schemeClr>
+                </a:solidFill>
+                <a:ea typeface="Calibri" panose="020F0502020204030204" pitchFamily="34" charset="0"/>
+                <a:cs typeface="Arial" panose="020B0604020202020204" pitchFamily="34" charset="0"/>
+              </a:rPr>
+              <a:t>events</a:t>
+            </a:r>
+            <a:r>
+              <a:rPr lang="fr-FR" b="1" dirty="0">
+                <a:solidFill>
+                  <a:schemeClr val="tx1">
+                    <a:lumMod val="65000"/>
+                    <a:lumOff val="35000"/>
+                  </a:schemeClr>
+                </a:solidFill>
+                <a:ea typeface="Calibri" panose="020F0502020204030204" pitchFamily="34" charset="0"/>
+                <a:cs typeface="Arial" panose="020B0604020202020204" pitchFamily="34" charset="0"/>
+              </a:rPr>
+              <a:t> </a:t>
+            </a:r>
+            <a:r>
+              <a:rPr lang="fr-FR" b="1" dirty="0" err="1">
+                <a:solidFill>
+                  <a:schemeClr val="tx1">
+                    <a:lumMod val="65000"/>
+                    <a:lumOff val="35000"/>
+                  </a:schemeClr>
+                </a:solidFill>
+                <a:ea typeface="Calibri" panose="020F0502020204030204" pitchFamily="34" charset="0"/>
+                <a:cs typeface="Arial" panose="020B0604020202020204" pitchFamily="34" charset="0"/>
+              </a:rPr>
+              <a:t>collected</a:t>
+            </a:r>
+            <a:r>
+              <a:rPr lang="fr-FR" b="1" dirty="0">
+                <a:solidFill>
+                  <a:schemeClr val="tx1">
+                    <a:lumMod val="65000"/>
+                    <a:lumOff val="35000"/>
+                  </a:schemeClr>
+                </a:solidFill>
+                <a:ea typeface="Calibri" panose="020F0502020204030204" pitchFamily="34" charset="0"/>
+                <a:cs typeface="Arial" panose="020B0604020202020204" pitchFamily="34" charset="0"/>
+              </a:rPr>
+              <a:t> by the </a:t>
+            </a:r>
+            <a:r>
+              <a:rPr lang="fr-FR" b="1" dirty="0" err="1">
+                <a:solidFill>
+                  <a:schemeClr val="tx1">
+                    <a:lumMod val="65000"/>
+                    <a:lumOff val="35000"/>
+                  </a:schemeClr>
+                </a:solidFill>
+                <a:ea typeface="Calibri" panose="020F0502020204030204" pitchFamily="34" charset="0"/>
+                <a:cs typeface="Arial" panose="020B0604020202020204" pitchFamily="34" charset="0"/>
+              </a:rPr>
+              <a:t>execution</a:t>
+            </a:r>
+            <a:r>
+              <a:rPr lang="fr-FR" b="1" dirty="0">
+                <a:solidFill>
+                  <a:schemeClr val="tx1">
+                    <a:lumMod val="65000"/>
+                    <a:lumOff val="35000"/>
+                  </a:schemeClr>
+                </a:solidFill>
+                <a:ea typeface="Calibri" panose="020F0502020204030204" pitchFamily="34" charset="0"/>
+                <a:cs typeface="Arial" panose="020B0604020202020204" pitchFamily="34" charset="0"/>
+              </a:rPr>
+              <a:t> </a:t>
+            </a:r>
+            <a:r>
+              <a:rPr lang="fr-FR" b="1" dirty="0" err="1">
+                <a:solidFill>
+                  <a:schemeClr val="tx1">
+                    <a:lumMod val="65000"/>
+                    <a:lumOff val="35000"/>
+                  </a:schemeClr>
+                </a:solidFill>
+                <a:ea typeface="Calibri" panose="020F0502020204030204" pitchFamily="34" charset="0"/>
+                <a:cs typeface="Arial" panose="020B0604020202020204" pitchFamily="34" charset="0"/>
+              </a:rPr>
+              <a:t>environment</a:t>
+            </a:r>
+            <a:r>
+              <a:rPr lang="fr-FR" b="1" dirty="0">
+                <a:solidFill>
+                  <a:schemeClr val="tx1">
+                    <a:lumMod val="65000"/>
+                    <a:lumOff val="35000"/>
+                  </a:schemeClr>
+                </a:solidFill>
+                <a:ea typeface="Calibri" panose="020F0502020204030204" pitchFamily="34" charset="0"/>
+                <a:cs typeface="Arial" panose="020B0604020202020204" pitchFamily="34" charset="0"/>
+              </a:rPr>
+              <a:t> to </a:t>
+            </a:r>
+            <a:r>
+              <a:rPr lang="fr-FR" b="1" dirty="0" err="1">
+                <a:solidFill>
+                  <a:schemeClr val="tx1">
+                    <a:lumMod val="65000"/>
+                    <a:lumOff val="35000"/>
+                  </a:schemeClr>
+                </a:solidFill>
+                <a:ea typeface="Calibri" panose="020F0502020204030204" pitchFamily="34" charset="0"/>
+                <a:cs typeface="Arial" panose="020B0604020202020204" pitchFamily="34" charset="0"/>
+              </a:rPr>
+              <a:t>notify</a:t>
+            </a:r>
+            <a:r>
+              <a:rPr lang="fr-FR" b="1" dirty="0">
+                <a:solidFill>
+                  <a:schemeClr val="tx1">
+                    <a:lumMod val="65000"/>
+                    <a:lumOff val="35000"/>
+                  </a:schemeClr>
+                </a:solidFill>
+                <a:ea typeface="Calibri" panose="020F0502020204030204" pitchFamily="34" charset="0"/>
+                <a:cs typeface="Arial" panose="020B0604020202020204" pitchFamily="34" charset="0"/>
+              </a:rPr>
+              <a:t> the </a:t>
+            </a:r>
+            <a:r>
+              <a:rPr lang="fr-FR" b="1" dirty="0" err="1">
+                <a:solidFill>
+                  <a:schemeClr val="tx1">
+                    <a:lumMod val="65000"/>
+                    <a:lumOff val="35000"/>
+                  </a:schemeClr>
+                </a:solidFill>
+                <a:ea typeface="Calibri" panose="020F0502020204030204" pitchFamily="34" charset="0"/>
+                <a:cs typeface="Arial" panose="020B0604020202020204" pitchFamily="34" charset="0"/>
+              </a:rPr>
+              <a:t>outside</a:t>
+            </a:r>
+            <a:r>
+              <a:rPr lang="fr-FR" b="1" dirty="0">
+                <a:solidFill>
+                  <a:schemeClr val="tx1">
+                    <a:lumMod val="65000"/>
+                    <a:lumOff val="35000"/>
+                  </a:schemeClr>
+                </a:solidFill>
+                <a:ea typeface="Calibri" panose="020F0502020204030204" pitchFamily="34" charset="0"/>
+                <a:cs typeface="Arial" panose="020B0604020202020204" pitchFamily="34" charset="0"/>
+              </a:rPr>
+              <a:t> world.</a:t>
+            </a:r>
+          </a:p>
+          <a:p>
+            <a:pPr lvl="0" algn="just">
+              <a:lnSpc>
+                <a:spcPct val="107000"/>
+              </a:lnSpc>
+              <a:spcAft>
+                <a:spcPts val="800"/>
+              </a:spcAft>
+            </a:pPr>
+            <a:r>
+              <a:rPr lang="fr-FR" dirty="0">
+                <a:solidFill>
+                  <a:schemeClr val="tx1">
+                    <a:lumMod val="65000"/>
+                    <a:lumOff val="35000"/>
+                  </a:schemeClr>
+                </a:solidFill>
+                <a:ea typeface="Calibri" panose="020F0502020204030204" pitchFamily="34" charset="0"/>
+                <a:cs typeface="Arial" panose="020B0604020202020204" pitchFamily="34" charset="0"/>
+              </a:rPr>
+              <a:t>For </a:t>
+            </a:r>
+            <a:r>
+              <a:rPr lang="fr-FR" dirty="0" err="1">
+                <a:solidFill>
+                  <a:schemeClr val="tx1">
+                    <a:lumMod val="65000"/>
+                    <a:lumOff val="35000"/>
+                  </a:schemeClr>
+                </a:solidFill>
+                <a:ea typeface="Calibri" panose="020F0502020204030204" pitchFamily="34" charset="0"/>
+                <a:cs typeface="Arial" panose="020B0604020202020204" pitchFamily="34" charset="0"/>
+              </a:rPr>
+              <a:t>example</a:t>
+            </a:r>
+            <a:r>
+              <a:rPr lang="fr-FR" dirty="0">
+                <a:solidFill>
+                  <a:schemeClr val="tx1">
+                    <a:lumMod val="65000"/>
+                    <a:lumOff val="35000"/>
+                  </a:schemeClr>
+                </a:solidFill>
+                <a:ea typeface="Calibri" panose="020F0502020204030204" pitchFamily="34" charset="0"/>
+                <a:cs typeface="Arial" panose="020B0604020202020204" pitchFamily="34" charset="0"/>
+              </a:rPr>
+              <a:t>, the </a:t>
+            </a:r>
+            <a:r>
+              <a:rPr lang="fr-FR" i="1" dirty="0">
+                <a:solidFill>
+                  <a:schemeClr val="tx1">
+                    <a:lumMod val="65000"/>
+                    <a:lumOff val="35000"/>
+                  </a:schemeClr>
+                </a:solidFill>
+                <a:ea typeface="Calibri" panose="020F0502020204030204" pitchFamily="34" charset="0"/>
+                <a:cs typeface="Arial" panose="020B0604020202020204" pitchFamily="34" charset="0"/>
+              </a:rPr>
+              <a:t>Transfer</a:t>
+            </a:r>
+            <a:r>
+              <a:rPr lang="fr-FR" dirty="0">
+                <a:solidFill>
+                  <a:schemeClr val="tx1">
+                    <a:lumMod val="65000"/>
+                    <a:lumOff val="35000"/>
+                  </a:schemeClr>
+                </a:solidFill>
+                <a:ea typeface="Calibri" panose="020F0502020204030204" pitchFamily="34" charset="0"/>
+                <a:cs typeface="Arial" panose="020B0604020202020204" pitchFamily="34" charset="0"/>
+              </a:rPr>
+              <a:t> </a:t>
+            </a:r>
+            <a:r>
+              <a:rPr lang="fr-FR" dirty="0" err="1">
+                <a:solidFill>
+                  <a:schemeClr val="tx1">
+                    <a:lumMod val="65000"/>
+                    <a:lumOff val="35000"/>
+                  </a:schemeClr>
+                </a:solidFill>
+                <a:ea typeface="Calibri" panose="020F0502020204030204" pitchFamily="34" charset="0"/>
+                <a:cs typeface="Arial" panose="020B0604020202020204" pitchFamily="34" charset="0"/>
+              </a:rPr>
+              <a:t>event</a:t>
+            </a:r>
+            <a:r>
+              <a:rPr lang="fr-FR" dirty="0">
+                <a:solidFill>
+                  <a:schemeClr val="tx1">
+                    <a:lumMod val="65000"/>
+                    <a:lumOff val="35000"/>
+                  </a:schemeClr>
+                </a:solidFill>
+                <a:ea typeface="Calibri" panose="020F0502020204030204" pitchFamily="34" charset="0"/>
+                <a:cs typeface="Arial" panose="020B0604020202020204" pitchFamily="34" charset="0"/>
+              </a:rPr>
+              <a:t> </a:t>
+            </a:r>
+            <a:r>
+              <a:rPr lang="fr-FR" dirty="0" err="1">
+                <a:solidFill>
+                  <a:schemeClr val="tx1">
+                    <a:lumMod val="65000"/>
+                    <a:lumOff val="35000"/>
+                  </a:schemeClr>
+                </a:solidFill>
+                <a:ea typeface="Calibri" panose="020F0502020204030204" pitchFamily="34" charset="0"/>
+                <a:cs typeface="Arial" panose="020B0604020202020204" pitchFamily="34" charset="0"/>
+              </a:rPr>
+              <a:t>should</a:t>
+            </a:r>
+            <a:r>
+              <a:rPr lang="fr-FR" dirty="0">
+                <a:solidFill>
+                  <a:schemeClr val="tx1">
+                    <a:lumMod val="65000"/>
+                    <a:lumOff val="35000"/>
+                  </a:schemeClr>
+                </a:solidFill>
+                <a:ea typeface="Calibri" panose="020F0502020204030204" pitchFamily="34" charset="0"/>
+                <a:cs typeface="Arial" panose="020B0604020202020204" pitchFamily="34" charset="0"/>
+              </a:rPr>
+              <a:t> </a:t>
+            </a:r>
+            <a:r>
+              <a:rPr lang="fr-FR" dirty="0" err="1">
+                <a:solidFill>
+                  <a:schemeClr val="tx1">
+                    <a:lumMod val="65000"/>
+                    <a:lumOff val="35000"/>
+                  </a:schemeClr>
+                </a:solidFill>
+                <a:ea typeface="Calibri" panose="020F0502020204030204" pitchFamily="34" charset="0"/>
+                <a:cs typeface="Arial" panose="020B0604020202020204" pitchFamily="34" charset="0"/>
+              </a:rPr>
+              <a:t>be</a:t>
+            </a:r>
+            <a:r>
+              <a:rPr lang="fr-FR" dirty="0">
+                <a:solidFill>
+                  <a:schemeClr val="tx1">
+                    <a:lumMod val="65000"/>
+                    <a:lumOff val="35000"/>
+                  </a:schemeClr>
+                </a:solidFill>
+                <a:ea typeface="Calibri" panose="020F0502020204030204" pitchFamily="34" charset="0"/>
+                <a:cs typeface="Arial" panose="020B0604020202020204" pitchFamily="34" charset="0"/>
+              </a:rPr>
+              <a:t> </a:t>
+            </a:r>
+            <a:r>
+              <a:rPr lang="fr-FR" dirty="0" err="1">
+                <a:solidFill>
+                  <a:schemeClr val="tx1">
+                    <a:lumMod val="65000"/>
+                    <a:lumOff val="35000"/>
+                  </a:schemeClr>
+                </a:solidFill>
+                <a:ea typeface="Calibri" panose="020F0502020204030204" pitchFamily="34" charset="0"/>
+                <a:cs typeface="Arial" panose="020B0604020202020204" pitchFamily="34" charset="0"/>
+              </a:rPr>
+              <a:t>propagated</a:t>
+            </a:r>
+            <a:r>
+              <a:rPr lang="fr-FR" dirty="0">
+                <a:solidFill>
+                  <a:schemeClr val="tx1">
+                    <a:lumMod val="65000"/>
+                    <a:lumOff val="35000"/>
+                  </a:schemeClr>
+                </a:solidFill>
+                <a:ea typeface="Calibri" panose="020F0502020204030204" pitchFamily="34" charset="0"/>
+                <a:cs typeface="Arial" panose="020B0604020202020204" pitchFamily="34" charset="0"/>
+              </a:rPr>
+              <a:t> once a </a:t>
+            </a:r>
+            <a:r>
+              <a:rPr lang="fr-FR" dirty="0" err="1">
+                <a:solidFill>
+                  <a:schemeClr val="tx1">
+                    <a:lumMod val="65000"/>
+                    <a:lumOff val="35000"/>
+                  </a:schemeClr>
+                </a:solidFill>
+                <a:ea typeface="Calibri" panose="020F0502020204030204" pitchFamily="34" charset="0"/>
+                <a:cs typeface="Arial" panose="020B0604020202020204" pitchFamily="34" charset="0"/>
+              </a:rPr>
+              <a:t>transfer</a:t>
+            </a:r>
+            <a:r>
+              <a:rPr lang="fr-FR" dirty="0">
+                <a:solidFill>
+                  <a:schemeClr val="tx1">
+                    <a:lumMod val="65000"/>
+                    <a:lumOff val="35000"/>
+                  </a:schemeClr>
+                </a:solidFill>
+                <a:ea typeface="Calibri" panose="020F0502020204030204" pitchFamily="34" charset="0"/>
+                <a:cs typeface="Arial" panose="020B0604020202020204" pitchFamily="34" charset="0"/>
+              </a:rPr>
+              <a:t> </a:t>
+            </a:r>
+            <a:r>
+              <a:rPr lang="fr-FR" dirty="0" err="1">
+                <a:solidFill>
+                  <a:schemeClr val="tx1">
+                    <a:lumMod val="65000"/>
+                    <a:lumOff val="35000"/>
+                  </a:schemeClr>
+                </a:solidFill>
+                <a:ea typeface="Calibri" panose="020F0502020204030204" pitchFamily="34" charset="0"/>
+                <a:cs typeface="Arial" panose="020B0604020202020204" pitchFamily="34" charset="0"/>
+              </a:rPr>
+              <a:t>is</a:t>
+            </a:r>
+            <a:r>
+              <a:rPr lang="fr-FR" dirty="0">
+                <a:solidFill>
+                  <a:schemeClr val="tx1">
+                    <a:lumMod val="65000"/>
+                    <a:lumOff val="35000"/>
+                  </a:schemeClr>
+                </a:solidFill>
+                <a:ea typeface="Calibri" panose="020F0502020204030204" pitchFamily="34" charset="0"/>
+                <a:cs typeface="Arial" panose="020B0604020202020204" pitchFamily="34" charset="0"/>
+              </a:rPr>
+              <a:t> made (and not </a:t>
+            </a:r>
+            <a:r>
+              <a:rPr lang="fr-FR" dirty="0" err="1">
+                <a:solidFill>
+                  <a:schemeClr val="tx1">
+                    <a:lumMod val="65000"/>
+                    <a:lumOff val="35000"/>
+                  </a:schemeClr>
+                </a:solidFill>
+                <a:ea typeface="Calibri" panose="020F0502020204030204" pitchFamily="34" charset="0"/>
+                <a:cs typeface="Arial" panose="020B0604020202020204" pitchFamily="34" charset="0"/>
+              </a:rPr>
+              <a:t>rolled</a:t>
+            </a:r>
+            <a:r>
+              <a:rPr lang="fr-FR" dirty="0">
+                <a:solidFill>
+                  <a:schemeClr val="tx1">
+                    <a:lumMod val="65000"/>
+                    <a:lumOff val="35000"/>
+                  </a:schemeClr>
+                </a:solidFill>
+                <a:ea typeface="Calibri" panose="020F0502020204030204" pitchFamily="34" charset="0"/>
+                <a:cs typeface="Arial" panose="020B0604020202020204" pitchFamily="34" charset="0"/>
+              </a:rPr>
+              <a:t> back).</a:t>
+            </a:r>
+          </a:p>
+          <a:p>
+            <a:pPr lvl="0" algn="just">
+              <a:lnSpc>
+                <a:spcPct val="107000"/>
+              </a:lnSpc>
+              <a:spcAft>
+                <a:spcPts val="800"/>
+              </a:spcAft>
+            </a:pPr>
             <a:endParaRPr lang="fr-FR" dirty="0">
               <a:solidFill>
                 <a:schemeClr val="tx1">
@@ -5437,110 +5903,6 @@
                 <a:spcPts val="800"/>
               </a:spcAft>
             </a:pPr>
-            <a:r>
-              <a:rPr lang="fr-FR" dirty="0">
-                <a:solidFill>
-                  <a:schemeClr val="tx1">
-                    <a:lumMod val="65000"/>
-                    <a:lumOff val="35000"/>
-                  </a:schemeClr>
-                </a:solidFill>
-                <a:ea typeface="Calibri" panose="020F0502020204030204" pitchFamily="34" charset="0"/>
-                <a:cs typeface="Arial" panose="020B0604020202020204" pitchFamily="34" charset="0"/>
-              </a:rPr>
-              <a:t>Set a new </a:t>
-            </a:r>
-            <a:r>
-              <a:rPr lang="fr-FR" dirty="0" err="1">
-                <a:solidFill>
-                  <a:schemeClr val="tx1">
-                    <a:lumMod val="65000"/>
-                    <a:lumOff val="35000"/>
-                  </a:schemeClr>
-                </a:solidFill>
-                <a:ea typeface="Calibri" panose="020F0502020204030204" pitchFamily="34" charset="0"/>
-                <a:cs typeface="Arial" panose="020B0604020202020204" pitchFamily="34" charset="0"/>
-              </a:rPr>
-              <a:t>node</a:t>
-            </a:r>
-            <a:r>
-              <a:rPr lang="fr-FR" dirty="0">
-                <a:solidFill>
-                  <a:schemeClr val="tx1">
-                    <a:lumMod val="65000"/>
-                    <a:lumOff val="35000"/>
-                  </a:schemeClr>
-                </a:solidFill>
-                <a:ea typeface="Calibri" panose="020F0502020204030204" pitchFamily="34" charset="0"/>
-                <a:cs typeface="Arial" panose="020B0604020202020204" pitchFamily="34" charset="0"/>
-              </a:rPr>
-              <a:t> i.e. </a:t>
-            </a:r>
-            <a:r>
-              <a:rPr lang="fr-FR" dirty="0" err="1">
-                <a:solidFill>
-                  <a:schemeClr val="tx1">
-                    <a:lumMod val="65000"/>
-                    <a:lumOff val="35000"/>
-                  </a:schemeClr>
-                </a:solidFill>
-                <a:ea typeface="Calibri" panose="020F0502020204030204" pitchFamily="34" charset="0"/>
-                <a:cs typeface="Arial" panose="020B0604020202020204" pitchFamily="34" charset="0"/>
-              </a:rPr>
-              <a:t>PikcioNode</a:t>
-            </a:r>
-            <a:r>
-              <a:rPr lang="fr-FR" dirty="0">
-                <a:solidFill>
-                  <a:schemeClr val="tx1">
-                    <a:lumMod val="65000"/>
-                    <a:lumOff val="35000"/>
-                  </a:schemeClr>
-                </a:solidFill>
-                <a:ea typeface="Calibri" panose="020F0502020204030204" pitchFamily="34" charset="0"/>
-                <a:cs typeface="Arial" panose="020B0604020202020204" pitchFamily="34" charset="0"/>
-              </a:rPr>
-              <a:t> </a:t>
-            </a:r>
-            <a:r>
-              <a:rPr lang="fr-FR" dirty="0" err="1">
-                <a:solidFill>
-                  <a:schemeClr val="tx1">
-                    <a:lumMod val="65000"/>
-                    <a:lumOff val="35000"/>
-                  </a:schemeClr>
-                </a:solidFill>
-                <a:ea typeface="Calibri" panose="020F0502020204030204" pitchFamily="34" charset="0"/>
-                <a:cs typeface="Arial" panose="020B0604020202020204" pitchFamily="34" charset="0"/>
-              </a:rPr>
-              <a:t>issuing</a:t>
-            </a:r>
-            <a:r>
-              <a:rPr lang="fr-FR" dirty="0">
-                <a:solidFill>
-                  <a:schemeClr val="tx1">
-                    <a:lumMod val="65000"/>
-                    <a:lumOff val="35000"/>
-                  </a:schemeClr>
-                </a:solidFill>
-                <a:ea typeface="Calibri" panose="020F0502020204030204" pitchFamily="34" charset="0"/>
-                <a:cs typeface="Arial" panose="020B0604020202020204" pitchFamily="34" charset="0"/>
-              </a:rPr>
-              <a:t> </a:t>
-            </a:r>
-            <a:r>
-              <a:rPr lang="fr-FR" dirty="0" err="1">
-                <a:solidFill>
-                  <a:schemeClr val="tx1">
-                    <a:lumMod val="65000"/>
-                    <a:lumOff val="35000"/>
-                  </a:schemeClr>
-                </a:solidFill>
-                <a:ea typeface="Calibri" panose="020F0502020204030204" pitchFamily="34" charset="0"/>
-                <a:cs typeface="Arial" panose="020B0604020202020204" pitchFamily="34" charset="0"/>
-              </a:rPr>
-              <a:t>certificate</a:t>
-            </a:r>
             <a:endParaRPr lang="fr-FR" dirty="0">
               <a:solidFill>
                 <a:schemeClr val="tx1">
@@ -5553,7 +5915,7 @@
             </a:endParaRPr>
           </a:p>
           <a:p>
-            <a:pPr algn="just">
+            <a:pPr lvl="0" algn="just">
               <a:lnSpc>
                 <a:spcPct val="107000"/>
               </a:lnSpc>
@@ -5561,224 +5923,6 @@
                 <a:spcPts val="800"/>
               </a:spcAft>
             </a:pPr>
-            <a:r>
-              <a:rPr lang="fr-FR" dirty="0" err="1">
-                <a:solidFill>
-                  <a:schemeClr val="tx1">
-                    <a:lumMod val="65000"/>
-                    <a:lumOff val="35000"/>
-                  </a:schemeClr>
-                </a:solidFill>
-                <a:ea typeface="Calibri" panose="020F0502020204030204" pitchFamily="34" charset="0"/>
-                <a:cs typeface="Arial" panose="020B0604020202020204" pitchFamily="34" charset="0"/>
-              </a:rPr>
-              <a:t>Implement</a:t>
-            </a:r>
-            <a:r>
-              <a:rPr lang="fr-FR" dirty="0">
-                <a:solidFill>
-                  <a:schemeClr val="tx1">
-                    <a:lumMod val="65000"/>
-                    <a:lumOff val="35000"/>
-                  </a:schemeClr>
-                </a:solidFill>
-                <a:ea typeface="Calibri" panose="020F0502020204030204" pitchFamily="34" charset="0"/>
-                <a:cs typeface="Arial" panose="020B0604020202020204" pitchFamily="34" charset="0"/>
-              </a:rPr>
-              <a:t> the </a:t>
-            </a:r>
-            <a:r>
-              <a:rPr lang="fr-FR" dirty="0" err="1">
-                <a:solidFill>
-                  <a:schemeClr val="tx1">
-                    <a:lumMod val="65000"/>
-                    <a:lumOff val="35000"/>
-                  </a:schemeClr>
-                </a:solidFill>
-                <a:ea typeface="Calibri" panose="020F0502020204030204" pitchFamily="34" charset="0"/>
-                <a:cs typeface="Arial" panose="020B0604020202020204" pitchFamily="34" charset="0"/>
-              </a:rPr>
-              <a:t>whole</a:t>
-            </a:r>
-            <a:r>
-              <a:rPr lang="fr-FR" dirty="0">
-                <a:solidFill>
-                  <a:schemeClr val="tx1">
-                    <a:lumMod val="65000"/>
-                    <a:lumOff val="35000"/>
-                  </a:schemeClr>
-                </a:solidFill>
-                <a:ea typeface="Calibri" panose="020F0502020204030204" pitchFamily="34" charset="0"/>
-                <a:cs typeface="Arial" panose="020B0604020202020204" pitchFamily="34" charset="0"/>
-              </a:rPr>
-              <a:t> </a:t>
-            </a:r>
-            <a:r>
-              <a:rPr lang="fr-FR" dirty="0" err="1">
-                <a:solidFill>
-                  <a:schemeClr val="tx1">
-                    <a:lumMod val="65000"/>
-                    <a:lumOff val="35000"/>
-                  </a:schemeClr>
-                </a:solidFill>
-                <a:ea typeface="Calibri" panose="020F0502020204030204" pitchFamily="34" charset="0"/>
-                <a:cs typeface="Arial" panose="020B0604020202020204" pitchFamily="34" charset="0"/>
-              </a:rPr>
-              <a:t>submission</a:t>
-            </a:r>
-            <a:r>
-              <a:rPr lang="fr-FR" dirty="0">
-                <a:solidFill>
-                  <a:schemeClr val="tx1">
-                    <a:lumMod val="65000"/>
-                    <a:lumOff val="35000"/>
-                  </a:schemeClr>
-                </a:solidFill>
-                <a:ea typeface="Calibri" panose="020F0502020204030204" pitchFamily="34" charset="0"/>
-                <a:cs typeface="Arial" panose="020B0604020202020204" pitchFamily="34" charset="0"/>
-              </a:rPr>
-              <a:t> / </a:t>
-            </a:r>
-            <a:r>
-              <a:rPr lang="fr-FR" dirty="0" err="1">
-                <a:solidFill>
-                  <a:schemeClr val="tx1">
-                    <a:lumMod val="65000"/>
-                    <a:lumOff val="35000"/>
-                  </a:schemeClr>
-                </a:solidFill>
-                <a:ea typeface="Calibri" panose="020F0502020204030204" pitchFamily="34" charset="0"/>
-                <a:cs typeface="Arial" panose="020B0604020202020204" pitchFamily="34" charset="0"/>
-              </a:rPr>
-              <a:t>processing</a:t>
-            </a:r>
-            <a:r>
-              <a:rPr lang="fr-FR" dirty="0">
-                <a:solidFill>
-                  <a:schemeClr val="tx1">
-                    <a:lumMod val="65000"/>
-                    <a:lumOff val="35000"/>
-                  </a:schemeClr>
-                </a:solidFill>
-                <a:ea typeface="Calibri" panose="020F0502020204030204" pitchFamily="34" charset="0"/>
-                <a:cs typeface="Arial" panose="020B0604020202020204" pitchFamily="34" charset="0"/>
-              </a:rPr>
-              <a:t> flow</a:t>
-            </a:r>
-          </a:p>
-          <a:p>
-            <a:pPr algn="just">
-              <a:lnSpc>
-                <a:spcPct val="107000"/>
-              </a:lnSpc>
-              <a:spcAft>
-                <a:spcPts val="800"/>
-              </a:spcAft>
-            </a:pPr>
-            <a:r>
-              <a:rPr lang="fr-FR" dirty="0">
-                <a:solidFill>
-                  <a:schemeClr val="tx1">
-                    <a:lumMod val="65000"/>
-                    <a:lumOff val="35000"/>
-                  </a:schemeClr>
-                </a:solidFill>
-                <a:ea typeface="Calibri" panose="020F0502020204030204" pitchFamily="34" charset="0"/>
-                <a:cs typeface="Arial" panose="020B0604020202020204" pitchFamily="34" charset="0"/>
-              </a:rPr>
-              <a:t>Set up </a:t>
-            </a:r>
-            <a:r>
-              <a:rPr lang="fr-FR" dirty="0" err="1">
-                <a:solidFill>
-                  <a:schemeClr val="tx1">
-                    <a:lumMod val="65000"/>
-                    <a:lumOff val="35000"/>
-                  </a:schemeClr>
-                </a:solidFill>
-                <a:ea typeface="Calibri" panose="020F0502020204030204" pitchFamily="34" charset="0"/>
-                <a:cs typeface="Arial" panose="020B0604020202020204" pitchFamily="34" charset="0"/>
-              </a:rPr>
-              <a:t>VMs</a:t>
-            </a:r>
-            <a:r>
-              <a:rPr lang="fr-FR" dirty="0">
-                <a:solidFill>
-                  <a:schemeClr val="tx1">
-                    <a:lumMod val="65000"/>
-                    <a:lumOff val="35000"/>
-                  </a:schemeClr>
-                </a:solidFill>
-                <a:ea typeface="Calibri" panose="020F0502020204030204" pitchFamily="34" charset="0"/>
-                <a:cs typeface="Arial" panose="020B0604020202020204" pitchFamily="34" charset="0"/>
-              </a:rPr>
-              <a:t> </a:t>
-            </a:r>
-            <a:r>
-              <a:rPr lang="fr-FR" dirty="0" err="1">
-                <a:solidFill>
-                  <a:schemeClr val="tx1">
-                    <a:lumMod val="65000"/>
-                    <a:lumOff val="35000"/>
-                  </a:schemeClr>
-                </a:solidFill>
-                <a:ea typeface="Calibri" panose="020F0502020204030204" pitchFamily="34" charset="0"/>
-                <a:cs typeface="Arial" panose="020B0604020202020204" pitchFamily="34" charset="0"/>
-              </a:rPr>
-              <a:t>with</a:t>
-            </a:r>
-            <a:r>
-              <a:rPr lang="fr-FR" dirty="0">
-                <a:solidFill>
-                  <a:schemeClr val="tx1">
-                    <a:lumMod val="65000"/>
-                    <a:lumOff val="35000"/>
-                  </a:schemeClr>
-                </a:solidFill>
-                <a:ea typeface="Calibri" panose="020F0502020204030204" pitchFamily="34" charset="0"/>
-                <a:cs typeface="Arial" panose="020B0604020202020204" pitchFamily="34" charset="0"/>
-              </a:rPr>
-              <a:t> a </a:t>
-            </a:r>
-            <a:r>
-              <a:rPr lang="fr-FR" dirty="0" err="1">
-                <a:solidFill>
-                  <a:schemeClr val="tx1">
-                    <a:lumMod val="65000"/>
-                    <a:lumOff val="35000"/>
-                  </a:schemeClr>
-                </a:solidFill>
-                <a:ea typeface="Calibri" panose="020F0502020204030204" pitchFamily="34" charset="0"/>
-                <a:cs typeface="Arial" panose="020B0604020202020204" pitchFamily="34" charset="0"/>
-              </a:rPr>
-              <a:t>testnet</a:t>
-            </a:r>
-            <a:r>
-              <a:rPr lang="fr-FR" dirty="0">
-                <a:solidFill>
-                  <a:schemeClr val="tx1">
-                    <a:lumMod val="65000"/>
-                    <a:lumOff val="35000"/>
-                  </a:schemeClr>
-                </a:solidFill>
-                <a:ea typeface="Calibri" panose="020F0502020204030204" pitchFamily="34" charset="0"/>
-                <a:cs typeface="Arial" panose="020B0604020202020204" pitchFamily="34" charset="0"/>
-              </a:rPr>
-              <a:t> </a:t>
-            </a:r>
-            <a:r>
-              <a:rPr lang="fr-FR" dirty="0" err="1">
-                <a:solidFill>
-                  <a:schemeClr val="tx1">
-                    <a:lumMod val="65000"/>
-                    <a:lumOff val="35000"/>
-                  </a:schemeClr>
-                </a:solidFill>
-                <a:ea typeface="Calibri" panose="020F0502020204030204" pitchFamily="34" charset="0"/>
-                <a:cs typeface="Arial" panose="020B0604020202020204" pitchFamily="34" charset="0"/>
-              </a:rPr>
-              <a:t>demonstrator</a:t>
-            </a:r>
             <a:endParaRPr lang="fr-FR" dirty="0">
               <a:solidFill>
                 <a:schemeClr val="tx1">
@@ -5799,14 +5943,681 @@
                 <a:spcPts val="800"/>
               </a:spcAft>
             </a:pPr>
-            <a:endParaRPr lang="fr-FR" b="1" dirty="0">
+            <a:endParaRPr lang="fr-FR" dirty="0">
               <a:solidFill>
-                <a:srgbClr val="00C000"/>
+                <a:schemeClr val="tx1">
+                  <a:lumMod val="65000"/>
+                  <a:lumOff val="35000"/>
+                </a:schemeClr>
               </a:solidFill>
-              <a:latin typeface="Ink Free" panose="03080402000500000000" pitchFamily="66" charset="0"/>
               <a:ea typeface="Calibri" panose="020F0502020204030204" pitchFamily="34" charset="0"/>
               <a:cs typeface="Arial" panose="020B0604020202020204" pitchFamily="34" charset="0"/>
             </a:endParaRPr>
+          </a:p>
+          <a:p>
+            <a:pPr lvl="0" algn="just">
+              <a:lnSpc>
+                <a:spcPct val="107000"/>
+              </a:lnSpc>
+              <a:spcAft>
+                <a:spcPts val="800"/>
+              </a:spcAft>
+            </a:pPr>
+            <a:endParaRPr lang="fr-FR" dirty="0">
+              <a:solidFill>
+                <a:schemeClr val="tx1">
+                  <a:lumMod val="65000"/>
+                  <a:lumOff val="35000"/>
+                </a:schemeClr>
+              </a:solidFill>
+              <a:ea typeface="Calibri" panose="020F0502020204030204" pitchFamily="34" charset="0"/>
+              <a:cs typeface="Arial" panose="020B0604020202020204" pitchFamily="34" charset="0"/>
+            </a:endParaRPr>
+          </a:p>
+          <a:p>
+            <a:pPr lvl="0" algn="just">
+              <a:lnSpc>
+                <a:spcPct val="107000"/>
+              </a:lnSpc>
+              <a:spcAft>
+                <a:spcPts val="800"/>
+              </a:spcAft>
+            </a:pPr>
+            <a:r>
+              <a:rPr lang="fr-FR" b="1" dirty="0" err="1">
+                <a:solidFill>
+                  <a:schemeClr val="tx1">
+                    <a:lumMod val="65000"/>
+                    <a:lumOff val="35000"/>
+                  </a:schemeClr>
+                </a:solidFill>
+                <a:ea typeface="Calibri" panose="020F0502020204030204" pitchFamily="34" charset="0"/>
+                <a:cs typeface="Arial" panose="020B0604020202020204" pitchFamily="34" charset="0"/>
+              </a:rPr>
+              <a:t>Recommendations</a:t>
+            </a:r>
+            <a:r>
+              <a:rPr lang="fr-FR" b="1" dirty="0">
+                <a:solidFill>
+                  <a:schemeClr val="tx1">
+                    <a:lumMod val="65000"/>
+                    <a:lumOff val="35000"/>
+                  </a:schemeClr>
+                </a:solidFill>
+                <a:ea typeface="Calibri" panose="020F0502020204030204" pitchFamily="34" charset="0"/>
+                <a:cs typeface="Arial" panose="020B0604020202020204" pitchFamily="34" charset="0"/>
+              </a:rPr>
+              <a:t>:</a:t>
+            </a:r>
+          </a:p>
+          <a:p>
+            <a:pPr marL="285750" lvl="0" indent="-285750" algn="just">
+              <a:lnSpc>
+                <a:spcPct val="107000"/>
+              </a:lnSpc>
+              <a:spcAft>
+                <a:spcPts val="800"/>
+              </a:spcAft>
+              <a:buFont typeface="Arial" panose="020B0604020202020204" pitchFamily="34" charset="0"/>
+              <a:buChar char="•"/>
+            </a:pPr>
+            <a:r>
+              <a:rPr lang="fr-FR" dirty="0">
+                <a:solidFill>
+                  <a:schemeClr val="tx1">
+                    <a:lumMod val="65000"/>
+                    <a:lumOff val="35000"/>
+                  </a:schemeClr>
+                </a:solidFill>
+                <a:ea typeface="Calibri" panose="020F0502020204030204" pitchFamily="34" charset="0"/>
+                <a:cs typeface="Arial" panose="020B0604020202020204" pitchFamily="34" charset="0"/>
+              </a:rPr>
+              <a:t>The </a:t>
+            </a:r>
+            <a:r>
+              <a:rPr lang="fr-FR" dirty="0" err="1">
+                <a:solidFill>
+                  <a:schemeClr val="tx1">
+                    <a:lumMod val="65000"/>
+                    <a:lumOff val="35000"/>
+                  </a:schemeClr>
+                </a:solidFill>
+                <a:ea typeface="Calibri" panose="020F0502020204030204" pitchFamily="34" charset="0"/>
+                <a:cs typeface="Arial" panose="020B0604020202020204" pitchFamily="34" charset="0"/>
+              </a:rPr>
+              <a:t>implementation</a:t>
+            </a:r>
+            <a:r>
+              <a:rPr lang="fr-FR" dirty="0">
+                <a:solidFill>
+                  <a:schemeClr val="tx1">
+                    <a:lumMod val="65000"/>
+                    <a:lumOff val="35000"/>
+                  </a:schemeClr>
+                </a:solidFill>
+                <a:ea typeface="Calibri" panose="020F0502020204030204" pitchFamily="34" charset="0"/>
+                <a:cs typeface="Arial" panose="020B0604020202020204" pitchFamily="34" charset="0"/>
+              </a:rPr>
+              <a:t> </a:t>
+            </a:r>
+            <a:r>
+              <a:rPr lang="fr-FR" dirty="0" err="1">
+                <a:solidFill>
+                  <a:schemeClr val="tx1">
+                    <a:lumMod val="65000"/>
+                    <a:lumOff val="35000"/>
+                  </a:schemeClr>
+                </a:solidFill>
+                <a:ea typeface="Calibri" panose="020F0502020204030204" pitchFamily="34" charset="0"/>
+                <a:cs typeface="Arial" panose="020B0604020202020204" pitchFamily="34" charset="0"/>
+              </a:rPr>
+              <a:t>details</a:t>
+            </a:r>
+            <a:r>
+              <a:rPr lang="fr-FR" dirty="0">
+                <a:solidFill>
+                  <a:schemeClr val="tx1">
+                    <a:lumMod val="65000"/>
+                    <a:lumOff val="35000"/>
+                  </a:schemeClr>
+                </a:solidFill>
+                <a:ea typeface="Calibri" panose="020F0502020204030204" pitchFamily="34" charset="0"/>
+                <a:cs typeface="Arial" panose="020B0604020202020204" pitchFamily="34" charset="0"/>
+              </a:rPr>
+              <a:t> </a:t>
+            </a:r>
+            <a:r>
+              <a:rPr lang="fr-FR" dirty="0" err="1">
+                <a:solidFill>
+                  <a:schemeClr val="tx1">
+                    <a:lumMod val="65000"/>
+                    <a:lumOff val="35000"/>
+                  </a:schemeClr>
+                </a:solidFill>
+                <a:ea typeface="Calibri" panose="020F0502020204030204" pitchFamily="34" charset="0"/>
+                <a:cs typeface="Arial" panose="020B0604020202020204" pitchFamily="34" charset="0"/>
+              </a:rPr>
+              <a:t>might</a:t>
+            </a:r>
+            <a:r>
+              <a:rPr lang="fr-FR" dirty="0">
+                <a:solidFill>
+                  <a:schemeClr val="tx1">
+                    <a:lumMod val="65000"/>
+                    <a:lumOff val="35000"/>
+                  </a:schemeClr>
+                </a:solidFill>
+                <a:ea typeface="Calibri" panose="020F0502020204030204" pitchFamily="34" charset="0"/>
+                <a:cs typeface="Arial" panose="020B0604020202020204" pitchFamily="34" charset="0"/>
+              </a:rPr>
+              <a:t> </a:t>
+            </a:r>
+            <a:r>
+              <a:rPr lang="fr-FR" dirty="0" err="1">
+                <a:solidFill>
+                  <a:schemeClr val="tx1">
+                    <a:lumMod val="65000"/>
+                    <a:lumOff val="35000"/>
+                  </a:schemeClr>
+                </a:solidFill>
+                <a:ea typeface="Calibri" panose="020F0502020204030204" pitchFamily="34" charset="0"/>
+                <a:cs typeface="Arial" panose="020B0604020202020204" pitchFamily="34" charset="0"/>
+              </a:rPr>
+              <a:t>vary</a:t>
+            </a:r>
+            <a:r>
+              <a:rPr lang="fr-FR" dirty="0">
+                <a:solidFill>
+                  <a:schemeClr val="tx1">
+                    <a:lumMod val="65000"/>
+                    <a:lumOff val="35000"/>
+                  </a:schemeClr>
+                </a:solidFill>
+                <a:ea typeface="Calibri" panose="020F0502020204030204" pitchFamily="34" charset="0"/>
+                <a:cs typeface="Arial" panose="020B0604020202020204" pitchFamily="34" charset="0"/>
+              </a:rPr>
+              <a:t>. That </a:t>
+            </a:r>
+            <a:r>
+              <a:rPr lang="fr-FR" dirty="0" err="1">
+                <a:solidFill>
+                  <a:schemeClr val="tx1">
+                    <a:lumMod val="65000"/>
+                    <a:lumOff val="35000"/>
+                  </a:schemeClr>
+                </a:solidFill>
+                <a:ea typeface="Calibri" panose="020F0502020204030204" pitchFamily="34" charset="0"/>
+                <a:cs typeface="Arial" panose="020B0604020202020204" pitchFamily="34" charset="0"/>
+              </a:rPr>
+              <a:t>is</a:t>
+            </a:r>
+            <a:r>
+              <a:rPr lang="fr-FR" dirty="0">
+                <a:solidFill>
+                  <a:schemeClr val="tx1">
+                    <a:lumMod val="65000"/>
+                    <a:lumOff val="35000"/>
+                  </a:schemeClr>
+                </a:solidFill>
+                <a:ea typeface="Calibri" panose="020F0502020204030204" pitchFamily="34" charset="0"/>
+                <a:cs typeface="Arial" panose="020B0604020202020204" pitchFamily="34" charset="0"/>
+              </a:rPr>
+              <a:t> </a:t>
+            </a:r>
+            <a:r>
+              <a:rPr lang="fr-FR" dirty="0" err="1">
+                <a:solidFill>
+                  <a:schemeClr val="tx1">
+                    <a:lumMod val="65000"/>
+                    <a:lumOff val="35000"/>
+                  </a:schemeClr>
+                </a:solidFill>
+                <a:ea typeface="Calibri" panose="020F0502020204030204" pitchFamily="34" charset="0"/>
+                <a:cs typeface="Arial" panose="020B0604020202020204" pitchFamily="34" charset="0"/>
+              </a:rPr>
+              <a:t>why</a:t>
+            </a:r>
+            <a:r>
+              <a:rPr lang="fr-FR" dirty="0">
+                <a:solidFill>
+                  <a:schemeClr val="tx1">
+                    <a:lumMod val="65000"/>
+                    <a:lumOff val="35000"/>
+                  </a:schemeClr>
+                </a:solidFill>
+                <a:ea typeface="Calibri" panose="020F0502020204030204" pitchFamily="34" charset="0"/>
+                <a:cs typeface="Arial" panose="020B0604020202020204" pitchFamily="34" charset="0"/>
+              </a:rPr>
+              <a:t> the </a:t>
+            </a:r>
+            <a:r>
+              <a:rPr lang="fr-FR" dirty="0" err="1">
+                <a:solidFill>
+                  <a:schemeClr val="tx1">
+                    <a:lumMod val="65000"/>
+                    <a:lumOff val="35000"/>
+                  </a:schemeClr>
+                </a:solidFill>
+                <a:ea typeface="Calibri" panose="020F0502020204030204" pitchFamily="34" charset="0"/>
+                <a:cs typeface="Arial" panose="020B0604020202020204" pitchFamily="34" charset="0"/>
+              </a:rPr>
+              <a:t>event</a:t>
+            </a:r>
+            <a:r>
+              <a:rPr lang="fr-FR" dirty="0">
+                <a:solidFill>
+                  <a:schemeClr val="tx1">
+                    <a:lumMod val="65000"/>
+                    <a:lumOff val="35000"/>
+                  </a:schemeClr>
+                </a:solidFill>
+                <a:ea typeface="Calibri" panose="020F0502020204030204" pitchFamily="34" charset="0"/>
+                <a:cs typeface="Arial" panose="020B0604020202020204" pitchFamily="34" charset="0"/>
+              </a:rPr>
+              <a:t> </a:t>
+            </a:r>
+            <a:r>
+              <a:rPr lang="fr-FR" dirty="0" err="1">
+                <a:solidFill>
+                  <a:schemeClr val="tx1">
+                    <a:lumMod val="65000"/>
+                    <a:lumOff val="35000"/>
+                  </a:schemeClr>
+                </a:solidFill>
+                <a:ea typeface="Calibri" panose="020F0502020204030204" pitchFamily="34" charset="0"/>
+                <a:cs typeface="Arial" panose="020B0604020202020204" pitchFamily="34" charset="0"/>
+              </a:rPr>
+              <a:t>triggering</a:t>
+            </a:r>
+            <a:r>
+              <a:rPr lang="fr-FR" dirty="0">
+                <a:solidFill>
+                  <a:schemeClr val="tx1">
+                    <a:lumMod val="65000"/>
+                    <a:lumOff val="35000"/>
+                  </a:schemeClr>
+                </a:solidFill>
+                <a:ea typeface="Calibri" panose="020F0502020204030204" pitchFamily="34" charset="0"/>
+                <a:cs typeface="Arial" panose="020B0604020202020204" pitchFamily="34" charset="0"/>
+              </a:rPr>
+              <a:t> </a:t>
+            </a:r>
+            <a:r>
+              <a:rPr lang="fr-FR" dirty="0" err="1">
+                <a:solidFill>
+                  <a:schemeClr val="tx1">
+                    <a:lumMod val="65000"/>
+                    <a:lumOff val="35000"/>
+                  </a:schemeClr>
+                </a:solidFill>
+                <a:ea typeface="Calibri" panose="020F0502020204030204" pitchFamily="34" charset="0"/>
+                <a:cs typeface="Arial" panose="020B0604020202020204" pitchFamily="34" charset="0"/>
+              </a:rPr>
+              <a:t>should</a:t>
+            </a:r>
+            <a:r>
+              <a:rPr lang="fr-FR" dirty="0">
+                <a:solidFill>
+                  <a:schemeClr val="tx1">
+                    <a:lumMod val="65000"/>
+                    <a:lumOff val="35000"/>
+                  </a:schemeClr>
+                </a:solidFill>
+                <a:ea typeface="Calibri" panose="020F0502020204030204" pitchFamily="34" charset="0"/>
+                <a:cs typeface="Arial" panose="020B0604020202020204" pitchFamily="34" charset="0"/>
+              </a:rPr>
+              <a:t> </a:t>
+            </a:r>
+            <a:r>
+              <a:rPr lang="fr-FR" dirty="0" err="1">
+                <a:solidFill>
+                  <a:schemeClr val="tx1">
+                    <a:lumMod val="65000"/>
+                    <a:lumOff val="35000"/>
+                  </a:schemeClr>
+                </a:solidFill>
+                <a:ea typeface="Calibri" panose="020F0502020204030204" pitchFamily="34" charset="0"/>
+                <a:cs typeface="Arial" panose="020B0604020202020204" pitchFamily="34" charset="0"/>
+              </a:rPr>
+              <a:t>be</a:t>
+            </a:r>
+            <a:r>
+              <a:rPr lang="fr-FR" dirty="0">
+                <a:solidFill>
+                  <a:schemeClr val="tx1">
+                    <a:lumMod val="65000"/>
+                    <a:lumOff val="35000"/>
+                  </a:schemeClr>
+                </a:solidFill>
+                <a:ea typeface="Calibri" panose="020F0502020204030204" pitchFamily="34" charset="0"/>
+                <a:cs typeface="Arial" panose="020B0604020202020204" pitchFamily="34" charset="0"/>
+              </a:rPr>
+              <a:t> </a:t>
+            </a:r>
+            <a:r>
+              <a:rPr lang="fr-FR" dirty="0" err="1">
+                <a:solidFill>
+                  <a:schemeClr val="tx1">
+                    <a:lumMod val="65000"/>
+                    <a:lumOff val="35000"/>
+                  </a:schemeClr>
+                </a:solidFill>
+                <a:ea typeface="Calibri" panose="020F0502020204030204" pitchFamily="34" charset="0"/>
+                <a:cs typeface="Arial" panose="020B0604020202020204" pitchFamily="34" charset="0"/>
+              </a:rPr>
+              <a:t>encapsulated</a:t>
+            </a:r>
+            <a:r>
+              <a:rPr lang="fr-FR" dirty="0">
+                <a:solidFill>
+                  <a:schemeClr val="tx1">
+                    <a:lumMod val="65000"/>
+                    <a:lumOff val="35000"/>
+                  </a:schemeClr>
+                </a:solidFill>
+                <a:ea typeface="Calibri" panose="020F0502020204030204" pitchFamily="34" charset="0"/>
+                <a:cs typeface="Arial" panose="020B0604020202020204" pitchFamily="34" charset="0"/>
+              </a:rPr>
+              <a:t> in </a:t>
+            </a:r>
+            <a:r>
+              <a:rPr lang="fr-FR" dirty="0" err="1">
+                <a:solidFill>
+                  <a:schemeClr val="tx1">
+                    <a:lumMod val="65000"/>
+                    <a:lumOff val="35000"/>
+                  </a:schemeClr>
+                </a:solidFill>
+                <a:ea typeface="Calibri" panose="020F0502020204030204" pitchFamily="34" charset="0"/>
+                <a:cs typeface="Arial" panose="020B0604020202020204" pitchFamily="34" charset="0"/>
+              </a:rPr>
+              <a:t>its</a:t>
+            </a:r>
+            <a:r>
+              <a:rPr lang="fr-FR" dirty="0">
+                <a:solidFill>
+                  <a:schemeClr val="tx1">
+                    <a:lumMod val="65000"/>
+                    <a:lumOff val="35000"/>
+                  </a:schemeClr>
+                </a:solidFill>
+                <a:ea typeface="Calibri" panose="020F0502020204030204" pitchFamily="34" charset="0"/>
+                <a:cs typeface="Arial" panose="020B0604020202020204" pitchFamily="34" charset="0"/>
+              </a:rPr>
+              <a:t> </a:t>
+            </a:r>
+            <a:r>
+              <a:rPr lang="fr-FR" dirty="0" err="1">
+                <a:solidFill>
+                  <a:schemeClr val="tx1">
+                    <a:lumMod val="65000"/>
+                    <a:lumOff val="35000"/>
+                  </a:schemeClr>
+                </a:solidFill>
+                <a:ea typeface="Calibri" panose="020F0502020204030204" pitchFamily="34" charset="0"/>
+                <a:cs typeface="Arial" panose="020B0604020202020204" pitchFamily="34" charset="0"/>
+              </a:rPr>
+              <a:t>own</a:t>
+            </a:r>
+            <a:r>
+              <a:rPr lang="fr-FR" dirty="0">
+                <a:solidFill>
+                  <a:schemeClr val="tx1">
+                    <a:lumMod val="65000"/>
+                    <a:lumOff val="35000"/>
+                  </a:schemeClr>
+                </a:solidFill>
+                <a:ea typeface="Calibri" panose="020F0502020204030204" pitchFamily="34" charset="0"/>
+                <a:cs typeface="Arial" panose="020B0604020202020204" pitchFamily="34" charset="0"/>
+              </a:rPr>
+              <a:t> </a:t>
+            </a:r>
+            <a:r>
+              <a:rPr lang="fr-FR" dirty="0" err="1">
+                <a:solidFill>
+                  <a:schemeClr val="tx1">
+                    <a:lumMod val="65000"/>
+                    <a:lumOff val="35000"/>
+                  </a:schemeClr>
+                </a:solidFill>
+                <a:ea typeface="Calibri" panose="020F0502020204030204" pitchFamily="34" charset="0"/>
+                <a:cs typeface="Arial" panose="020B0604020202020204" pitchFamily="34" charset="0"/>
+              </a:rPr>
+              <a:t>dedicated</a:t>
+            </a:r>
+            <a:r>
+              <a:rPr lang="fr-FR" dirty="0">
+                <a:solidFill>
+                  <a:schemeClr val="tx1">
+                    <a:lumMod val="65000"/>
+                    <a:lumOff val="35000"/>
+                  </a:schemeClr>
+                </a:solidFill>
+                <a:ea typeface="Calibri" panose="020F0502020204030204" pitchFamily="34" charset="0"/>
+                <a:cs typeface="Arial" panose="020B0604020202020204" pitchFamily="34" charset="0"/>
+              </a:rPr>
+              <a:t> module.</a:t>
+            </a:r>
+          </a:p>
+          <a:p>
+            <a:pPr marL="285750" lvl="0" indent="-285750" algn="just">
+              <a:lnSpc>
+                <a:spcPct val="107000"/>
+              </a:lnSpc>
+              <a:spcAft>
+                <a:spcPts val="800"/>
+              </a:spcAft>
+              <a:buFont typeface="Arial" panose="020B0604020202020204" pitchFamily="34" charset="0"/>
+              <a:buChar char="•"/>
+            </a:pPr>
+            <a:r>
+              <a:rPr lang="fr-FR" dirty="0" err="1">
+                <a:solidFill>
+                  <a:schemeClr val="tx1">
+                    <a:lumMod val="65000"/>
+                    <a:lumOff val="35000"/>
+                  </a:schemeClr>
+                </a:solidFill>
+                <a:ea typeface="Calibri" panose="020F0502020204030204" pitchFamily="34" charset="0"/>
+                <a:cs typeface="Arial" panose="020B0604020202020204" pitchFamily="34" charset="0"/>
+              </a:rPr>
+              <a:t>Though</a:t>
+            </a:r>
+            <a:r>
+              <a:rPr lang="fr-FR" dirty="0">
+                <a:solidFill>
+                  <a:schemeClr val="tx1">
+                    <a:lumMod val="65000"/>
+                    <a:lumOff val="35000"/>
+                  </a:schemeClr>
+                </a:solidFill>
+                <a:ea typeface="Calibri" panose="020F0502020204030204" pitchFamily="34" charset="0"/>
+                <a:cs typeface="Arial" panose="020B0604020202020204" pitchFamily="34" charset="0"/>
+              </a:rPr>
+              <a:t> a minimal set of </a:t>
+            </a:r>
+            <a:r>
+              <a:rPr lang="fr-FR" dirty="0" err="1">
+                <a:solidFill>
+                  <a:schemeClr val="tx1">
+                    <a:lumMod val="65000"/>
+                    <a:lumOff val="35000"/>
+                  </a:schemeClr>
+                </a:solidFill>
+                <a:ea typeface="Calibri" panose="020F0502020204030204" pitchFamily="34" charset="0"/>
+                <a:cs typeface="Arial" panose="020B0604020202020204" pitchFamily="34" charset="0"/>
+              </a:rPr>
+              <a:t>events</a:t>
+            </a:r>
+            <a:r>
+              <a:rPr lang="fr-FR" dirty="0">
+                <a:solidFill>
+                  <a:schemeClr val="tx1">
+                    <a:lumMod val="65000"/>
+                    <a:lumOff val="35000"/>
+                  </a:schemeClr>
+                </a:solidFill>
+                <a:ea typeface="Calibri" panose="020F0502020204030204" pitchFamily="34" charset="0"/>
+                <a:cs typeface="Arial" panose="020B0604020202020204" pitchFamily="34" charset="0"/>
+              </a:rPr>
+              <a:t> </a:t>
+            </a:r>
+            <a:r>
+              <a:rPr lang="fr-FR" dirty="0" err="1">
+                <a:solidFill>
+                  <a:schemeClr val="tx1">
+                    <a:lumMod val="65000"/>
+                    <a:lumOff val="35000"/>
+                  </a:schemeClr>
+                </a:solidFill>
+                <a:ea typeface="Calibri" panose="020F0502020204030204" pitchFamily="34" charset="0"/>
+                <a:cs typeface="Arial" panose="020B0604020202020204" pitchFamily="34" charset="0"/>
+              </a:rPr>
+              <a:t>should</a:t>
+            </a:r>
+            <a:r>
+              <a:rPr lang="fr-FR" dirty="0">
+                <a:solidFill>
+                  <a:schemeClr val="tx1">
+                    <a:lumMod val="65000"/>
+                    <a:lumOff val="35000"/>
+                  </a:schemeClr>
+                </a:solidFill>
+                <a:ea typeface="Calibri" panose="020F0502020204030204" pitchFamily="34" charset="0"/>
+                <a:cs typeface="Arial" panose="020B0604020202020204" pitchFamily="34" charset="0"/>
+              </a:rPr>
+              <a:t> </a:t>
+            </a:r>
+            <a:r>
+              <a:rPr lang="fr-FR" dirty="0" err="1">
+                <a:solidFill>
+                  <a:schemeClr val="tx1">
+                    <a:lumMod val="65000"/>
+                    <a:lumOff val="35000"/>
+                  </a:schemeClr>
+                </a:solidFill>
+                <a:ea typeface="Calibri" panose="020F0502020204030204" pitchFamily="34" charset="0"/>
+                <a:cs typeface="Arial" panose="020B0604020202020204" pitchFamily="34" charset="0"/>
+              </a:rPr>
+              <a:t>exist</a:t>
+            </a:r>
+            <a:r>
+              <a:rPr lang="fr-FR" dirty="0">
+                <a:solidFill>
+                  <a:schemeClr val="tx1">
+                    <a:lumMod val="65000"/>
+                    <a:lumOff val="35000"/>
+                  </a:schemeClr>
+                </a:solidFill>
+                <a:ea typeface="Calibri" panose="020F0502020204030204" pitchFamily="34" charset="0"/>
+                <a:cs typeface="Arial" panose="020B0604020202020204" pitchFamily="34" charset="0"/>
+              </a:rPr>
+              <a:t>, user </a:t>
+            </a:r>
+            <a:r>
+              <a:rPr lang="fr-FR" dirty="0" err="1">
+                <a:solidFill>
+                  <a:schemeClr val="tx1">
+                    <a:lumMod val="65000"/>
+                    <a:lumOff val="35000"/>
+                  </a:schemeClr>
+                </a:solidFill>
+                <a:ea typeface="Calibri" panose="020F0502020204030204" pitchFamily="34" charset="0"/>
+                <a:cs typeface="Arial" panose="020B0604020202020204" pitchFamily="34" charset="0"/>
+              </a:rPr>
+              <a:t>should</a:t>
+            </a:r>
+            <a:r>
+              <a:rPr lang="fr-FR" dirty="0">
+                <a:solidFill>
+                  <a:schemeClr val="tx1">
+                    <a:lumMod val="65000"/>
+                    <a:lumOff val="35000"/>
+                  </a:schemeClr>
+                </a:solidFill>
+                <a:ea typeface="Calibri" panose="020F0502020204030204" pitchFamily="34" charset="0"/>
+                <a:cs typeface="Arial" panose="020B0604020202020204" pitchFamily="34" charset="0"/>
+              </a:rPr>
+              <a:t> </a:t>
+            </a:r>
+            <a:r>
+              <a:rPr lang="fr-FR" dirty="0" err="1">
+                <a:solidFill>
+                  <a:schemeClr val="tx1">
+                    <a:lumMod val="65000"/>
+                    <a:lumOff val="35000"/>
+                  </a:schemeClr>
+                </a:solidFill>
+                <a:ea typeface="Calibri" panose="020F0502020204030204" pitchFamily="34" charset="0"/>
+                <a:cs typeface="Arial" panose="020B0604020202020204" pitchFamily="34" charset="0"/>
+              </a:rPr>
+              <a:t>be</a:t>
+            </a:r>
+            <a:r>
+              <a:rPr lang="fr-FR" dirty="0">
+                <a:solidFill>
+                  <a:schemeClr val="tx1">
+                    <a:lumMod val="65000"/>
+                    <a:lumOff val="35000"/>
+                  </a:schemeClr>
+                </a:solidFill>
+                <a:ea typeface="Calibri" panose="020F0502020204030204" pitchFamily="34" charset="0"/>
+                <a:cs typeface="Arial" panose="020B0604020202020204" pitchFamily="34" charset="0"/>
+              </a:rPr>
+              <a:t> able to </a:t>
+            </a:r>
+            <a:r>
+              <a:rPr lang="fr-FR" dirty="0" err="1">
+                <a:solidFill>
+                  <a:schemeClr val="tx1">
+                    <a:lumMod val="65000"/>
+                    <a:lumOff val="35000"/>
+                  </a:schemeClr>
+                </a:solidFill>
+                <a:ea typeface="Calibri" panose="020F0502020204030204" pitchFamily="34" charset="0"/>
+                <a:cs typeface="Arial" panose="020B0604020202020204" pitchFamily="34" charset="0"/>
+              </a:rPr>
+              <a:t>register</a:t>
+            </a:r>
+            <a:r>
+              <a:rPr lang="fr-FR" dirty="0">
+                <a:solidFill>
+                  <a:schemeClr val="tx1">
+                    <a:lumMod val="65000"/>
+                    <a:lumOff val="35000"/>
+                  </a:schemeClr>
+                </a:solidFill>
+                <a:ea typeface="Calibri" panose="020F0502020204030204" pitchFamily="34" charset="0"/>
+                <a:cs typeface="Arial" panose="020B0604020202020204" pitchFamily="34" charset="0"/>
+              </a:rPr>
+              <a:t>/trigger more </a:t>
+            </a:r>
+            <a:r>
+              <a:rPr lang="fr-FR" dirty="0" err="1">
+                <a:solidFill>
+                  <a:schemeClr val="tx1">
+                    <a:lumMod val="65000"/>
+                    <a:lumOff val="35000"/>
+                  </a:schemeClr>
+                </a:solidFill>
+                <a:ea typeface="Calibri" panose="020F0502020204030204" pitchFamily="34" charset="0"/>
+                <a:cs typeface="Arial" panose="020B0604020202020204" pitchFamily="34" charset="0"/>
+              </a:rPr>
+              <a:t>events</a:t>
+            </a:r>
+            <a:r>
+              <a:rPr lang="fr-FR" dirty="0">
+                <a:solidFill>
+                  <a:schemeClr val="tx1">
+                    <a:lumMod val="65000"/>
+                    <a:lumOff val="35000"/>
+                  </a:schemeClr>
+                </a:solidFill>
+                <a:ea typeface="Calibri" panose="020F0502020204030204" pitchFamily="34" charset="0"/>
+                <a:cs typeface="Arial" panose="020B0604020202020204" pitchFamily="34" charset="0"/>
+              </a:rPr>
+              <a:t>.</a:t>
+            </a:r>
           </a:p>
         </p:txBody>
       </p:sp>
@@ -5884,10 +6695,4347 @@
           </a:prstGeom>
         </p:spPr>
       </p:pic>
+      <p:pic>
+        <p:nvPicPr>
+          <p:cNvPr id="9" name="Image 8">
+            <a:extLst>
+              <a:ext uri="{FF2B5EF4-FFF2-40B4-BE49-F238E27FC236}">
+                <a16:creationId xmlns:a16="http://schemas.microsoft.com/office/drawing/2014/main" id="{29D0985C-1106-2D44-B10D-5FB53713006A}"/>
+              </a:ext>
+            </a:extLst>
+          </p:cNvPr>
+          <p:cNvPicPr>
+            <a:picLocks noChangeAspect="1"/>
+          </p:cNvPicPr>
+          <p:nvPr/>
+        </p:nvPicPr>
+        <p:blipFill>
+          <a:blip r:embed="rId3"/>
+          <a:stretch>
+            <a:fillRect/>
+          </a:stretch>
+        </p:blipFill>
+        <p:spPr>
+          <a:xfrm>
+            <a:off x="1031844" y="2189843"/>
+            <a:ext cx="5448300" cy="1955800"/>
+          </a:xfrm>
+          <a:prstGeom prst="rect">
+            <a:avLst/>
+          </a:prstGeom>
+        </p:spPr>
+      </p:pic>
     </p:spTree>
     <p:extLst>
       <p:ext uri="{BB962C8B-B14F-4D97-AF65-F5344CB8AC3E}">
         <p14:creationId xmlns:p14="http://schemas.microsoft.com/office/powerpoint/2010/main" val="3490437053"/>
+      </p:ext>
+    </p:extLst>
+  </p:cSld>
+  <p:clrMapOvr>
+    <a:masterClrMapping/>
+  </p:clrMapOvr>
+</p:sld>
+</file>
+
+<file path=ppt/slides/slide4.xml><?xml version="1.0" encoding="utf-8"?>
+<p:sld xmlns:a="http://schemas.openxmlformats.org/drawingml/2006/main" xmlns:r="http://schemas.openxmlformats.org/officeDocument/2006/relationships" xmlns:p="http://schemas.openxmlformats.org/presentationml/2006/main">
+  <p:cSld>
+    <p:spTree>
+      <p:nvGrpSpPr>
+        <p:cNvPr id="1" name=""/>
+        <p:cNvGrpSpPr/>
+        <p:nvPr/>
+      </p:nvGrpSpPr>
+      <p:grpSpPr>
+        <a:xfrm>
+          <a:off x="0" y="0"/>
+          <a:ext cx="0" cy="0"/>
+          <a:chOff x="0" y="0"/>
+          <a:chExt cx="0" cy="0"/>
+        </a:xfrm>
+      </p:grpSpPr>
+      <p:sp>
+        <p:nvSpPr>
+          <p:cNvPr id="4" name="Rectangle 3">
+            <a:extLst>
+              <a:ext uri="{FF2B5EF4-FFF2-40B4-BE49-F238E27FC236}">
+                <a16:creationId xmlns:a16="http://schemas.microsoft.com/office/drawing/2014/main" id="{ECD7FB32-7D44-4892-B673-0D6C3A402A20}"/>
+              </a:ext>
+            </a:extLst>
+          </p:cNvPr>
+          <p:cNvSpPr/>
+          <p:nvPr/>
+        </p:nvSpPr>
+        <p:spPr>
+          <a:xfrm>
+            <a:off x="1895831" y="312808"/>
+            <a:ext cx="5429692" cy="683264"/>
+          </a:xfrm>
+          <a:prstGeom prst="rect">
+            <a:avLst/>
+          </a:prstGeom>
+        </p:spPr>
+        <p:txBody>
+          <a:bodyPr wrap="none">
+            <a:spAutoFit/>
+          </a:bodyPr>
+          <a:lstStyle/>
+          <a:p>
+            <a:pPr>
+              <a:lnSpc>
+                <a:spcPct val="120000"/>
+              </a:lnSpc>
+              <a:spcAft>
+                <a:spcPts val="0"/>
+              </a:spcAft>
+            </a:pPr>
+            <a:r>
+              <a:rPr lang="en-US" sz="3200" dirty="0" err="1">
+                <a:solidFill>
+                  <a:schemeClr val="tx1">
+                    <a:lumMod val="75000"/>
+                    <a:lumOff val="25000"/>
+                  </a:schemeClr>
+                </a:solidFill>
+                <a:latin typeface="Century Gothic" panose="020B0502020202020204" pitchFamily="34" charset="0"/>
+                <a:ea typeface="MS Mincho" panose="02020609040205080304" pitchFamily="49" charset="-128"/>
+                <a:cs typeface="MinionPro-Regular"/>
+              </a:rPr>
+              <a:t>Pikcio</a:t>
+            </a:r>
+            <a:r>
+              <a:rPr lang="en-US" sz="3200" dirty="0">
+                <a:solidFill>
+                  <a:schemeClr val="tx1">
+                    <a:lumMod val="75000"/>
+                    <a:lumOff val="25000"/>
+                  </a:schemeClr>
+                </a:solidFill>
+                <a:latin typeface="Century Gothic" panose="020B0502020202020204" pitchFamily="34" charset="0"/>
+                <a:ea typeface="MS Mincho" panose="02020609040205080304" pitchFamily="49" charset="-128"/>
+                <a:cs typeface="MinionPro-Regular"/>
+              </a:rPr>
+              <a:t> Token: Base module</a:t>
+            </a:r>
+            <a:endParaRPr lang="fr-FR" sz="1200" dirty="0">
+              <a:solidFill>
+                <a:schemeClr val="tx1">
+                  <a:lumMod val="75000"/>
+                  <a:lumOff val="25000"/>
+                </a:schemeClr>
+              </a:solidFill>
+              <a:latin typeface="Century Gothic" panose="020B0502020202020204" pitchFamily="34" charset="0"/>
+              <a:ea typeface="MS Mincho" panose="02020609040205080304" pitchFamily="49" charset="-128"/>
+              <a:cs typeface="MinionPro-Regular"/>
+            </a:endParaRPr>
+          </a:p>
+        </p:txBody>
+      </p:sp>
+      <p:sp>
+        <p:nvSpPr>
+          <p:cNvPr id="5" name="Zone de texte 2">
+            <a:extLst>
+              <a:ext uri="{FF2B5EF4-FFF2-40B4-BE49-F238E27FC236}">
+                <a16:creationId xmlns:a16="http://schemas.microsoft.com/office/drawing/2014/main" id="{E6140BFA-6C09-4536-B9D9-B691FB59BCBD}"/>
+              </a:ext>
+            </a:extLst>
+          </p:cNvPr>
+          <p:cNvSpPr txBox="1">
+            <a:spLocks noChangeArrowheads="1"/>
+          </p:cNvSpPr>
+          <p:nvPr/>
+        </p:nvSpPr>
+        <p:spPr bwMode="auto">
+          <a:xfrm>
+            <a:off x="1031844" y="1363424"/>
+            <a:ext cx="10698601" cy="4275658"/>
+          </a:xfrm>
+          <a:prstGeom prst="rect">
+            <a:avLst/>
+          </a:prstGeom>
+          <a:noFill/>
+          <a:ln w="9525">
+            <a:noFill/>
+            <a:miter lim="800000"/>
+            <a:headEnd/>
+            <a:tailEnd/>
+          </a:ln>
+        </p:spPr>
+        <p:txBody>
+          <a:bodyPr rot="0" vert="horz" wrap="square" lIns="91440" tIns="45720" rIns="91440" bIns="45720" anchor="t" anchorCtr="0">
+            <a:spAutoFit/>
+          </a:bodyPr>
+          <a:lstStyle/>
+          <a:p>
+            <a:pPr lvl="0" algn="just">
+              <a:lnSpc>
+                <a:spcPct val="107000"/>
+              </a:lnSpc>
+              <a:spcAft>
+                <a:spcPts val="800"/>
+              </a:spcAft>
+            </a:pPr>
+            <a:r>
+              <a:rPr lang="fr-FR" b="1" dirty="0" err="1">
+                <a:solidFill>
+                  <a:schemeClr val="tx1">
+                    <a:lumMod val="65000"/>
+                    <a:lumOff val="35000"/>
+                  </a:schemeClr>
+                </a:solidFill>
+                <a:ea typeface="Calibri" panose="020F0502020204030204" pitchFamily="34" charset="0"/>
+                <a:cs typeface="Arial" panose="020B0604020202020204" pitchFamily="34" charset="0"/>
+              </a:rPr>
+              <a:t>Token</a:t>
+            </a:r>
+            <a:r>
+              <a:rPr lang="fr-FR" b="1" dirty="0">
+                <a:solidFill>
+                  <a:schemeClr val="tx1">
+                    <a:lumMod val="65000"/>
+                    <a:lumOff val="35000"/>
+                  </a:schemeClr>
+                </a:solidFill>
+                <a:ea typeface="Calibri" panose="020F0502020204030204" pitchFamily="34" charset="0"/>
+                <a:cs typeface="Arial" panose="020B0604020202020204" pitchFamily="34" charset="0"/>
+              </a:rPr>
+              <a:t> </a:t>
+            </a:r>
+            <a:r>
+              <a:rPr lang="fr-FR" b="1" dirty="0" err="1">
+                <a:solidFill>
+                  <a:schemeClr val="tx1">
+                    <a:lumMod val="65000"/>
+                    <a:lumOff val="35000"/>
+                  </a:schemeClr>
+                </a:solidFill>
+                <a:ea typeface="Calibri" panose="020F0502020204030204" pitchFamily="34" charset="0"/>
+                <a:cs typeface="Arial" panose="020B0604020202020204" pitchFamily="34" charset="0"/>
+              </a:rPr>
+              <a:t>implementation</a:t>
+            </a:r>
+            <a:r>
+              <a:rPr lang="fr-FR" b="1" dirty="0">
+                <a:solidFill>
+                  <a:schemeClr val="tx1">
+                    <a:lumMod val="65000"/>
+                    <a:lumOff val="35000"/>
+                  </a:schemeClr>
+                </a:solidFill>
+                <a:ea typeface="Calibri" panose="020F0502020204030204" pitchFamily="34" charset="0"/>
+                <a:cs typeface="Arial" panose="020B0604020202020204" pitchFamily="34" charset="0"/>
+              </a:rPr>
+              <a:t> has to </a:t>
+            </a:r>
+            <a:r>
+              <a:rPr lang="fr-FR" b="1" dirty="0" err="1">
+                <a:solidFill>
+                  <a:schemeClr val="tx1">
+                    <a:lumMod val="65000"/>
+                    <a:lumOff val="35000"/>
+                  </a:schemeClr>
+                </a:solidFill>
+                <a:ea typeface="Calibri" panose="020F0502020204030204" pitchFamily="34" charset="0"/>
+                <a:cs typeface="Arial" panose="020B0604020202020204" pitchFamily="34" charset="0"/>
+              </a:rPr>
+              <a:t>be</a:t>
+            </a:r>
+            <a:r>
+              <a:rPr lang="fr-FR" b="1" dirty="0">
+                <a:solidFill>
+                  <a:schemeClr val="tx1">
+                    <a:lumMod val="65000"/>
+                    <a:lumOff val="35000"/>
+                  </a:schemeClr>
+                </a:solidFill>
+                <a:ea typeface="Calibri" panose="020F0502020204030204" pitchFamily="34" charset="0"/>
+                <a:cs typeface="Arial" panose="020B0604020202020204" pitchFamily="34" charset="0"/>
+              </a:rPr>
+              <a:t> </a:t>
+            </a:r>
+            <a:r>
+              <a:rPr lang="fr-FR" b="1" dirty="0" err="1">
+                <a:solidFill>
+                  <a:schemeClr val="tx1">
+                    <a:lumMod val="65000"/>
+                    <a:lumOff val="35000"/>
+                  </a:schemeClr>
+                </a:solidFill>
+                <a:ea typeface="Calibri" panose="020F0502020204030204" pitchFamily="34" charset="0"/>
+                <a:cs typeface="Arial" panose="020B0604020202020204" pitchFamily="34" charset="0"/>
+              </a:rPr>
+              <a:t>easy</a:t>
+            </a:r>
+            <a:r>
+              <a:rPr lang="fr-FR" b="1" dirty="0">
+                <a:solidFill>
+                  <a:schemeClr val="tx1">
+                    <a:lumMod val="65000"/>
+                    <a:lumOff val="35000"/>
+                  </a:schemeClr>
+                </a:solidFill>
+                <a:ea typeface="Calibri" panose="020F0502020204030204" pitchFamily="34" charset="0"/>
+                <a:cs typeface="Arial" panose="020B0604020202020204" pitchFamily="34" charset="0"/>
+              </a:rPr>
+              <a:t> and </a:t>
+            </a:r>
+            <a:r>
+              <a:rPr lang="fr-FR" b="1" dirty="0" err="1">
+                <a:solidFill>
+                  <a:schemeClr val="tx1">
+                    <a:lumMod val="65000"/>
+                    <a:lumOff val="35000"/>
+                  </a:schemeClr>
+                </a:solidFill>
+                <a:ea typeface="Calibri" panose="020F0502020204030204" pitchFamily="34" charset="0"/>
+                <a:cs typeface="Arial" panose="020B0604020202020204" pitchFamily="34" charset="0"/>
+              </a:rPr>
+              <a:t>fast</a:t>
+            </a:r>
+            <a:r>
+              <a:rPr lang="fr-FR" b="1" dirty="0">
+                <a:solidFill>
+                  <a:schemeClr val="tx1">
+                    <a:lumMod val="65000"/>
+                    <a:lumOff val="35000"/>
+                  </a:schemeClr>
+                </a:solidFill>
+                <a:ea typeface="Calibri" panose="020F0502020204030204" pitchFamily="34" charset="0"/>
+                <a:cs typeface="Arial" panose="020B0604020202020204" pitchFamily="34" charset="0"/>
+              </a:rPr>
+              <a:t> for </a:t>
+            </a:r>
+            <a:r>
+              <a:rPr lang="fr-FR" b="1" dirty="0" err="1">
+                <a:solidFill>
+                  <a:schemeClr val="tx1">
+                    <a:lumMod val="65000"/>
+                    <a:lumOff val="35000"/>
+                  </a:schemeClr>
+                </a:solidFill>
+                <a:ea typeface="Calibri" panose="020F0502020204030204" pitchFamily="34" charset="0"/>
+                <a:cs typeface="Arial" panose="020B0604020202020204" pitchFamily="34" charset="0"/>
+              </a:rPr>
+              <a:t>users</a:t>
+            </a:r>
+            <a:r>
+              <a:rPr lang="fr-FR" b="1" dirty="0">
+                <a:solidFill>
+                  <a:schemeClr val="tx1">
+                    <a:lumMod val="65000"/>
+                    <a:lumOff val="35000"/>
+                  </a:schemeClr>
+                </a:solidFill>
+                <a:ea typeface="Calibri" panose="020F0502020204030204" pitchFamily="34" charset="0"/>
+                <a:cs typeface="Arial" panose="020B0604020202020204" pitchFamily="34" charset="0"/>
+              </a:rPr>
+              <a:t>.</a:t>
+            </a:r>
+          </a:p>
+          <a:p>
+            <a:pPr lvl="0" algn="just">
+              <a:lnSpc>
+                <a:spcPct val="107000"/>
+              </a:lnSpc>
+              <a:spcAft>
+                <a:spcPts val="800"/>
+              </a:spcAft>
+            </a:pPr>
+            <a:r>
+              <a:rPr lang="fr-FR" dirty="0" err="1">
+                <a:solidFill>
+                  <a:schemeClr val="tx1">
+                    <a:lumMod val="65000"/>
+                    <a:lumOff val="35000"/>
+                  </a:schemeClr>
+                </a:solidFill>
+                <a:ea typeface="Calibri" panose="020F0502020204030204" pitchFamily="34" charset="0"/>
+                <a:cs typeface="Arial" panose="020B0604020202020204" pitchFamily="34" charset="0"/>
+              </a:rPr>
+              <a:t>Thus</a:t>
+            </a:r>
+            <a:r>
+              <a:rPr lang="fr-FR" dirty="0">
+                <a:solidFill>
+                  <a:schemeClr val="tx1">
+                    <a:lumMod val="65000"/>
+                    <a:lumOff val="35000"/>
+                  </a:schemeClr>
+                </a:solidFill>
+                <a:ea typeface="Calibri" panose="020F0502020204030204" pitchFamily="34" charset="0"/>
+                <a:cs typeface="Arial" panose="020B0604020202020204" pitchFamily="34" charset="0"/>
+              </a:rPr>
+              <a:t>, </a:t>
+            </a:r>
+            <a:r>
+              <a:rPr lang="fr-FR" dirty="0" err="1">
+                <a:solidFill>
+                  <a:schemeClr val="tx1">
+                    <a:lumMod val="65000"/>
+                    <a:lumOff val="35000"/>
+                  </a:schemeClr>
+                </a:solidFill>
+                <a:ea typeface="Calibri" panose="020F0502020204030204" pitchFamily="34" charset="0"/>
+                <a:cs typeface="Arial" panose="020B0604020202020204" pitchFamily="34" charset="0"/>
+              </a:rPr>
+              <a:t>each</a:t>
+            </a:r>
+            <a:r>
+              <a:rPr lang="fr-FR" dirty="0">
+                <a:solidFill>
+                  <a:schemeClr val="tx1">
+                    <a:lumMod val="65000"/>
+                    <a:lumOff val="35000"/>
+                  </a:schemeClr>
+                </a:solidFill>
+                <a:ea typeface="Calibri" panose="020F0502020204030204" pitchFamily="34" charset="0"/>
+                <a:cs typeface="Arial" panose="020B0604020202020204" pitchFamily="34" charset="0"/>
+              </a:rPr>
+              <a:t> basic </a:t>
+            </a:r>
+            <a:r>
+              <a:rPr lang="fr-FR" dirty="0" err="1">
+                <a:solidFill>
+                  <a:schemeClr val="tx1">
+                    <a:lumMod val="65000"/>
+                    <a:lumOff val="35000"/>
+                  </a:schemeClr>
+                </a:solidFill>
+                <a:ea typeface="Calibri" panose="020F0502020204030204" pitchFamily="34" charset="0"/>
+                <a:cs typeface="Arial" panose="020B0604020202020204" pitchFamily="34" charset="0"/>
+              </a:rPr>
+              <a:t>function</a:t>
+            </a:r>
+            <a:r>
+              <a:rPr lang="fr-FR" dirty="0">
+                <a:solidFill>
+                  <a:schemeClr val="tx1">
+                    <a:lumMod val="65000"/>
+                    <a:lumOff val="35000"/>
+                  </a:schemeClr>
+                </a:solidFill>
+                <a:ea typeface="Calibri" panose="020F0502020204030204" pitchFamily="34" charset="0"/>
+                <a:cs typeface="Arial" panose="020B0604020202020204" pitchFamily="34" charset="0"/>
+              </a:rPr>
+              <a:t> </a:t>
+            </a:r>
+            <a:r>
+              <a:rPr lang="fr-FR" dirty="0" err="1">
+                <a:solidFill>
+                  <a:schemeClr val="tx1">
+                    <a:lumMod val="65000"/>
+                    <a:lumOff val="35000"/>
+                  </a:schemeClr>
+                </a:solidFill>
+                <a:ea typeface="Calibri" panose="020F0502020204030204" pitchFamily="34" charset="0"/>
+                <a:cs typeface="Arial" panose="020B0604020202020204" pitchFamily="34" charset="0"/>
+              </a:rPr>
+              <a:t>should</a:t>
+            </a:r>
+            <a:r>
+              <a:rPr lang="fr-FR" dirty="0">
+                <a:solidFill>
+                  <a:schemeClr val="tx1">
+                    <a:lumMod val="65000"/>
+                    <a:lumOff val="35000"/>
+                  </a:schemeClr>
+                </a:solidFill>
+                <a:ea typeface="Calibri" panose="020F0502020204030204" pitchFamily="34" charset="0"/>
+                <a:cs typeface="Arial" panose="020B0604020202020204" pitchFamily="34" charset="0"/>
+              </a:rPr>
+              <a:t> have a default </a:t>
+            </a:r>
+            <a:r>
+              <a:rPr lang="fr-FR" dirty="0" err="1">
+                <a:solidFill>
+                  <a:schemeClr val="tx1">
+                    <a:lumMod val="65000"/>
+                    <a:lumOff val="35000"/>
+                  </a:schemeClr>
+                </a:solidFill>
+                <a:ea typeface="Calibri" panose="020F0502020204030204" pitchFamily="34" charset="0"/>
+                <a:cs typeface="Arial" panose="020B0604020202020204" pitchFamily="34" charset="0"/>
+              </a:rPr>
+              <a:t>implementation</a:t>
+            </a:r>
+            <a:r>
+              <a:rPr lang="fr-FR" dirty="0">
+                <a:solidFill>
+                  <a:schemeClr val="tx1">
+                    <a:lumMod val="65000"/>
+                    <a:lumOff val="35000"/>
+                  </a:schemeClr>
+                </a:solidFill>
+                <a:ea typeface="Calibri" panose="020F0502020204030204" pitchFamily="34" charset="0"/>
+                <a:cs typeface="Arial" panose="020B0604020202020204" pitchFamily="34" charset="0"/>
+              </a:rPr>
+              <a:t> </a:t>
+            </a:r>
+            <a:r>
+              <a:rPr lang="fr-FR" dirty="0" err="1">
+                <a:solidFill>
+                  <a:schemeClr val="tx1">
+                    <a:lumMod val="65000"/>
+                    <a:lumOff val="35000"/>
+                  </a:schemeClr>
+                </a:solidFill>
+                <a:ea typeface="Calibri" panose="020F0502020204030204" pitchFamily="34" charset="0"/>
+                <a:cs typeface="Arial" panose="020B0604020202020204" pitchFamily="34" charset="0"/>
+              </a:rPr>
+              <a:t>provided</a:t>
+            </a:r>
+            <a:r>
+              <a:rPr lang="fr-FR" dirty="0">
+                <a:solidFill>
+                  <a:schemeClr val="tx1">
+                    <a:lumMod val="65000"/>
+                    <a:lumOff val="35000"/>
+                  </a:schemeClr>
+                </a:solidFill>
+                <a:ea typeface="Calibri" panose="020F0502020204030204" pitchFamily="34" charset="0"/>
+                <a:cs typeface="Arial" panose="020B0604020202020204" pitchFamily="34" charset="0"/>
+              </a:rPr>
+              <a:t> by </a:t>
+            </a:r>
+            <a:r>
+              <a:rPr lang="fr-FR" dirty="0" err="1">
+                <a:solidFill>
+                  <a:schemeClr val="tx1">
+                    <a:lumMod val="65000"/>
+                    <a:lumOff val="35000"/>
+                  </a:schemeClr>
+                </a:solidFill>
+                <a:ea typeface="Calibri" panose="020F0502020204030204" pitchFamily="34" charset="0"/>
+                <a:cs typeface="Arial" panose="020B0604020202020204" pitchFamily="34" charset="0"/>
+              </a:rPr>
+              <a:t>Pikcio</a:t>
+            </a:r>
+            <a:r>
+              <a:rPr lang="fr-FR" dirty="0">
+                <a:solidFill>
+                  <a:schemeClr val="tx1">
+                    <a:lumMod val="65000"/>
+                    <a:lumOff val="35000"/>
+                  </a:schemeClr>
+                </a:solidFill>
+                <a:ea typeface="Calibri" panose="020F0502020204030204" pitchFamily="34" charset="0"/>
+                <a:cs typeface="Arial" panose="020B0604020202020204" pitchFamily="34" charset="0"/>
+              </a:rPr>
+              <a:t>.</a:t>
+            </a:r>
+          </a:p>
+          <a:p>
+            <a:pPr lvl="0" algn="just">
+              <a:lnSpc>
+                <a:spcPct val="107000"/>
+              </a:lnSpc>
+              <a:spcAft>
+                <a:spcPts val="800"/>
+              </a:spcAft>
+            </a:pPr>
+            <a:r>
+              <a:rPr lang="fr-FR" dirty="0" err="1">
+                <a:solidFill>
+                  <a:schemeClr val="tx1">
+                    <a:lumMod val="65000"/>
+                    <a:lumOff val="35000"/>
+                  </a:schemeClr>
+                </a:solidFill>
+                <a:ea typeface="Calibri" panose="020F0502020204030204" pitchFamily="34" charset="0"/>
+                <a:cs typeface="Arial" panose="020B0604020202020204" pitchFamily="34" charset="0"/>
+              </a:rPr>
+              <a:t>Because</a:t>
+            </a:r>
+            <a:r>
+              <a:rPr lang="fr-FR" dirty="0">
+                <a:solidFill>
+                  <a:schemeClr val="tx1">
+                    <a:lumMod val="65000"/>
+                    <a:lumOff val="35000"/>
+                  </a:schemeClr>
+                </a:solidFill>
+                <a:ea typeface="Calibri" panose="020F0502020204030204" pitchFamily="34" charset="0"/>
+                <a:cs typeface="Arial" panose="020B0604020202020204" pitchFamily="34" charset="0"/>
+              </a:rPr>
+              <a:t> </a:t>
+            </a:r>
+            <a:r>
+              <a:rPr lang="fr-FR" dirty="0" err="1">
+                <a:solidFill>
+                  <a:schemeClr val="tx1">
+                    <a:lumMod val="65000"/>
+                    <a:lumOff val="35000"/>
+                  </a:schemeClr>
+                </a:solidFill>
+                <a:ea typeface="Calibri" panose="020F0502020204030204" pitchFamily="34" charset="0"/>
+                <a:cs typeface="Arial" panose="020B0604020202020204" pitchFamily="34" charset="0"/>
+              </a:rPr>
+              <a:t>endpoints</a:t>
+            </a:r>
+            <a:r>
+              <a:rPr lang="fr-FR" dirty="0">
+                <a:solidFill>
+                  <a:schemeClr val="tx1">
+                    <a:lumMod val="65000"/>
+                    <a:lumOff val="35000"/>
+                  </a:schemeClr>
+                </a:solidFill>
+                <a:ea typeface="Calibri" panose="020F0502020204030204" pitchFamily="34" charset="0"/>
+                <a:cs typeface="Arial" panose="020B0604020202020204" pitchFamily="34" charset="0"/>
+              </a:rPr>
+              <a:t> have to </a:t>
+            </a:r>
+            <a:r>
+              <a:rPr lang="fr-FR" dirty="0" err="1">
+                <a:solidFill>
+                  <a:schemeClr val="tx1">
+                    <a:lumMod val="65000"/>
+                    <a:lumOff val="35000"/>
+                  </a:schemeClr>
+                </a:solidFill>
+                <a:ea typeface="Calibri" panose="020F0502020204030204" pitchFamily="34" charset="0"/>
+                <a:cs typeface="Arial" panose="020B0604020202020204" pitchFamily="34" charset="0"/>
+              </a:rPr>
+              <a:t>be</a:t>
+            </a:r>
+            <a:r>
+              <a:rPr lang="fr-FR" dirty="0">
+                <a:solidFill>
+                  <a:schemeClr val="tx1">
+                    <a:lumMod val="65000"/>
+                    <a:lumOff val="35000"/>
+                  </a:schemeClr>
+                </a:solidFill>
+                <a:ea typeface="Calibri" panose="020F0502020204030204" pitchFamily="34" charset="0"/>
+                <a:cs typeface="Arial" panose="020B0604020202020204" pitchFamily="34" charset="0"/>
+              </a:rPr>
+              <a:t> at the </a:t>
+            </a:r>
+            <a:r>
+              <a:rPr lang="fr-FR" dirty="0" err="1">
+                <a:solidFill>
+                  <a:schemeClr val="tx1">
+                    <a:lumMod val="65000"/>
+                    <a:lumOff val="35000"/>
+                  </a:schemeClr>
+                </a:solidFill>
+                <a:ea typeface="Calibri" panose="020F0502020204030204" pitchFamily="34" charset="0"/>
+                <a:cs typeface="Arial" panose="020B0604020202020204" pitchFamily="34" charset="0"/>
+              </a:rPr>
+              <a:t>root</a:t>
+            </a:r>
+            <a:r>
+              <a:rPr lang="fr-FR" dirty="0">
+                <a:solidFill>
+                  <a:schemeClr val="tx1">
+                    <a:lumMod val="65000"/>
+                    <a:lumOff val="35000"/>
+                  </a:schemeClr>
+                </a:solidFill>
+                <a:ea typeface="Calibri" panose="020F0502020204030204" pitchFamily="34" charset="0"/>
+                <a:cs typeface="Arial" panose="020B0604020202020204" pitchFamily="34" charset="0"/>
+              </a:rPr>
+              <a:t> of the module, </a:t>
+            </a:r>
+            <a:r>
+              <a:rPr lang="fr-FR" dirty="0" err="1">
+                <a:solidFill>
+                  <a:schemeClr val="tx1">
+                    <a:lumMod val="65000"/>
+                    <a:lumOff val="35000"/>
+                  </a:schemeClr>
+                </a:solidFill>
+                <a:ea typeface="Calibri" panose="020F0502020204030204" pitchFamily="34" charset="0"/>
+                <a:cs typeface="Arial" panose="020B0604020202020204" pitchFamily="34" charset="0"/>
+              </a:rPr>
+              <a:t>this</a:t>
+            </a:r>
+            <a:r>
+              <a:rPr lang="fr-FR" dirty="0">
+                <a:solidFill>
+                  <a:schemeClr val="tx1">
+                    <a:lumMod val="65000"/>
+                    <a:lumOff val="35000"/>
+                  </a:schemeClr>
+                </a:solidFill>
+                <a:ea typeface="Calibri" panose="020F0502020204030204" pitchFamily="34" charset="0"/>
+                <a:cs typeface="Arial" panose="020B0604020202020204" pitchFamily="34" charset="0"/>
+              </a:rPr>
+              <a:t> </a:t>
+            </a:r>
+            <a:r>
+              <a:rPr lang="fr-FR" dirty="0" err="1">
+                <a:solidFill>
+                  <a:schemeClr val="tx1">
+                    <a:lumMod val="65000"/>
+                    <a:lumOff val="35000"/>
+                  </a:schemeClr>
+                </a:solidFill>
+                <a:ea typeface="Calibri" panose="020F0502020204030204" pitchFamily="34" charset="0"/>
+                <a:cs typeface="Arial" panose="020B0604020202020204" pitchFamily="34" charset="0"/>
+              </a:rPr>
+              <a:t>cannot</a:t>
+            </a:r>
+            <a:r>
+              <a:rPr lang="fr-FR" dirty="0">
+                <a:solidFill>
+                  <a:schemeClr val="tx1">
+                    <a:lumMod val="65000"/>
+                    <a:lumOff val="35000"/>
+                  </a:schemeClr>
+                </a:solidFill>
+                <a:ea typeface="Calibri" panose="020F0502020204030204" pitchFamily="34" charset="0"/>
+                <a:cs typeface="Arial" panose="020B0604020202020204" pitchFamily="34" charset="0"/>
+              </a:rPr>
+              <a:t> </a:t>
+            </a:r>
+            <a:r>
+              <a:rPr lang="fr-FR" dirty="0" err="1">
+                <a:solidFill>
+                  <a:schemeClr val="tx1">
+                    <a:lumMod val="65000"/>
+                    <a:lumOff val="35000"/>
+                  </a:schemeClr>
+                </a:solidFill>
+                <a:ea typeface="Calibri" panose="020F0502020204030204" pitchFamily="34" charset="0"/>
+                <a:cs typeface="Arial" panose="020B0604020202020204" pitchFamily="34" charset="0"/>
+              </a:rPr>
+              <a:t>be</a:t>
+            </a:r>
+            <a:r>
+              <a:rPr lang="fr-FR" dirty="0">
+                <a:solidFill>
+                  <a:schemeClr val="tx1">
+                    <a:lumMod val="65000"/>
+                    <a:lumOff val="35000"/>
+                  </a:schemeClr>
+                </a:solidFill>
+                <a:ea typeface="Calibri" panose="020F0502020204030204" pitchFamily="34" charset="0"/>
+                <a:cs typeface="Arial" panose="020B0604020202020204" pitchFamily="34" charset="0"/>
+              </a:rPr>
+              <a:t> </a:t>
+            </a:r>
+            <a:r>
+              <a:rPr lang="fr-FR" dirty="0" err="1">
+                <a:solidFill>
+                  <a:schemeClr val="tx1">
+                    <a:lumMod val="65000"/>
+                    <a:lumOff val="35000"/>
+                  </a:schemeClr>
+                </a:solidFill>
+                <a:ea typeface="Calibri" panose="020F0502020204030204" pitchFamily="34" charset="0"/>
+                <a:cs typeface="Arial" panose="020B0604020202020204" pitchFamily="34" charset="0"/>
+              </a:rPr>
+              <a:t>provided</a:t>
+            </a:r>
+            <a:r>
+              <a:rPr lang="fr-FR" dirty="0">
+                <a:solidFill>
+                  <a:schemeClr val="tx1">
+                    <a:lumMod val="65000"/>
+                    <a:lumOff val="35000"/>
+                  </a:schemeClr>
+                </a:solidFill>
+                <a:ea typeface="Calibri" panose="020F0502020204030204" pitchFamily="34" charset="0"/>
+                <a:cs typeface="Arial" panose="020B0604020202020204" pitchFamily="34" charset="0"/>
+              </a:rPr>
+              <a:t> as a base class to </a:t>
+            </a:r>
+            <a:r>
+              <a:rPr lang="fr-FR" dirty="0" err="1">
+                <a:solidFill>
+                  <a:schemeClr val="tx1">
+                    <a:lumMod val="65000"/>
+                    <a:lumOff val="35000"/>
+                  </a:schemeClr>
+                </a:solidFill>
+                <a:ea typeface="Calibri" panose="020F0502020204030204" pitchFamily="34" charset="0"/>
+                <a:cs typeface="Arial" panose="020B0604020202020204" pitchFamily="34" charset="0"/>
+              </a:rPr>
+              <a:t>inherit</a:t>
+            </a:r>
+            <a:r>
+              <a:rPr lang="fr-FR" dirty="0">
+                <a:solidFill>
+                  <a:schemeClr val="tx1">
+                    <a:lumMod val="65000"/>
+                    <a:lumOff val="35000"/>
+                  </a:schemeClr>
+                </a:solidFill>
+                <a:ea typeface="Calibri" panose="020F0502020204030204" pitchFamily="34" charset="0"/>
+                <a:cs typeface="Arial" panose="020B0604020202020204" pitchFamily="34" charset="0"/>
+              </a:rPr>
+              <a:t>. </a:t>
+            </a:r>
+            <a:r>
+              <a:rPr lang="fr-FR" dirty="0" err="1">
+                <a:solidFill>
+                  <a:schemeClr val="tx1">
+                    <a:lumMod val="65000"/>
+                    <a:lumOff val="35000"/>
+                  </a:schemeClr>
+                </a:solidFill>
+                <a:ea typeface="Calibri" panose="020F0502020204030204" pitchFamily="34" charset="0"/>
+                <a:cs typeface="Arial" panose="020B0604020202020204" pitchFamily="34" charset="0"/>
+              </a:rPr>
+              <a:t>Instead</a:t>
+            </a:r>
+            <a:r>
+              <a:rPr lang="fr-FR" dirty="0">
+                <a:solidFill>
+                  <a:schemeClr val="tx1">
+                    <a:lumMod val="65000"/>
+                    <a:lumOff val="35000"/>
+                  </a:schemeClr>
+                </a:solidFill>
+                <a:ea typeface="Calibri" panose="020F0502020204030204" pitchFamily="34" charset="0"/>
+                <a:cs typeface="Arial" panose="020B0604020202020204" pitchFamily="34" charset="0"/>
+              </a:rPr>
+              <a:t>, default </a:t>
+            </a:r>
+            <a:r>
+              <a:rPr lang="fr-FR" dirty="0" err="1">
+                <a:solidFill>
+                  <a:schemeClr val="tx1">
+                    <a:lumMod val="65000"/>
+                    <a:lumOff val="35000"/>
+                  </a:schemeClr>
+                </a:solidFill>
+                <a:ea typeface="Calibri" panose="020F0502020204030204" pitchFamily="34" charset="0"/>
+                <a:cs typeface="Arial" panose="020B0604020202020204" pitchFamily="34" charset="0"/>
+              </a:rPr>
+              <a:t>behaviors</a:t>
+            </a:r>
+            <a:r>
+              <a:rPr lang="fr-FR" dirty="0">
+                <a:solidFill>
+                  <a:schemeClr val="tx1">
+                    <a:lumMod val="65000"/>
+                    <a:lumOff val="35000"/>
+                  </a:schemeClr>
+                </a:solidFill>
+                <a:ea typeface="Calibri" panose="020F0502020204030204" pitchFamily="34" charset="0"/>
+                <a:cs typeface="Arial" panose="020B0604020202020204" pitchFamily="34" charset="0"/>
+              </a:rPr>
+              <a:t> </a:t>
+            </a:r>
+            <a:r>
+              <a:rPr lang="fr-FR" dirty="0" err="1">
+                <a:solidFill>
+                  <a:schemeClr val="tx1">
+                    <a:lumMod val="65000"/>
+                    <a:lumOff val="35000"/>
+                  </a:schemeClr>
+                </a:solidFill>
+                <a:ea typeface="Calibri" panose="020F0502020204030204" pitchFamily="34" charset="0"/>
+                <a:cs typeface="Arial" panose="020B0604020202020204" pitchFamily="34" charset="0"/>
+              </a:rPr>
+              <a:t>should</a:t>
+            </a:r>
+            <a:r>
+              <a:rPr lang="fr-FR" dirty="0">
+                <a:solidFill>
+                  <a:schemeClr val="tx1">
+                    <a:lumMod val="65000"/>
+                    <a:lumOff val="35000"/>
+                  </a:schemeClr>
+                </a:solidFill>
+                <a:ea typeface="Calibri" panose="020F0502020204030204" pitchFamily="34" charset="0"/>
+                <a:cs typeface="Arial" panose="020B0604020202020204" pitchFamily="34" charset="0"/>
+              </a:rPr>
+              <a:t> </a:t>
+            </a:r>
+            <a:r>
+              <a:rPr lang="fr-FR" dirty="0" err="1">
+                <a:solidFill>
+                  <a:schemeClr val="tx1">
+                    <a:lumMod val="65000"/>
+                    <a:lumOff val="35000"/>
+                  </a:schemeClr>
+                </a:solidFill>
+                <a:ea typeface="Calibri" panose="020F0502020204030204" pitchFamily="34" charset="0"/>
+                <a:cs typeface="Arial" panose="020B0604020202020204" pitchFamily="34" charset="0"/>
+              </a:rPr>
+              <a:t>belong</a:t>
+            </a:r>
+            <a:r>
+              <a:rPr lang="fr-FR" dirty="0">
+                <a:solidFill>
+                  <a:schemeClr val="tx1">
+                    <a:lumMod val="65000"/>
+                    <a:lumOff val="35000"/>
+                  </a:schemeClr>
+                </a:solidFill>
+                <a:ea typeface="Calibri" panose="020F0502020204030204" pitchFamily="34" charset="0"/>
+                <a:cs typeface="Arial" panose="020B0604020202020204" pitchFamily="34" charset="0"/>
+              </a:rPr>
+              <a:t> to the </a:t>
+            </a:r>
+            <a:r>
+              <a:rPr lang="fr-FR" b="1" dirty="0">
+                <a:solidFill>
+                  <a:schemeClr val="tx1">
+                    <a:lumMod val="65000"/>
+                    <a:lumOff val="35000"/>
+                  </a:schemeClr>
+                </a:solidFill>
+                <a:ea typeface="Calibri" panose="020F0502020204030204" pitchFamily="34" charset="0"/>
+                <a:cs typeface="Arial" panose="020B0604020202020204" pitchFamily="34" charset="0"/>
+              </a:rPr>
+              <a:t>base </a:t>
+            </a:r>
+            <a:r>
+              <a:rPr lang="fr-FR" dirty="0">
+                <a:solidFill>
+                  <a:schemeClr val="tx1">
+                    <a:lumMod val="65000"/>
+                    <a:lumOff val="35000"/>
+                  </a:schemeClr>
+                </a:solidFill>
+                <a:ea typeface="Calibri" panose="020F0502020204030204" pitchFamily="34" charset="0"/>
+                <a:cs typeface="Arial" panose="020B0604020202020204" pitchFamily="34" charset="0"/>
+              </a:rPr>
+              <a:t>module and </a:t>
+            </a:r>
+            <a:r>
+              <a:rPr lang="fr-FR" dirty="0" err="1">
+                <a:solidFill>
+                  <a:schemeClr val="tx1">
+                    <a:lumMod val="65000"/>
+                    <a:lumOff val="35000"/>
+                  </a:schemeClr>
+                </a:solidFill>
+                <a:ea typeface="Calibri" panose="020F0502020204030204" pitchFamily="34" charset="0"/>
+                <a:cs typeface="Arial" panose="020B0604020202020204" pitchFamily="34" charset="0"/>
+              </a:rPr>
+              <a:t>be</a:t>
+            </a:r>
+            <a:r>
+              <a:rPr lang="fr-FR" dirty="0">
+                <a:solidFill>
+                  <a:schemeClr val="tx1">
+                    <a:lumMod val="65000"/>
+                    <a:lumOff val="35000"/>
+                  </a:schemeClr>
+                </a:solidFill>
+                <a:ea typeface="Calibri" panose="020F0502020204030204" pitchFamily="34" charset="0"/>
+                <a:cs typeface="Arial" panose="020B0604020202020204" pitchFamily="34" charset="0"/>
+              </a:rPr>
+              <a:t> </a:t>
+            </a:r>
+            <a:r>
+              <a:rPr lang="fr-FR" dirty="0" err="1">
+                <a:solidFill>
+                  <a:schemeClr val="tx1">
+                    <a:lumMod val="65000"/>
+                    <a:lumOff val="35000"/>
+                  </a:schemeClr>
+                </a:solidFill>
+                <a:ea typeface="Calibri" panose="020F0502020204030204" pitchFamily="34" charset="0"/>
+                <a:cs typeface="Arial" panose="020B0604020202020204" pitchFamily="34" charset="0"/>
+              </a:rPr>
+              <a:t>called</a:t>
+            </a:r>
+            <a:r>
+              <a:rPr lang="fr-FR" dirty="0">
+                <a:solidFill>
+                  <a:schemeClr val="tx1">
+                    <a:lumMod val="65000"/>
+                    <a:lumOff val="35000"/>
+                  </a:schemeClr>
+                </a:solidFill>
+                <a:ea typeface="Calibri" panose="020F0502020204030204" pitchFamily="34" charset="0"/>
+                <a:cs typeface="Arial" panose="020B0604020202020204" pitchFamily="34" charset="0"/>
+              </a:rPr>
+              <a:t> by the user:</a:t>
+            </a:r>
+          </a:p>
+          <a:p>
+            <a:pPr lvl="0" algn="just">
+              <a:lnSpc>
+                <a:spcPct val="107000"/>
+              </a:lnSpc>
+              <a:spcAft>
+                <a:spcPts val="800"/>
+              </a:spcAft>
+            </a:pPr>
+            <a:endParaRPr lang="fr-FR" dirty="0">
+              <a:solidFill>
+                <a:schemeClr val="tx1">
+                  <a:lumMod val="65000"/>
+                  <a:lumOff val="35000"/>
+                </a:schemeClr>
+              </a:solidFill>
+              <a:ea typeface="Calibri" panose="020F0502020204030204" pitchFamily="34" charset="0"/>
+              <a:cs typeface="Arial" panose="020B0604020202020204" pitchFamily="34" charset="0"/>
+            </a:endParaRPr>
+          </a:p>
+          <a:p>
+            <a:pPr lvl="0" algn="just">
+              <a:lnSpc>
+                <a:spcPct val="107000"/>
+              </a:lnSpc>
+              <a:spcAft>
+                <a:spcPts val="800"/>
+              </a:spcAft>
+            </a:pPr>
+            <a:endParaRPr lang="fr-FR" dirty="0">
+              <a:solidFill>
+                <a:schemeClr val="tx1">
+                  <a:lumMod val="65000"/>
+                  <a:lumOff val="35000"/>
+                </a:schemeClr>
+              </a:solidFill>
+              <a:ea typeface="Calibri" panose="020F0502020204030204" pitchFamily="34" charset="0"/>
+              <a:cs typeface="Arial" panose="020B0604020202020204" pitchFamily="34" charset="0"/>
+            </a:endParaRPr>
+          </a:p>
+          <a:p>
+            <a:pPr lvl="0" algn="just">
+              <a:lnSpc>
+                <a:spcPct val="107000"/>
+              </a:lnSpc>
+              <a:spcAft>
+                <a:spcPts val="800"/>
+              </a:spcAft>
+            </a:pPr>
+            <a:endParaRPr lang="fr-FR" dirty="0">
+              <a:solidFill>
+                <a:schemeClr val="tx1">
+                  <a:lumMod val="65000"/>
+                  <a:lumOff val="35000"/>
+                </a:schemeClr>
+              </a:solidFill>
+              <a:ea typeface="Calibri" panose="020F0502020204030204" pitchFamily="34" charset="0"/>
+              <a:cs typeface="Arial" panose="020B0604020202020204" pitchFamily="34" charset="0"/>
+            </a:endParaRPr>
+          </a:p>
+          <a:p>
+            <a:pPr lvl="0" algn="just">
+              <a:lnSpc>
+                <a:spcPct val="107000"/>
+              </a:lnSpc>
+              <a:spcAft>
+                <a:spcPts val="800"/>
+              </a:spcAft>
+            </a:pPr>
+            <a:r>
+              <a:rPr lang="fr-FR" b="1" dirty="0" err="1">
+                <a:solidFill>
+                  <a:schemeClr val="tx1">
+                    <a:lumMod val="65000"/>
+                    <a:lumOff val="35000"/>
+                  </a:schemeClr>
+                </a:solidFill>
+                <a:ea typeface="Calibri" panose="020F0502020204030204" pitchFamily="34" charset="0"/>
+                <a:cs typeface="Arial" panose="020B0604020202020204" pitchFamily="34" charset="0"/>
+              </a:rPr>
+              <a:t>Recommendations</a:t>
+            </a:r>
+            <a:r>
+              <a:rPr lang="fr-FR" b="1" dirty="0">
+                <a:solidFill>
+                  <a:schemeClr val="tx1">
+                    <a:lumMod val="65000"/>
+                    <a:lumOff val="35000"/>
+                  </a:schemeClr>
+                </a:solidFill>
+                <a:ea typeface="Calibri" panose="020F0502020204030204" pitchFamily="34" charset="0"/>
+                <a:cs typeface="Arial" panose="020B0604020202020204" pitchFamily="34" charset="0"/>
+              </a:rPr>
+              <a:t>:</a:t>
+            </a:r>
+          </a:p>
+          <a:p>
+            <a:pPr marL="285750" lvl="0" indent="-285750" algn="just">
+              <a:lnSpc>
+                <a:spcPct val="107000"/>
+              </a:lnSpc>
+              <a:spcAft>
+                <a:spcPts val="800"/>
+              </a:spcAft>
+              <a:buFont typeface="Arial" panose="020B0604020202020204" pitchFamily="34" charset="0"/>
+              <a:buChar char="•"/>
+            </a:pPr>
+            <a:r>
+              <a:rPr lang="fr-FR" dirty="0">
+                <a:solidFill>
+                  <a:schemeClr val="tx1">
+                    <a:lumMod val="65000"/>
+                    <a:lumOff val="35000"/>
+                  </a:schemeClr>
+                </a:solidFill>
+                <a:ea typeface="Calibri" panose="020F0502020204030204" pitchFamily="34" charset="0"/>
+                <a:cs typeface="Arial" panose="020B0604020202020204" pitchFamily="34" charset="0"/>
+              </a:rPr>
+              <a:t>Base </a:t>
+            </a:r>
+            <a:r>
+              <a:rPr lang="fr-FR" dirty="0" err="1">
+                <a:solidFill>
+                  <a:schemeClr val="tx1">
+                    <a:lumMod val="65000"/>
+                    <a:lumOff val="35000"/>
+                  </a:schemeClr>
+                </a:solidFill>
+                <a:ea typeface="Calibri" panose="020F0502020204030204" pitchFamily="34" charset="0"/>
+                <a:cs typeface="Arial" panose="020B0604020202020204" pitchFamily="34" charset="0"/>
+              </a:rPr>
+              <a:t>functions</a:t>
+            </a:r>
+            <a:r>
+              <a:rPr lang="fr-FR" dirty="0">
+                <a:solidFill>
+                  <a:schemeClr val="tx1">
+                    <a:lumMod val="65000"/>
+                    <a:lumOff val="35000"/>
+                  </a:schemeClr>
+                </a:solidFill>
+                <a:ea typeface="Calibri" panose="020F0502020204030204" pitchFamily="34" charset="0"/>
+                <a:cs typeface="Arial" panose="020B0604020202020204" pitchFamily="34" charset="0"/>
+              </a:rPr>
+              <a:t> </a:t>
+            </a:r>
+            <a:r>
+              <a:rPr lang="fr-FR" dirty="0" err="1">
+                <a:solidFill>
+                  <a:schemeClr val="tx1">
+                    <a:lumMod val="65000"/>
+                    <a:lumOff val="35000"/>
+                  </a:schemeClr>
+                </a:solidFill>
+                <a:ea typeface="Calibri" panose="020F0502020204030204" pitchFamily="34" charset="0"/>
+                <a:cs typeface="Arial" panose="020B0604020202020204" pitchFamily="34" charset="0"/>
+              </a:rPr>
+              <a:t>should</a:t>
+            </a:r>
+            <a:r>
+              <a:rPr lang="fr-FR" dirty="0">
+                <a:solidFill>
+                  <a:schemeClr val="tx1">
+                    <a:lumMod val="65000"/>
+                    <a:lumOff val="35000"/>
+                  </a:schemeClr>
+                </a:solidFill>
+                <a:ea typeface="Calibri" panose="020F0502020204030204" pitchFamily="34" charset="0"/>
+                <a:cs typeface="Arial" panose="020B0604020202020204" pitchFamily="34" charset="0"/>
+              </a:rPr>
+              <a:t> have </a:t>
+            </a:r>
+            <a:r>
+              <a:rPr lang="fr-FR" dirty="0" err="1">
+                <a:solidFill>
+                  <a:schemeClr val="tx1">
+                    <a:lumMod val="65000"/>
+                    <a:lumOff val="35000"/>
+                  </a:schemeClr>
+                </a:solidFill>
+                <a:ea typeface="Calibri" panose="020F0502020204030204" pitchFamily="34" charset="0"/>
+                <a:cs typeface="Arial" panose="020B0604020202020204" pitchFamily="34" charset="0"/>
+              </a:rPr>
+              <a:t>same</a:t>
+            </a:r>
+            <a:r>
+              <a:rPr lang="fr-FR" dirty="0">
+                <a:solidFill>
+                  <a:schemeClr val="tx1">
+                    <a:lumMod val="65000"/>
+                    <a:lumOff val="35000"/>
+                  </a:schemeClr>
+                </a:solidFill>
+                <a:ea typeface="Calibri" panose="020F0502020204030204" pitchFamily="34" charset="0"/>
+                <a:cs typeface="Arial" panose="020B0604020202020204" pitchFamily="34" charset="0"/>
+              </a:rPr>
+              <a:t> signature but </a:t>
+            </a:r>
+            <a:r>
+              <a:rPr lang="fr-FR" dirty="0" err="1">
+                <a:solidFill>
+                  <a:schemeClr val="tx1">
+                    <a:lumMod val="65000"/>
+                    <a:lumOff val="35000"/>
+                  </a:schemeClr>
+                </a:solidFill>
+                <a:ea typeface="Calibri" panose="020F0502020204030204" pitchFamily="34" charset="0"/>
+                <a:cs typeface="Arial" panose="020B0604020202020204" pitchFamily="34" charset="0"/>
+              </a:rPr>
+              <a:t>also</a:t>
+            </a:r>
+            <a:r>
+              <a:rPr lang="fr-FR" dirty="0">
+                <a:solidFill>
+                  <a:schemeClr val="tx1">
+                    <a:lumMod val="65000"/>
+                    <a:lumOff val="35000"/>
+                  </a:schemeClr>
+                </a:solidFill>
+                <a:ea typeface="Calibri" panose="020F0502020204030204" pitchFamily="34" charset="0"/>
+                <a:cs typeface="Arial" panose="020B0604020202020204" pitchFamily="34" charset="0"/>
+              </a:rPr>
+              <a:t> </a:t>
+            </a:r>
+            <a:r>
+              <a:rPr lang="fr-FR" dirty="0" err="1">
+                <a:solidFill>
+                  <a:schemeClr val="tx1">
+                    <a:lumMod val="65000"/>
+                    <a:lumOff val="35000"/>
+                  </a:schemeClr>
+                </a:solidFill>
+                <a:ea typeface="Calibri" panose="020F0502020204030204" pitchFamily="34" charset="0"/>
+                <a:cs typeface="Arial" panose="020B0604020202020204" pitchFamily="34" charset="0"/>
+              </a:rPr>
+              <a:t>accept</a:t>
+            </a:r>
+            <a:r>
+              <a:rPr lang="fr-FR" dirty="0">
+                <a:solidFill>
+                  <a:schemeClr val="tx1">
+                    <a:lumMod val="65000"/>
+                    <a:lumOff val="35000"/>
+                  </a:schemeClr>
+                </a:solidFill>
+                <a:ea typeface="Calibri" panose="020F0502020204030204" pitchFamily="34" charset="0"/>
+                <a:cs typeface="Arial" panose="020B0604020202020204" pitchFamily="34" charset="0"/>
+              </a:rPr>
+              <a:t> in front the </a:t>
+            </a:r>
+            <a:r>
+              <a:rPr lang="fr-FR" dirty="0" err="1">
+                <a:solidFill>
+                  <a:schemeClr val="tx1">
+                    <a:lumMod val="65000"/>
+                    <a:lumOff val="35000"/>
+                  </a:schemeClr>
+                </a:solidFill>
+                <a:ea typeface="Calibri" panose="020F0502020204030204" pitchFamily="34" charset="0"/>
+                <a:cs typeface="Arial" panose="020B0604020202020204" pitchFamily="34" charset="0"/>
+              </a:rPr>
+              <a:t>other</a:t>
+            </a:r>
+            <a:r>
+              <a:rPr lang="fr-FR" dirty="0">
+                <a:solidFill>
+                  <a:schemeClr val="tx1">
+                    <a:lumMod val="65000"/>
+                    <a:lumOff val="35000"/>
+                  </a:schemeClr>
+                </a:solidFill>
+                <a:ea typeface="Calibri" panose="020F0502020204030204" pitchFamily="34" charset="0"/>
+                <a:cs typeface="Arial" panose="020B0604020202020204" pitchFamily="34" charset="0"/>
+              </a:rPr>
+              <a:t> arguments </a:t>
+            </a:r>
+            <a:r>
+              <a:rPr lang="fr-FR" dirty="0" err="1">
+                <a:solidFill>
+                  <a:schemeClr val="tx1">
+                    <a:lumMod val="65000"/>
+                    <a:lumOff val="35000"/>
+                  </a:schemeClr>
+                </a:solidFill>
+                <a:ea typeface="Calibri" panose="020F0502020204030204" pitchFamily="34" charset="0"/>
+                <a:cs typeface="Arial" panose="020B0604020202020204" pitchFamily="34" charset="0"/>
+              </a:rPr>
+              <a:t>collected</a:t>
+            </a:r>
+            <a:r>
+              <a:rPr lang="fr-FR" dirty="0">
+                <a:solidFill>
+                  <a:schemeClr val="tx1">
+                    <a:lumMod val="65000"/>
+                    <a:lumOff val="35000"/>
+                  </a:schemeClr>
+                </a:solidFill>
+                <a:ea typeface="Calibri" panose="020F0502020204030204" pitchFamily="34" charset="0"/>
+                <a:cs typeface="Arial" panose="020B0604020202020204" pitchFamily="34" charset="0"/>
+              </a:rPr>
+              <a:t> on the </a:t>
+            </a:r>
+            <a:r>
+              <a:rPr lang="fr-FR" dirty="0" err="1">
+                <a:solidFill>
+                  <a:schemeClr val="tx1">
+                    <a:lumMod val="65000"/>
+                    <a:lumOff val="35000"/>
+                  </a:schemeClr>
+                </a:solidFill>
+                <a:ea typeface="Calibri" panose="020F0502020204030204" pitchFamily="34" charset="0"/>
+                <a:cs typeface="Arial" panose="020B0604020202020204" pitchFamily="34" charset="0"/>
+              </a:rPr>
+              <a:t>way</a:t>
+            </a:r>
+            <a:r>
+              <a:rPr lang="fr-FR" dirty="0">
+                <a:solidFill>
+                  <a:schemeClr val="tx1">
+                    <a:lumMod val="65000"/>
+                    <a:lumOff val="35000"/>
+                  </a:schemeClr>
+                </a:solidFill>
+                <a:ea typeface="Calibri" panose="020F0502020204030204" pitchFamily="34" charset="0"/>
+                <a:cs typeface="Arial" panose="020B0604020202020204" pitchFamily="34" charset="0"/>
+              </a:rPr>
+              <a:t>.</a:t>
+            </a:r>
+          </a:p>
+          <a:p>
+            <a:pPr marL="285750" lvl="0" indent="-285750" algn="just">
+              <a:lnSpc>
+                <a:spcPct val="107000"/>
+              </a:lnSpc>
+              <a:spcAft>
+                <a:spcPts val="800"/>
+              </a:spcAft>
+              <a:buFont typeface="Arial" panose="020B0604020202020204" pitchFamily="34" charset="0"/>
+              <a:buChar char="•"/>
+            </a:pPr>
+            <a:r>
+              <a:rPr lang="fr-FR" dirty="0">
+                <a:solidFill>
+                  <a:schemeClr val="tx1">
+                    <a:lumMod val="65000"/>
+                    <a:lumOff val="35000"/>
+                  </a:schemeClr>
+                </a:solidFill>
+                <a:ea typeface="Calibri" panose="020F0502020204030204" pitchFamily="34" charset="0"/>
+                <a:cs typeface="Arial" panose="020B0604020202020204" pitchFamily="34" charset="0"/>
+              </a:rPr>
+              <a:t>Base </a:t>
+            </a:r>
+            <a:r>
+              <a:rPr lang="fr-FR" dirty="0" err="1">
+                <a:solidFill>
+                  <a:schemeClr val="tx1">
+                    <a:lumMod val="65000"/>
+                    <a:lumOff val="35000"/>
+                  </a:schemeClr>
+                </a:solidFill>
+                <a:ea typeface="Calibri" panose="020F0502020204030204" pitchFamily="34" charset="0"/>
+                <a:cs typeface="Arial" panose="020B0604020202020204" pitchFamily="34" charset="0"/>
+              </a:rPr>
+              <a:t>functions</a:t>
+            </a:r>
+            <a:r>
+              <a:rPr lang="fr-FR" dirty="0">
+                <a:solidFill>
+                  <a:schemeClr val="tx1">
+                    <a:lumMod val="65000"/>
+                    <a:lumOff val="35000"/>
+                  </a:schemeClr>
+                </a:solidFill>
+                <a:ea typeface="Calibri" panose="020F0502020204030204" pitchFamily="34" charset="0"/>
+                <a:cs typeface="Arial" panose="020B0604020202020204" pitchFamily="34" charset="0"/>
+              </a:rPr>
+              <a:t> </a:t>
+            </a:r>
+            <a:r>
+              <a:rPr lang="fr-FR" dirty="0" err="1">
+                <a:solidFill>
+                  <a:schemeClr val="tx1">
+                    <a:lumMod val="65000"/>
+                    <a:lumOff val="35000"/>
+                  </a:schemeClr>
+                </a:solidFill>
+                <a:ea typeface="Calibri" panose="020F0502020204030204" pitchFamily="34" charset="0"/>
+                <a:cs typeface="Arial" panose="020B0604020202020204" pitchFamily="34" charset="0"/>
+              </a:rPr>
+              <a:t>should</a:t>
+            </a:r>
+            <a:r>
+              <a:rPr lang="fr-FR" dirty="0">
+                <a:solidFill>
+                  <a:schemeClr val="tx1">
+                    <a:lumMod val="65000"/>
+                    <a:lumOff val="35000"/>
+                  </a:schemeClr>
+                </a:solidFill>
+                <a:ea typeface="Calibri" panose="020F0502020204030204" pitchFamily="34" charset="0"/>
+                <a:cs typeface="Arial" panose="020B0604020202020204" pitchFamily="34" charset="0"/>
+              </a:rPr>
+              <a:t> </a:t>
+            </a:r>
+            <a:r>
+              <a:rPr lang="fr-FR" dirty="0" err="1">
+                <a:solidFill>
+                  <a:schemeClr val="tx1">
+                    <a:lumMod val="65000"/>
+                    <a:lumOff val="35000"/>
+                  </a:schemeClr>
+                </a:solidFill>
+                <a:ea typeface="Calibri" panose="020F0502020204030204" pitchFamily="34" charset="0"/>
+                <a:cs typeface="Arial" panose="020B0604020202020204" pitchFamily="34" charset="0"/>
+              </a:rPr>
+              <a:t>also</a:t>
+            </a:r>
+            <a:r>
+              <a:rPr lang="fr-FR" dirty="0">
+                <a:solidFill>
+                  <a:schemeClr val="tx1">
+                    <a:lumMod val="65000"/>
+                    <a:lumOff val="35000"/>
+                  </a:schemeClr>
+                </a:solidFill>
+                <a:ea typeface="Calibri" panose="020F0502020204030204" pitchFamily="34" charset="0"/>
+                <a:cs typeface="Arial" panose="020B0604020202020204" pitchFamily="34" charset="0"/>
+              </a:rPr>
+              <a:t> trigger </a:t>
+            </a:r>
+            <a:r>
+              <a:rPr lang="fr-FR" dirty="0" err="1">
+                <a:solidFill>
+                  <a:schemeClr val="tx1">
+                    <a:lumMod val="65000"/>
+                    <a:lumOff val="35000"/>
+                  </a:schemeClr>
+                </a:solidFill>
+                <a:ea typeface="Calibri" panose="020F0502020204030204" pitchFamily="34" charset="0"/>
+                <a:cs typeface="Arial" panose="020B0604020202020204" pitchFamily="34" charset="0"/>
+              </a:rPr>
+              <a:t>any</a:t>
+            </a:r>
+            <a:r>
+              <a:rPr lang="fr-FR" dirty="0">
+                <a:solidFill>
+                  <a:schemeClr val="tx1">
+                    <a:lumMod val="65000"/>
+                    <a:lumOff val="35000"/>
+                  </a:schemeClr>
+                </a:solidFill>
+                <a:ea typeface="Calibri" panose="020F0502020204030204" pitchFamily="34" charset="0"/>
+                <a:cs typeface="Arial" panose="020B0604020202020204" pitchFamily="34" charset="0"/>
+              </a:rPr>
+              <a:t> </a:t>
+            </a:r>
+            <a:r>
+              <a:rPr lang="fr-FR" dirty="0" err="1">
+                <a:solidFill>
+                  <a:schemeClr val="tx1">
+                    <a:lumMod val="65000"/>
+                    <a:lumOff val="35000"/>
+                  </a:schemeClr>
+                </a:solidFill>
+                <a:ea typeface="Calibri" panose="020F0502020204030204" pitchFamily="34" charset="0"/>
+                <a:cs typeface="Arial" panose="020B0604020202020204" pitchFamily="34" charset="0"/>
+              </a:rPr>
+              <a:t>related</a:t>
+            </a:r>
+            <a:r>
+              <a:rPr lang="fr-FR" dirty="0">
+                <a:solidFill>
+                  <a:schemeClr val="tx1">
+                    <a:lumMod val="65000"/>
+                    <a:lumOff val="35000"/>
+                  </a:schemeClr>
+                </a:solidFill>
+                <a:ea typeface="Calibri" panose="020F0502020204030204" pitchFamily="34" charset="0"/>
+                <a:cs typeface="Arial" panose="020B0604020202020204" pitchFamily="34" charset="0"/>
+              </a:rPr>
+              <a:t> </a:t>
+            </a:r>
+            <a:r>
+              <a:rPr lang="fr-FR" dirty="0" err="1">
+                <a:solidFill>
+                  <a:schemeClr val="tx1">
+                    <a:lumMod val="65000"/>
+                    <a:lumOff val="35000"/>
+                  </a:schemeClr>
+                </a:solidFill>
+                <a:ea typeface="Calibri" panose="020F0502020204030204" pitchFamily="34" charset="0"/>
+                <a:cs typeface="Arial" panose="020B0604020202020204" pitchFamily="34" charset="0"/>
+              </a:rPr>
+              <a:t>event</a:t>
+            </a:r>
+            <a:r>
+              <a:rPr lang="fr-FR" dirty="0">
+                <a:solidFill>
+                  <a:schemeClr val="tx1">
+                    <a:lumMod val="65000"/>
+                    <a:lumOff val="35000"/>
+                  </a:schemeClr>
+                </a:solidFill>
+                <a:ea typeface="Calibri" panose="020F0502020204030204" pitchFamily="34" charset="0"/>
+                <a:cs typeface="Arial" panose="020B0604020202020204" pitchFamily="34" charset="0"/>
+              </a:rPr>
+              <a:t>.</a:t>
+            </a:r>
+          </a:p>
+          <a:p>
+            <a:pPr lvl="0" algn="just">
+              <a:lnSpc>
+                <a:spcPct val="107000"/>
+              </a:lnSpc>
+              <a:spcAft>
+                <a:spcPts val="800"/>
+              </a:spcAft>
+            </a:pPr>
+            <a:endParaRPr lang="fr-FR" b="1" dirty="0">
+              <a:solidFill>
+                <a:srgbClr val="00C000"/>
+              </a:solidFill>
+              <a:latin typeface="Ink Free" panose="03080402000500000000" pitchFamily="66" charset="0"/>
+              <a:ea typeface="Calibri" panose="020F0502020204030204" pitchFamily="34" charset="0"/>
+              <a:cs typeface="Arial" panose="020B0604020202020204" pitchFamily="34" charset="0"/>
+            </a:endParaRPr>
+          </a:p>
+        </p:txBody>
+      </p:sp>
+      <p:sp>
+        <p:nvSpPr>
+          <p:cNvPr id="15" name="ZoneTexte 14">
+            <a:extLst>
+              <a:ext uri="{FF2B5EF4-FFF2-40B4-BE49-F238E27FC236}">
+                <a16:creationId xmlns:a16="http://schemas.microsoft.com/office/drawing/2014/main" id="{774FD80A-0D76-4ADD-BA49-1351202F3655}"/>
+              </a:ext>
+            </a:extLst>
+          </p:cNvPr>
+          <p:cNvSpPr txBox="1"/>
+          <p:nvPr/>
+        </p:nvSpPr>
+        <p:spPr>
+          <a:xfrm>
+            <a:off x="9889491" y="6581001"/>
+            <a:ext cx="2299732" cy="276999"/>
+          </a:xfrm>
+          <a:prstGeom prst="rect">
+            <a:avLst/>
+          </a:prstGeom>
+          <a:noFill/>
+        </p:spPr>
+        <p:txBody>
+          <a:bodyPr wrap="none" rtlCol="0">
+            <a:spAutoFit/>
+          </a:bodyPr>
+          <a:lstStyle/>
+          <a:p>
+            <a:r>
+              <a:rPr lang="fr-FR" sz="1200" dirty="0">
+                <a:solidFill>
+                  <a:schemeClr val="tx1">
+                    <a:lumMod val="50000"/>
+                    <a:lumOff val="50000"/>
+                  </a:schemeClr>
+                </a:solidFill>
+                <a:latin typeface="Arial" panose="020B0604020202020204" pitchFamily="34" charset="0"/>
+                <a:cs typeface="Arial" panose="020B0604020202020204" pitchFamily="34" charset="0"/>
+              </a:rPr>
+              <a:t>PIKCIO CONFIDENTIAL 2018 </a:t>
+            </a:r>
+          </a:p>
+        </p:txBody>
+      </p:sp>
+      <p:pic>
+        <p:nvPicPr>
+          <p:cNvPr id="16" name="Image 15">
+            <a:extLst>
+              <a:ext uri="{FF2B5EF4-FFF2-40B4-BE49-F238E27FC236}">
+                <a16:creationId xmlns:a16="http://schemas.microsoft.com/office/drawing/2014/main" id="{37DDC0F3-7858-4A5A-95F0-03B494B0AB8F}"/>
+              </a:ext>
+            </a:extLst>
+          </p:cNvPr>
+          <p:cNvPicPr>
+            <a:picLocks noChangeAspect="1"/>
+          </p:cNvPicPr>
+          <p:nvPr/>
+        </p:nvPicPr>
+        <p:blipFill>
+          <a:blip r:embed="rId2"/>
+          <a:stretch>
+            <a:fillRect/>
+          </a:stretch>
+        </p:blipFill>
+        <p:spPr>
+          <a:xfrm>
+            <a:off x="11454" y="0"/>
+            <a:ext cx="1555426" cy="1154977"/>
+          </a:xfrm>
+          <a:prstGeom prst="rect">
+            <a:avLst/>
+          </a:prstGeom>
+        </p:spPr>
+      </p:pic>
+      <p:grpSp>
+        <p:nvGrpSpPr>
+          <p:cNvPr id="6" name="Groupe 5">
+            <a:extLst>
+              <a:ext uri="{FF2B5EF4-FFF2-40B4-BE49-F238E27FC236}">
+                <a16:creationId xmlns:a16="http://schemas.microsoft.com/office/drawing/2014/main" id="{1391DF9F-7611-224D-890C-9E457EEA18EE}"/>
+              </a:ext>
+            </a:extLst>
+          </p:cNvPr>
+          <p:cNvGrpSpPr/>
+          <p:nvPr/>
+        </p:nvGrpSpPr>
+        <p:grpSpPr>
+          <a:xfrm>
+            <a:off x="1129121" y="2945805"/>
+            <a:ext cx="6695060" cy="1065852"/>
+            <a:chOff x="1031845" y="2786900"/>
+            <a:chExt cx="6695060" cy="1065852"/>
+          </a:xfrm>
+        </p:grpSpPr>
+        <p:pic>
+          <p:nvPicPr>
+            <p:cNvPr id="2" name="Image 1">
+              <a:extLst>
+                <a:ext uri="{FF2B5EF4-FFF2-40B4-BE49-F238E27FC236}">
+                  <a16:creationId xmlns:a16="http://schemas.microsoft.com/office/drawing/2014/main" id="{8778E978-B80A-3548-989E-EBC2B9B315BD}"/>
+                </a:ext>
+              </a:extLst>
+            </p:cNvPr>
+            <p:cNvPicPr>
+              <a:picLocks noChangeAspect="1"/>
+            </p:cNvPicPr>
+            <p:nvPr/>
+          </p:nvPicPr>
+          <p:blipFill>
+            <a:blip r:embed="rId3"/>
+            <a:stretch>
+              <a:fillRect/>
+            </a:stretch>
+          </p:blipFill>
+          <p:spPr>
+            <a:xfrm>
+              <a:off x="1031845" y="3154252"/>
+              <a:ext cx="6502400" cy="698500"/>
+            </a:xfrm>
+            <a:prstGeom prst="rect">
+              <a:avLst/>
+            </a:prstGeom>
+          </p:spPr>
+        </p:pic>
+        <p:pic>
+          <p:nvPicPr>
+            <p:cNvPr id="3" name="Image 2">
+              <a:extLst>
+                <a:ext uri="{FF2B5EF4-FFF2-40B4-BE49-F238E27FC236}">
+                  <a16:creationId xmlns:a16="http://schemas.microsoft.com/office/drawing/2014/main" id="{00E06EE4-0369-B54F-BB0A-731270F0F9E4}"/>
+                </a:ext>
+              </a:extLst>
+            </p:cNvPr>
+            <p:cNvPicPr>
+              <a:picLocks noChangeAspect="1"/>
+            </p:cNvPicPr>
+            <p:nvPr/>
+          </p:nvPicPr>
+          <p:blipFill rotWithShape="1">
+            <a:blip r:embed="rId4"/>
+            <a:srcRect l="742" t="-17144" r="-2941"/>
+            <a:stretch/>
+          </p:blipFill>
+          <p:spPr>
+            <a:xfrm>
+              <a:off x="1031845" y="2786900"/>
+              <a:ext cx="6695060" cy="386807"/>
+            </a:xfrm>
+            <a:prstGeom prst="rect">
+              <a:avLst/>
+            </a:prstGeom>
+          </p:spPr>
+        </p:pic>
+      </p:grpSp>
+    </p:spTree>
+    <p:extLst>
+      <p:ext uri="{BB962C8B-B14F-4D97-AF65-F5344CB8AC3E}">
+        <p14:creationId xmlns:p14="http://schemas.microsoft.com/office/powerpoint/2010/main" val="437747658"/>
+      </p:ext>
+    </p:extLst>
+  </p:cSld>
+  <p:clrMapOvr>
+    <a:masterClrMapping/>
+  </p:clrMapOvr>
+</p:sld>
+</file>
+
+<file path=ppt/slides/slide5.xml><?xml version="1.0" encoding="utf-8"?>
+<p:sld xmlns:a="http://schemas.openxmlformats.org/drawingml/2006/main" xmlns:r="http://schemas.openxmlformats.org/officeDocument/2006/relationships" xmlns:p="http://schemas.openxmlformats.org/presentationml/2006/main">
+  <p:cSld>
+    <p:spTree>
+      <p:nvGrpSpPr>
+        <p:cNvPr id="1" name=""/>
+        <p:cNvGrpSpPr/>
+        <p:nvPr/>
+      </p:nvGrpSpPr>
+      <p:grpSpPr>
+        <a:xfrm>
+          <a:off x="0" y="0"/>
+          <a:ext cx="0" cy="0"/>
+          <a:chOff x="0" y="0"/>
+          <a:chExt cx="0" cy="0"/>
+        </a:xfrm>
+      </p:grpSpPr>
+      <p:sp>
+        <p:nvSpPr>
+          <p:cNvPr id="4" name="Rectangle 3">
+            <a:extLst>
+              <a:ext uri="{FF2B5EF4-FFF2-40B4-BE49-F238E27FC236}">
+                <a16:creationId xmlns:a16="http://schemas.microsoft.com/office/drawing/2014/main" id="{ECD7FB32-7D44-4892-B673-0D6C3A402A20}"/>
+              </a:ext>
+            </a:extLst>
+          </p:cNvPr>
+          <p:cNvSpPr/>
+          <p:nvPr/>
+        </p:nvSpPr>
+        <p:spPr>
+          <a:xfrm>
+            <a:off x="1895831" y="312808"/>
+            <a:ext cx="6083717" cy="683264"/>
+          </a:xfrm>
+          <a:prstGeom prst="rect">
+            <a:avLst/>
+          </a:prstGeom>
+        </p:spPr>
+        <p:txBody>
+          <a:bodyPr wrap="none">
+            <a:spAutoFit/>
+          </a:bodyPr>
+          <a:lstStyle/>
+          <a:p>
+            <a:pPr>
+              <a:lnSpc>
+                <a:spcPct val="120000"/>
+              </a:lnSpc>
+              <a:spcAft>
+                <a:spcPts val="0"/>
+              </a:spcAft>
+            </a:pPr>
+            <a:r>
+              <a:rPr lang="en-US" sz="3200" dirty="0" err="1">
+                <a:solidFill>
+                  <a:schemeClr val="tx1">
+                    <a:lumMod val="75000"/>
+                    <a:lumOff val="25000"/>
+                  </a:schemeClr>
+                </a:solidFill>
+                <a:latin typeface="Century Gothic" panose="020B0502020202020204" pitchFamily="34" charset="0"/>
+                <a:ea typeface="MS Mincho" panose="02020609040205080304" pitchFamily="49" charset="-128"/>
+                <a:cs typeface="MinionPro-Regular"/>
+              </a:rPr>
+              <a:t>Pikcio</a:t>
+            </a:r>
+            <a:r>
+              <a:rPr lang="en-US" sz="3200" dirty="0">
+                <a:solidFill>
+                  <a:schemeClr val="tx1">
+                    <a:lumMod val="75000"/>
+                    <a:lumOff val="25000"/>
+                  </a:schemeClr>
+                </a:solidFill>
+                <a:latin typeface="Century Gothic" panose="020B0502020202020204" pitchFamily="34" charset="0"/>
+                <a:ea typeface="MS Mincho" panose="02020609040205080304" pitchFamily="49" charset="-128"/>
+                <a:cs typeface="MinionPro-Regular"/>
+              </a:rPr>
+              <a:t> Token: Context module</a:t>
+            </a:r>
+            <a:endParaRPr lang="fr-FR" sz="1200" dirty="0">
+              <a:solidFill>
+                <a:schemeClr val="tx1">
+                  <a:lumMod val="75000"/>
+                  <a:lumOff val="25000"/>
+                </a:schemeClr>
+              </a:solidFill>
+              <a:latin typeface="Century Gothic" panose="020B0502020202020204" pitchFamily="34" charset="0"/>
+              <a:ea typeface="MS Mincho" panose="02020609040205080304" pitchFamily="49" charset="-128"/>
+              <a:cs typeface="MinionPro-Regular"/>
+            </a:endParaRPr>
+          </a:p>
+        </p:txBody>
+      </p:sp>
+      <p:sp>
+        <p:nvSpPr>
+          <p:cNvPr id="5" name="Zone de texte 2">
+            <a:extLst>
+              <a:ext uri="{FF2B5EF4-FFF2-40B4-BE49-F238E27FC236}">
+                <a16:creationId xmlns:a16="http://schemas.microsoft.com/office/drawing/2014/main" id="{E6140BFA-6C09-4536-B9D9-B691FB59BCBD}"/>
+              </a:ext>
+            </a:extLst>
+          </p:cNvPr>
+          <p:cNvSpPr txBox="1">
+            <a:spLocks noChangeArrowheads="1"/>
+          </p:cNvSpPr>
+          <p:nvPr/>
+        </p:nvSpPr>
+        <p:spPr bwMode="auto">
+          <a:xfrm>
+            <a:off x="1031844" y="1363424"/>
+            <a:ext cx="10698601" cy="4868384"/>
+          </a:xfrm>
+          <a:prstGeom prst="rect">
+            <a:avLst/>
+          </a:prstGeom>
+          <a:noFill/>
+          <a:ln w="9525">
+            <a:noFill/>
+            <a:miter lim="800000"/>
+            <a:headEnd/>
+            <a:tailEnd/>
+          </a:ln>
+        </p:spPr>
+        <p:txBody>
+          <a:bodyPr rot="0" vert="horz" wrap="square" lIns="91440" tIns="45720" rIns="91440" bIns="45720" anchor="t" anchorCtr="0">
+            <a:spAutoFit/>
+          </a:bodyPr>
+          <a:lstStyle/>
+          <a:p>
+            <a:pPr lvl="0" algn="just">
+              <a:lnSpc>
+                <a:spcPct val="107000"/>
+              </a:lnSpc>
+              <a:spcAft>
+                <a:spcPts val="800"/>
+              </a:spcAft>
+            </a:pPr>
+            <a:r>
+              <a:rPr lang="fr-FR" b="1" dirty="0" err="1">
+                <a:solidFill>
+                  <a:schemeClr val="tx1">
+                    <a:lumMod val="65000"/>
+                    <a:lumOff val="35000"/>
+                  </a:schemeClr>
+                </a:solidFill>
+                <a:ea typeface="Calibri" panose="020F0502020204030204" pitchFamily="34" charset="0"/>
+                <a:cs typeface="Arial" panose="020B0604020202020204" pitchFamily="34" charset="0"/>
+              </a:rPr>
+              <a:t>Some</a:t>
+            </a:r>
+            <a:r>
+              <a:rPr lang="fr-FR" b="1" dirty="0">
+                <a:solidFill>
+                  <a:schemeClr val="tx1">
+                    <a:lumMod val="65000"/>
+                    <a:lumOff val="35000"/>
+                  </a:schemeClr>
+                </a:solidFill>
+                <a:ea typeface="Calibri" panose="020F0502020204030204" pitchFamily="34" charset="0"/>
+                <a:cs typeface="Arial" panose="020B0604020202020204" pitchFamily="34" charset="0"/>
+              </a:rPr>
+              <a:t> information </a:t>
+            </a:r>
+            <a:r>
+              <a:rPr lang="fr-FR" b="1" dirty="0" err="1">
+                <a:solidFill>
+                  <a:schemeClr val="tx1">
+                    <a:lumMod val="65000"/>
+                    <a:lumOff val="35000"/>
+                  </a:schemeClr>
+                </a:solidFill>
+                <a:ea typeface="Calibri" panose="020F0502020204030204" pitchFamily="34" charset="0"/>
+                <a:cs typeface="Arial" panose="020B0604020202020204" pitchFamily="34" charset="0"/>
+              </a:rPr>
+              <a:t>needs</a:t>
+            </a:r>
+            <a:r>
+              <a:rPr lang="fr-FR" b="1" dirty="0">
+                <a:solidFill>
+                  <a:schemeClr val="tx1">
+                    <a:lumMod val="65000"/>
+                    <a:lumOff val="35000"/>
+                  </a:schemeClr>
+                </a:solidFill>
+                <a:ea typeface="Calibri" panose="020F0502020204030204" pitchFamily="34" charset="0"/>
+                <a:cs typeface="Arial" panose="020B0604020202020204" pitchFamily="34" charset="0"/>
+              </a:rPr>
+              <a:t> to </a:t>
+            </a:r>
+            <a:r>
+              <a:rPr lang="fr-FR" b="1" dirty="0" err="1">
+                <a:solidFill>
+                  <a:schemeClr val="tx1">
+                    <a:lumMod val="65000"/>
+                    <a:lumOff val="35000"/>
+                  </a:schemeClr>
+                </a:solidFill>
+                <a:ea typeface="Calibri" panose="020F0502020204030204" pitchFamily="34" charset="0"/>
+                <a:cs typeface="Arial" panose="020B0604020202020204" pitchFamily="34" charset="0"/>
+              </a:rPr>
+              <a:t>be</a:t>
+            </a:r>
+            <a:r>
+              <a:rPr lang="fr-FR" b="1" dirty="0">
+                <a:solidFill>
+                  <a:schemeClr val="tx1">
+                    <a:lumMod val="65000"/>
+                    <a:lumOff val="35000"/>
+                  </a:schemeClr>
+                </a:solidFill>
+                <a:ea typeface="Calibri" panose="020F0502020204030204" pitchFamily="34" charset="0"/>
+                <a:cs typeface="Arial" panose="020B0604020202020204" pitchFamily="34" charset="0"/>
+              </a:rPr>
+              <a:t> </a:t>
+            </a:r>
+            <a:r>
+              <a:rPr lang="fr-FR" b="1" dirty="0" err="1">
+                <a:solidFill>
+                  <a:schemeClr val="tx1">
+                    <a:lumMod val="65000"/>
+                    <a:lumOff val="35000"/>
+                  </a:schemeClr>
+                </a:solidFill>
+                <a:ea typeface="Calibri" panose="020F0502020204030204" pitchFamily="34" charset="0"/>
+                <a:cs typeface="Arial" panose="020B0604020202020204" pitchFamily="34" charset="0"/>
+              </a:rPr>
+              <a:t>provided</a:t>
+            </a:r>
+            <a:r>
+              <a:rPr lang="fr-FR" b="1" dirty="0">
+                <a:solidFill>
+                  <a:schemeClr val="tx1">
+                    <a:lumMod val="65000"/>
+                    <a:lumOff val="35000"/>
+                  </a:schemeClr>
+                </a:solidFill>
+                <a:ea typeface="Calibri" panose="020F0502020204030204" pitchFamily="34" charset="0"/>
+                <a:cs typeface="Arial" panose="020B0604020202020204" pitchFamily="34" charset="0"/>
+              </a:rPr>
+              <a:t> at </a:t>
+            </a:r>
+            <a:r>
+              <a:rPr lang="fr-FR" b="1" dirty="0" err="1">
+                <a:solidFill>
+                  <a:schemeClr val="tx1">
+                    <a:lumMod val="65000"/>
+                    <a:lumOff val="35000"/>
+                  </a:schemeClr>
+                </a:solidFill>
+                <a:ea typeface="Calibri" panose="020F0502020204030204" pitchFamily="34" charset="0"/>
+                <a:cs typeface="Arial" panose="020B0604020202020204" pitchFamily="34" charset="0"/>
+              </a:rPr>
+              <a:t>runtime</a:t>
+            </a:r>
+            <a:endParaRPr lang="fr-FR" b="1" dirty="0">
+              <a:solidFill>
+                <a:schemeClr val="tx1">
+                  <a:lumMod val="65000"/>
+                  <a:lumOff val="35000"/>
+                </a:schemeClr>
+              </a:solidFill>
+              <a:ea typeface="Calibri" panose="020F0502020204030204" pitchFamily="34" charset="0"/>
+              <a:cs typeface="Arial" panose="020B0604020202020204" pitchFamily="34" charset="0"/>
+            </a:endParaRPr>
+          </a:p>
+          <a:p>
+            <a:pPr lvl="0" algn="just">
+              <a:lnSpc>
+                <a:spcPct val="107000"/>
+              </a:lnSpc>
+              <a:spcAft>
+                <a:spcPts val="800"/>
+              </a:spcAft>
+            </a:pPr>
+            <a:r>
+              <a:rPr lang="fr-FR" dirty="0">
+                <a:solidFill>
+                  <a:schemeClr val="tx1">
+                    <a:lumMod val="65000"/>
+                    <a:lumOff val="35000"/>
+                  </a:schemeClr>
+                </a:solidFill>
+                <a:ea typeface="Calibri" panose="020F0502020204030204" pitchFamily="34" charset="0"/>
+                <a:cs typeface="Arial" panose="020B0604020202020204" pitchFamily="34" charset="0"/>
+              </a:rPr>
+              <a:t>The </a:t>
+            </a:r>
+            <a:r>
+              <a:rPr lang="fr-FR" dirty="0" err="1">
+                <a:solidFill>
+                  <a:schemeClr val="tx1">
+                    <a:lumMod val="65000"/>
+                    <a:lumOff val="35000"/>
+                  </a:schemeClr>
+                </a:solidFill>
+                <a:ea typeface="Calibri" panose="020F0502020204030204" pitchFamily="34" charset="0"/>
+                <a:cs typeface="Arial" panose="020B0604020202020204" pitchFamily="34" charset="0"/>
+              </a:rPr>
+              <a:t>easiest</a:t>
+            </a:r>
+            <a:r>
+              <a:rPr lang="fr-FR" dirty="0">
+                <a:solidFill>
+                  <a:schemeClr val="tx1">
+                    <a:lumMod val="65000"/>
+                    <a:lumOff val="35000"/>
+                  </a:schemeClr>
+                </a:solidFill>
+                <a:ea typeface="Calibri" panose="020F0502020204030204" pitchFamily="34" charset="0"/>
+                <a:cs typeface="Arial" panose="020B0604020202020204" pitchFamily="34" charset="0"/>
+              </a:rPr>
+              <a:t> </a:t>
+            </a:r>
+            <a:r>
+              <a:rPr lang="fr-FR" dirty="0" err="1">
+                <a:solidFill>
+                  <a:schemeClr val="tx1">
+                    <a:lumMod val="65000"/>
+                    <a:lumOff val="35000"/>
+                  </a:schemeClr>
+                </a:solidFill>
+                <a:ea typeface="Calibri" panose="020F0502020204030204" pitchFamily="34" charset="0"/>
+                <a:cs typeface="Arial" panose="020B0604020202020204" pitchFamily="34" charset="0"/>
+              </a:rPr>
+              <a:t>example</a:t>
+            </a:r>
+            <a:r>
+              <a:rPr lang="fr-FR" dirty="0">
+                <a:solidFill>
+                  <a:schemeClr val="tx1">
+                    <a:lumMod val="65000"/>
+                    <a:lumOff val="35000"/>
+                  </a:schemeClr>
+                </a:solidFill>
+                <a:ea typeface="Calibri" panose="020F0502020204030204" pitchFamily="34" charset="0"/>
+                <a:cs typeface="Arial" panose="020B0604020202020204" pitchFamily="34" charset="0"/>
+              </a:rPr>
+              <a:t> </a:t>
+            </a:r>
+            <a:r>
+              <a:rPr lang="fr-FR" dirty="0" err="1">
+                <a:solidFill>
+                  <a:schemeClr val="tx1">
+                    <a:lumMod val="65000"/>
+                    <a:lumOff val="35000"/>
+                  </a:schemeClr>
+                </a:solidFill>
+                <a:ea typeface="Calibri" panose="020F0502020204030204" pitchFamily="34" charset="0"/>
+                <a:cs typeface="Arial" panose="020B0604020202020204" pitchFamily="34" charset="0"/>
+              </a:rPr>
+              <a:t>is</a:t>
+            </a:r>
+            <a:r>
+              <a:rPr lang="fr-FR" dirty="0">
+                <a:solidFill>
+                  <a:schemeClr val="tx1">
+                    <a:lumMod val="65000"/>
+                    <a:lumOff val="35000"/>
+                  </a:schemeClr>
+                </a:solidFill>
+                <a:ea typeface="Calibri" panose="020F0502020204030204" pitchFamily="34" charset="0"/>
+                <a:cs typeface="Arial" panose="020B0604020202020204" pitchFamily="34" charset="0"/>
+              </a:rPr>
+              <a:t> the « </a:t>
+            </a:r>
+            <a:r>
+              <a:rPr lang="fr-FR" i="1" dirty="0" err="1">
+                <a:solidFill>
+                  <a:schemeClr val="tx1">
+                    <a:lumMod val="65000"/>
+                    <a:lumOff val="35000"/>
+                  </a:schemeClr>
+                </a:solidFill>
+                <a:ea typeface="Calibri" panose="020F0502020204030204" pitchFamily="34" charset="0"/>
+                <a:cs typeface="Arial" panose="020B0604020202020204" pitchFamily="34" charset="0"/>
+              </a:rPr>
+              <a:t>sender</a:t>
+            </a:r>
+            <a:r>
+              <a:rPr lang="fr-FR" dirty="0">
+                <a:solidFill>
+                  <a:schemeClr val="tx1">
+                    <a:lumMod val="65000"/>
+                    <a:lumOff val="35000"/>
+                  </a:schemeClr>
+                </a:solidFill>
+                <a:ea typeface="Calibri" panose="020F0502020204030204" pitchFamily="34" charset="0"/>
+                <a:cs typeface="Arial" panose="020B0604020202020204" pitchFamily="34" charset="0"/>
+              </a:rPr>
+              <a:t> », the </a:t>
+            </a:r>
+            <a:r>
+              <a:rPr lang="fr-FR" dirty="0" err="1">
+                <a:solidFill>
+                  <a:schemeClr val="tx1">
+                    <a:lumMod val="65000"/>
+                    <a:lumOff val="35000"/>
+                  </a:schemeClr>
+                </a:solidFill>
+                <a:ea typeface="Calibri" panose="020F0502020204030204" pitchFamily="34" charset="0"/>
+                <a:cs typeface="Arial" panose="020B0604020202020204" pitchFamily="34" charset="0"/>
+              </a:rPr>
+              <a:t>address</a:t>
+            </a:r>
+            <a:r>
+              <a:rPr lang="fr-FR" dirty="0">
+                <a:solidFill>
+                  <a:schemeClr val="tx1">
+                    <a:lumMod val="65000"/>
+                    <a:lumOff val="35000"/>
+                  </a:schemeClr>
+                </a:solidFill>
+                <a:ea typeface="Calibri" panose="020F0502020204030204" pitchFamily="34" charset="0"/>
+                <a:cs typeface="Arial" panose="020B0604020202020204" pitchFamily="34" charset="0"/>
+              </a:rPr>
+              <a:t> of the user </a:t>
+            </a:r>
+            <a:r>
+              <a:rPr lang="fr-FR" dirty="0" err="1">
+                <a:solidFill>
+                  <a:schemeClr val="tx1">
+                    <a:lumMod val="65000"/>
+                    <a:lumOff val="35000"/>
+                  </a:schemeClr>
+                </a:solidFill>
+                <a:ea typeface="Calibri" panose="020F0502020204030204" pitchFamily="34" charset="0"/>
+                <a:cs typeface="Arial" panose="020B0604020202020204" pitchFamily="34" charset="0"/>
+              </a:rPr>
+              <a:t>that</a:t>
+            </a:r>
+            <a:r>
+              <a:rPr lang="fr-FR" dirty="0">
+                <a:solidFill>
+                  <a:schemeClr val="tx1">
+                    <a:lumMod val="65000"/>
+                    <a:lumOff val="35000"/>
+                  </a:schemeClr>
+                </a:solidFill>
+                <a:ea typeface="Calibri" panose="020F0502020204030204" pitchFamily="34" charset="0"/>
+                <a:cs typeface="Arial" panose="020B0604020202020204" pitchFamily="34" charset="0"/>
+              </a:rPr>
+              <a:t> </a:t>
+            </a:r>
+            <a:r>
+              <a:rPr lang="fr-FR" dirty="0" err="1">
+                <a:solidFill>
+                  <a:schemeClr val="tx1">
+                    <a:lumMod val="65000"/>
+                    <a:lumOff val="35000"/>
+                  </a:schemeClr>
+                </a:solidFill>
+                <a:ea typeface="Calibri" panose="020F0502020204030204" pitchFamily="34" charset="0"/>
+                <a:cs typeface="Arial" panose="020B0604020202020204" pitchFamily="34" charset="0"/>
+              </a:rPr>
+              <a:t>invoked</a:t>
+            </a:r>
+            <a:r>
+              <a:rPr lang="fr-FR" dirty="0">
+                <a:solidFill>
+                  <a:schemeClr val="tx1">
+                    <a:lumMod val="65000"/>
+                    <a:lumOff val="35000"/>
+                  </a:schemeClr>
+                </a:solidFill>
+                <a:ea typeface="Calibri" panose="020F0502020204030204" pitchFamily="34" charset="0"/>
+                <a:cs typeface="Arial" panose="020B0604020202020204" pitchFamily="34" charset="0"/>
+              </a:rPr>
+              <a:t> the </a:t>
+            </a:r>
+            <a:r>
+              <a:rPr lang="fr-FR" dirty="0" err="1">
+                <a:solidFill>
+                  <a:schemeClr val="tx1">
+                    <a:lumMod val="65000"/>
+                    <a:lumOff val="35000"/>
+                  </a:schemeClr>
+                </a:solidFill>
+                <a:ea typeface="Calibri" panose="020F0502020204030204" pitchFamily="34" charset="0"/>
+                <a:cs typeface="Arial" panose="020B0604020202020204" pitchFamily="34" charset="0"/>
+              </a:rPr>
+              <a:t>endpoint</a:t>
+            </a:r>
+            <a:r>
+              <a:rPr lang="fr-FR" dirty="0">
+                <a:solidFill>
+                  <a:schemeClr val="tx1">
+                    <a:lumMod val="65000"/>
+                    <a:lumOff val="35000"/>
+                  </a:schemeClr>
+                </a:solidFill>
+                <a:ea typeface="Calibri" panose="020F0502020204030204" pitchFamily="34" charset="0"/>
+                <a:cs typeface="Arial" panose="020B0604020202020204" pitchFamily="34" charset="0"/>
+              </a:rPr>
+              <a:t>.</a:t>
+            </a:r>
+          </a:p>
+          <a:p>
+            <a:pPr lvl="0" algn="just">
+              <a:lnSpc>
+                <a:spcPct val="107000"/>
+              </a:lnSpc>
+              <a:spcAft>
+                <a:spcPts val="800"/>
+              </a:spcAft>
+            </a:pPr>
+            <a:r>
+              <a:rPr lang="fr-FR" dirty="0">
+                <a:solidFill>
+                  <a:schemeClr val="tx1">
+                    <a:lumMod val="65000"/>
+                    <a:lumOff val="35000"/>
+                  </a:schemeClr>
+                </a:solidFill>
+                <a:ea typeface="Calibri" panose="020F0502020204030204" pitchFamily="34" charset="0"/>
+                <a:cs typeface="Arial" panose="020B0604020202020204" pitchFamily="34" charset="0"/>
+              </a:rPr>
+              <a:t>Forcing </a:t>
+            </a:r>
+            <a:r>
+              <a:rPr lang="fr-FR" dirty="0" err="1">
+                <a:solidFill>
+                  <a:schemeClr val="tx1">
+                    <a:lumMod val="65000"/>
+                    <a:lumOff val="35000"/>
+                  </a:schemeClr>
+                </a:solidFill>
+                <a:ea typeface="Calibri" panose="020F0502020204030204" pitchFamily="34" charset="0"/>
+                <a:cs typeface="Arial" panose="020B0604020202020204" pitchFamily="34" charset="0"/>
+              </a:rPr>
+              <a:t>additional</a:t>
+            </a:r>
+            <a:r>
+              <a:rPr lang="fr-FR" dirty="0">
+                <a:solidFill>
+                  <a:schemeClr val="tx1">
+                    <a:lumMod val="65000"/>
+                    <a:lumOff val="35000"/>
+                  </a:schemeClr>
+                </a:solidFill>
+                <a:ea typeface="Calibri" panose="020F0502020204030204" pitchFamily="34" charset="0"/>
+                <a:cs typeface="Arial" panose="020B0604020202020204" pitchFamily="34" charset="0"/>
+              </a:rPr>
+              <a:t> </a:t>
+            </a:r>
+            <a:r>
+              <a:rPr lang="fr-FR" dirty="0" err="1">
+                <a:solidFill>
+                  <a:schemeClr val="tx1">
+                    <a:lumMod val="65000"/>
+                    <a:lumOff val="35000"/>
+                  </a:schemeClr>
+                </a:solidFill>
+                <a:ea typeface="Calibri" panose="020F0502020204030204" pitchFamily="34" charset="0"/>
+                <a:cs typeface="Arial" panose="020B0604020202020204" pitchFamily="34" charset="0"/>
+              </a:rPr>
+              <a:t>parameters</a:t>
+            </a:r>
+            <a:r>
+              <a:rPr lang="fr-FR" dirty="0">
+                <a:solidFill>
+                  <a:schemeClr val="tx1">
+                    <a:lumMod val="65000"/>
+                    <a:lumOff val="35000"/>
+                  </a:schemeClr>
+                </a:solidFill>
+                <a:ea typeface="Calibri" panose="020F0502020204030204" pitchFamily="34" charset="0"/>
+                <a:cs typeface="Arial" panose="020B0604020202020204" pitchFamily="34" charset="0"/>
+              </a:rPr>
+              <a:t> in </a:t>
+            </a:r>
+            <a:r>
+              <a:rPr lang="fr-FR" dirty="0" err="1">
+                <a:solidFill>
+                  <a:schemeClr val="tx1">
+                    <a:lumMod val="65000"/>
+                    <a:lumOff val="35000"/>
+                  </a:schemeClr>
+                </a:solidFill>
+                <a:ea typeface="Calibri" panose="020F0502020204030204" pitchFamily="34" charset="0"/>
+                <a:cs typeface="Arial" panose="020B0604020202020204" pitchFamily="34" charset="0"/>
+              </a:rPr>
+              <a:t>each</a:t>
+            </a:r>
+            <a:r>
+              <a:rPr lang="fr-FR" dirty="0">
+                <a:solidFill>
+                  <a:schemeClr val="tx1">
+                    <a:lumMod val="65000"/>
+                    <a:lumOff val="35000"/>
+                  </a:schemeClr>
+                </a:solidFill>
+                <a:ea typeface="Calibri" panose="020F0502020204030204" pitchFamily="34" charset="0"/>
+                <a:cs typeface="Arial" panose="020B0604020202020204" pitchFamily="34" charset="0"/>
+              </a:rPr>
+              <a:t> </a:t>
+            </a:r>
+            <a:r>
+              <a:rPr lang="fr-FR" dirty="0" err="1">
+                <a:solidFill>
+                  <a:schemeClr val="tx1">
+                    <a:lumMod val="65000"/>
+                    <a:lumOff val="35000"/>
+                  </a:schemeClr>
+                </a:solidFill>
+                <a:ea typeface="Calibri" panose="020F0502020204030204" pitchFamily="34" charset="0"/>
+                <a:cs typeface="Arial" panose="020B0604020202020204" pitchFamily="34" charset="0"/>
+              </a:rPr>
+              <a:t>function</a:t>
+            </a:r>
+            <a:r>
+              <a:rPr lang="fr-FR" dirty="0">
+                <a:solidFill>
+                  <a:schemeClr val="tx1">
+                    <a:lumMod val="65000"/>
+                    <a:lumOff val="35000"/>
+                  </a:schemeClr>
+                </a:solidFill>
+                <a:ea typeface="Calibri" panose="020F0502020204030204" pitchFamily="34" charset="0"/>
+                <a:cs typeface="Arial" panose="020B0604020202020204" pitchFamily="34" charset="0"/>
+              </a:rPr>
+              <a:t> </a:t>
+            </a:r>
+            <a:r>
+              <a:rPr lang="fr-FR" dirty="0" err="1">
+                <a:solidFill>
+                  <a:schemeClr val="tx1">
+                    <a:lumMod val="65000"/>
+                    <a:lumOff val="35000"/>
+                  </a:schemeClr>
+                </a:solidFill>
+                <a:ea typeface="Calibri" panose="020F0502020204030204" pitchFamily="34" charset="0"/>
+                <a:cs typeface="Arial" panose="020B0604020202020204" pitchFamily="34" charset="0"/>
+              </a:rPr>
+              <a:t>would</a:t>
+            </a:r>
+            <a:r>
+              <a:rPr lang="fr-FR" dirty="0">
+                <a:solidFill>
+                  <a:schemeClr val="tx1">
+                    <a:lumMod val="65000"/>
+                    <a:lumOff val="35000"/>
+                  </a:schemeClr>
+                </a:solidFill>
+                <a:ea typeface="Calibri" panose="020F0502020204030204" pitchFamily="34" charset="0"/>
+                <a:cs typeface="Arial" panose="020B0604020202020204" pitchFamily="34" charset="0"/>
+              </a:rPr>
+              <a:t> </a:t>
+            </a:r>
+            <a:r>
+              <a:rPr lang="fr-FR" dirty="0" err="1">
+                <a:solidFill>
+                  <a:schemeClr val="tx1">
+                    <a:lumMod val="65000"/>
+                    <a:lumOff val="35000"/>
+                  </a:schemeClr>
+                </a:solidFill>
+                <a:ea typeface="Calibri" panose="020F0502020204030204" pitchFamily="34" charset="0"/>
+                <a:cs typeface="Arial" panose="020B0604020202020204" pitchFamily="34" charset="0"/>
+              </a:rPr>
+              <a:t>painful</a:t>
+            </a:r>
+            <a:r>
+              <a:rPr lang="fr-FR" dirty="0">
+                <a:solidFill>
+                  <a:schemeClr val="tx1">
+                    <a:lumMod val="65000"/>
+                    <a:lumOff val="35000"/>
+                  </a:schemeClr>
+                </a:solidFill>
+                <a:ea typeface="Calibri" panose="020F0502020204030204" pitchFamily="34" charset="0"/>
+                <a:cs typeface="Arial" panose="020B0604020202020204" pitchFamily="34" charset="0"/>
+              </a:rPr>
+              <a:t>. It </a:t>
+            </a:r>
+            <a:r>
+              <a:rPr lang="fr-FR" dirty="0" err="1">
+                <a:solidFill>
+                  <a:schemeClr val="tx1">
+                    <a:lumMod val="65000"/>
+                    <a:lumOff val="35000"/>
+                  </a:schemeClr>
+                </a:solidFill>
+                <a:ea typeface="Calibri" panose="020F0502020204030204" pitchFamily="34" charset="0"/>
+                <a:cs typeface="Arial" panose="020B0604020202020204" pitchFamily="34" charset="0"/>
+              </a:rPr>
+              <a:t>is</a:t>
+            </a:r>
+            <a:r>
+              <a:rPr lang="fr-FR" dirty="0">
+                <a:solidFill>
+                  <a:schemeClr val="tx1">
+                    <a:lumMod val="65000"/>
+                    <a:lumOff val="35000"/>
+                  </a:schemeClr>
+                </a:solidFill>
+                <a:ea typeface="Calibri" panose="020F0502020204030204" pitchFamily="34" charset="0"/>
+                <a:cs typeface="Arial" panose="020B0604020202020204" pitchFamily="34" charset="0"/>
+              </a:rPr>
+              <a:t> impossible to tell </a:t>
+            </a:r>
+            <a:r>
+              <a:rPr lang="fr-FR" dirty="0" err="1">
+                <a:solidFill>
+                  <a:schemeClr val="tx1">
+                    <a:lumMod val="65000"/>
+                    <a:lumOff val="35000"/>
+                  </a:schemeClr>
+                </a:solidFill>
+                <a:ea typeface="Calibri" panose="020F0502020204030204" pitchFamily="34" charset="0"/>
+                <a:cs typeface="Arial" panose="020B0604020202020204" pitchFamily="34" charset="0"/>
+              </a:rPr>
+              <a:t>which</a:t>
+            </a:r>
+            <a:r>
+              <a:rPr lang="fr-FR" dirty="0">
+                <a:solidFill>
+                  <a:schemeClr val="tx1">
+                    <a:lumMod val="65000"/>
+                    <a:lumOff val="35000"/>
+                  </a:schemeClr>
+                </a:solidFill>
+                <a:ea typeface="Calibri" panose="020F0502020204030204" pitchFamily="34" charset="0"/>
+                <a:cs typeface="Arial" panose="020B0604020202020204" pitchFamily="34" charset="0"/>
+              </a:rPr>
+              <a:t> </a:t>
+            </a:r>
+            <a:r>
+              <a:rPr lang="fr-FR" dirty="0" err="1">
+                <a:solidFill>
+                  <a:schemeClr val="tx1">
+                    <a:lumMod val="65000"/>
+                    <a:lumOff val="35000"/>
+                  </a:schemeClr>
+                </a:solidFill>
+                <a:ea typeface="Calibri" panose="020F0502020204030204" pitchFamily="34" charset="0"/>
+                <a:cs typeface="Arial" panose="020B0604020202020204" pitchFamily="34" charset="0"/>
+              </a:rPr>
+              <a:t>function</a:t>
+            </a:r>
+            <a:r>
+              <a:rPr lang="fr-FR" dirty="0">
+                <a:solidFill>
+                  <a:schemeClr val="tx1">
+                    <a:lumMod val="65000"/>
+                    <a:lumOff val="35000"/>
+                  </a:schemeClr>
+                </a:solidFill>
+                <a:ea typeface="Calibri" panose="020F0502020204030204" pitchFamily="34" charset="0"/>
+                <a:cs typeface="Arial" panose="020B0604020202020204" pitchFamily="34" charset="0"/>
+              </a:rPr>
+              <a:t> </a:t>
+            </a:r>
+            <a:r>
+              <a:rPr lang="fr-FR" dirty="0" err="1">
+                <a:solidFill>
+                  <a:schemeClr val="tx1">
+                    <a:lumMod val="65000"/>
+                    <a:lumOff val="35000"/>
+                  </a:schemeClr>
+                </a:solidFill>
+                <a:ea typeface="Calibri" panose="020F0502020204030204" pitchFamily="34" charset="0"/>
+                <a:cs typeface="Arial" panose="020B0604020202020204" pitchFamily="34" charset="0"/>
+              </a:rPr>
+              <a:t>is</a:t>
+            </a:r>
+            <a:r>
+              <a:rPr lang="fr-FR" dirty="0">
+                <a:solidFill>
+                  <a:schemeClr val="tx1">
+                    <a:lumMod val="65000"/>
+                    <a:lumOff val="35000"/>
+                  </a:schemeClr>
+                </a:solidFill>
+                <a:ea typeface="Calibri" panose="020F0502020204030204" pitchFamily="34" charset="0"/>
+                <a:cs typeface="Arial" panose="020B0604020202020204" pitchFamily="34" charset="0"/>
+              </a:rPr>
+              <a:t> </a:t>
+            </a:r>
+            <a:r>
+              <a:rPr lang="fr-FR" dirty="0" err="1">
+                <a:solidFill>
+                  <a:schemeClr val="tx1">
+                    <a:lumMod val="65000"/>
+                    <a:lumOff val="35000"/>
+                  </a:schemeClr>
+                </a:solidFill>
+                <a:ea typeface="Calibri" panose="020F0502020204030204" pitchFamily="34" charset="0"/>
+                <a:cs typeface="Arial" panose="020B0604020202020204" pitchFamily="34" charset="0"/>
+              </a:rPr>
+              <a:t>going</a:t>
+            </a:r>
+            <a:r>
+              <a:rPr lang="fr-FR" dirty="0">
+                <a:solidFill>
+                  <a:schemeClr val="tx1">
+                    <a:lumMod val="65000"/>
+                    <a:lumOff val="35000"/>
+                  </a:schemeClr>
+                </a:solidFill>
+                <a:ea typeface="Calibri" panose="020F0502020204030204" pitchFamily="34" charset="0"/>
+                <a:cs typeface="Arial" panose="020B0604020202020204" pitchFamily="34" charset="0"/>
+              </a:rPr>
+              <a:t> to use </a:t>
+            </a:r>
+            <a:r>
+              <a:rPr lang="fr-FR" dirty="0" err="1">
+                <a:solidFill>
+                  <a:schemeClr val="tx1">
+                    <a:lumMod val="65000"/>
+                    <a:lumOff val="35000"/>
+                  </a:schemeClr>
+                </a:solidFill>
+                <a:ea typeface="Calibri" panose="020F0502020204030204" pitchFamily="34" charset="0"/>
+                <a:cs typeface="Arial" panose="020B0604020202020204" pitchFamily="34" charset="0"/>
+              </a:rPr>
+              <a:t>each</a:t>
+            </a:r>
+            <a:r>
+              <a:rPr lang="fr-FR" dirty="0">
+                <a:solidFill>
+                  <a:schemeClr val="tx1">
+                    <a:lumMod val="65000"/>
+                    <a:lumOff val="35000"/>
+                  </a:schemeClr>
+                </a:solidFill>
+                <a:ea typeface="Calibri" panose="020F0502020204030204" pitchFamily="34" charset="0"/>
+                <a:cs typeface="Arial" panose="020B0604020202020204" pitchFamily="34" charset="0"/>
+              </a:rPr>
+              <a:t> </a:t>
+            </a:r>
+            <a:r>
+              <a:rPr lang="fr-FR" dirty="0" err="1">
+                <a:solidFill>
+                  <a:schemeClr val="tx1">
+                    <a:lumMod val="65000"/>
+                    <a:lumOff val="35000"/>
+                  </a:schemeClr>
+                </a:solidFill>
+                <a:ea typeface="Calibri" panose="020F0502020204030204" pitchFamily="34" charset="0"/>
+                <a:cs typeface="Arial" panose="020B0604020202020204" pitchFamily="34" charset="0"/>
+              </a:rPr>
+              <a:t>attribute</a:t>
+            </a:r>
+            <a:r>
+              <a:rPr lang="fr-FR" dirty="0">
+                <a:solidFill>
+                  <a:schemeClr val="tx1">
+                    <a:lumMod val="65000"/>
+                    <a:lumOff val="35000"/>
+                  </a:schemeClr>
+                </a:solidFill>
+                <a:ea typeface="Calibri" panose="020F0502020204030204" pitchFamily="34" charset="0"/>
+                <a:cs typeface="Arial" panose="020B0604020202020204" pitchFamily="34" charset="0"/>
+              </a:rPr>
+              <a:t> and the signatures </a:t>
+            </a:r>
+            <a:r>
+              <a:rPr lang="fr-FR" dirty="0" err="1">
+                <a:solidFill>
+                  <a:schemeClr val="tx1">
+                    <a:lumMod val="65000"/>
+                    <a:lumOff val="35000"/>
+                  </a:schemeClr>
+                </a:solidFill>
+                <a:ea typeface="Calibri" panose="020F0502020204030204" pitchFamily="34" charset="0"/>
+                <a:cs typeface="Arial" panose="020B0604020202020204" pitchFamily="34" charset="0"/>
+              </a:rPr>
+              <a:t>could</a:t>
+            </a:r>
+            <a:r>
+              <a:rPr lang="fr-FR" dirty="0">
+                <a:solidFill>
+                  <a:schemeClr val="tx1">
+                    <a:lumMod val="65000"/>
+                    <a:lumOff val="35000"/>
+                  </a:schemeClr>
+                </a:solidFill>
+                <a:ea typeface="Calibri" panose="020F0502020204030204" pitchFamily="34" charset="0"/>
+                <a:cs typeface="Arial" panose="020B0604020202020204" pitchFamily="34" charset="0"/>
+              </a:rPr>
+              <a:t> </a:t>
+            </a:r>
+            <a:r>
+              <a:rPr lang="fr-FR" dirty="0" err="1">
+                <a:solidFill>
+                  <a:schemeClr val="tx1">
+                    <a:lumMod val="65000"/>
+                    <a:lumOff val="35000"/>
+                  </a:schemeClr>
+                </a:solidFill>
+                <a:ea typeface="Calibri" panose="020F0502020204030204" pitchFamily="34" charset="0"/>
+                <a:cs typeface="Arial" panose="020B0604020202020204" pitchFamily="34" charset="0"/>
+              </a:rPr>
+              <a:t>soon</a:t>
+            </a:r>
+            <a:r>
+              <a:rPr lang="fr-FR" dirty="0">
+                <a:solidFill>
+                  <a:schemeClr val="tx1">
+                    <a:lumMod val="65000"/>
+                    <a:lumOff val="35000"/>
+                  </a:schemeClr>
+                </a:solidFill>
+                <a:ea typeface="Calibri" panose="020F0502020204030204" pitchFamily="34" charset="0"/>
+                <a:cs typeface="Arial" panose="020B0604020202020204" pitchFamily="34" charset="0"/>
+              </a:rPr>
+              <a:t> </a:t>
+            </a:r>
+            <a:r>
+              <a:rPr lang="fr-FR" dirty="0" err="1">
+                <a:solidFill>
+                  <a:schemeClr val="tx1">
+                    <a:lumMod val="65000"/>
+                    <a:lumOff val="35000"/>
+                  </a:schemeClr>
+                </a:solidFill>
+                <a:ea typeface="Calibri" panose="020F0502020204030204" pitchFamily="34" charset="0"/>
+                <a:cs typeface="Arial" panose="020B0604020202020204" pitchFamily="34" charset="0"/>
+              </a:rPr>
+              <a:t>become</a:t>
+            </a:r>
+            <a:r>
+              <a:rPr lang="fr-FR" dirty="0">
+                <a:solidFill>
+                  <a:schemeClr val="tx1">
+                    <a:lumMod val="65000"/>
+                    <a:lumOff val="35000"/>
+                  </a:schemeClr>
+                </a:solidFill>
+                <a:ea typeface="Calibri" panose="020F0502020204030204" pitchFamily="34" charset="0"/>
+                <a:cs typeface="Arial" panose="020B0604020202020204" pitchFamily="34" charset="0"/>
+              </a:rPr>
+              <a:t> </a:t>
+            </a:r>
+            <a:r>
+              <a:rPr lang="fr-FR" dirty="0" err="1">
+                <a:solidFill>
+                  <a:schemeClr val="tx1">
+                    <a:lumMod val="65000"/>
+                    <a:lumOff val="35000"/>
+                  </a:schemeClr>
+                </a:solidFill>
+                <a:ea typeface="Calibri" panose="020F0502020204030204" pitchFamily="34" charset="0"/>
+                <a:cs typeface="Arial" panose="020B0604020202020204" pitchFamily="34" charset="0"/>
+              </a:rPr>
+              <a:t>heavy</a:t>
+            </a:r>
+            <a:r>
+              <a:rPr lang="fr-FR" dirty="0">
+                <a:solidFill>
+                  <a:schemeClr val="tx1">
+                    <a:lumMod val="65000"/>
+                    <a:lumOff val="35000"/>
+                  </a:schemeClr>
+                </a:solidFill>
+                <a:ea typeface="Calibri" panose="020F0502020204030204" pitchFamily="34" charset="0"/>
+                <a:cs typeface="Arial" panose="020B0604020202020204" pitchFamily="34" charset="0"/>
+              </a:rPr>
+              <a:t>.</a:t>
+            </a:r>
+          </a:p>
+          <a:p>
+            <a:pPr lvl="0" algn="just">
+              <a:lnSpc>
+                <a:spcPct val="107000"/>
+              </a:lnSpc>
+              <a:spcAft>
+                <a:spcPts val="800"/>
+              </a:spcAft>
+            </a:pPr>
+            <a:r>
+              <a:rPr lang="fr-FR" dirty="0" err="1">
+                <a:solidFill>
+                  <a:schemeClr val="tx1">
+                    <a:lumMod val="65000"/>
+                    <a:lumOff val="35000"/>
+                  </a:schemeClr>
+                </a:solidFill>
+                <a:ea typeface="Calibri" panose="020F0502020204030204" pitchFamily="34" charset="0"/>
+                <a:cs typeface="Arial" panose="020B0604020202020204" pitchFamily="34" charset="0"/>
+              </a:rPr>
+              <a:t>Providing</a:t>
+            </a:r>
+            <a:r>
+              <a:rPr lang="fr-FR" dirty="0">
+                <a:solidFill>
+                  <a:schemeClr val="tx1">
+                    <a:lumMod val="65000"/>
+                    <a:lumOff val="35000"/>
+                  </a:schemeClr>
+                </a:solidFill>
+                <a:ea typeface="Calibri" panose="020F0502020204030204" pitchFamily="34" charset="0"/>
+                <a:cs typeface="Arial" panose="020B0604020202020204" pitchFamily="34" charset="0"/>
+              </a:rPr>
+              <a:t> a « </a:t>
+            </a:r>
+            <a:r>
+              <a:rPr lang="fr-FR" dirty="0" err="1">
+                <a:solidFill>
+                  <a:schemeClr val="tx1">
+                    <a:lumMod val="65000"/>
+                    <a:lumOff val="35000"/>
+                  </a:schemeClr>
+                </a:solidFill>
+                <a:ea typeface="Calibri" panose="020F0502020204030204" pitchFamily="34" charset="0"/>
+                <a:cs typeface="Arial" panose="020B0604020202020204" pitchFamily="34" charset="0"/>
+              </a:rPr>
+              <a:t>context</a:t>
+            </a:r>
+            <a:r>
+              <a:rPr lang="fr-FR" dirty="0">
+                <a:solidFill>
+                  <a:schemeClr val="tx1">
+                    <a:lumMod val="65000"/>
+                    <a:lumOff val="35000"/>
+                  </a:schemeClr>
+                </a:solidFill>
+                <a:ea typeface="Calibri" panose="020F0502020204030204" pitchFamily="34" charset="0"/>
+                <a:cs typeface="Arial" panose="020B0604020202020204" pitchFamily="34" charset="0"/>
+              </a:rPr>
+              <a:t> » </a:t>
+            </a:r>
+            <a:r>
+              <a:rPr lang="fr-FR" dirty="0" err="1">
+                <a:solidFill>
+                  <a:schemeClr val="tx1">
+                    <a:lumMod val="65000"/>
+                    <a:lumOff val="35000"/>
+                  </a:schemeClr>
+                </a:solidFill>
+                <a:ea typeface="Calibri" panose="020F0502020204030204" pitchFamily="34" charset="0"/>
+                <a:cs typeface="Arial" panose="020B0604020202020204" pitchFamily="34" charset="0"/>
+              </a:rPr>
+              <a:t>object</a:t>
+            </a:r>
+            <a:r>
+              <a:rPr lang="fr-FR" dirty="0">
+                <a:solidFill>
+                  <a:schemeClr val="tx1">
+                    <a:lumMod val="65000"/>
+                    <a:lumOff val="35000"/>
+                  </a:schemeClr>
+                </a:solidFill>
+                <a:ea typeface="Calibri" panose="020F0502020204030204" pitchFamily="34" charset="0"/>
+                <a:cs typeface="Arial" panose="020B0604020202020204" pitchFamily="34" charset="0"/>
+              </a:rPr>
+              <a:t> as a first argument of </a:t>
+            </a:r>
+            <a:r>
+              <a:rPr lang="fr-FR" dirty="0" err="1">
+                <a:solidFill>
+                  <a:schemeClr val="tx1">
+                    <a:lumMod val="65000"/>
+                    <a:lumOff val="35000"/>
+                  </a:schemeClr>
+                </a:solidFill>
+                <a:ea typeface="Calibri" panose="020F0502020204030204" pitchFamily="34" charset="0"/>
+                <a:cs typeface="Arial" panose="020B0604020202020204" pitchFamily="34" charset="0"/>
+              </a:rPr>
+              <a:t>each</a:t>
+            </a:r>
+            <a:r>
+              <a:rPr lang="fr-FR" dirty="0">
+                <a:solidFill>
+                  <a:schemeClr val="tx1">
+                    <a:lumMod val="65000"/>
+                    <a:lumOff val="35000"/>
+                  </a:schemeClr>
+                </a:solidFill>
+                <a:ea typeface="Calibri" panose="020F0502020204030204" pitchFamily="34" charset="0"/>
+                <a:cs typeface="Arial" panose="020B0604020202020204" pitchFamily="34" charset="0"/>
+              </a:rPr>
+              <a:t> </a:t>
+            </a:r>
+            <a:r>
+              <a:rPr lang="fr-FR" dirty="0" err="1">
+                <a:solidFill>
+                  <a:schemeClr val="tx1">
+                    <a:lumMod val="65000"/>
+                    <a:lumOff val="35000"/>
+                  </a:schemeClr>
+                </a:solidFill>
+                <a:ea typeface="Calibri" panose="020F0502020204030204" pitchFamily="34" charset="0"/>
+                <a:cs typeface="Arial" panose="020B0604020202020204" pitchFamily="34" charset="0"/>
+              </a:rPr>
+              <a:t>method</a:t>
+            </a:r>
+            <a:r>
+              <a:rPr lang="fr-FR" dirty="0">
+                <a:solidFill>
+                  <a:schemeClr val="tx1">
+                    <a:lumMod val="65000"/>
+                    <a:lumOff val="35000"/>
+                  </a:schemeClr>
+                </a:solidFill>
+                <a:ea typeface="Calibri" panose="020F0502020204030204" pitchFamily="34" charset="0"/>
+                <a:cs typeface="Arial" panose="020B0604020202020204" pitchFamily="34" charset="0"/>
+              </a:rPr>
+              <a:t> </a:t>
+            </a:r>
+            <a:r>
+              <a:rPr lang="fr-FR" dirty="0" err="1">
+                <a:solidFill>
+                  <a:schemeClr val="tx1">
+                    <a:lumMod val="65000"/>
+                    <a:lumOff val="35000"/>
+                  </a:schemeClr>
+                </a:solidFill>
+                <a:ea typeface="Calibri" panose="020F0502020204030204" pitchFamily="34" charset="0"/>
+                <a:cs typeface="Arial" panose="020B0604020202020204" pitchFamily="34" charset="0"/>
+              </a:rPr>
+              <a:t>seems</a:t>
+            </a:r>
+            <a:r>
+              <a:rPr lang="fr-FR" dirty="0">
+                <a:solidFill>
+                  <a:schemeClr val="tx1">
+                    <a:lumMod val="65000"/>
+                    <a:lumOff val="35000"/>
+                  </a:schemeClr>
+                </a:solidFill>
+                <a:ea typeface="Calibri" panose="020F0502020204030204" pitchFamily="34" charset="0"/>
+                <a:cs typeface="Arial" panose="020B0604020202020204" pitchFamily="34" charset="0"/>
+              </a:rPr>
+              <a:t> </a:t>
+            </a:r>
+            <a:r>
+              <a:rPr lang="fr-FR" dirty="0" err="1">
+                <a:solidFill>
+                  <a:schemeClr val="tx1">
+                    <a:lumMod val="65000"/>
+                    <a:lumOff val="35000"/>
+                  </a:schemeClr>
+                </a:solidFill>
+                <a:ea typeface="Calibri" panose="020F0502020204030204" pitchFamily="34" charset="0"/>
+                <a:cs typeface="Arial" panose="020B0604020202020204" pitchFamily="34" charset="0"/>
+              </a:rPr>
+              <a:t>reasonable</a:t>
+            </a:r>
+            <a:r>
+              <a:rPr lang="fr-FR" dirty="0">
+                <a:solidFill>
+                  <a:schemeClr val="tx1">
+                    <a:lumMod val="65000"/>
+                    <a:lumOff val="35000"/>
+                  </a:schemeClr>
+                </a:solidFill>
+                <a:ea typeface="Calibri" panose="020F0502020204030204" pitchFamily="34" charset="0"/>
+                <a:cs typeface="Arial" panose="020B0604020202020204" pitchFamily="34" charset="0"/>
+              </a:rPr>
+              <a:t>. </a:t>
+            </a:r>
+            <a:r>
+              <a:rPr lang="fr-FR" dirty="0" err="1">
+                <a:solidFill>
+                  <a:schemeClr val="tx1">
+                    <a:lumMod val="65000"/>
+                    <a:lumOff val="35000"/>
+                  </a:schemeClr>
+                </a:solidFill>
+                <a:ea typeface="Calibri" panose="020F0502020204030204" pitchFamily="34" charset="0"/>
+                <a:cs typeface="Arial" panose="020B0604020202020204" pitchFamily="34" charset="0"/>
+              </a:rPr>
+              <a:t>However</a:t>
+            </a:r>
+            <a:r>
+              <a:rPr lang="fr-FR" dirty="0">
+                <a:solidFill>
+                  <a:schemeClr val="tx1">
+                    <a:lumMod val="65000"/>
+                    <a:lumOff val="35000"/>
+                  </a:schemeClr>
+                </a:solidFill>
+                <a:ea typeface="Calibri" panose="020F0502020204030204" pitchFamily="34" charset="0"/>
+                <a:cs typeface="Arial" panose="020B0604020202020204" pitchFamily="34" charset="0"/>
+              </a:rPr>
+              <a:t>, </a:t>
+            </a:r>
+            <a:r>
+              <a:rPr lang="fr-FR" dirty="0" err="1">
+                <a:solidFill>
+                  <a:schemeClr val="tx1">
+                    <a:lumMod val="65000"/>
+                    <a:lumOff val="35000"/>
+                  </a:schemeClr>
+                </a:solidFill>
+                <a:ea typeface="Calibri" panose="020F0502020204030204" pitchFamily="34" charset="0"/>
+                <a:cs typeface="Arial" panose="020B0604020202020204" pitchFamily="34" charset="0"/>
+              </a:rPr>
+              <a:t>since</a:t>
+            </a:r>
+            <a:r>
+              <a:rPr lang="fr-FR" dirty="0">
+                <a:solidFill>
+                  <a:schemeClr val="tx1">
+                    <a:lumMod val="65000"/>
+                    <a:lumOff val="35000"/>
+                  </a:schemeClr>
+                </a:solidFill>
+                <a:ea typeface="Calibri" panose="020F0502020204030204" pitchFamily="34" charset="0"/>
+                <a:cs typeface="Arial" panose="020B0604020202020204" pitchFamily="34" charset="0"/>
+              </a:rPr>
+              <a:t> </a:t>
+            </a:r>
+            <a:r>
+              <a:rPr lang="fr-FR" dirty="0" err="1">
+                <a:solidFill>
+                  <a:schemeClr val="tx1">
+                    <a:lumMod val="65000"/>
+                    <a:lumOff val="35000"/>
+                  </a:schemeClr>
+                </a:solidFill>
+                <a:ea typeface="Calibri" panose="020F0502020204030204" pitchFamily="34" charset="0"/>
+                <a:cs typeface="Arial" panose="020B0604020202020204" pitchFamily="34" charset="0"/>
+              </a:rPr>
+              <a:t>each</a:t>
+            </a:r>
+            <a:r>
+              <a:rPr lang="fr-FR" dirty="0">
+                <a:solidFill>
+                  <a:schemeClr val="tx1">
+                    <a:lumMod val="65000"/>
+                    <a:lumOff val="35000"/>
+                  </a:schemeClr>
+                </a:solidFill>
+                <a:ea typeface="Calibri" panose="020F0502020204030204" pitchFamily="34" charset="0"/>
+                <a:cs typeface="Arial" panose="020B0604020202020204" pitchFamily="34" charset="0"/>
+              </a:rPr>
+              <a:t> </a:t>
+            </a:r>
+            <a:r>
+              <a:rPr lang="fr-FR" dirty="0" err="1">
+                <a:solidFill>
+                  <a:schemeClr val="tx1">
+                    <a:lumMod val="65000"/>
+                    <a:lumOff val="35000"/>
+                  </a:schemeClr>
+                </a:solidFill>
+                <a:ea typeface="Calibri" panose="020F0502020204030204" pitchFamily="34" charset="0"/>
+                <a:cs typeface="Arial" panose="020B0604020202020204" pitchFamily="34" charset="0"/>
+              </a:rPr>
+              <a:t>parameter</a:t>
+            </a:r>
+            <a:r>
+              <a:rPr lang="fr-FR" dirty="0">
+                <a:solidFill>
+                  <a:schemeClr val="tx1">
+                    <a:lumMod val="65000"/>
+                    <a:lumOff val="35000"/>
+                  </a:schemeClr>
+                </a:solidFill>
+                <a:ea typeface="Calibri" panose="020F0502020204030204" pitchFamily="34" charset="0"/>
+                <a:cs typeface="Arial" panose="020B0604020202020204" pitchFamily="34" charset="0"/>
+              </a:rPr>
+              <a:t> has to </a:t>
+            </a:r>
+            <a:r>
+              <a:rPr lang="fr-FR" dirty="0" err="1">
+                <a:solidFill>
+                  <a:schemeClr val="tx1">
+                    <a:lumMod val="65000"/>
+                    <a:lumOff val="35000"/>
+                  </a:schemeClr>
+                </a:solidFill>
+                <a:ea typeface="Calibri" panose="020F0502020204030204" pitchFamily="34" charset="0"/>
+                <a:cs typeface="Arial" panose="020B0604020202020204" pitchFamily="34" charset="0"/>
+              </a:rPr>
+              <a:t>be</a:t>
+            </a:r>
+            <a:r>
+              <a:rPr lang="fr-FR" dirty="0">
+                <a:solidFill>
+                  <a:schemeClr val="tx1">
+                    <a:lumMod val="65000"/>
+                    <a:lumOff val="35000"/>
+                  </a:schemeClr>
+                </a:solidFill>
+                <a:ea typeface="Calibri" panose="020F0502020204030204" pitchFamily="34" charset="0"/>
+                <a:cs typeface="Arial" panose="020B0604020202020204" pitchFamily="34" charset="0"/>
+              </a:rPr>
+              <a:t> </a:t>
+            </a:r>
+            <a:r>
+              <a:rPr lang="fr-FR" dirty="0" err="1">
+                <a:solidFill>
+                  <a:schemeClr val="tx1">
+                    <a:lumMod val="65000"/>
+                    <a:lumOff val="35000"/>
+                  </a:schemeClr>
+                </a:solidFill>
+                <a:ea typeface="Calibri" panose="020F0502020204030204" pitchFamily="34" charset="0"/>
+                <a:cs typeface="Arial" panose="020B0604020202020204" pitchFamily="34" charset="0"/>
+              </a:rPr>
+              <a:t>typed</a:t>
+            </a:r>
+            <a:r>
+              <a:rPr lang="fr-FR" dirty="0">
+                <a:solidFill>
+                  <a:schemeClr val="tx1">
+                    <a:lumMod val="65000"/>
+                    <a:lumOff val="35000"/>
+                  </a:schemeClr>
+                </a:solidFill>
+                <a:ea typeface="Calibri" panose="020F0502020204030204" pitchFamily="34" charset="0"/>
+                <a:cs typeface="Arial" panose="020B0604020202020204" pitchFamily="34" charset="0"/>
+              </a:rPr>
+              <a:t> </a:t>
+            </a:r>
+            <a:r>
+              <a:rPr lang="fr-FR" dirty="0" err="1">
+                <a:solidFill>
+                  <a:schemeClr val="tx1">
+                    <a:lumMod val="65000"/>
+                    <a:lumOff val="35000"/>
+                  </a:schemeClr>
+                </a:solidFill>
+                <a:ea typeface="Calibri" panose="020F0502020204030204" pitchFamily="34" charset="0"/>
+                <a:cs typeface="Arial" panose="020B0604020202020204" pitchFamily="34" charset="0"/>
+              </a:rPr>
+              <a:t>with</a:t>
+            </a:r>
+            <a:r>
+              <a:rPr lang="fr-FR" dirty="0">
+                <a:solidFill>
+                  <a:schemeClr val="tx1">
+                    <a:lumMod val="65000"/>
+                    <a:lumOff val="35000"/>
+                  </a:schemeClr>
+                </a:solidFill>
+                <a:ea typeface="Calibri" panose="020F0502020204030204" pitchFamily="34" charset="0"/>
+                <a:cs typeface="Arial" panose="020B0604020202020204" pitchFamily="34" charset="0"/>
+              </a:rPr>
+              <a:t> a </a:t>
+            </a:r>
+            <a:r>
+              <a:rPr lang="fr-FR" dirty="0" err="1">
+                <a:solidFill>
+                  <a:schemeClr val="tx1">
+                    <a:lumMod val="65000"/>
+                    <a:lumOff val="35000"/>
+                  </a:schemeClr>
+                </a:solidFill>
+                <a:ea typeface="Calibri" panose="020F0502020204030204" pitchFamily="34" charset="0"/>
+                <a:cs typeface="Arial" panose="020B0604020202020204" pitchFamily="34" charset="0"/>
+              </a:rPr>
+              <a:t>builtin</a:t>
+            </a:r>
+            <a:r>
+              <a:rPr lang="fr-FR" dirty="0">
+                <a:solidFill>
+                  <a:schemeClr val="tx1">
+                    <a:lumMod val="65000"/>
+                    <a:lumOff val="35000"/>
+                  </a:schemeClr>
+                </a:solidFill>
+                <a:ea typeface="Calibri" panose="020F0502020204030204" pitchFamily="34" charset="0"/>
+                <a:cs typeface="Arial" panose="020B0604020202020204" pitchFamily="34" charset="0"/>
+              </a:rPr>
+              <a:t> type to </a:t>
+            </a:r>
+            <a:r>
+              <a:rPr lang="fr-FR" dirty="0" err="1">
+                <a:solidFill>
+                  <a:schemeClr val="tx1">
+                    <a:lumMod val="65000"/>
+                    <a:lumOff val="35000"/>
+                  </a:schemeClr>
+                </a:solidFill>
+                <a:ea typeface="Calibri" panose="020F0502020204030204" pitchFamily="34" charset="0"/>
+                <a:cs typeface="Arial" panose="020B0604020202020204" pitchFamily="34" charset="0"/>
+              </a:rPr>
+              <a:t>be</a:t>
+            </a:r>
+            <a:r>
+              <a:rPr lang="fr-FR" dirty="0">
+                <a:solidFill>
+                  <a:schemeClr val="tx1">
+                    <a:lumMod val="65000"/>
+                    <a:lumOff val="35000"/>
+                  </a:schemeClr>
+                </a:solidFill>
+                <a:ea typeface="Calibri" panose="020F0502020204030204" pitchFamily="34" charset="0"/>
+                <a:cs typeface="Arial" panose="020B0604020202020204" pitchFamily="34" charset="0"/>
+              </a:rPr>
+              <a:t> </a:t>
+            </a:r>
+            <a:r>
+              <a:rPr lang="fr-FR" dirty="0" err="1">
+                <a:solidFill>
+                  <a:schemeClr val="tx1">
+                    <a:lumMod val="65000"/>
+                    <a:lumOff val="35000"/>
+                  </a:schemeClr>
+                </a:solidFill>
+                <a:ea typeface="Calibri" panose="020F0502020204030204" pitchFamily="34" charset="0"/>
+                <a:cs typeface="Arial" panose="020B0604020202020204" pitchFamily="34" charset="0"/>
+              </a:rPr>
+              <a:t>valid</a:t>
+            </a:r>
+            <a:r>
+              <a:rPr lang="fr-FR" dirty="0">
+                <a:solidFill>
+                  <a:schemeClr val="tx1">
+                    <a:lumMod val="65000"/>
+                    <a:lumOff val="35000"/>
+                  </a:schemeClr>
+                </a:solidFill>
+                <a:ea typeface="Calibri" panose="020F0502020204030204" pitchFamily="34" charset="0"/>
+                <a:cs typeface="Arial" panose="020B0604020202020204" pitchFamily="34" charset="0"/>
+              </a:rPr>
+              <a:t> (</a:t>
+            </a:r>
+            <a:r>
+              <a:rPr lang="fr-FR" dirty="0" err="1">
+                <a:solidFill>
+                  <a:schemeClr val="tx1">
+                    <a:lumMod val="65000"/>
+                    <a:lumOff val="35000"/>
+                  </a:schemeClr>
+                </a:solidFill>
+                <a:ea typeface="Calibri" panose="020F0502020204030204" pitchFamily="34" charset="0"/>
+                <a:cs typeface="Arial" panose="020B0604020202020204" pitchFamily="34" charset="0"/>
+              </a:rPr>
+              <a:t>c.f</a:t>
+            </a:r>
+            <a:r>
+              <a:rPr lang="fr-FR" dirty="0">
+                <a:solidFill>
+                  <a:schemeClr val="tx1">
+                    <a:lumMod val="65000"/>
+                    <a:lumOff val="35000"/>
+                  </a:schemeClr>
+                </a:solidFill>
+                <a:ea typeface="Calibri" panose="020F0502020204030204" pitchFamily="34" charset="0"/>
+                <a:cs typeface="Arial" panose="020B0604020202020204" pitchFamily="34" charset="0"/>
+              </a:rPr>
+              <a:t>. Smart </a:t>
+            </a:r>
+            <a:r>
+              <a:rPr lang="fr-FR" dirty="0" err="1">
+                <a:solidFill>
+                  <a:schemeClr val="tx1">
+                    <a:lumMod val="65000"/>
+                    <a:lumOff val="35000"/>
+                  </a:schemeClr>
+                </a:solidFill>
+                <a:ea typeface="Calibri" panose="020F0502020204030204" pitchFamily="34" charset="0"/>
+                <a:cs typeface="Arial" panose="020B0604020202020204" pitchFamily="34" charset="0"/>
+              </a:rPr>
+              <a:t>Contract</a:t>
+            </a:r>
+            <a:r>
+              <a:rPr lang="fr-FR" dirty="0">
+                <a:solidFill>
+                  <a:schemeClr val="tx1">
+                    <a:lumMod val="65000"/>
+                    <a:lumOff val="35000"/>
+                  </a:schemeClr>
+                </a:solidFill>
+                <a:ea typeface="Calibri" panose="020F0502020204030204" pitchFamily="34" charset="0"/>
+                <a:cs typeface="Arial" panose="020B0604020202020204" pitchFamily="34" charset="0"/>
+              </a:rPr>
+              <a:t> </a:t>
+            </a:r>
+            <a:r>
+              <a:rPr lang="fr-FR" dirty="0" err="1">
+                <a:solidFill>
+                  <a:schemeClr val="tx1">
+                    <a:lumMod val="65000"/>
+                    <a:lumOff val="35000"/>
+                  </a:schemeClr>
+                </a:solidFill>
+                <a:ea typeface="Calibri" panose="020F0502020204030204" pitchFamily="34" charset="0"/>
+                <a:cs typeface="Arial" panose="020B0604020202020204" pitchFamily="34" charset="0"/>
+              </a:rPr>
+              <a:t>definition</a:t>
+            </a:r>
+            <a:r>
+              <a:rPr lang="fr-FR" dirty="0">
+                <a:solidFill>
+                  <a:schemeClr val="tx1">
+                    <a:lumMod val="65000"/>
+                    <a:lumOff val="35000"/>
+                  </a:schemeClr>
+                </a:solidFill>
+                <a:ea typeface="Calibri" panose="020F0502020204030204" pitchFamily="34" charset="0"/>
+                <a:cs typeface="Arial" panose="020B0604020202020204" pitchFamily="34" charset="0"/>
+              </a:rPr>
+              <a:t>), </a:t>
+            </a:r>
+            <a:r>
+              <a:rPr lang="fr-FR" dirty="0" err="1">
+                <a:solidFill>
+                  <a:schemeClr val="tx1">
+                    <a:lumMod val="65000"/>
+                    <a:lumOff val="35000"/>
+                  </a:schemeClr>
+                </a:solidFill>
+                <a:ea typeface="Calibri" panose="020F0502020204030204" pitchFamily="34" charset="0"/>
+                <a:cs typeface="Arial" panose="020B0604020202020204" pitchFamily="34" charset="0"/>
+              </a:rPr>
+              <a:t>this</a:t>
+            </a:r>
+            <a:r>
+              <a:rPr lang="fr-FR" dirty="0">
+                <a:solidFill>
+                  <a:schemeClr val="tx1">
+                    <a:lumMod val="65000"/>
+                    <a:lumOff val="35000"/>
+                  </a:schemeClr>
+                </a:solidFill>
+                <a:ea typeface="Calibri" panose="020F0502020204030204" pitchFamily="34" charset="0"/>
+                <a:cs typeface="Arial" panose="020B0604020202020204" pitchFamily="34" charset="0"/>
+              </a:rPr>
+              <a:t> option </a:t>
+            </a:r>
+            <a:r>
+              <a:rPr lang="fr-FR" dirty="0" err="1">
+                <a:solidFill>
+                  <a:schemeClr val="tx1">
+                    <a:lumMod val="65000"/>
+                    <a:lumOff val="35000"/>
+                  </a:schemeClr>
+                </a:solidFill>
+                <a:ea typeface="Calibri" panose="020F0502020204030204" pitchFamily="34" charset="0"/>
+                <a:cs typeface="Arial" panose="020B0604020202020204" pitchFamily="34" charset="0"/>
+              </a:rPr>
+              <a:t>is</a:t>
+            </a:r>
+            <a:r>
+              <a:rPr lang="fr-FR" dirty="0">
+                <a:solidFill>
+                  <a:schemeClr val="tx1">
+                    <a:lumMod val="65000"/>
+                    <a:lumOff val="35000"/>
+                  </a:schemeClr>
+                </a:solidFill>
+                <a:ea typeface="Calibri" panose="020F0502020204030204" pitchFamily="34" charset="0"/>
+                <a:cs typeface="Arial" panose="020B0604020202020204" pitchFamily="34" charset="0"/>
+              </a:rPr>
+              <a:t> </a:t>
+            </a:r>
+            <a:r>
+              <a:rPr lang="fr-FR" dirty="0" err="1">
+                <a:solidFill>
+                  <a:schemeClr val="tx1">
+                    <a:lumMod val="65000"/>
+                    <a:lumOff val="35000"/>
+                  </a:schemeClr>
+                </a:solidFill>
+                <a:ea typeface="Calibri" panose="020F0502020204030204" pitchFamily="34" charset="0"/>
+                <a:cs typeface="Arial" panose="020B0604020202020204" pitchFamily="34" charset="0"/>
+              </a:rPr>
+              <a:t>excluded</a:t>
+            </a:r>
+            <a:r>
+              <a:rPr lang="fr-FR" dirty="0">
+                <a:solidFill>
+                  <a:schemeClr val="tx1">
+                    <a:lumMod val="65000"/>
+                    <a:lumOff val="35000"/>
+                  </a:schemeClr>
+                </a:solidFill>
+                <a:ea typeface="Calibri" panose="020F0502020204030204" pitchFamily="34" charset="0"/>
+                <a:cs typeface="Arial" panose="020B0604020202020204" pitchFamily="34" charset="0"/>
+              </a:rPr>
+              <a:t>.</a:t>
+            </a:r>
+          </a:p>
+          <a:p>
+            <a:pPr lvl="0" algn="just">
+              <a:lnSpc>
+                <a:spcPct val="107000"/>
+              </a:lnSpc>
+              <a:spcAft>
+                <a:spcPts val="800"/>
+              </a:spcAft>
+            </a:pPr>
+            <a:r>
+              <a:rPr lang="fr-FR" dirty="0">
+                <a:solidFill>
+                  <a:schemeClr val="tx1">
+                    <a:lumMod val="65000"/>
+                    <a:lumOff val="35000"/>
+                  </a:schemeClr>
+                </a:solidFill>
+                <a:ea typeface="Calibri" panose="020F0502020204030204" pitchFamily="34" charset="0"/>
+                <a:cs typeface="Arial" panose="020B0604020202020204" pitchFamily="34" charset="0"/>
+              </a:rPr>
+              <a:t>The </a:t>
+            </a:r>
+            <a:r>
+              <a:rPr lang="fr-FR" dirty="0" err="1">
+                <a:solidFill>
+                  <a:schemeClr val="tx1">
+                    <a:lumMod val="65000"/>
+                    <a:lumOff val="35000"/>
+                  </a:schemeClr>
+                </a:solidFill>
+                <a:ea typeface="Calibri" panose="020F0502020204030204" pitchFamily="34" charset="0"/>
+                <a:cs typeface="Arial" panose="020B0604020202020204" pitchFamily="34" charset="0"/>
+              </a:rPr>
+              <a:t>simplest</a:t>
+            </a:r>
+            <a:r>
+              <a:rPr lang="fr-FR" dirty="0">
+                <a:solidFill>
+                  <a:schemeClr val="tx1">
+                    <a:lumMod val="65000"/>
+                    <a:lumOff val="35000"/>
+                  </a:schemeClr>
+                </a:solidFill>
+                <a:ea typeface="Calibri" panose="020F0502020204030204" pitchFamily="34" charset="0"/>
+                <a:cs typeface="Arial" panose="020B0604020202020204" pitchFamily="34" charset="0"/>
+              </a:rPr>
+              <a:t> </a:t>
+            </a:r>
+            <a:r>
+              <a:rPr lang="fr-FR" dirty="0" err="1">
+                <a:solidFill>
+                  <a:schemeClr val="tx1">
+                    <a:lumMod val="65000"/>
+                    <a:lumOff val="35000"/>
+                  </a:schemeClr>
+                </a:solidFill>
+                <a:ea typeface="Calibri" panose="020F0502020204030204" pitchFamily="34" charset="0"/>
+                <a:cs typeface="Arial" panose="020B0604020202020204" pitchFamily="34" charset="0"/>
+              </a:rPr>
+              <a:t>way</a:t>
+            </a:r>
+            <a:r>
+              <a:rPr lang="fr-FR" dirty="0">
+                <a:solidFill>
+                  <a:schemeClr val="tx1">
+                    <a:lumMod val="65000"/>
+                    <a:lumOff val="35000"/>
+                  </a:schemeClr>
+                </a:solidFill>
+                <a:ea typeface="Calibri" panose="020F0502020204030204" pitchFamily="34" charset="0"/>
+                <a:cs typeface="Arial" panose="020B0604020202020204" pitchFamily="34" charset="0"/>
+              </a:rPr>
+              <a:t> </a:t>
+            </a:r>
+            <a:r>
+              <a:rPr lang="fr-FR" dirty="0" err="1">
+                <a:solidFill>
+                  <a:schemeClr val="tx1">
+                    <a:lumMod val="65000"/>
+                    <a:lumOff val="35000"/>
+                  </a:schemeClr>
+                </a:solidFill>
+                <a:ea typeface="Calibri" panose="020F0502020204030204" pitchFamily="34" charset="0"/>
+                <a:cs typeface="Arial" panose="020B0604020202020204" pitchFamily="34" charset="0"/>
+              </a:rPr>
+              <a:t>is</a:t>
+            </a:r>
+            <a:r>
+              <a:rPr lang="fr-FR" dirty="0">
+                <a:solidFill>
+                  <a:schemeClr val="tx1">
+                    <a:lumMod val="65000"/>
+                    <a:lumOff val="35000"/>
+                  </a:schemeClr>
+                </a:solidFill>
+                <a:ea typeface="Calibri" panose="020F0502020204030204" pitchFamily="34" charset="0"/>
+                <a:cs typeface="Arial" panose="020B0604020202020204" pitchFamily="34" charset="0"/>
+              </a:rPr>
+              <a:t> to </a:t>
+            </a:r>
+            <a:r>
+              <a:rPr lang="fr-FR" dirty="0" err="1">
+                <a:solidFill>
+                  <a:schemeClr val="tx1">
+                    <a:lumMod val="65000"/>
+                    <a:lumOff val="35000"/>
+                  </a:schemeClr>
+                </a:solidFill>
+                <a:ea typeface="Calibri" panose="020F0502020204030204" pitchFamily="34" charset="0"/>
+                <a:cs typeface="Arial" panose="020B0604020202020204" pitchFamily="34" charset="0"/>
+              </a:rPr>
+              <a:t>provide</a:t>
+            </a:r>
+            <a:r>
+              <a:rPr lang="fr-FR" dirty="0">
+                <a:solidFill>
+                  <a:schemeClr val="tx1">
+                    <a:lumMod val="65000"/>
+                    <a:lumOff val="35000"/>
+                  </a:schemeClr>
+                </a:solidFill>
+                <a:ea typeface="Calibri" panose="020F0502020204030204" pitchFamily="34" charset="0"/>
+                <a:cs typeface="Arial" panose="020B0604020202020204" pitchFamily="34" charset="0"/>
+              </a:rPr>
+              <a:t> all </a:t>
+            </a:r>
+            <a:r>
+              <a:rPr lang="fr-FR" dirty="0" err="1">
+                <a:solidFill>
+                  <a:schemeClr val="tx1">
+                    <a:lumMod val="65000"/>
+                    <a:lumOff val="35000"/>
+                  </a:schemeClr>
+                </a:solidFill>
+                <a:ea typeface="Calibri" panose="020F0502020204030204" pitchFamily="34" charset="0"/>
+                <a:cs typeface="Arial" panose="020B0604020202020204" pitchFamily="34" charset="0"/>
+              </a:rPr>
+              <a:t>context</a:t>
+            </a:r>
+            <a:r>
+              <a:rPr lang="fr-FR" dirty="0">
+                <a:solidFill>
+                  <a:schemeClr val="tx1">
+                    <a:lumMod val="65000"/>
+                    <a:lumOff val="35000"/>
+                  </a:schemeClr>
+                </a:solidFill>
+                <a:ea typeface="Calibri" panose="020F0502020204030204" pitchFamily="34" charset="0"/>
+                <a:cs typeface="Arial" panose="020B0604020202020204" pitchFamily="34" charset="0"/>
+              </a:rPr>
+              <a:t> </a:t>
+            </a:r>
+            <a:r>
+              <a:rPr lang="fr-FR" dirty="0" err="1">
+                <a:solidFill>
+                  <a:schemeClr val="tx1">
+                    <a:lumMod val="65000"/>
+                    <a:lumOff val="35000"/>
+                  </a:schemeClr>
+                </a:solidFill>
+                <a:ea typeface="Calibri" panose="020F0502020204030204" pitchFamily="34" charset="0"/>
+                <a:cs typeface="Arial" panose="020B0604020202020204" pitchFamily="34" charset="0"/>
+              </a:rPr>
+              <a:t>attributes</a:t>
+            </a:r>
+            <a:r>
+              <a:rPr lang="fr-FR" dirty="0">
+                <a:solidFill>
+                  <a:schemeClr val="tx1">
+                    <a:lumMod val="65000"/>
+                    <a:lumOff val="35000"/>
+                  </a:schemeClr>
+                </a:solidFill>
+                <a:ea typeface="Calibri" panose="020F0502020204030204" pitchFamily="34" charset="0"/>
+                <a:cs typeface="Arial" panose="020B0604020202020204" pitchFamily="34" charset="0"/>
+              </a:rPr>
+              <a:t> in a </a:t>
+            </a:r>
+            <a:r>
+              <a:rPr lang="fr-FR" dirty="0" err="1">
+                <a:solidFill>
+                  <a:schemeClr val="tx1">
+                    <a:lumMod val="65000"/>
+                    <a:lumOff val="35000"/>
+                  </a:schemeClr>
+                </a:solidFill>
+                <a:ea typeface="Calibri" panose="020F0502020204030204" pitchFamily="34" charset="0"/>
+                <a:cs typeface="Arial" panose="020B0604020202020204" pitchFamily="34" charset="0"/>
+              </a:rPr>
+              <a:t>separate</a:t>
+            </a:r>
+            <a:r>
+              <a:rPr lang="fr-FR" dirty="0">
+                <a:solidFill>
+                  <a:schemeClr val="tx1">
+                    <a:lumMod val="65000"/>
+                    <a:lumOff val="35000"/>
+                  </a:schemeClr>
+                </a:solidFill>
+                <a:ea typeface="Calibri" panose="020F0502020204030204" pitchFamily="34" charset="0"/>
+                <a:cs typeface="Arial" panose="020B0604020202020204" pitchFamily="34" charset="0"/>
+              </a:rPr>
+              <a:t> module </a:t>
+            </a:r>
+            <a:r>
+              <a:rPr lang="fr-FR" dirty="0" err="1">
+                <a:solidFill>
+                  <a:schemeClr val="tx1">
+                    <a:lumMod val="65000"/>
+                    <a:lumOff val="35000"/>
+                  </a:schemeClr>
+                </a:solidFill>
+                <a:ea typeface="Calibri" panose="020F0502020204030204" pitchFamily="34" charset="0"/>
+                <a:cs typeface="Arial" panose="020B0604020202020204" pitchFamily="34" charset="0"/>
+              </a:rPr>
+              <a:t>that</a:t>
+            </a:r>
+            <a:r>
+              <a:rPr lang="fr-FR" dirty="0">
+                <a:solidFill>
+                  <a:schemeClr val="tx1">
+                    <a:lumMod val="65000"/>
+                    <a:lumOff val="35000"/>
+                  </a:schemeClr>
+                </a:solidFill>
+                <a:ea typeface="Calibri" panose="020F0502020204030204" pitchFamily="34" charset="0"/>
+                <a:cs typeface="Arial" panose="020B0604020202020204" pitchFamily="34" charset="0"/>
+              </a:rPr>
+              <a:t> </a:t>
+            </a:r>
+            <a:r>
+              <a:rPr lang="fr-FR" dirty="0" err="1">
+                <a:solidFill>
+                  <a:schemeClr val="tx1">
+                    <a:lumMod val="65000"/>
+                    <a:lumOff val="35000"/>
+                  </a:schemeClr>
+                </a:solidFill>
+                <a:ea typeface="Calibri" panose="020F0502020204030204" pitchFamily="34" charset="0"/>
+                <a:cs typeface="Arial" panose="020B0604020202020204" pitchFamily="34" charset="0"/>
+              </a:rPr>
+              <a:t>can</a:t>
+            </a:r>
+            <a:r>
+              <a:rPr lang="fr-FR" dirty="0">
+                <a:solidFill>
+                  <a:schemeClr val="tx1">
+                    <a:lumMod val="65000"/>
+                    <a:lumOff val="35000"/>
+                  </a:schemeClr>
+                </a:solidFill>
+                <a:ea typeface="Calibri" panose="020F0502020204030204" pitchFamily="34" charset="0"/>
+                <a:cs typeface="Arial" panose="020B0604020202020204" pitchFamily="34" charset="0"/>
+              </a:rPr>
+              <a:t> </a:t>
+            </a:r>
+            <a:r>
+              <a:rPr lang="fr-FR" dirty="0" err="1">
+                <a:solidFill>
+                  <a:schemeClr val="tx1">
+                    <a:lumMod val="65000"/>
+                    <a:lumOff val="35000"/>
+                  </a:schemeClr>
+                </a:solidFill>
+                <a:ea typeface="Calibri" panose="020F0502020204030204" pitchFamily="34" charset="0"/>
+                <a:cs typeface="Arial" panose="020B0604020202020204" pitchFamily="34" charset="0"/>
+              </a:rPr>
+              <a:t>be</a:t>
+            </a:r>
+            <a:r>
+              <a:rPr lang="fr-FR" dirty="0">
+                <a:solidFill>
+                  <a:schemeClr val="tx1">
+                    <a:lumMod val="65000"/>
+                    <a:lumOff val="35000"/>
+                  </a:schemeClr>
+                </a:solidFill>
+                <a:ea typeface="Calibri" panose="020F0502020204030204" pitchFamily="34" charset="0"/>
+                <a:cs typeface="Arial" panose="020B0604020202020204" pitchFamily="34" charset="0"/>
+              </a:rPr>
+              <a:t> </a:t>
+            </a:r>
+            <a:r>
+              <a:rPr lang="fr-FR" dirty="0" err="1">
+                <a:solidFill>
+                  <a:schemeClr val="tx1">
+                    <a:lumMod val="65000"/>
+                    <a:lumOff val="35000"/>
+                  </a:schemeClr>
+                </a:solidFill>
+                <a:ea typeface="Calibri" panose="020F0502020204030204" pitchFamily="34" charset="0"/>
+                <a:cs typeface="Arial" panose="020B0604020202020204" pitchFamily="34" charset="0"/>
+              </a:rPr>
+              <a:t>imported</a:t>
+            </a:r>
+            <a:r>
+              <a:rPr lang="fr-FR" dirty="0">
+                <a:solidFill>
+                  <a:schemeClr val="tx1">
+                    <a:lumMod val="65000"/>
+                    <a:lumOff val="35000"/>
+                  </a:schemeClr>
+                </a:solidFill>
+                <a:ea typeface="Calibri" panose="020F0502020204030204" pitchFamily="34" charset="0"/>
+                <a:cs typeface="Arial" panose="020B0604020202020204" pitchFamily="34" charset="0"/>
+              </a:rPr>
+              <a:t>. This </a:t>
+            </a:r>
+            <a:r>
+              <a:rPr lang="fr-FR" dirty="0" err="1">
+                <a:solidFill>
+                  <a:schemeClr val="tx1">
+                    <a:lumMod val="65000"/>
+                    <a:lumOff val="35000"/>
+                  </a:schemeClr>
+                </a:solidFill>
+                <a:ea typeface="Calibri" panose="020F0502020204030204" pitchFamily="34" charset="0"/>
+                <a:cs typeface="Arial" panose="020B0604020202020204" pitchFamily="34" charset="0"/>
+              </a:rPr>
+              <a:t>way</a:t>
+            </a:r>
+            <a:r>
+              <a:rPr lang="fr-FR" dirty="0">
+                <a:solidFill>
+                  <a:schemeClr val="tx1">
+                    <a:lumMod val="65000"/>
+                    <a:lumOff val="35000"/>
+                  </a:schemeClr>
+                </a:solidFill>
+                <a:ea typeface="Calibri" panose="020F0502020204030204" pitchFamily="34" charset="0"/>
+                <a:cs typeface="Arial" panose="020B0604020202020204" pitchFamily="34" charset="0"/>
+              </a:rPr>
+              <a:t>, </a:t>
+            </a:r>
+            <a:r>
+              <a:rPr lang="fr-FR" dirty="0" err="1">
+                <a:solidFill>
+                  <a:schemeClr val="tx1">
+                    <a:lumMod val="65000"/>
+                    <a:lumOff val="35000"/>
+                  </a:schemeClr>
+                </a:solidFill>
+                <a:ea typeface="Calibri" panose="020F0502020204030204" pitchFamily="34" charset="0"/>
+                <a:cs typeface="Arial" panose="020B0604020202020204" pitchFamily="34" charset="0"/>
+              </a:rPr>
+              <a:t>adding</a:t>
+            </a:r>
+            <a:r>
+              <a:rPr lang="fr-FR" dirty="0">
+                <a:solidFill>
+                  <a:schemeClr val="tx1">
+                    <a:lumMod val="65000"/>
+                    <a:lumOff val="35000"/>
+                  </a:schemeClr>
+                </a:solidFill>
+                <a:ea typeface="Calibri" panose="020F0502020204030204" pitchFamily="34" charset="0"/>
+                <a:cs typeface="Arial" panose="020B0604020202020204" pitchFamily="34" charset="0"/>
+              </a:rPr>
+              <a:t> </a:t>
+            </a:r>
+            <a:r>
+              <a:rPr lang="fr-FR" dirty="0" err="1">
+                <a:solidFill>
+                  <a:schemeClr val="tx1">
+                    <a:lumMod val="65000"/>
+                    <a:lumOff val="35000"/>
+                  </a:schemeClr>
+                </a:solidFill>
+                <a:ea typeface="Calibri" panose="020F0502020204030204" pitchFamily="34" charset="0"/>
+                <a:cs typeface="Arial" panose="020B0604020202020204" pitchFamily="34" charset="0"/>
+              </a:rPr>
+              <a:t>attributes</a:t>
+            </a:r>
+            <a:r>
+              <a:rPr lang="fr-FR" dirty="0">
+                <a:solidFill>
+                  <a:schemeClr val="tx1">
+                    <a:lumMod val="65000"/>
+                    <a:lumOff val="35000"/>
+                  </a:schemeClr>
+                </a:solidFill>
+                <a:ea typeface="Calibri" panose="020F0502020204030204" pitchFamily="34" charset="0"/>
+                <a:cs typeface="Arial" panose="020B0604020202020204" pitchFamily="34" charset="0"/>
+              </a:rPr>
+              <a:t> to the </a:t>
+            </a:r>
+            <a:r>
+              <a:rPr lang="fr-FR" dirty="0" err="1">
+                <a:solidFill>
+                  <a:schemeClr val="tx1">
+                    <a:lumMod val="65000"/>
+                    <a:lumOff val="35000"/>
+                  </a:schemeClr>
+                </a:solidFill>
+                <a:ea typeface="Calibri" panose="020F0502020204030204" pitchFamily="34" charset="0"/>
+                <a:cs typeface="Arial" panose="020B0604020202020204" pitchFamily="34" charset="0"/>
+              </a:rPr>
+              <a:t>context</a:t>
+            </a:r>
+            <a:r>
+              <a:rPr lang="fr-FR" dirty="0">
+                <a:solidFill>
+                  <a:schemeClr val="tx1">
+                    <a:lumMod val="65000"/>
+                    <a:lumOff val="35000"/>
+                  </a:schemeClr>
+                </a:solidFill>
+                <a:ea typeface="Calibri" panose="020F0502020204030204" pitchFamily="34" charset="0"/>
+                <a:cs typeface="Arial" panose="020B0604020202020204" pitchFamily="34" charset="0"/>
+              </a:rPr>
+              <a:t> </a:t>
+            </a:r>
+            <a:r>
+              <a:rPr lang="fr-FR" dirty="0" err="1">
+                <a:solidFill>
+                  <a:schemeClr val="tx1">
+                    <a:lumMod val="65000"/>
+                    <a:lumOff val="35000"/>
+                  </a:schemeClr>
+                </a:solidFill>
+                <a:ea typeface="Calibri" panose="020F0502020204030204" pitchFamily="34" charset="0"/>
+                <a:cs typeface="Arial" panose="020B0604020202020204" pitchFamily="34" charset="0"/>
+              </a:rPr>
+              <a:t>is</a:t>
+            </a:r>
+            <a:r>
+              <a:rPr lang="fr-FR" dirty="0">
+                <a:solidFill>
+                  <a:schemeClr val="tx1">
+                    <a:lumMod val="65000"/>
+                    <a:lumOff val="35000"/>
+                  </a:schemeClr>
+                </a:solidFill>
+                <a:ea typeface="Calibri" panose="020F0502020204030204" pitchFamily="34" charset="0"/>
+                <a:cs typeface="Arial" panose="020B0604020202020204" pitchFamily="34" charset="0"/>
+              </a:rPr>
+              <a:t> </a:t>
+            </a:r>
+            <a:r>
+              <a:rPr lang="fr-FR" dirty="0" err="1">
+                <a:solidFill>
+                  <a:schemeClr val="tx1">
+                    <a:lumMod val="65000"/>
+                    <a:lumOff val="35000"/>
+                  </a:schemeClr>
+                </a:solidFill>
+                <a:ea typeface="Calibri" panose="020F0502020204030204" pitchFamily="34" charset="0"/>
+                <a:cs typeface="Arial" panose="020B0604020202020204" pitchFamily="34" charset="0"/>
+              </a:rPr>
+              <a:t>smooth</a:t>
+            </a:r>
+            <a:r>
+              <a:rPr lang="fr-FR" dirty="0">
+                <a:solidFill>
+                  <a:schemeClr val="tx1">
+                    <a:lumMod val="65000"/>
+                    <a:lumOff val="35000"/>
+                  </a:schemeClr>
+                </a:solidFill>
+                <a:ea typeface="Calibri" panose="020F0502020204030204" pitchFamily="34" charset="0"/>
+                <a:cs typeface="Arial" panose="020B0604020202020204" pitchFamily="34" charset="0"/>
+              </a:rPr>
+              <a:t> as </a:t>
+            </a:r>
+            <a:r>
+              <a:rPr lang="fr-FR" dirty="0" err="1">
+                <a:solidFill>
+                  <a:schemeClr val="tx1">
+                    <a:lumMod val="65000"/>
+                    <a:lumOff val="35000"/>
+                  </a:schemeClr>
+                </a:solidFill>
+                <a:ea typeface="Calibri" panose="020F0502020204030204" pitchFamily="34" charset="0"/>
+                <a:cs typeface="Arial" panose="020B0604020202020204" pitchFamily="34" charset="0"/>
+              </a:rPr>
+              <a:t>it</a:t>
+            </a:r>
+            <a:r>
+              <a:rPr lang="fr-FR" dirty="0">
+                <a:solidFill>
+                  <a:schemeClr val="tx1">
+                    <a:lumMod val="65000"/>
+                    <a:lumOff val="35000"/>
+                  </a:schemeClr>
+                </a:solidFill>
+                <a:ea typeface="Calibri" panose="020F0502020204030204" pitchFamily="34" charset="0"/>
+                <a:cs typeface="Arial" panose="020B0604020202020204" pitchFamily="34" charset="0"/>
+              </a:rPr>
+              <a:t> </a:t>
+            </a:r>
+            <a:r>
+              <a:rPr lang="fr-FR" dirty="0" err="1">
+                <a:solidFill>
+                  <a:schemeClr val="tx1">
+                    <a:lumMod val="65000"/>
+                    <a:lumOff val="35000"/>
+                  </a:schemeClr>
+                </a:solidFill>
+                <a:ea typeface="Calibri" panose="020F0502020204030204" pitchFamily="34" charset="0"/>
+                <a:cs typeface="Arial" panose="020B0604020202020204" pitchFamily="34" charset="0"/>
+              </a:rPr>
+              <a:t>does</a:t>
+            </a:r>
+            <a:r>
+              <a:rPr lang="fr-FR" dirty="0">
+                <a:solidFill>
+                  <a:schemeClr val="tx1">
+                    <a:lumMod val="65000"/>
+                    <a:lumOff val="35000"/>
+                  </a:schemeClr>
+                </a:solidFill>
+                <a:ea typeface="Calibri" panose="020F0502020204030204" pitchFamily="34" charset="0"/>
+                <a:cs typeface="Arial" panose="020B0604020202020204" pitchFamily="34" charset="0"/>
+              </a:rPr>
+              <a:t> not impact </a:t>
+            </a:r>
+            <a:r>
+              <a:rPr lang="fr-FR" dirty="0" err="1">
+                <a:solidFill>
+                  <a:schemeClr val="tx1">
+                    <a:lumMod val="65000"/>
+                    <a:lumOff val="35000"/>
+                  </a:schemeClr>
+                </a:solidFill>
+                <a:ea typeface="Calibri" panose="020F0502020204030204" pitchFamily="34" charset="0"/>
+                <a:cs typeface="Arial" panose="020B0604020202020204" pitchFamily="34" charset="0"/>
+              </a:rPr>
+              <a:t>existing</a:t>
+            </a:r>
+            <a:r>
+              <a:rPr lang="fr-FR" dirty="0">
+                <a:solidFill>
+                  <a:schemeClr val="tx1">
+                    <a:lumMod val="65000"/>
+                    <a:lumOff val="35000"/>
+                  </a:schemeClr>
+                </a:solidFill>
+                <a:ea typeface="Calibri" panose="020F0502020204030204" pitchFamily="34" charset="0"/>
+                <a:cs typeface="Arial" panose="020B0604020202020204" pitchFamily="34" charset="0"/>
+              </a:rPr>
+              <a:t> code. Signatures </a:t>
+            </a:r>
+            <a:r>
+              <a:rPr lang="fr-FR" dirty="0" err="1">
+                <a:solidFill>
+                  <a:schemeClr val="tx1">
+                    <a:lumMod val="65000"/>
+                    <a:lumOff val="35000"/>
+                  </a:schemeClr>
+                </a:solidFill>
+                <a:ea typeface="Calibri" panose="020F0502020204030204" pitchFamily="34" charset="0"/>
+                <a:cs typeface="Arial" panose="020B0604020202020204" pitchFamily="34" charset="0"/>
+              </a:rPr>
+              <a:t>also</a:t>
+            </a:r>
+            <a:r>
+              <a:rPr lang="fr-FR" dirty="0">
+                <a:solidFill>
+                  <a:schemeClr val="tx1">
+                    <a:lumMod val="65000"/>
+                    <a:lumOff val="35000"/>
+                  </a:schemeClr>
+                </a:solidFill>
+                <a:ea typeface="Calibri" panose="020F0502020204030204" pitchFamily="34" charset="0"/>
+                <a:cs typeface="Arial" panose="020B0604020202020204" pitchFamily="34" charset="0"/>
+              </a:rPr>
+              <a:t> </a:t>
+            </a:r>
+            <a:r>
+              <a:rPr lang="fr-FR" dirty="0" err="1">
+                <a:solidFill>
+                  <a:schemeClr val="tx1">
+                    <a:lumMod val="65000"/>
+                    <a:lumOff val="35000"/>
+                  </a:schemeClr>
+                </a:solidFill>
+                <a:ea typeface="Calibri" panose="020F0502020204030204" pitchFamily="34" charset="0"/>
+                <a:cs typeface="Arial" panose="020B0604020202020204" pitchFamily="34" charset="0"/>
+              </a:rPr>
+              <a:t>stay</a:t>
+            </a:r>
+            <a:r>
+              <a:rPr lang="fr-FR" dirty="0">
+                <a:solidFill>
+                  <a:schemeClr val="tx1">
+                    <a:lumMod val="65000"/>
+                    <a:lumOff val="35000"/>
+                  </a:schemeClr>
+                </a:solidFill>
+                <a:ea typeface="Calibri" panose="020F0502020204030204" pitchFamily="34" charset="0"/>
+                <a:cs typeface="Arial" panose="020B0604020202020204" pitchFamily="34" charset="0"/>
+              </a:rPr>
+              <a:t> as </a:t>
+            </a:r>
+            <a:r>
+              <a:rPr lang="fr-FR" dirty="0" err="1">
+                <a:solidFill>
+                  <a:schemeClr val="tx1">
+                    <a:lumMod val="65000"/>
+                    <a:lumOff val="35000"/>
+                  </a:schemeClr>
+                </a:solidFill>
+                <a:ea typeface="Calibri" panose="020F0502020204030204" pitchFamily="34" charset="0"/>
+                <a:cs typeface="Arial" panose="020B0604020202020204" pitchFamily="34" charset="0"/>
+              </a:rPr>
+              <a:t>small</a:t>
+            </a:r>
+            <a:r>
+              <a:rPr lang="fr-FR" dirty="0">
+                <a:solidFill>
+                  <a:schemeClr val="tx1">
+                    <a:lumMod val="65000"/>
+                    <a:lumOff val="35000"/>
+                  </a:schemeClr>
+                </a:solidFill>
+                <a:ea typeface="Calibri" panose="020F0502020204030204" pitchFamily="34" charset="0"/>
+                <a:cs typeface="Arial" panose="020B0604020202020204" pitchFamily="34" charset="0"/>
+              </a:rPr>
+              <a:t> as possible.</a:t>
+            </a:r>
+          </a:p>
+          <a:p>
+            <a:pPr lvl="0" algn="just">
+              <a:lnSpc>
+                <a:spcPct val="107000"/>
+              </a:lnSpc>
+              <a:spcAft>
+                <a:spcPts val="800"/>
+              </a:spcAft>
+            </a:pPr>
+            <a:endParaRPr lang="fr-FR" dirty="0">
+              <a:solidFill>
+                <a:schemeClr val="tx1">
+                  <a:lumMod val="65000"/>
+                  <a:lumOff val="35000"/>
+                </a:schemeClr>
+              </a:solidFill>
+              <a:ea typeface="Calibri" panose="020F0502020204030204" pitchFamily="34" charset="0"/>
+              <a:cs typeface="Arial" panose="020B0604020202020204" pitchFamily="34" charset="0"/>
+            </a:endParaRPr>
+          </a:p>
+          <a:p>
+            <a:pPr lvl="0" algn="just">
+              <a:lnSpc>
+                <a:spcPct val="107000"/>
+              </a:lnSpc>
+              <a:spcAft>
+                <a:spcPts val="800"/>
+              </a:spcAft>
+            </a:pPr>
+            <a:endParaRPr lang="fr-FR" dirty="0">
+              <a:solidFill>
+                <a:schemeClr val="tx1">
+                  <a:lumMod val="65000"/>
+                  <a:lumOff val="35000"/>
+                </a:schemeClr>
+              </a:solidFill>
+              <a:ea typeface="Calibri" panose="020F0502020204030204" pitchFamily="34" charset="0"/>
+              <a:cs typeface="Arial" panose="020B0604020202020204" pitchFamily="34" charset="0"/>
+            </a:endParaRPr>
+          </a:p>
+          <a:p>
+            <a:pPr lvl="0" algn="just">
+              <a:lnSpc>
+                <a:spcPct val="107000"/>
+              </a:lnSpc>
+              <a:spcAft>
+                <a:spcPts val="800"/>
+              </a:spcAft>
+            </a:pPr>
+            <a:endParaRPr lang="fr-FR" dirty="0">
+              <a:solidFill>
+                <a:schemeClr val="tx1">
+                  <a:lumMod val="65000"/>
+                  <a:lumOff val="35000"/>
+                </a:schemeClr>
+              </a:solidFill>
+              <a:ea typeface="Calibri" panose="020F0502020204030204" pitchFamily="34" charset="0"/>
+              <a:cs typeface="Arial" panose="020B0604020202020204" pitchFamily="34" charset="0"/>
+            </a:endParaRPr>
+          </a:p>
+          <a:p>
+            <a:pPr lvl="0" algn="just">
+              <a:lnSpc>
+                <a:spcPct val="107000"/>
+              </a:lnSpc>
+              <a:spcAft>
+                <a:spcPts val="800"/>
+              </a:spcAft>
+            </a:pPr>
+            <a:endParaRPr lang="fr-FR" dirty="0">
+              <a:solidFill>
+                <a:schemeClr val="tx1">
+                  <a:lumMod val="65000"/>
+                  <a:lumOff val="35000"/>
+                </a:schemeClr>
+              </a:solidFill>
+              <a:ea typeface="Calibri" panose="020F0502020204030204" pitchFamily="34" charset="0"/>
+              <a:cs typeface="Arial" panose="020B0604020202020204" pitchFamily="34" charset="0"/>
+            </a:endParaRPr>
+          </a:p>
+          <a:p>
+            <a:pPr lvl="0" algn="just">
+              <a:lnSpc>
+                <a:spcPct val="107000"/>
+              </a:lnSpc>
+              <a:spcAft>
+                <a:spcPts val="800"/>
+              </a:spcAft>
+            </a:pPr>
+            <a:endParaRPr lang="fr-FR" b="1" dirty="0">
+              <a:solidFill>
+                <a:srgbClr val="00C000"/>
+              </a:solidFill>
+              <a:latin typeface="Ink Free" panose="03080402000500000000" pitchFamily="66" charset="0"/>
+              <a:ea typeface="Calibri" panose="020F0502020204030204" pitchFamily="34" charset="0"/>
+              <a:cs typeface="Arial" panose="020B0604020202020204" pitchFamily="34" charset="0"/>
+            </a:endParaRPr>
+          </a:p>
+        </p:txBody>
+      </p:sp>
+      <p:sp>
+        <p:nvSpPr>
+          <p:cNvPr id="15" name="ZoneTexte 14">
+            <a:extLst>
+              <a:ext uri="{FF2B5EF4-FFF2-40B4-BE49-F238E27FC236}">
+                <a16:creationId xmlns:a16="http://schemas.microsoft.com/office/drawing/2014/main" id="{774FD80A-0D76-4ADD-BA49-1351202F3655}"/>
+              </a:ext>
+            </a:extLst>
+          </p:cNvPr>
+          <p:cNvSpPr txBox="1"/>
+          <p:nvPr/>
+        </p:nvSpPr>
+        <p:spPr>
+          <a:xfrm>
+            <a:off x="9889491" y="6581001"/>
+            <a:ext cx="2299732" cy="276999"/>
+          </a:xfrm>
+          <a:prstGeom prst="rect">
+            <a:avLst/>
+          </a:prstGeom>
+          <a:noFill/>
+        </p:spPr>
+        <p:txBody>
+          <a:bodyPr wrap="none" rtlCol="0">
+            <a:spAutoFit/>
+          </a:bodyPr>
+          <a:lstStyle/>
+          <a:p>
+            <a:r>
+              <a:rPr lang="fr-FR" sz="1200" dirty="0">
+                <a:solidFill>
+                  <a:schemeClr val="tx1">
+                    <a:lumMod val="50000"/>
+                    <a:lumOff val="50000"/>
+                  </a:schemeClr>
+                </a:solidFill>
+                <a:latin typeface="Arial" panose="020B0604020202020204" pitchFamily="34" charset="0"/>
+                <a:cs typeface="Arial" panose="020B0604020202020204" pitchFamily="34" charset="0"/>
+              </a:rPr>
+              <a:t>PIKCIO CONFIDENTIAL 2018 </a:t>
+            </a:r>
+          </a:p>
+        </p:txBody>
+      </p:sp>
+      <p:pic>
+        <p:nvPicPr>
+          <p:cNvPr id="16" name="Image 15">
+            <a:extLst>
+              <a:ext uri="{FF2B5EF4-FFF2-40B4-BE49-F238E27FC236}">
+                <a16:creationId xmlns:a16="http://schemas.microsoft.com/office/drawing/2014/main" id="{37DDC0F3-7858-4A5A-95F0-03B494B0AB8F}"/>
+              </a:ext>
+            </a:extLst>
+          </p:cNvPr>
+          <p:cNvPicPr>
+            <a:picLocks noChangeAspect="1"/>
+          </p:cNvPicPr>
+          <p:nvPr/>
+        </p:nvPicPr>
+        <p:blipFill>
+          <a:blip r:embed="rId2"/>
+          <a:stretch>
+            <a:fillRect/>
+          </a:stretch>
+        </p:blipFill>
+        <p:spPr>
+          <a:xfrm>
+            <a:off x="11454" y="0"/>
+            <a:ext cx="1555426" cy="1154977"/>
+          </a:xfrm>
+          <a:prstGeom prst="rect">
+            <a:avLst/>
+          </a:prstGeom>
+        </p:spPr>
+      </p:pic>
+      <p:grpSp>
+        <p:nvGrpSpPr>
+          <p:cNvPr id="11" name="Groupe 10">
+            <a:extLst>
+              <a:ext uri="{FF2B5EF4-FFF2-40B4-BE49-F238E27FC236}">
+                <a16:creationId xmlns:a16="http://schemas.microsoft.com/office/drawing/2014/main" id="{2D4D8D66-ACF6-4540-AD02-F2B66D5261C5}"/>
+              </a:ext>
+            </a:extLst>
+          </p:cNvPr>
+          <p:cNvGrpSpPr/>
+          <p:nvPr/>
+        </p:nvGrpSpPr>
+        <p:grpSpPr>
+          <a:xfrm>
+            <a:off x="1031844" y="4276956"/>
+            <a:ext cx="6184900" cy="1954852"/>
+            <a:chOff x="1031844" y="4276956"/>
+            <a:chExt cx="6184900" cy="1954852"/>
+          </a:xfrm>
+        </p:grpSpPr>
+        <p:pic>
+          <p:nvPicPr>
+            <p:cNvPr id="10" name="Image 9">
+              <a:extLst>
+                <a:ext uri="{FF2B5EF4-FFF2-40B4-BE49-F238E27FC236}">
+                  <a16:creationId xmlns:a16="http://schemas.microsoft.com/office/drawing/2014/main" id="{232B5D1A-15FC-D14E-91D3-02C0DD05726B}"/>
+                </a:ext>
+              </a:extLst>
+            </p:cNvPr>
+            <p:cNvPicPr>
+              <a:picLocks noChangeAspect="1"/>
+            </p:cNvPicPr>
+            <p:nvPr/>
+          </p:nvPicPr>
+          <p:blipFill>
+            <a:blip r:embed="rId3"/>
+            <a:stretch>
+              <a:fillRect/>
+            </a:stretch>
+          </p:blipFill>
+          <p:spPr>
+            <a:xfrm>
+              <a:off x="1031844" y="4644308"/>
+              <a:ext cx="6184900" cy="1587500"/>
+            </a:xfrm>
+            <a:prstGeom prst="rect">
+              <a:avLst/>
+            </a:prstGeom>
+          </p:spPr>
+        </p:pic>
+        <p:pic>
+          <p:nvPicPr>
+            <p:cNvPr id="13" name="Image 12">
+              <a:extLst>
+                <a:ext uri="{FF2B5EF4-FFF2-40B4-BE49-F238E27FC236}">
+                  <a16:creationId xmlns:a16="http://schemas.microsoft.com/office/drawing/2014/main" id="{25E7B582-6FF6-014E-82B5-E8BE6F2CC926}"/>
+                </a:ext>
+              </a:extLst>
+            </p:cNvPr>
+            <p:cNvPicPr>
+              <a:picLocks noChangeAspect="1"/>
+            </p:cNvPicPr>
+            <p:nvPr/>
+          </p:nvPicPr>
+          <p:blipFill rotWithShape="1">
+            <a:blip r:embed="rId4"/>
+            <a:srcRect l="742" t="-17144" r="4847" b="-51331"/>
+            <a:stretch/>
+          </p:blipFill>
+          <p:spPr>
+            <a:xfrm>
+              <a:off x="1031844" y="4276956"/>
+              <a:ext cx="6184900" cy="556301"/>
+            </a:xfrm>
+            <a:prstGeom prst="rect">
+              <a:avLst/>
+            </a:prstGeom>
+          </p:spPr>
+        </p:pic>
+      </p:grpSp>
+    </p:spTree>
+    <p:extLst>
+      <p:ext uri="{BB962C8B-B14F-4D97-AF65-F5344CB8AC3E}">
+        <p14:creationId xmlns:p14="http://schemas.microsoft.com/office/powerpoint/2010/main" val="1062210341"/>
+      </p:ext>
+    </p:extLst>
+  </p:cSld>
+  <p:clrMapOvr>
+    <a:masterClrMapping/>
+  </p:clrMapOvr>
+</p:sld>
+</file>
+
+<file path=ppt/slides/slide6.xml><?xml version="1.0" encoding="utf-8"?>
+<p:sld xmlns:a="http://schemas.openxmlformats.org/drawingml/2006/main" xmlns:r="http://schemas.openxmlformats.org/officeDocument/2006/relationships" xmlns:p="http://schemas.openxmlformats.org/presentationml/2006/main">
+  <p:cSld>
+    <p:spTree>
+      <p:nvGrpSpPr>
+        <p:cNvPr id="1" name=""/>
+        <p:cNvGrpSpPr/>
+        <p:nvPr/>
+      </p:nvGrpSpPr>
+      <p:grpSpPr>
+        <a:xfrm>
+          <a:off x="0" y="0"/>
+          <a:ext cx="0" cy="0"/>
+          <a:chOff x="0" y="0"/>
+          <a:chExt cx="0" cy="0"/>
+        </a:xfrm>
+      </p:grpSpPr>
+      <p:sp>
+        <p:nvSpPr>
+          <p:cNvPr id="4" name="Rectangle 3">
+            <a:extLst>
+              <a:ext uri="{FF2B5EF4-FFF2-40B4-BE49-F238E27FC236}">
+                <a16:creationId xmlns:a16="http://schemas.microsoft.com/office/drawing/2014/main" id="{ECD7FB32-7D44-4892-B673-0D6C3A402A20}"/>
+              </a:ext>
+            </a:extLst>
+          </p:cNvPr>
+          <p:cNvSpPr/>
+          <p:nvPr/>
+        </p:nvSpPr>
+        <p:spPr>
+          <a:xfrm>
+            <a:off x="1895831" y="312808"/>
+            <a:ext cx="6203942" cy="683264"/>
+          </a:xfrm>
+          <a:prstGeom prst="rect">
+            <a:avLst/>
+          </a:prstGeom>
+        </p:spPr>
+        <p:txBody>
+          <a:bodyPr wrap="none">
+            <a:spAutoFit/>
+          </a:bodyPr>
+          <a:lstStyle/>
+          <a:p>
+            <a:pPr>
+              <a:lnSpc>
+                <a:spcPct val="120000"/>
+              </a:lnSpc>
+              <a:spcAft>
+                <a:spcPts val="0"/>
+              </a:spcAft>
+            </a:pPr>
+            <a:r>
+              <a:rPr lang="en-US" sz="3200" dirty="0" err="1">
+                <a:solidFill>
+                  <a:schemeClr val="tx1">
+                    <a:lumMod val="75000"/>
+                    <a:lumOff val="25000"/>
+                  </a:schemeClr>
+                </a:solidFill>
+                <a:latin typeface="Century Gothic" panose="020B0502020202020204" pitchFamily="34" charset="0"/>
+                <a:ea typeface="MS Mincho" panose="02020609040205080304" pitchFamily="49" charset="-128"/>
+                <a:cs typeface="MinionPro-Regular"/>
+              </a:rPr>
+              <a:t>Pikcio</a:t>
+            </a:r>
+            <a:r>
+              <a:rPr lang="en-US" sz="3200" dirty="0">
+                <a:solidFill>
+                  <a:schemeClr val="tx1">
+                    <a:lumMod val="75000"/>
+                    <a:lumOff val="25000"/>
+                  </a:schemeClr>
+                </a:solidFill>
+                <a:latin typeface="Century Gothic" panose="020B0502020202020204" pitchFamily="34" charset="0"/>
+                <a:ea typeface="MS Mincho" panose="02020609040205080304" pitchFamily="49" charset="-128"/>
+                <a:cs typeface="MinionPro-Regular"/>
+              </a:rPr>
+              <a:t> Token: Minimal Example</a:t>
+            </a:r>
+            <a:endParaRPr lang="fr-FR" sz="1200" dirty="0">
+              <a:solidFill>
+                <a:schemeClr val="tx1">
+                  <a:lumMod val="75000"/>
+                  <a:lumOff val="25000"/>
+                </a:schemeClr>
+              </a:solidFill>
+              <a:latin typeface="Century Gothic" panose="020B0502020202020204" pitchFamily="34" charset="0"/>
+              <a:ea typeface="MS Mincho" panose="02020609040205080304" pitchFamily="49" charset="-128"/>
+              <a:cs typeface="MinionPro-Regular"/>
+            </a:endParaRPr>
+          </a:p>
+        </p:txBody>
+      </p:sp>
+      <p:sp>
+        <p:nvSpPr>
+          <p:cNvPr id="15" name="ZoneTexte 14">
+            <a:extLst>
+              <a:ext uri="{FF2B5EF4-FFF2-40B4-BE49-F238E27FC236}">
+                <a16:creationId xmlns:a16="http://schemas.microsoft.com/office/drawing/2014/main" id="{774FD80A-0D76-4ADD-BA49-1351202F3655}"/>
+              </a:ext>
+            </a:extLst>
+          </p:cNvPr>
+          <p:cNvSpPr txBox="1"/>
+          <p:nvPr/>
+        </p:nvSpPr>
+        <p:spPr>
+          <a:xfrm>
+            <a:off x="9889491" y="6581001"/>
+            <a:ext cx="2299732" cy="276999"/>
+          </a:xfrm>
+          <a:prstGeom prst="rect">
+            <a:avLst/>
+          </a:prstGeom>
+          <a:noFill/>
+        </p:spPr>
+        <p:txBody>
+          <a:bodyPr wrap="none" rtlCol="0">
+            <a:spAutoFit/>
+          </a:bodyPr>
+          <a:lstStyle/>
+          <a:p>
+            <a:r>
+              <a:rPr lang="fr-FR" sz="1200" dirty="0">
+                <a:solidFill>
+                  <a:schemeClr val="tx1">
+                    <a:lumMod val="50000"/>
+                    <a:lumOff val="50000"/>
+                  </a:schemeClr>
+                </a:solidFill>
+                <a:latin typeface="Arial" panose="020B0604020202020204" pitchFamily="34" charset="0"/>
+                <a:cs typeface="Arial" panose="020B0604020202020204" pitchFamily="34" charset="0"/>
+              </a:rPr>
+              <a:t>PIKCIO CONFIDENTIAL 2018 </a:t>
+            </a:r>
+          </a:p>
+        </p:txBody>
+      </p:sp>
+      <p:pic>
+        <p:nvPicPr>
+          <p:cNvPr id="16" name="Image 15">
+            <a:extLst>
+              <a:ext uri="{FF2B5EF4-FFF2-40B4-BE49-F238E27FC236}">
+                <a16:creationId xmlns:a16="http://schemas.microsoft.com/office/drawing/2014/main" id="{37DDC0F3-7858-4A5A-95F0-03B494B0AB8F}"/>
+              </a:ext>
+            </a:extLst>
+          </p:cNvPr>
+          <p:cNvPicPr>
+            <a:picLocks noChangeAspect="1"/>
+          </p:cNvPicPr>
+          <p:nvPr/>
+        </p:nvPicPr>
+        <p:blipFill>
+          <a:blip r:embed="rId2"/>
+          <a:stretch>
+            <a:fillRect/>
+          </a:stretch>
+        </p:blipFill>
+        <p:spPr>
+          <a:xfrm>
+            <a:off x="11454" y="0"/>
+            <a:ext cx="1555426" cy="1154977"/>
+          </a:xfrm>
+          <a:prstGeom prst="rect">
+            <a:avLst/>
+          </a:prstGeom>
+        </p:spPr>
+      </p:pic>
+      <p:pic>
+        <p:nvPicPr>
+          <p:cNvPr id="2" name="Image 1">
+            <a:extLst>
+              <a:ext uri="{FF2B5EF4-FFF2-40B4-BE49-F238E27FC236}">
+                <a16:creationId xmlns:a16="http://schemas.microsoft.com/office/drawing/2014/main" id="{7432B0A8-81FA-984A-A770-6931C7224E1B}"/>
+              </a:ext>
+            </a:extLst>
+          </p:cNvPr>
+          <p:cNvPicPr>
+            <a:picLocks noChangeAspect="1"/>
+          </p:cNvPicPr>
+          <p:nvPr/>
+        </p:nvPicPr>
+        <p:blipFill rotWithShape="1">
+          <a:blip r:embed="rId3"/>
+          <a:srcRect b="46667"/>
+          <a:stretch/>
+        </p:blipFill>
+        <p:spPr>
+          <a:xfrm>
+            <a:off x="377844" y="1345473"/>
+            <a:ext cx="5535512" cy="4127863"/>
+          </a:xfrm>
+          <a:prstGeom prst="rect">
+            <a:avLst/>
+          </a:prstGeom>
+        </p:spPr>
+      </p:pic>
+      <p:pic>
+        <p:nvPicPr>
+          <p:cNvPr id="12" name="Image 11">
+            <a:extLst>
+              <a:ext uri="{FF2B5EF4-FFF2-40B4-BE49-F238E27FC236}">
+                <a16:creationId xmlns:a16="http://schemas.microsoft.com/office/drawing/2014/main" id="{F1AD65DF-E5F3-F043-A525-75F16D271A9B}"/>
+              </a:ext>
+            </a:extLst>
+          </p:cNvPr>
+          <p:cNvPicPr>
+            <a:picLocks noChangeAspect="1"/>
+          </p:cNvPicPr>
+          <p:nvPr/>
+        </p:nvPicPr>
+        <p:blipFill rotWithShape="1">
+          <a:blip r:embed="rId3"/>
+          <a:srcRect t="52635"/>
+          <a:stretch/>
+        </p:blipFill>
+        <p:spPr>
+          <a:xfrm>
+            <a:off x="6017858" y="1345473"/>
+            <a:ext cx="5751775" cy="3809156"/>
+          </a:xfrm>
+          <a:prstGeom prst="rect">
+            <a:avLst/>
+          </a:prstGeom>
+        </p:spPr>
+      </p:pic>
+    </p:spTree>
+    <p:extLst>
+      <p:ext uri="{BB962C8B-B14F-4D97-AF65-F5344CB8AC3E}">
+        <p14:creationId xmlns:p14="http://schemas.microsoft.com/office/powerpoint/2010/main" val="2639746881"/>
       </p:ext>
     </p:extLst>
   </p:cSld>

--- a/Pikcio_tokens.pptx
+++ b/Pikcio_tokens.pptx
@@ -18,6 +18,8 @@
     <p:sldId id="260" r:id="rId12"/>
     <p:sldId id="261" r:id="rId13"/>
     <p:sldId id="262" r:id="rId14"/>
+    <p:sldId id="270" r:id="rId15"/>
+    <p:sldId id="271" r:id="rId16"/>
   </p:sldIdLst>
   <p:sldSz cx="12192000" cy="6858000"/>
   <p:notesSz cx="6858000" cy="9144000"/>
@@ -271,7 +273,7 @@
           <a:p>
             <a:fld id="{3B3A7B9A-38C2-40F8-BF0C-E69FC542A6B2}" type="datetimeFigureOut">
               <a:rPr lang="fr-FR" smtClean="0"/>
-              <a:t>13/09/2018</a:t>
+              <a:t>27/09/2018</a:t>
             </a:fld>
             <a:endParaRPr lang="fr-FR"/>
           </a:p>
@@ -469,7 +471,7 @@
           <a:p>
             <a:fld id="{3B3A7B9A-38C2-40F8-BF0C-E69FC542A6B2}" type="datetimeFigureOut">
               <a:rPr lang="fr-FR" smtClean="0"/>
-              <a:t>13/09/2018</a:t>
+              <a:t>27/09/2018</a:t>
             </a:fld>
             <a:endParaRPr lang="fr-FR"/>
           </a:p>
@@ -677,7 +679,7 @@
           <a:p>
             <a:fld id="{3B3A7B9A-38C2-40F8-BF0C-E69FC542A6B2}" type="datetimeFigureOut">
               <a:rPr lang="fr-FR" smtClean="0"/>
-              <a:t>13/09/2018</a:t>
+              <a:t>27/09/2018</a:t>
             </a:fld>
             <a:endParaRPr lang="fr-FR"/>
           </a:p>
@@ -875,7 +877,7 @@
           <a:p>
             <a:fld id="{3B3A7B9A-38C2-40F8-BF0C-E69FC542A6B2}" type="datetimeFigureOut">
               <a:rPr lang="fr-FR" smtClean="0"/>
-              <a:t>13/09/2018</a:t>
+              <a:t>27/09/2018</a:t>
             </a:fld>
             <a:endParaRPr lang="fr-FR"/>
           </a:p>
@@ -1150,7 +1152,7 @@
           <a:p>
             <a:fld id="{3B3A7B9A-38C2-40F8-BF0C-E69FC542A6B2}" type="datetimeFigureOut">
               <a:rPr lang="fr-FR" smtClean="0"/>
-              <a:t>13/09/2018</a:t>
+              <a:t>27/09/2018</a:t>
             </a:fld>
             <a:endParaRPr lang="fr-FR"/>
           </a:p>
@@ -1415,7 +1417,7 @@
           <a:p>
             <a:fld id="{3B3A7B9A-38C2-40F8-BF0C-E69FC542A6B2}" type="datetimeFigureOut">
               <a:rPr lang="fr-FR" smtClean="0"/>
-              <a:t>13/09/2018</a:t>
+              <a:t>27/09/2018</a:t>
             </a:fld>
             <a:endParaRPr lang="fr-FR"/>
           </a:p>
@@ -1827,7 +1829,7 @@
           <a:p>
             <a:fld id="{3B3A7B9A-38C2-40F8-BF0C-E69FC542A6B2}" type="datetimeFigureOut">
               <a:rPr lang="fr-FR" smtClean="0"/>
-              <a:t>13/09/2018</a:t>
+              <a:t>27/09/2018</a:t>
             </a:fld>
             <a:endParaRPr lang="fr-FR"/>
           </a:p>
@@ -1968,7 +1970,7 @@
           <a:p>
             <a:fld id="{3B3A7B9A-38C2-40F8-BF0C-E69FC542A6B2}" type="datetimeFigureOut">
               <a:rPr lang="fr-FR" smtClean="0"/>
-              <a:t>13/09/2018</a:t>
+              <a:t>27/09/2018</a:t>
             </a:fld>
             <a:endParaRPr lang="fr-FR"/>
           </a:p>
@@ -2081,7 +2083,7 @@
           <a:p>
             <a:fld id="{3B3A7B9A-38C2-40F8-BF0C-E69FC542A6B2}" type="datetimeFigureOut">
               <a:rPr lang="fr-FR" smtClean="0"/>
-              <a:t>13/09/2018</a:t>
+              <a:t>27/09/2018</a:t>
             </a:fld>
             <a:endParaRPr lang="fr-FR"/>
           </a:p>
@@ -2392,7 +2394,7 @@
           <a:p>
             <a:fld id="{3B3A7B9A-38C2-40F8-BF0C-E69FC542A6B2}" type="datetimeFigureOut">
               <a:rPr lang="fr-FR" smtClean="0"/>
-              <a:t>13/09/2018</a:t>
+              <a:t>27/09/2018</a:t>
             </a:fld>
             <a:endParaRPr lang="fr-FR"/>
           </a:p>
@@ -2680,7 +2682,7 @@
           <a:p>
             <a:fld id="{3B3A7B9A-38C2-40F8-BF0C-E69FC542A6B2}" type="datetimeFigureOut">
               <a:rPr lang="fr-FR" smtClean="0"/>
-              <a:t>13/09/2018</a:t>
+              <a:t>27/09/2018</a:t>
             </a:fld>
             <a:endParaRPr lang="fr-FR"/>
           </a:p>
@@ -2921,7 +2923,7 @@
           <a:p>
             <a:fld id="{3B3A7B9A-38C2-40F8-BF0C-E69FC542A6B2}" type="datetimeFigureOut">
               <a:rPr lang="fr-FR" smtClean="0"/>
-              <a:t>13/09/2018</a:t>
+              <a:t>27/09/2018</a:t>
             </a:fld>
             <a:endParaRPr lang="fr-FR"/>
           </a:p>
@@ -3432,7 +3434,7 @@
         <p:spPr bwMode="auto">
           <a:xfrm>
             <a:off x="1031845" y="1363424"/>
-            <a:ext cx="7306812" cy="2998513"/>
+            <a:ext cx="7306812" cy="3862339"/>
           </a:xfrm>
           <a:prstGeom prst="rect">
             <a:avLst/>
@@ -3845,6 +3847,105 @@
                 <a:cs typeface="Arial" panose="020B0604020202020204" pitchFamily="34" charset="0"/>
               </a:rPr>
               <a:t> module</a:t>
+            </a:r>
+          </a:p>
+          <a:p>
+            <a:pPr marL="342900" indent="-342900" algn="just">
+              <a:lnSpc>
+                <a:spcPct val="107000"/>
+              </a:lnSpc>
+              <a:spcAft>
+                <a:spcPts val="800"/>
+              </a:spcAft>
+              <a:buFont typeface="+mj-lt"/>
+              <a:buAutoNum type="arabicPeriod"/>
+            </a:pPr>
+            <a:r>
+              <a:rPr lang="fr-FR" sz="2000" dirty="0">
+                <a:solidFill>
+                  <a:schemeClr val="tx1">
+                    <a:lumMod val="65000"/>
+                    <a:lumOff val="35000"/>
+                  </a:schemeClr>
+                </a:solidFill>
+                <a:ea typeface="Calibri" panose="020F0502020204030204" pitchFamily="34" charset="0"/>
+                <a:cs typeface="Arial" panose="020B0604020202020204" pitchFamily="34" charset="0"/>
+              </a:rPr>
+              <a:t>Minimal </a:t>
+            </a:r>
+            <a:r>
+              <a:rPr lang="fr-FR" sz="2000" dirty="0" err="1">
+                <a:solidFill>
+                  <a:schemeClr val="tx1">
+                    <a:lumMod val="65000"/>
+                    <a:lumOff val="35000"/>
+                  </a:schemeClr>
+                </a:solidFill>
+                <a:ea typeface="Calibri" panose="020F0502020204030204" pitchFamily="34" charset="0"/>
+                <a:cs typeface="Arial" panose="020B0604020202020204" pitchFamily="34" charset="0"/>
+              </a:rPr>
+              <a:t>example</a:t>
+            </a:r>
+            <a:endParaRPr lang="fr-FR" sz="2000" dirty="0">
+              <a:solidFill>
+                <a:schemeClr val="tx1">
+                  <a:lumMod val="65000"/>
+                  <a:lumOff val="35000"/>
+                </a:schemeClr>
+              </a:solidFill>
+              <a:ea typeface="Calibri" panose="020F0502020204030204" pitchFamily="34" charset="0"/>
+              <a:cs typeface="Arial" panose="020B0604020202020204" pitchFamily="34" charset="0"/>
+            </a:endParaRPr>
+          </a:p>
+          <a:p>
+            <a:pPr marL="342900" indent="-342900" algn="just">
+              <a:lnSpc>
+                <a:spcPct val="107000"/>
+              </a:lnSpc>
+              <a:spcAft>
+                <a:spcPts val="800"/>
+              </a:spcAft>
+              <a:buFont typeface="+mj-lt"/>
+              <a:buAutoNum type="arabicPeriod"/>
+            </a:pPr>
+            <a:r>
+              <a:rPr lang="fr-FR" sz="2000" dirty="0">
+                <a:solidFill>
+                  <a:schemeClr val="tx1">
+                    <a:lumMod val="65000"/>
+                    <a:lumOff val="35000"/>
+                  </a:schemeClr>
+                </a:solidFill>
+                <a:ea typeface="Calibri" panose="020F0502020204030204" pitchFamily="34" charset="0"/>
+                <a:cs typeface="Arial" panose="020B0604020202020204" pitchFamily="34" charset="0"/>
+              </a:rPr>
+              <a:t>Coping </a:t>
+            </a:r>
+            <a:r>
+              <a:rPr lang="fr-FR" sz="2000" dirty="0" err="1">
+                <a:solidFill>
+                  <a:schemeClr val="tx1">
+                    <a:lumMod val="65000"/>
+                    <a:lumOff val="35000"/>
+                  </a:schemeClr>
+                </a:solidFill>
+                <a:ea typeface="Calibri" panose="020F0502020204030204" pitchFamily="34" charset="0"/>
+                <a:cs typeface="Arial" panose="020B0604020202020204" pitchFamily="34" charset="0"/>
+              </a:rPr>
+              <a:t>with</a:t>
+            </a:r>
+            <a:r>
+              <a:rPr lang="fr-FR" sz="2000" dirty="0">
+                <a:solidFill>
+                  <a:schemeClr val="tx1">
+                    <a:lumMod val="65000"/>
+                    <a:lumOff val="35000"/>
+                  </a:schemeClr>
+                </a:solidFill>
+                <a:ea typeface="Calibri" panose="020F0502020204030204" pitchFamily="34" charset="0"/>
+                <a:cs typeface="Arial" panose="020B0604020202020204" pitchFamily="34" charset="0"/>
+              </a:rPr>
+              <a:t> the memory issues</a:t>
             </a:r>
           </a:p>
         </p:txBody>
@@ -5165,7 +5266,7 @@
                 <a:ea typeface="Calibri" panose="020F0502020204030204" pitchFamily="34" charset="0"/>
                 <a:cs typeface="Arial" panose="020B0604020202020204" pitchFamily="34" charset="0"/>
               </a:rPr>
-              <a:t>should</a:t>
+              <a:t>may</a:t>
             </a:r>
             <a:r>
               <a:rPr lang="fr-FR" dirty="0">
@@ -6746,6 +6847,32 @@
                 <a:ea typeface="Calibri" panose="020F0502020204030204" pitchFamily="34" charset="0"/>
                 <a:cs typeface="Arial" panose="020B0604020202020204" pitchFamily="34" charset="0"/>
               </a:rPr>
+              <a:t> not trigger </a:t>
+            </a:r>
+            <a:r>
+              <a:rPr lang="fr-FR" dirty="0" err="1">
+                <a:solidFill>
+                  <a:schemeClr val="tx1">
+                    <a:lumMod val="65000"/>
+                    <a:lumOff val="35000"/>
+                  </a:schemeClr>
+                </a:solidFill>
+                <a:ea typeface="Calibri" panose="020F0502020204030204" pitchFamily="34" charset="0"/>
+                <a:cs typeface="Arial" panose="020B0604020202020204" pitchFamily="34" charset="0"/>
+              </a:rPr>
+              <a:t>any</a:t>
+            </a:r>
+            <a:r>
+              <a:rPr lang="fr-FR" dirty="0">
+                <a:solidFill>
+                  <a:schemeClr val="tx1">
+                    <a:lumMod val="65000"/>
+                    <a:lumOff val="35000"/>
+                  </a:schemeClr>
+                </a:solidFill>
+                <a:ea typeface="Calibri" panose="020F0502020204030204" pitchFamily="34" charset="0"/>
+                <a:cs typeface="Arial" panose="020B0604020202020204" pitchFamily="34" charset="0"/>
+              </a:rPr>
               <a:t> </a:t>
             </a:r>
             <a:r>
@@ -6759,33 +6886,7 @@
                 <a:ea typeface="Calibri" panose="020F0502020204030204" pitchFamily="34" charset="0"/>
                 <a:cs typeface="Arial" panose="020B0604020202020204" pitchFamily="34" charset="0"/>
               </a:rPr>
-              <a:t>also</a:t>
-            </a:r>
-            <a:r>
-              <a:rPr lang="fr-FR" dirty="0">
-                <a:solidFill>
-                  <a:schemeClr val="tx1">
-                    <a:lumMod val="65000"/>
-                    <a:lumOff val="35000"/>
-                  </a:schemeClr>
-                </a:solidFill>
-                <a:ea typeface="Calibri" panose="020F0502020204030204" pitchFamily="34" charset="0"/>
-                <a:cs typeface="Arial" panose="020B0604020202020204" pitchFamily="34" charset="0"/>
-              </a:rPr>
-              <a:t> trigger </a:t>
-            </a:r>
-            <a:r>
-              <a:rPr lang="fr-FR" dirty="0" err="1">
-                <a:solidFill>
-                  <a:schemeClr val="tx1">
-                    <a:lumMod val="65000"/>
-                    <a:lumOff val="35000"/>
-                  </a:schemeClr>
-                </a:solidFill>
-                <a:ea typeface="Calibri" panose="020F0502020204030204" pitchFamily="34" charset="0"/>
-                <a:cs typeface="Arial" panose="020B0604020202020204" pitchFamily="34" charset="0"/>
-              </a:rPr>
-              <a:t>any</a:t>
+              <a:t>related</a:t>
             </a:r>
             <a:r>
               <a:rPr lang="fr-FR" dirty="0">
@@ -6811,7 +6912,33 @@
                 <a:ea typeface="Calibri" panose="020F0502020204030204" pitchFamily="34" charset="0"/>
                 <a:cs typeface="Arial" panose="020B0604020202020204" pitchFamily="34" charset="0"/>
               </a:rPr>
-              <a:t>related</a:t>
+              <a:t>event</a:t>
+            </a:r>
+            <a:r>
+              <a:rPr lang="fr-FR" dirty="0">
+                <a:solidFill>
+                  <a:schemeClr val="tx1">
+                    <a:lumMod val="65000"/>
+                    <a:lumOff val="35000"/>
+                  </a:schemeClr>
+                </a:solidFill>
+                <a:ea typeface="Calibri" panose="020F0502020204030204" pitchFamily="34" charset="0"/>
+                <a:cs typeface="Arial" panose="020B0604020202020204" pitchFamily="34" charset="0"/>
+              </a:rPr>
+              <a:t> as </a:t>
+            </a:r>
+            <a:r>
+              <a:rPr lang="fr-FR" dirty="0" err="1">
+                <a:solidFill>
+                  <a:schemeClr val="tx1">
+                    <a:lumMod val="65000"/>
+                    <a:lumOff val="35000"/>
+                  </a:schemeClr>
+                </a:solidFill>
+                <a:ea typeface="Calibri" panose="020F0502020204030204" pitchFamily="34" charset="0"/>
+                <a:cs typeface="Arial" panose="020B0604020202020204" pitchFamily="34" charset="0"/>
+              </a:rPr>
+              <a:t>it</a:t>
             </a:r>
             <a:r>
               <a:rPr lang="fr-FR" dirty="0">
@@ -6837,7 +6964,111 @@
                 <a:ea typeface="Calibri" panose="020F0502020204030204" pitchFamily="34" charset="0"/>
                 <a:cs typeface="Arial" panose="020B0604020202020204" pitchFamily="34" charset="0"/>
               </a:rPr>
-              <a:t>event</a:t>
+              <a:t>would</a:t>
+            </a:r>
+            <a:r>
+              <a:rPr lang="fr-FR" dirty="0">
+                <a:solidFill>
+                  <a:schemeClr val="tx1">
+                    <a:lumMod val="65000"/>
+                    <a:lumOff val="35000"/>
+                  </a:schemeClr>
+                </a:solidFill>
+                <a:ea typeface="Calibri" panose="020F0502020204030204" pitchFamily="34" charset="0"/>
+                <a:cs typeface="Arial" panose="020B0604020202020204" pitchFamily="34" charset="0"/>
+              </a:rPr>
+              <a:t> </a:t>
+            </a:r>
+            <a:r>
+              <a:rPr lang="fr-FR" dirty="0" err="1">
+                <a:solidFill>
+                  <a:schemeClr val="tx1">
+                    <a:lumMod val="65000"/>
+                    <a:lumOff val="35000"/>
+                  </a:schemeClr>
+                </a:solidFill>
+                <a:ea typeface="Calibri" panose="020F0502020204030204" pitchFamily="34" charset="0"/>
+                <a:cs typeface="Arial" panose="020B0604020202020204" pitchFamily="34" charset="0"/>
+              </a:rPr>
+              <a:t>otherwise</a:t>
+            </a:r>
+            <a:r>
+              <a:rPr lang="fr-FR" dirty="0">
+                <a:solidFill>
+                  <a:schemeClr val="tx1">
+                    <a:lumMod val="65000"/>
+                    <a:lumOff val="35000"/>
+                  </a:schemeClr>
+                </a:solidFill>
+                <a:ea typeface="Calibri" panose="020F0502020204030204" pitchFamily="34" charset="0"/>
+                <a:cs typeface="Arial" panose="020B0604020202020204" pitchFamily="34" charset="0"/>
+              </a:rPr>
+              <a:t> </a:t>
+            </a:r>
+            <a:r>
+              <a:rPr lang="fr-FR" dirty="0" err="1">
+                <a:solidFill>
+                  <a:schemeClr val="tx1">
+                    <a:lumMod val="65000"/>
+                    <a:lumOff val="35000"/>
+                  </a:schemeClr>
+                </a:solidFill>
+                <a:ea typeface="Calibri" panose="020F0502020204030204" pitchFamily="34" charset="0"/>
+                <a:cs typeface="Arial" panose="020B0604020202020204" pitchFamily="34" charset="0"/>
+              </a:rPr>
+              <a:t>lessen</a:t>
+            </a:r>
+            <a:r>
+              <a:rPr lang="fr-FR" dirty="0">
+                <a:solidFill>
+                  <a:schemeClr val="tx1">
+                    <a:lumMod val="65000"/>
+                    <a:lumOff val="35000"/>
+                  </a:schemeClr>
+                </a:solidFill>
+                <a:ea typeface="Calibri" panose="020F0502020204030204" pitchFamily="34" charset="0"/>
+                <a:cs typeface="Arial" panose="020B0604020202020204" pitchFamily="34" charset="0"/>
+              </a:rPr>
+              <a:t> the </a:t>
+            </a:r>
+            <a:r>
+              <a:rPr lang="fr-FR" dirty="0" err="1">
+                <a:solidFill>
+                  <a:schemeClr val="tx1">
+                    <a:lumMod val="65000"/>
+                    <a:lumOff val="35000"/>
+                  </a:schemeClr>
+                </a:solidFill>
+                <a:ea typeface="Calibri" panose="020F0502020204030204" pitchFamily="34" charset="0"/>
+                <a:cs typeface="Arial" panose="020B0604020202020204" pitchFamily="34" charset="0"/>
+              </a:rPr>
+              <a:t>reuse</a:t>
+            </a:r>
+            <a:r>
+              <a:rPr lang="fr-FR" dirty="0">
+                <a:solidFill>
+                  <a:schemeClr val="tx1">
+                    <a:lumMod val="65000"/>
+                    <a:lumOff val="35000"/>
+                  </a:schemeClr>
+                </a:solidFill>
+                <a:ea typeface="Calibri" panose="020F0502020204030204" pitchFamily="34" charset="0"/>
+                <a:cs typeface="Arial" panose="020B0604020202020204" pitchFamily="34" charset="0"/>
+              </a:rPr>
+              <a:t> </a:t>
+            </a:r>
+            <a:r>
+              <a:rPr lang="fr-FR" dirty="0" err="1">
+                <a:solidFill>
+                  <a:schemeClr val="tx1">
+                    <a:lumMod val="65000"/>
+                    <a:lumOff val="35000"/>
+                  </a:schemeClr>
+                </a:solidFill>
+                <a:ea typeface="Calibri" panose="020F0502020204030204" pitchFamily="34" charset="0"/>
+                <a:cs typeface="Arial" panose="020B0604020202020204" pitchFamily="34" charset="0"/>
+              </a:rPr>
+              <a:t>possibilities</a:t>
             </a:r>
             <a:r>
               <a:rPr lang="fr-FR" dirty="0">
@@ -9728,6 +9959,939 @@
     <p:extLst>
       <p:ext uri="{BB962C8B-B14F-4D97-AF65-F5344CB8AC3E}">
         <p14:creationId xmlns:p14="http://schemas.microsoft.com/office/powerpoint/2010/main" val="2639746881"/>
+      </p:ext>
+    </p:extLst>
+  </p:cSld>
+  <p:clrMapOvr>
+    <a:masterClrMapping/>
+  </p:clrMapOvr>
+</p:sld>
+</file>
+
+<file path=ppt/slides/slide14.xml><?xml version="1.0" encoding="utf-8"?>
+<p:sld xmlns:a="http://schemas.openxmlformats.org/drawingml/2006/main" xmlns:r="http://schemas.openxmlformats.org/officeDocument/2006/relationships" xmlns:p="http://schemas.openxmlformats.org/presentationml/2006/main">
+  <p:cSld>
+    <p:spTree>
+      <p:nvGrpSpPr>
+        <p:cNvPr id="1" name=""/>
+        <p:cNvGrpSpPr/>
+        <p:nvPr/>
+      </p:nvGrpSpPr>
+      <p:grpSpPr>
+        <a:xfrm>
+          <a:off x="0" y="0"/>
+          <a:ext cx="0" cy="0"/>
+          <a:chOff x="0" y="0"/>
+          <a:chExt cx="0" cy="0"/>
+        </a:xfrm>
+      </p:grpSpPr>
+      <p:sp>
+        <p:nvSpPr>
+          <p:cNvPr id="4" name="Rectangle 3">
+            <a:extLst>
+              <a:ext uri="{FF2B5EF4-FFF2-40B4-BE49-F238E27FC236}">
+                <a16:creationId xmlns:a16="http://schemas.microsoft.com/office/drawing/2014/main" id="{ECD7FB32-7D44-4892-B673-0D6C3A402A20}"/>
+              </a:ext>
+            </a:extLst>
+          </p:cNvPr>
+          <p:cNvSpPr/>
+          <p:nvPr/>
+        </p:nvSpPr>
+        <p:spPr>
+          <a:xfrm>
+            <a:off x="1895831" y="312808"/>
+            <a:ext cx="5431295" cy="626518"/>
+          </a:xfrm>
+          <a:prstGeom prst="rect">
+            <a:avLst/>
+          </a:prstGeom>
+        </p:spPr>
+        <p:txBody>
+          <a:bodyPr wrap="none">
+            <a:spAutoFit/>
+          </a:bodyPr>
+          <a:lstStyle/>
+          <a:p>
+            <a:pPr>
+              <a:lnSpc>
+                <a:spcPct val="120000"/>
+              </a:lnSpc>
+              <a:spcAft>
+                <a:spcPts val="0"/>
+              </a:spcAft>
+            </a:pPr>
+            <a:r>
+              <a:rPr lang="en-US" sz="3200" dirty="0" err="1">
+                <a:solidFill>
+                  <a:schemeClr val="tx1">
+                    <a:lumMod val="75000"/>
+                    <a:lumOff val="25000"/>
+                  </a:schemeClr>
+                </a:solidFill>
+                <a:latin typeface="Century Gothic" panose="020B0502020202020204" pitchFamily="34" charset="0"/>
+                <a:ea typeface="MS Mincho" panose="02020609040205080304" pitchFamily="49" charset="-128"/>
+                <a:cs typeface="MinionPro-Regular"/>
+              </a:rPr>
+              <a:t>Pikcio</a:t>
+            </a:r>
+            <a:r>
+              <a:rPr lang="en-US" sz="3200" dirty="0">
+                <a:solidFill>
+                  <a:schemeClr val="tx1">
+                    <a:lumMod val="75000"/>
+                    <a:lumOff val="25000"/>
+                  </a:schemeClr>
+                </a:solidFill>
+                <a:latin typeface="Century Gothic" panose="020B0502020202020204" pitchFamily="34" charset="0"/>
+                <a:ea typeface="MS Mincho" panose="02020609040205080304" pitchFamily="49" charset="-128"/>
+                <a:cs typeface="MinionPro-Regular"/>
+              </a:rPr>
+              <a:t> Token: Storage issue</a:t>
+            </a:r>
+            <a:endParaRPr lang="fr-FR" sz="1200" dirty="0">
+              <a:solidFill>
+                <a:schemeClr val="tx1">
+                  <a:lumMod val="75000"/>
+                  <a:lumOff val="25000"/>
+                </a:schemeClr>
+              </a:solidFill>
+              <a:latin typeface="Century Gothic" panose="020B0502020202020204" pitchFamily="34" charset="0"/>
+              <a:ea typeface="MS Mincho" panose="02020609040205080304" pitchFamily="49" charset="-128"/>
+              <a:cs typeface="MinionPro-Regular"/>
+            </a:endParaRPr>
+          </a:p>
+        </p:txBody>
+      </p:sp>
+      <p:sp>
+        <p:nvSpPr>
+          <p:cNvPr id="15" name="ZoneTexte 14">
+            <a:extLst>
+              <a:ext uri="{FF2B5EF4-FFF2-40B4-BE49-F238E27FC236}">
+                <a16:creationId xmlns:a16="http://schemas.microsoft.com/office/drawing/2014/main" id="{774FD80A-0D76-4ADD-BA49-1351202F3655}"/>
+              </a:ext>
+            </a:extLst>
+          </p:cNvPr>
+          <p:cNvSpPr txBox="1"/>
+          <p:nvPr/>
+        </p:nvSpPr>
+        <p:spPr>
+          <a:xfrm>
+            <a:off x="9889491" y="6581001"/>
+            <a:ext cx="2299732" cy="276999"/>
+          </a:xfrm>
+          <a:prstGeom prst="rect">
+            <a:avLst/>
+          </a:prstGeom>
+          <a:noFill/>
+        </p:spPr>
+        <p:txBody>
+          <a:bodyPr wrap="none" rtlCol="0">
+            <a:spAutoFit/>
+          </a:bodyPr>
+          <a:lstStyle/>
+          <a:p>
+            <a:r>
+              <a:rPr lang="fr-FR" sz="1200" dirty="0">
+                <a:solidFill>
+                  <a:schemeClr val="tx1">
+                    <a:lumMod val="50000"/>
+                    <a:lumOff val="50000"/>
+                  </a:schemeClr>
+                </a:solidFill>
+                <a:latin typeface="Arial" panose="020B0604020202020204" pitchFamily="34" charset="0"/>
+                <a:cs typeface="Arial" panose="020B0604020202020204" pitchFamily="34" charset="0"/>
+              </a:rPr>
+              <a:t>PIKCIO CONFIDENTIAL 2018 </a:t>
+            </a:r>
+          </a:p>
+        </p:txBody>
+      </p:sp>
+      <p:pic>
+        <p:nvPicPr>
+          <p:cNvPr id="16" name="Image 15">
+            <a:extLst>
+              <a:ext uri="{FF2B5EF4-FFF2-40B4-BE49-F238E27FC236}">
+                <a16:creationId xmlns:a16="http://schemas.microsoft.com/office/drawing/2014/main" id="{37DDC0F3-7858-4A5A-95F0-03B494B0AB8F}"/>
+              </a:ext>
+            </a:extLst>
+          </p:cNvPr>
+          <p:cNvPicPr>
+            <a:picLocks noChangeAspect="1"/>
+          </p:cNvPicPr>
+          <p:nvPr/>
+        </p:nvPicPr>
+        <p:blipFill>
+          <a:blip r:embed="rId2"/>
+          <a:stretch>
+            <a:fillRect/>
+          </a:stretch>
+        </p:blipFill>
+        <p:spPr>
+          <a:xfrm>
+            <a:off x="11454" y="0"/>
+            <a:ext cx="1555426" cy="1154977"/>
+          </a:xfrm>
+          <a:prstGeom prst="rect">
+            <a:avLst/>
+          </a:prstGeom>
+        </p:spPr>
+      </p:pic>
+      <p:sp>
+        <p:nvSpPr>
+          <p:cNvPr id="7" name="Zone de texte 2">
+            <a:extLst>
+              <a:ext uri="{FF2B5EF4-FFF2-40B4-BE49-F238E27FC236}">
+                <a16:creationId xmlns:a16="http://schemas.microsoft.com/office/drawing/2014/main" id="{AF8D6609-FFCF-BC45-A2F1-EB0790AF01F5}"/>
+              </a:ext>
+            </a:extLst>
+          </p:cNvPr>
+          <p:cNvSpPr txBox="1">
+            <a:spLocks noChangeArrowheads="1"/>
+          </p:cNvSpPr>
+          <p:nvPr/>
+        </p:nvSpPr>
+        <p:spPr bwMode="auto">
+          <a:xfrm>
+            <a:off x="1031844" y="1363424"/>
+            <a:ext cx="10698601" cy="4558877"/>
+          </a:xfrm>
+          <a:prstGeom prst="rect">
+            <a:avLst/>
+          </a:prstGeom>
+          <a:noFill/>
+          <a:ln w="9525">
+            <a:noFill/>
+            <a:miter lim="800000"/>
+            <a:headEnd/>
+            <a:tailEnd/>
+          </a:ln>
+        </p:spPr>
+        <p:txBody>
+          <a:bodyPr rot="0" vert="horz" wrap="square" lIns="91440" tIns="45720" rIns="91440" bIns="45720" anchor="t" anchorCtr="0">
+            <a:spAutoFit/>
+          </a:bodyPr>
+          <a:lstStyle/>
+          <a:p>
+            <a:pPr lvl="0" algn="just">
+              <a:lnSpc>
+                <a:spcPct val="107000"/>
+              </a:lnSpc>
+              <a:spcAft>
+                <a:spcPts val="800"/>
+              </a:spcAft>
+            </a:pPr>
+            <a:r>
+              <a:rPr lang="en-GB" b="1" dirty="0">
+                <a:solidFill>
+                  <a:schemeClr val="tx1">
+                    <a:lumMod val="65000"/>
+                    <a:lumOff val="35000"/>
+                  </a:schemeClr>
+                </a:solidFill>
+                <a:ea typeface="Calibri" panose="020F0502020204030204" pitchFamily="34" charset="0"/>
+                <a:cs typeface="Arial" panose="020B0604020202020204" pitchFamily="34" charset="0"/>
+              </a:rPr>
+              <a:t>Balance and allowances can potentially become huge</a:t>
+            </a:r>
+          </a:p>
+          <a:p>
+            <a:pPr lvl="0" algn="just">
+              <a:lnSpc>
+                <a:spcPct val="107000"/>
+              </a:lnSpc>
+              <a:spcAft>
+                <a:spcPts val="800"/>
+              </a:spcAft>
+            </a:pPr>
+            <a:r>
+              <a:rPr lang="en-GB" dirty="0">
+                <a:solidFill>
+                  <a:schemeClr val="tx1">
+                    <a:lumMod val="65000"/>
+                    <a:lumOff val="35000"/>
+                  </a:schemeClr>
+                </a:solidFill>
+                <a:ea typeface="Calibri" panose="020F0502020204030204" pitchFamily="34" charset="0"/>
+                <a:cs typeface="Arial" panose="020B0604020202020204" pitchFamily="34" charset="0"/>
+              </a:rPr>
+              <a:t>If the token has hundreds of thousands users, those two maps (plus possibly other storage variables) may become a burden to store. Let’s assume (roughly):</a:t>
+            </a:r>
+          </a:p>
+          <a:p>
+            <a:pPr marL="285750" lvl="0" indent="-285750" algn="just">
+              <a:lnSpc>
+                <a:spcPct val="107000"/>
+              </a:lnSpc>
+              <a:spcAft>
+                <a:spcPts val="800"/>
+              </a:spcAft>
+              <a:buFont typeface="Arial" panose="020B0604020202020204" pitchFamily="34" charset="0"/>
+              <a:buChar char="•"/>
+            </a:pPr>
+            <a:r>
+              <a:rPr lang="en-GB" dirty="0">
+                <a:solidFill>
+                  <a:schemeClr val="tx1">
+                    <a:lumMod val="65000"/>
+                    <a:lumOff val="35000"/>
+                  </a:schemeClr>
+                </a:solidFill>
+                <a:ea typeface="Calibri" panose="020F0502020204030204" pitchFamily="34" charset="0"/>
+                <a:cs typeface="Arial" panose="020B0604020202020204" pitchFamily="34" charset="0"/>
+              </a:rPr>
+              <a:t>A balance entry stored as JSON is </a:t>
+            </a:r>
+            <a:r>
+              <a:rPr lang="fr-FR" dirty="0">
+                <a:solidFill>
+                  <a:schemeClr val="tx1">
+                    <a:lumMod val="65000"/>
+                    <a:lumOff val="35000"/>
+                  </a:schemeClr>
+                </a:solidFill>
+                <a:ea typeface="Calibri" panose="020F0502020204030204" pitchFamily="34" charset="0"/>
+                <a:cs typeface="Arial" panose="020B0604020202020204" pitchFamily="34" charset="0"/>
+              </a:rPr>
+              <a:t>~</a:t>
+            </a:r>
+            <a:r>
+              <a:rPr lang="en-GB" dirty="0">
+                <a:solidFill>
+                  <a:schemeClr val="tx1">
+                    <a:lumMod val="65000"/>
+                    <a:lumOff val="35000"/>
+                  </a:schemeClr>
+                </a:solidFill>
+                <a:ea typeface="Calibri" panose="020F0502020204030204" pitchFamily="34" charset="0"/>
+                <a:cs typeface="Arial" panose="020B0604020202020204" pitchFamily="34" charset="0"/>
+              </a:rPr>
+              <a:t>70 digits long: 64 for the address, 5 for the amount plus a separator.</a:t>
+            </a:r>
+          </a:p>
+          <a:p>
+            <a:pPr marL="285750" lvl="0" indent="-285750" algn="just">
+              <a:lnSpc>
+                <a:spcPct val="107000"/>
+              </a:lnSpc>
+              <a:spcAft>
+                <a:spcPts val="800"/>
+              </a:spcAft>
+              <a:buFont typeface="Arial" panose="020B0604020202020204" pitchFamily="34" charset="0"/>
+              <a:buChar char="•"/>
+            </a:pPr>
+            <a:r>
+              <a:rPr lang="en-GB" dirty="0">
+                <a:solidFill>
+                  <a:schemeClr val="tx1">
+                    <a:lumMod val="65000"/>
+                    <a:lumOff val="35000"/>
+                  </a:schemeClr>
+                </a:solidFill>
+                <a:ea typeface="Calibri" panose="020F0502020204030204" pitchFamily="34" charset="0"/>
+                <a:cs typeface="Arial" panose="020B0604020202020204" pitchFamily="34" charset="0"/>
+              </a:rPr>
+              <a:t>The balance has 100,000 entries.</a:t>
+            </a:r>
+          </a:p>
+          <a:p>
+            <a:pPr marL="285750" lvl="0" indent="-285750" algn="just">
+              <a:lnSpc>
+                <a:spcPct val="107000"/>
+              </a:lnSpc>
+              <a:spcAft>
+                <a:spcPts val="800"/>
+              </a:spcAft>
+              <a:buFont typeface="Arial" panose="020B0604020202020204" pitchFamily="34" charset="0"/>
+              <a:buChar char="•"/>
+            </a:pPr>
+            <a:r>
+              <a:rPr lang="en-GB" dirty="0">
+                <a:solidFill>
+                  <a:schemeClr val="tx1">
+                    <a:lumMod val="65000"/>
+                    <a:lumOff val="35000"/>
+                  </a:schemeClr>
+                </a:solidFill>
+                <a:ea typeface="Calibri" panose="020F0502020204030204" pitchFamily="34" charset="0"/>
+                <a:cs typeface="Arial" panose="020B0604020202020204" pitchFamily="34" charset="0"/>
+              </a:rPr>
+              <a:t>100,000 x 70 = 7,000,000 bytes = 6.67 Mb</a:t>
+            </a:r>
+          </a:p>
+          <a:p>
+            <a:pPr lvl="0" algn="just">
+              <a:lnSpc>
+                <a:spcPct val="107000"/>
+              </a:lnSpc>
+              <a:spcAft>
+                <a:spcPts val="800"/>
+              </a:spcAft>
+            </a:pPr>
+            <a:r>
+              <a:rPr lang="en-GB" dirty="0">
+                <a:solidFill>
+                  <a:schemeClr val="tx1">
+                    <a:lumMod val="65000"/>
+                    <a:lumOff val="35000"/>
+                  </a:schemeClr>
+                </a:solidFill>
+                <a:ea typeface="Calibri" panose="020F0502020204030204" pitchFamily="34" charset="0"/>
+                <a:cs typeface="Arial" panose="020B0604020202020204" pitchFamily="34" charset="0"/>
+              </a:rPr>
+              <a:t>If balance is mentioned in the JSON in the “before” and “after” sections of the call, it makes it a payload of 13Mb per call to store in the ledger.</a:t>
+            </a:r>
+          </a:p>
+          <a:p>
+            <a:pPr lvl="0" algn="just">
+              <a:lnSpc>
+                <a:spcPct val="107000"/>
+              </a:lnSpc>
+              <a:spcAft>
+                <a:spcPts val="800"/>
+              </a:spcAft>
+            </a:pPr>
+            <a:endParaRPr lang="en-GB" dirty="0">
+              <a:solidFill>
+                <a:schemeClr val="tx1">
+                  <a:lumMod val="65000"/>
+                  <a:lumOff val="35000"/>
+                </a:schemeClr>
+              </a:solidFill>
+              <a:ea typeface="Calibri" panose="020F0502020204030204" pitchFamily="34" charset="0"/>
+              <a:cs typeface="Arial" panose="020B0604020202020204" pitchFamily="34" charset="0"/>
+            </a:endParaRPr>
+          </a:p>
+          <a:p>
+            <a:pPr lvl="0" algn="just">
+              <a:lnSpc>
+                <a:spcPct val="107000"/>
+              </a:lnSpc>
+              <a:spcAft>
+                <a:spcPts val="800"/>
+              </a:spcAft>
+            </a:pPr>
+            <a:r>
+              <a:rPr lang="en-GB" dirty="0">
+                <a:solidFill>
+                  <a:schemeClr val="tx1">
+                    <a:lumMod val="65000"/>
+                    <a:lumOff val="35000"/>
+                  </a:schemeClr>
+                </a:solidFill>
+                <a:ea typeface="Calibri" panose="020F0502020204030204" pitchFamily="34" charset="0"/>
+                <a:cs typeface="Arial" panose="020B0604020202020204" pitchFamily="34" charset="0"/>
+              </a:rPr>
+              <a:t>This statement applies:</a:t>
+            </a:r>
+          </a:p>
+          <a:p>
+            <a:pPr marL="285750" lvl="0" indent="-285750" algn="just">
+              <a:lnSpc>
+                <a:spcPct val="107000"/>
+              </a:lnSpc>
+              <a:spcAft>
+                <a:spcPts val="800"/>
+              </a:spcAft>
+              <a:buFont typeface="Arial" panose="020B0604020202020204" pitchFamily="34" charset="0"/>
+              <a:buChar char="•"/>
+            </a:pPr>
+            <a:r>
+              <a:rPr lang="en-GB" dirty="0">
+                <a:solidFill>
+                  <a:schemeClr val="tx1">
+                    <a:lumMod val="65000"/>
+                    <a:lumOff val="35000"/>
+                  </a:schemeClr>
+                </a:solidFill>
+                <a:ea typeface="Calibri" panose="020F0502020204030204" pitchFamily="34" charset="0"/>
+                <a:cs typeface="Arial" panose="020B0604020202020204" pitchFamily="34" charset="0"/>
+              </a:rPr>
+              <a:t>to all types of variable which length is not fixed (</a:t>
+            </a:r>
+            <a:r>
+              <a:rPr lang="en-GB" dirty="0" err="1">
+                <a:solidFill>
+                  <a:schemeClr val="tx1">
+                    <a:lumMod val="65000"/>
+                    <a:lumOff val="35000"/>
+                  </a:schemeClr>
+                </a:solidFill>
+                <a:ea typeface="Calibri" panose="020F0502020204030204" pitchFamily="34" charset="0"/>
+                <a:cs typeface="Arial" panose="020B0604020202020204" pitchFamily="34" charset="0"/>
+              </a:rPr>
+              <a:t>str</a:t>
+            </a:r>
+            <a:r>
+              <a:rPr lang="en-GB" dirty="0">
+                <a:solidFill>
+                  <a:schemeClr val="tx1">
+                    <a:lumMod val="65000"/>
+                    <a:lumOff val="35000"/>
+                  </a:schemeClr>
+                </a:solidFill>
+                <a:ea typeface="Calibri" panose="020F0502020204030204" pitchFamily="34" charset="0"/>
+                <a:cs typeface="Arial" panose="020B0604020202020204" pitchFamily="34" charset="0"/>
+              </a:rPr>
+              <a:t>, map, list, set, tuple, bytes)</a:t>
+            </a:r>
+          </a:p>
+          <a:p>
+            <a:pPr marL="285750" lvl="0" indent="-285750" algn="just">
+              <a:lnSpc>
+                <a:spcPct val="107000"/>
+              </a:lnSpc>
+              <a:spcAft>
+                <a:spcPts val="800"/>
+              </a:spcAft>
+              <a:buFont typeface="Arial" panose="020B0604020202020204" pitchFamily="34" charset="0"/>
+              <a:buChar char="•"/>
+            </a:pPr>
+            <a:r>
+              <a:rPr lang="en-GB" dirty="0">
+                <a:solidFill>
+                  <a:schemeClr val="tx1">
+                    <a:lumMod val="65000"/>
+                    <a:lumOff val="35000"/>
+                  </a:schemeClr>
+                </a:solidFill>
+                <a:ea typeface="Calibri" panose="020F0502020204030204" pitchFamily="34" charset="0"/>
+                <a:cs typeface="Arial" panose="020B0604020202020204" pitchFamily="34" charset="0"/>
+              </a:rPr>
+              <a:t>To all kinds of smart contracts</a:t>
+            </a:r>
+          </a:p>
+        </p:txBody>
+      </p:sp>
+    </p:spTree>
+    <p:extLst>
+      <p:ext uri="{BB962C8B-B14F-4D97-AF65-F5344CB8AC3E}">
+        <p14:creationId xmlns:p14="http://schemas.microsoft.com/office/powerpoint/2010/main" val="2500925259"/>
+      </p:ext>
+    </p:extLst>
+  </p:cSld>
+  <p:clrMapOvr>
+    <a:masterClrMapping/>
+  </p:clrMapOvr>
+</p:sld>
+</file>
+
+<file path=ppt/slides/slide15.xml><?xml version="1.0" encoding="utf-8"?>
+<p:sld xmlns:a="http://schemas.openxmlformats.org/drawingml/2006/main" xmlns:r="http://schemas.openxmlformats.org/officeDocument/2006/relationships" xmlns:p="http://schemas.openxmlformats.org/presentationml/2006/main">
+  <p:cSld>
+    <p:spTree>
+      <p:nvGrpSpPr>
+        <p:cNvPr id="1" name=""/>
+        <p:cNvGrpSpPr/>
+        <p:nvPr/>
+      </p:nvGrpSpPr>
+      <p:grpSpPr>
+        <a:xfrm>
+          <a:off x="0" y="0"/>
+          <a:ext cx="0" cy="0"/>
+          <a:chOff x="0" y="0"/>
+          <a:chExt cx="0" cy="0"/>
+        </a:xfrm>
+      </p:grpSpPr>
+      <p:sp>
+        <p:nvSpPr>
+          <p:cNvPr id="4" name="Rectangle 3">
+            <a:extLst>
+              <a:ext uri="{FF2B5EF4-FFF2-40B4-BE49-F238E27FC236}">
+                <a16:creationId xmlns:a16="http://schemas.microsoft.com/office/drawing/2014/main" id="{ECD7FB32-7D44-4892-B673-0D6C3A402A20}"/>
+              </a:ext>
+            </a:extLst>
+          </p:cNvPr>
+          <p:cNvSpPr/>
+          <p:nvPr/>
+        </p:nvSpPr>
+        <p:spPr>
+          <a:xfrm>
+            <a:off x="1895831" y="312808"/>
+            <a:ext cx="6016391" cy="626518"/>
+          </a:xfrm>
+          <a:prstGeom prst="rect">
+            <a:avLst/>
+          </a:prstGeom>
+        </p:spPr>
+        <p:txBody>
+          <a:bodyPr wrap="none">
+            <a:spAutoFit/>
+          </a:bodyPr>
+          <a:lstStyle/>
+          <a:p>
+            <a:pPr>
+              <a:lnSpc>
+                <a:spcPct val="120000"/>
+              </a:lnSpc>
+              <a:spcAft>
+                <a:spcPts val="0"/>
+              </a:spcAft>
+            </a:pPr>
+            <a:r>
+              <a:rPr lang="en-US" sz="3200" dirty="0" err="1">
+                <a:solidFill>
+                  <a:schemeClr val="tx1">
+                    <a:lumMod val="75000"/>
+                    <a:lumOff val="25000"/>
+                  </a:schemeClr>
+                </a:solidFill>
+                <a:latin typeface="Century Gothic" panose="020B0502020202020204" pitchFamily="34" charset="0"/>
+                <a:ea typeface="MS Mincho" panose="02020609040205080304" pitchFamily="49" charset="-128"/>
+                <a:cs typeface="MinionPro-Regular"/>
+              </a:rPr>
+              <a:t>Pikcio</a:t>
+            </a:r>
+            <a:r>
+              <a:rPr lang="en-US" sz="3200" dirty="0">
+                <a:solidFill>
+                  <a:schemeClr val="tx1">
+                    <a:lumMod val="75000"/>
+                    <a:lumOff val="25000"/>
+                  </a:schemeClr>
+                </a:solidFill>
+                <a:latin typeface="Century Gothic" panose="020B0502020202020204" pitchFamily="34" charset="0"/>
+                <a:ea typeface="MS Mincho" panose="02020609040205080304" pitchFamily="49" charset="-128"/>
+                <a:cs typeface="MinionPro-Regular"/>
+              </a:rPr>
+              <a:t> Token: Storage solution</a:t>
+            </a:r>
+            <a:endParaRPr lang="fr-FR" sz="1200" dirty="0">
+              <a:solidFill>
+                <a:schemeClr val="tx1">
+                  <a:lumMod val="75000"/>
+                  <a:lumOff val="25000"/>
+                </a:schemeClr>
+              </a:solidFill>
+              <a:latin typeface="Century Gothic" panose="020B0502020202020204" pitchFamily="34" charset="0"/>
+              <a:ea typeface="MS Mincho" panose="02020609040205080304" pitchFamily="49" charset="-128"/>
+              <a:cs typeface="MinionPro-Regular"/>
+            </a:endParaRPr>
+          </a:p>
+        </p:txBody>
+      </p:sp>
+      <p:sp>
+        <p:nvSpPr>
+          <p:cNvPr id="15" name="ZoneTexte 14">
+            <a:extLst>
+              <a:ext uri="{FF2B5EF4-FFF2-40B4-BE49-F238E27FC236}">
+                <a16:creationId xmlns:a16="http://schemas.microsoft.com/office/drawing/2014/main" id="{774FD80A-0D76-4ADD-BA49-1351202F3655}"/>
+              </a:ext>
+            </a:extLst>
+          </p:cNvPr>
+          <p:cNvSpPr txBox="1"/>
+          <p:nvPr/>
+        </p:nvSpPr>
+        <p:spPr>
+          <a:xfrm>
+            <a:off x="9889491" y="6581001"/>
+            <a:ext cx="2299732" cy="276999"/>
+          </a:xfrm>
+          <a:prstGeom prst="rect">
+            <a:avLst/>
+          </a:prstGeom>
+          <a:noFill/>
+        </p:spPr>
+        <p:txBody>
+          <a:bodyPr wrap="none" rtlCol="0">
+            <a:spAutoFit/>
+          </a:bodyPr>
+          <a:lstStyle/>
+          <a:p>
+            <a:r>
+              <a:rPr lang="fr-FR" sz="1200" dirty="0">
+                <a:solidFill>
+                  <a:schemeClr val="tx1">
+                    <a:lumMod val="50000"/>
+                    <a:lumOff val="50000"/>
+                  </a:schemeClr>
+                </a:solidFill>
+                <a:latin typeface="Arial" panose="020B0604020202020204" pitchFamily="34" charset="0"/>
+                <a:cs typeface="Arial" panose="020B0604020202020204" pitchFamily="34" charset="0"/>
+              </a:rPr>
+              <a:t>PIKCIO CONFIDENTIAL 2018 </a:t>
+            </a:r>
+          </a:p>
+        </p:txBody>
+      </p:sp>
+      <p:pic>
+        <p:nvPicPr>
+          <p:cNvPr id="16" name="Image 15">
+            <a:extLst>
+              <a:ext uri="{FF2B5EF4-FFF2-40B4-BE49-F238E27FC236}">
+                <a16:creationId xmlns:a16="http://schemas.microsoft.com/office/drawing/2014/main" id="{37DDC0F3-7858-4A5A-95F0-03B494B0AB8F}"/>
+              </a:ext>
+            </a:extLst>
+          </p:cNvPr>
+          <p:cNvPicPr>
+            <a:picLocks noChangeAspect="1"/>
+          </p:cNvPicPr>
+          <p:nvPr/>
+        </p:nvPicPr>
+        <p:blipFill>
+          <a:blip r:embed="rId2"/>
+          <a:stretch>
+            <a:fillRect/>
+          </a:stretch>
+        </p:blipFill>
+        <p:spPr>
+          <a:xfrm>
+            <a:off x="11454" y="0"/>
+            <a:ext cx="1555426" cy="1154977"/>
+          </a:xfrm>
+          <a:prstGeom prst="rect">
+            <a:avLst/>
+          </a:prstGeom>
+        </p:spPr>
+      </p:pic>
+      <p:sp>
+        <p:nvSpPr>
+          <p:cNvPr id="7" name="Zone de texte 2">
+            <a:extLst>
+              <a:ext uri="{FF2B5EF4-FFF2-40B4-BE49-F238E27FC236}">
+                <a16:creationId xmlns:a16="http://schemas.microsoft.com/office/drawing/2014/main" id="{AF8D6609-FFCF-BC45-A2F1-EB0790AF01F5}"/>
+              </a:ext>
+            </a:extLst>
+          </p:cNvPr>
+          <p:cNvSpPr txBox="1">
+            <a:spLocks noChangeArrowheads="1"/>
+          </p:cNvSpPr>
+          <p:nvPr/>
+        </p:nvSpPr>
+        <p:spPr bwMode="auto">
+          <a:xfrm>
+            <a:off x="1031844" y="1363424"/>
+            <a:ext cx="10698601" cy="3168240"/>
+          </a:xfrm>
+          <a:prstGeom prst="rect">
+            <a:avLst/>
+          </a:prstGeom>
+          <a:noFill/>
+          <a:ln w="9525">
+            <a:noFill/>
+            <a:miter lim="800000"/>
+            <a:headEnd/>
+            <a:tailEnd/>
+          </a:ln>
+        </p:spPr>
+        <p:txBody>
+          <a:bodyPr rot="0" vert="horz" wrap="square" lIns="91440" tIns="45720" rIns="91440" bIns="45720" anchor="t" anchorCtr="0">
+            <a:spAutoFit/>
+          </a:bodyPr>
+          <a:lstStyle/>
+          <a:p>
+            <a:pPr lvl="0" algn="just">
+              <a:lnSpc>
+                <a:spcPct val="107000"/>
+              </a:lnSpc>
+              <a:spcAft>
+                <a:spcPts val="800"/>
+              </a:spcAft>
+            </a:pPr>
+            <a:r>
+              <a:rPr lang="en-GB" b="1" dirty="0">
+                <a:solidFill>
+                  <a:schemeClr val="tx1">
+                    <a:lumMod val="65000"/>
+                    <a:lumOff val="35000"/>
+                  </a:schemeClr>
+                </a:solidFill>
+                <a:ea typeface="Calibri" panose="020F0502020204030204" pitchFamily="34" charset="0"/>
+                <a:cs typeface="Arial" panose="020B0604020202020204" pitchFamily="34" charset="0"/>
+              </a:rPr>
+              <a:t>The ledger should not save consecutive states of a variable but only the delta of each call</a:t>
+            </a:r>
+          </a:p>
+          <a:p>
+            <a:pPr lvl="0" algn="just">
+              <a:lnSpc>
+                <a:spcPct val="107000"/>
+              </a:lnSpc>
+              <a:spcAft>
+                <a:spcPts val="800"/>
+              </a:spcAft>
+            </a:pPr>
+            <a:r>
+              <a:rPr lang="en-GB" dirty="0">
+                <a:solidFill>
+                  <a:schemeClr val="tx1">
+                    <a:lumMod val="65000"/>
+                    <a:lumOff val="35000"/>
+                  </a:schemeClr>
+                </a:solidFill>
+                <a:ea typeface="Calibri" panose="020F0502020204030204" pitchFamily="34" charset="0"/>
+                <a:cs typeface="Arial" panose="020B0604020202020204" pitchFamily="34" charset="0"/>
+              </a:rPr>
+              <a:t>This is the standard approach used by source control tools like git or SVN:</a:t>
+            </a:r>
+          </a:p>
+          <a:p>
+            <a:pPr marL="285750" lvl="0" indent="-285750" algn="just">
+              <a:lnSpc>
+                <a:spcPct val="107000"/>
+              </a:lnSpc>
+              <a:spcAft>
+                <a:spcPts val="800"/>
+              </a:spcAft>
+              <a:buFont typeface="Arial" panose="020B0604020202020204" pitchFamily="34" charset="0"/>
+              <a:buChar char="•"/>
+            </a:pPr>
+            <a:r>
+              <a:rPr lang="en-GB" dirty="0">
+                <a:solidFill>
+                  <a:schemeClr val="tx1">
+                    <a:lumMod val="65000"/>
+                    <a:lumOff val="35000"/>
+                  </a:schemeClr>
+                </a:solidFill>
+                <a:ea typeface="Calibri" panose="020F0502020204030204" pitchFamily="34" charset="0"/>
+                <a:cs typeface="Arial" panose="020B0604020202020204" pitchFamily="34" charset="0"/>
+              </a:rPr>
+              <a:t>Each node (execution details stored in the ledger) contains only the difference with the previous node</a:t>
+            </a:r>
+          </a:p>
+          <a:p>
+            <a:pPr marL="285750" lvl="0" indent="-285750" algn="just">
+              <a:lnSpc>
+                <a:spcPct val="107000"/>
+              </a:lnSpc>
+              <a:spcAft>
+                <a:spcPts val="800"/>
+              </a:spcAft>
+              <a:buFont typeface="Arial" panose="020B0604020202020204" pitchFamily="34" charset="0"/>
+              <a:buChar char="•"/>
+            </a:pPr>
+            <a:r>
+              <a:rPr lang="en-GB" dirty="0">
+                <a:solidFill>
+                  <a:schemeClr val="tx1">
+                    <a:lumMod val="65000"/>
+                    <a:lumOff val="35000"/>
+                  </a:schemeClr>
+                </a:solidFill>
+                <a:ea typeface="Calibri" panose="020F0502020204030204" pitchFamily="34" charset="0"/>
+                <a:cs typeface="Arial" panose="020B0604020202020204" pitchFamily="34" charset="0"/>
+              </a:rPr>
+              <a:t>It is possible to rebuild the current state by applying in order all the deltas </a:t>
+            </a:r>
+          </a:p>
+          <a:p>
+            <a:pPr lvl="0" algn="just">
+              <a:lnSpc>
+                <a:spcPct val="107000"/>
+              </a:lnSpc>
+              <a:spcAft>
+                <a:spcPts val="800"/>
+              </a:spcAft>
+            </a:pPr>
+            <a:endParaRPr lang="en-GB" dirty="0">
+              <a:solidFill>
+                <a:schemeClr val="tx1">
+                  <a:lumMod val="65000"/>
+                  <a:lumOff val="35000"/>
+                </a:schemeClr>
+              </a:solidFill>
+              <a:ea typeface="Calibri" panose="020F0502020204030204" pitchFamily="34" charset="0"/>
+              <a:cs typeface="Arial" panose="020B0604020202020204" pitchFamily="34" charset="0"/>
+            </a:endParaRPr>
+          </a:p>
+          <a:p>
+            <a:pPr lvl="0" algn="just">
+              <a:lnSpc>
+                <a:spcPct val="107000"/>
+              </a:lnSpc>
+              <a:spcAft>
+                <a:spcPts val="800"/>
+              </a:spcAft>
+            </a:pPr>
+            <a:endParaRPr lang="en-GB" dirty="0">
+              <a:solidFill>
+                <a:schemeClr val="tx1">
+                  <a:lumMod val="65000"/>
+                  <a:lumOff val="35000"/>
+                </a:schemeClr>
+              </a:solidFill>
+              <a:ea typeface="Calibri" panose="020F0502020204030204" pitchFamily="34" charset="0"/>
+              <a:cs typeface="Arial" panose="020B0604020202020204" pitchFamily="34" charset="0"/>
+            </a:endParaRPr>
+          </a:p>
+          <a:p>
+            <a:pPr lvl="0" algn="just">
+              <a:lnSpc>
+                <a:spcPct val="107000"/>
+              </a:lnSpc>
+              <a:spcAft>
+                <a:spcPts val="800"/>
+              </a:spcAft>
+            </a:pPr>
+            <a:r>
+              <a:rPr lang="en-GB" b="1" dirty="0">
+                <a:solidFill>
+                  <a:schemeClr val="tx1">
+                    <a:lumMod val="65000"/>
+                    <a:lumOff val="35000"/>
+                  </a:schemeClr>
+                </a:solidFill>
+                <a:ea typeface="Calibri" panose="020F0502020204030204" pitchFamily="34" charset="0"/>
+                <a:cs typeface="Arial" panose="020B0604020202020204" pitchFamily="34" charset="0"/>
+              </a:rPr>
+              <a:t>The </a:t>
+            </a:r>
+            <a:r>
+              <a:rPr lang="en-GB" b="1" dirty="0" err="1">
+                <a:solidFill>
+                  <a:schemeClr val="tx1">
+                    <a:lumMod val="65000"/>
+                    <a:lumOff val="35000"/>
+                  </a:schemeClr>
+                </a:solidFill>
+                <a:ea typeface="Calibri" panose="020F0502020204030204" pitchFamily="34" charset="0"/>
+                <a:cs typeface="Arial" panose="020B0604020202020204" pitchFamily="34" charset="0"/>
+              </a:rPr>
+              <a:t>masternodes</a:t>
+            </a:r>
+            <a:r>
+              <a:rPr lang="en-GB" b="1" dirty="0">
+                <a:solidFill>
+                  <a:schemeClr val="tx1">
+                    <a:lumMod val="65000"/>
+                    <a:lumOff val="35000"/>
+                  </a:schemeClr>
+                </a:solidFill>
+                <a:ea typeface="Calibri" panose="020F0502020204030204" pitchFamily="34" charset="0"/>
+                <a:cs typeface="Arial" panose="020B0604020202020204" pitchFamily="34" charset="0"/>
+              </a:rPr>
+              <a:t> should each “cache” the current version of the storage per contract</a:t>
+            </a:r>
+          </a:p>
+          <a:p>
+            <a:pPr lvl="0" algn="just">
+              <a:lnSpc>
+                <a:spcPct val="107000"/>
+              </a:lnSpc>
+              <a:spcAft>
+                <a:spcPts val="800"/>
+              </a:spcAft>
+            </a:pPr>
+            <a:r>
+              <a:rPr lang="en-GB" dirty="0">
+                <a:solidFill>
+                  <a:schemeClr val="tx1">
+                    <a:lumMod val="65000"/>
+                    <a:lumOff val="35000"/>
+                  </a:schemeClr>
+                </a:solidFill>
+                <a:ea typeface="Calibri" panose="020F0502020204030204" pitchFamily="34" charset="0"/>
+                <a:cs typeface="Arial" panose="020B0604020202020204" pitchFamily="34" charset="0"/>
+              </a:rPr>
+              <a:t>Because rebuilding </a:t>
+            </a:r>
+          </a:p>
+        </p:txBody>
+      </p:sp>
+    </p:spTree>
+    <p:extLst>
+      <p:ext uri="{BB962C8B-B14F-4D97-AF65-F5344CB8AC3E}">
+        <p14:creationId xmlns:p14="http://schemas.microsoft.com/office/powerpoint/2010/main" val="899510075"/>
       </p:ext>
     </p:extLst>
   </p:cSld>
@@ -12131,225 +13295,17 @@
               </a:spcAft>
             </a:pPr>
             <a:r>
-              <a:rPr lang="fr-FR" dirty="0">
-                <a:solidFill>
-                  <a:schemeClr val="tx1">
-                    <a:lumMod val="65000"/>
-                    <a:lumOff val="35000"/>
-                  </a:schemeClr>
-                </a:solidFill>
-                <a:ea typeface="Calibri" panose="020F0502020204030204" pitchFamily="34" charset="0"/>
-                <a:cs typeface="Arial" panose="020B0604020202020204" pitchFamily="34" charset="0"/>
-              </a:rPr>
-              <a:t>There are </a:t>
-            </a:r>
-            <a:r>
-              <a:rPr lang="fr-FR" dirty="0" err="1">
-                <a:solidFill>
-                  <a:schemeClr val="tx1">
-                    <a:lumMod val="65000"/>
-                    <a:lumOff val="35000"/>
-                  </a:schemeClr>
-                </a:solidFill>
-                <a:ea typeface="Calibri" panose="020F0502020204030204" pitchFamily="34" charset="0"/>
-                <a:cs typeface="Arial" panose="020B0604020202020204" pitchFamily="34" charset="0"/>
-              </a:rPr>
-              <a:t>three</a:t>
-            </a:r>
-            <a:r>
-              <a:rPr lang="fr-FR" dirty="0">
-                <a:solidFill>
-                  <a:schemeClr val="tx1">
-                    <a:lumMod val="65000"/>
-                    <a:lumOff val="35000"/>
-                  </a:schemeClr>
-                </a:solidFill>
-                <a:ea typeface="Calibri" panose="020F0502020204030204" pitchFamily="34" charset="0"/>
-                <a:cs typeface="Arial" panose="020B0604020202020204" pitchFamily="34" charset="0"/>
-              </a:rPr>
-              <a:t> main </a:t>
-            </a:r>
-            <a:r>
-              <a:rPr lang="fr-FR" dirty="0" err="1">
-                <a:solidFill>
-                  <a:schemeClr val="tx1">
-                    <a:lumMod val="65000"/>
-                    <a:lumOff val="35000"/>
-                  </a:schemeClr>
-                </a:solidFill>
-                <a:ea typeface="Calibri" panose="020F0502020204030204" pitchFamily="34" charset="0"/>
-                <a:cs typeface="Arial" panose="020B0604020202020204" pitchFamily="34" charset="0"/>
-              </a:rPr>
-              <a:t>numeric</a:t>
-            </a:r>
-            <a:r>
-              <a:rPr lang="fr-FR" dirty="0">
-                <a:solidFill>
-                  <a:schemeClr val="tx1">
-                    <a:lumMod val="65000"/>
-                    <a:lumOff val="35000"/>
-                  </a:schemeClr>
-                </a:solidFill>
-                <a:ea typeface="Calibri" panose="020F0502020204030204" pitchFamily="34" charset="0"/>
-                <a:cs typeface="Arial" panose="020B0604020202020204" pitchFamily="34" charset="0"/>
-              </a:rPr>
-              <a:t> types in python (</a:t>
-            </a:r>
-            <a:r>
-              <a:rPr lang="fr-FR" dirty="0" err="1">
-                <a:solidFill>
-                  <a:schemeClr val="tx1">
-                    <a:lumMod val="65000"/>
-                    <a:lumOff val="35000"/>
-                  </a:schemeClr>
-                </a:solidFill>
-                <a:ea typeface="Calibri" panose="020F0502020204030204" pitchFamily="34" charset="0"/>
-                <a:cs typeface="Arial" panose="020B0604020202020204" pitchFamily="34" charset="0"/>
-              </a:rPr>
-              <a:t>excluding</a:t>
-            </a:r>
-            <a:r>
-              <a:rPr lang="fr-FR" dirty="0">
-                <a:solidFill>
-                  <a:schemeClr val="tx1">
-                    <a:lumMod val="65000"/>
-                    <a:lumOff val="35000"/>
-                  </a:schemeClr>
-                </a:solidFill>
-                <a:ea typeface="Calibri" panose="020F0502020204030204" pitchFamily="34" charset="0"/>
-                <a:cs typeface="Arial" panose="020B0604020202020204" pitchFamily="34" charset="0"/>
-              </a:rPr>
-              <a:t> </a:t>
-            </a:r>
-            <a:r>
-              <a:rPr lang="fr-FR" dirty="0" err="1">
-                <a:solidFill>
-                  <a:schemeClr val="tx1">
-                    <a:lumMod val="65000"/>
-                    <a:lumOff val="35000"/>
-                  </a:schemeClr>
-                </a:solidFill>
-                <a:ea typeface="Calibri" panose="020F0502020204030204" pitchFamily="34" charset="0"/>
-                <a:cs typeface="Arial" panose="020B0604020202020204" pitchFamily="34" charset="0"/>
-              </a:rPr>
-              <a:t>Complex</a:t>
-            </a:r>
-            <a:r>
-              <a:rPr lang="fr-FR" dirty="0">
-                <a:solidFill>
-                  <a:schemeClr val="tx1">
-                    <a:lumMod val="65000"/>
-                    <a:lumOff val="35000"/>
-                  </a:schemeClr>
-                </a:solidFill>
-                <a:ea typeface="Calibri" panose="020F0502020204030204" pitchFamily="34" charset="0"/>
-                <a:cs typeface="Arial" panose="020B0604020202020204" pitchFamily="34" charset="0"/>
-              </a:rPr>
-              <a:t> </a:t>
-            </a:r>
-            <a:r>
-              <a:rPr lang="fr-FR" dirty="0" err="1">
-                <a:solidFill>
-                  <a:schemeClr val="tx1">
-                    <a:lumMod val="65000"/>
-                    <a:lumOff val="35000"/>
-                  </a:schemeClr>
-                </a:solidFill>
-                <a:ea typeface="Calibri" panose="020F0502020204030204" pitchFamily="34" charset="0"/>
-                <a:cs typeface="Arial" panose="020B0604020202020204" pitchFamily="34" charset="0"/>
-              </a:rPr>
-              <a:t>which</a:t>
-            </a:r>
-            <a:r>
-              <a:rPr lang="fr-FR" dirty="0">
-                <a:solidFill>
-                  <a:schemeClr val="tx1">
-                    <a:lumMod val="65000"/>
-                    <a:lumOff val="35000"/>
-                  </a:schemeClr>
-                </a:solidFill>
-                <a:ea typeface="Calibri" panose="020F0502020204030204" pitchFamily="34" charset="0"/>
-                <a:cs typeface="Arial" panose="020B0604020202020204" pitchFamily="34" charset="0"/>
-              </a:rPr>
-              <a:t> </a:t>
-            </a:r>
-            <a:r>
-              <a:rPr lang="fr-FR" dirty="0" err="1">
-                <a:solidFill>
-                  <a:schemeClr val="tx1">
-                    <a:lumMod val="65000"/>
-                    <a:lumOff val="35000"/>
-                  </a:schemeClr>
-                </a:solidFill>
-                <a:ea typeface="Calibri" panose="020F0502020204030204" pitchFamily="34" charset="0"/>
-                <a:cs typeface="Arial" panose="020B0604020202020204" pitchFamily="34" charset="0"/>
-              </a:rPr>
-              <a:t>is</a:t>
-            </a:r>
-            <a:r>
-              <a:rPr lang="fr-FR" dirty="0">
-                <a:solidFill>
-                  <a:schemeClr val="tx1">
-                    <a:lumMod val="65000"/>
-                    <a:lumOff val="35000"/>
-                  </a:schemeClr>
-                </a:solidFill>
-                <a:ea typeface="Calibri" panose="020F0502020204030204" pitchFamily="34" charset="0"/>
-                <a:cs typeface="Arial" panose="020B0604020202020204" pitchFamily="34" charset="0"/>
-              </a:rPr>
-              <a:t> out of </a:t>
-            </a:r>
-            <a:r>
-              <a:rPr lang="fr-FR" dirty="0" err="1">
-                <a:solidFill>
-                  <a:schemeClr val="tx1">
-                    <a:lumMod val="65000"/>
-                    <a:lumOff val="35000"/>
-                  </a:schemeClr>
-                </a:solidFill>
-                <a:ea typeface="Calibri" panose="020F0502020204030204" pitchFamily="34" charset="0"/>
-                <a:cs typeface="Arial" panose="020B0604020202020204" pitchFamily="34" charset="0"/>
-              </a:rPr>
-              <a:t>bounds</a:t>
-            </a:r>
-            <a:r>
-              <a:rPr lang="fr-FR" dirty="0">
-                <a:solidFill>
-                  <a:schemeClr val="tx1">
-                    <a:lumMod val="65000"/>
-                    <a:lumOff val="35000"/>
-                  </a:schemeClr>
-                </a:solidFill>
-                <a:ea typeface="Calibri" panose="020F0502020204030204" pitchFamily="34" charset="0"/>
-                <a:cs typeface="Arial" panose="020B0604020202020204" pitchFamily="34" charset="0"/>
-              </a:rPr>
-              <a:t> </a:t>
-            </a:r>
-            <a:r>
-              <a:rPr lang="fr-FR" dirty="0" err="1">
-                <a:solidFill>
-                  <a:schemeClr val="tx1">
-                    <a:lumMod val="65000"/>
-                    <a:lumOff val="35000"/>
-                  </a:schemeClr>
-                </a:solidFill>
-                <a:ea typeface="Calibri" panose="020F0502020204030204" pitchFamily="34" charset="0"/>
-                <a:cs typeface="Arial" panose="020B0604020202020204" pitchFamily="34" charset="0"/>
-              </a:rPr>
-              <a:t>here</a:t>
-            </a:r>
-            <a:r>
-              <a:rPr lang="fr-FR" dirty="0">
-                <a:solidFill>
-                  <a:schemeClr val="tx1">
-                    <a:lumMod val="65000"/>
-                    <a:lumOff val="35000"/>
-                  </a:schemeClr>
-                </a:solidFill>
-                <a:ea typeface="Calibri" panose="020F0502020204030204" pitchFamily="34" charset="0"/>
-                <a:cs typeface="Arial" panose="020B0604020202020204" pitchFamily="34" charset="0"/>
-              </a:rPr>
-              <a:t>):</a:t>
+              <a:rPr lang="en-GB" dirty="0">
+                <a:solidFill>
+                  <a:schemeClr val="tx1">
+                    <a:lumMod val="65000"/>
+                    <a:lumOff val="35000"/>
+                  </a:schemeClr>
+                </a:solidFill>
+                <a:ea typeface="Calibri" panose="020F0502020204030204" pitchFamily="34" charset="0"/>
+                <a:cs typeface="Arial" panose="020B0604020202020204" pitchFamily="34" charset="0"/>
+              </a:rPr>
+              <a:t>There are three main numeric types in python (excluding Complex which is out of bounds here):</a:t>
             </a:r>
           </a:p>
           <a:p>
@@ -12364,7 +13320,7 @@
               <a:buChar char="•"/>
             </a:pPr>
             <a:r>
-              <a:rPr lang="fr-FR" b="1" dirty="0" err="1">
+              <a:rPr lang="en-GB" b="1" dirty="0" err="1">
                 <a:solidFill>
                   <a:schemeClr val="tx1">
                     <a:lumMod val="65000"/>
@@ -12377,7 +13333,7 @@
               <a:t>int</a:t>
             </a:r>
             <a:r>
-              <a:rPr lang="fr-FR" b="1" dirty="0">
+              <a:rPr lang="en-GB" b="1" dirty="0">
                 <a:solidFill>
                   <a:schemeClr val="tx1">
                     <a:lumMod val="65000"/>
@@ -12390,340 +13346,44 @@
               <a:t>: </a:t>
             </a:r>
             <a:r>
-              <a:rPr lang="fr-FR" dirty="0" err="1">
-                <a:solidFill>
-                  <a:schemeClr val="tx1">
-                    <a:lumMod val="65000"/>
-                    <a:lumOff val="35000"/>
-                  </a:schemeClr>
-                </a:solidFill>
-                <a:ea typeface="Calibri" panose="020F0502020204030204" pitchFamily="34" charset="0"/>
-                <a:cs typeface="Arial" panose="020B0604020202020204" pitchFamily="34" charset="0"/>
-              </a:rPr>
-              <a:t>is</a:t>
-            </a:r>
-            <a:r>
-              <a:rPr lang="fr-FR" dirty="0">
-                <a:solidFill>
-                  <a:schemeClr val="tx1">
-                    <a:lumMod val="65000"/>
-                    <a:lumOff val="35000"/>
-                  </a:schemeClr>
-                </a:solidFill>
-                <a:ea typeface="Calibri" panose="020F0502020204030204" pitchFamily="34" charset="0"/>
-                <a:cs typeface="Arial" panose="020B0604020202020204" pitchFamily="34" charset="0"/>
-              </a:rPr>
-              <a:t> the default </a:t>
-            </a:r>
-            <a:r>
-              <a:rPr lang="fr-FR" dirty="0" err="1">
-                <a:solidFill>
-                  <a:schemeClr val="tx1">
-                    <a:lumMod val="65000"/>
-                    <a:lumOff val="35000"/>
-                  </a:schemeClr>
-                </a:solidFill>
-                <a:ea typeface="Calibri" panose="020F0502020204030204" pitchFamily="34" charset="0"/>
-                <a:cs typeface="Arial" panose="020B0604020202020204" pitchFamily="34" charset="0"/>
-              </a:rPr>
-              <a:t>integer</a:t>
-            </a:r>
-            <a:r>
-              <a:rPr lang="fr-FR" dirty="0">
-                <a:solidFill>
-                  <a:schemeClr val="tx1">
-                    <a:lumMod val="65000"/>
-                    <a:lumOff val="35000"/>
-                  </a:schemeClr>
-                </a:solidFill>
-                <a:ea typeface="Calibri" panose="020F0502020204030204" pitchFamily="34" charset="0"/>
-                <a:cs typeface="Arial" panose="020B0604020202020204" pitchFamily="34" charset="0"/>
-              </a:rPr>
-              <a:t> type. It </a:t>
-            </a:r>
-            <a:r>
-              <a:rPr lang="fr-FR" dirty="0" err="1">
-                <a:solidFill>
-                  <a:schemeClr val="tx1">
-                    <a:lumMod val="65000"/>
-                    <a:lumOff val="35000"/>
-                  </a:schemeClr>
-                </a:solidFill>
-                <a:ea typeface="Calibri" panose="020F0502020204030204" pitchFamily="34" charset="0"/>
-                <a:cs typeface="Arial" panose="020B0604020202020204" pitchFamily="34" charset="0"/>
-              </a:rPr>
-              <a:t>is</a:t>
-            </a:r>
-            <a:r>
-              <a:rPr lang="fr-FR" dirty="0">
-                <a:solidFill>
-                  <a:schemeClr val="tx1">
-                    <a:lumMod val="65000"/>
-                    <a:lumOff val="35000"/>
-                  </a:schemeClr>
-                </a:solidFill>
-                <a:ea typeface="Calibri" panose="020F0502020204030204" pitchFamily="34" charset="0"/>
-                <a:cs typeface="Arial" panose="020B0604020202020204" pitchFamily="34" charset="0"/>
-              </a:rPr>
-              <a:t> the </a:t>
-            </a:r>
-            <a:r>
-              <a:rPr lang="fr-FR" dirty="0" err="1">
-                <a:solidFill>
-                  <a:schemeClr val="tx1">
-                    <a:lumMod val="65000"/>
-                    <a:lumOff val="35000"/>
-                  </a:schemeClr>
-                </a:solidFill>
-                <a:ea typeface="Calibri" panose="020F0502020204030204" pitchFamily="34" charset="0"/>
-                <a:cs typeface="Arial" panose="020B0604020202020204" pitchFamily="34" charset="0"/>
-              </a:rPr>
-              <a:t>most</a:t>
-            </a:r>
-            <a:r>
-              <a:rPr lang="fr-FR" dirty="0">
-                <a:solidFill>
-                  <a:schemeClr val="tx1">
-                    <a:lumMod val="65000"/>
-                    <a:lumOff val="35000"/>
-                  </a:schemeClr>
-                </a:solidFill>
-                <a:ea typeface="Calibri" panose="020F0502020204030204" pitchFamily="34" charset="0"/>
-                <a:cs typeface="Arial" panose="020B0604020202020204" pitchFamily="34" charset="0"/>
-              </a:rPr>
-              <a:t> performant to </a:t>
-            </a:r>
-            <a:r>
-              <a:rPr lang="fr-FR" dirty="0" err="1">
-                <a:solidFill>
-                  <a:schemeClr val="tx1">
-                    <a:lumMod val="65000"/>
-                    <a:lumOff val="35000"/>
-                  </a:schemeClr>
-                </a:solidFill>
-                <a:ea typeface="Calibri" panose="020F0502020204030204" pitchFamily="34" charset="0"/>
-                <a:cs typeface="Arial" panose="020B0604020202020204" pitchFamily="34" charset="0"/>
-              </a:rPr>
-              <a:t>handle</a:t>
-            </a:r>
-            <a:r>
-              <a:rPr lang="fr-FR" dirty="0">
-                <a:solidFill>
-                  <a:schemeClr val="tx1">
-                    <a:lumMod val="65000"/>
-                    <a:lumOff val="35000"/>
-                  </a:schemeClr>
-                </a:solidFill>
-                <a:ea typeface="Calibri" panose="020F0502020204030204" pitchFamily="34" charset="0"/>
-                <a:cs typeface="Arial" panose="020B0604020202020204" pitchFamily="34" charset="0"/>
-              </a:rPr>
-              <a:t>. In Python, </a:t>
-            </a:r>
-            <a:r>
-              <a:rPr lang="fr-FR" b="1" dirty="0" err="1">
-                <a:solidFill>
-                  <a:schemeClr val="tx1">
-                    <a:lumMod val="65000"/>
-                    <a:lumOff val="35000"/>
-                  </a:schemeClr>
-                </a:solidFill>
-                <a:ea typeface="Calibri" panose="020F0502020204030204" pitchFamily="34" charset="0"/>
-                <a:cs typeface="Arial" panose="020B0604020202020204" pitchFamily="34" charset="0"/>
-              </a:rPr>
-              <a:t>it</a:t>
-            </a:r>
-            <a:r>
-              <a:rPr lang="fr-FR" b="1" dirty="0">
-                <a:solidFill>
-                  <a:schemeClr val="tx1">
-                    <a:lumMod val="65000"/>
-                    <a:lumOff val="35000"/>
-                  </a:schemeClr>
-                </a:solidFill>
-                <a:ea typeface="Calibri" panose="020F0502020204030204" pitchFamily="34" charset="0"/>
-                <a:cs typeface="Arial" panose="020B0604020202020204" pitchFamily="34" charset="0"/>
-              </a:rPr>
-              <a:t> </a:t>
-            </a:r>
-            <a:r>
-              <a:rPr lang="fr-FR" b="1" dirty="0" err="1">
-                <a:solidFill>
-                  <a:schemeClr val="tx1">
-                    <a:lumMod val="65000"/>
-                    <a:lumOff val="35000"/>
-                  </a:schemeClr>
-                </a:solidFill>
-                <a:ea typeface="Calibri" panose="020F0502020204030204" pitchFamily="34" charset="0"/>
-                <a:cs typeface="Arial" panose="020B0604020202020204" pitchFamily="34" charset="0"/>
-              </a:rPr>
-              <a:t>is</a:t>
-            </a:r>
-            <a:r>
-              <a:rPr lang="fr-FR" b="1" dirty="0">
-                <a:solidFill>
-                  <a:schemeClr val="tx1">
-                    <a:lumMod val="65000"/>
-                    <a:lumOff val="35000"/>
-                  </a:schemeClr>
-                </a:solidFill>
-                <a:ea typeface="Calibri" panose="020F0502020204030204" pitchFamily="34" charset="0"/>
-                <a:cs typeface="Arial" panose="020B0604020202020204" pitchFamily="34" charset="0"/>
-              </a:rPr>
-              <a:t> not </a:t>
-            </a:r>
-            <a:r>
-              <a:rPr lang="fr-FR" b="1" dirty="0" err="1">
-                <a:solidFill>
-                  <a:schemeClr val="tx1">
-                    <a:lumMod val="65000"/>
-                    <a:lumOff val="35000"/>
-                  </a:schemeClr>
-                </a:solidFill>
-                <a:ea typeface="Calibri" panose="020F0502020204030204" pitchFamily="34" charset="0"/>
-                <a:cs typeface="Arial" panose="020B0604020202020204" pitchFamily="34" charset="0"/>
-              </a:rPr>
-              <a:t>bounded</a:t>
-            </a:r>
-            <a:r>
-              <a:rPr lang="fr-FR" b="1" dirty="0">
-                <a:solidFill>
-                  <a:schemeClr val="tx1">
-                    <a:lumMod val="65000"/>
-                    <a:lumOff val="35000"/>
-                  </a:schemeClr>
-                </a:solidFill>
-                <a:ea typeface="Calibri" panose="020F0502020204030204" pitchFamily="34" charset="0"/>
-                <a:cs typeface="Arial" panose="020B0604020202020204" pitchFamily="34" charset="0"/>
-              </a:rPr>
-              <a:t>, </a:t>
-            </a:r>
-            <a:r>
-              <a:rPr lang="fr-FR" dirty="0" err="1">
-                <a:solidFill>
-                  <a:schemeClr val="tx1">
-                    <a:lumMod val="65000"/>
-                    <a:lumOff val="35000"/>
-                  </a:schemeClr>
-                </a:solidFill>
-                <a:ea typeface="Calibri" panose="020F0502020204030204" pitchFamily="34" charset="0"/>
-                <a:cs typeface="Arial" panose="020B0604020202020204" pitchFamily="34" charset="0"/>
-              </a:rPr>
-              <a:t>e.g</a:t>
-            </a:r>
-            <a:r>
-              <a:rPr lang="fr-FR" dirty="0">
-                <a:solidFill>
-                  <a:schemeClr val="tx1">
-                    <a:lumMod val="65000"/>
-                    <a:lumOff val="35000"/>
-                  </a:schemeClr>
-                </a:solidFill>
-                <a:ea typeface="Calibri" panose="020F0502020204030204" pitchFamily="34" charset="0"/>
-                <a:cs typeface="Arial" panose="020B0604020202020204" pitchFamily="34" charset="0"/>
-              </a:rPr>
-              <a:t>. </a:t>
-            </a:r>
-            <a:r>
-              <a:rPr lang="fr-FR" dirty="0" err="1">
-                <a:solidFill>
-                  <a:schemeClr val="tx1">
-                    <a:lumMod val="65000"/>
-                    <a:lumOff val="35000"/>
-                  </a:schemeClr>
-                </a:solidFill>
-                <a:ea typeface="Calibri" panose="020F0502020204030204" pitchFamily="34" charset="0"/>
-                <a:cs typeface="Arial" panose="020B0604020202020204" pitchFamily="34" charset="0"/>
-              </a:rPr>
-              <a:t>you</a:t>
-            </a:r>
-            <a:r>
-              <a:rPr lang="fr-FR" dirty="0">
-                <a:solidFill>
-                  <a:schemeClr val="tx1">
-                    <a:lumMod val="65000"/>
-                    <a:lumOff val="35000"/>
-                  </a:schemeClr>
-                </a:solidFill>
-                <a:ea typeface="Calibri" panose="020F0502020204030204" pitchFamily="34" charset="0"/>
-                <a:cs typeface="Arial" panose="020B0604020202020204" pitchFamily="34" charset="0"/>
-              </a:rPr>
-              <a:t> </a:t>
-            </a:r>
-            <a:r>
-              <a:rPr lang="fr-FR" dirty="0" err="1">
-                <a:solidFill>
-                  <a:schemeClr val="tx1">
-                    <a:lumMod val="65000"/>
-                    <a:lumOff val="35000"/>
-                  </a:schemeClr>
-                </a:solidFill>
-                <a:ea typeface="Calibri" panose="020F0502020204030204" pitchFamily="34" charset="0"/>
-                <a:cs typeface="Arial" panose="020B0604020202020204" pitchFamily="34" charset="0"/>
-              </a:rPr>
-              <a:t>can</a:t>
-            </a:r>
-            <a:r>
-              <a:rPr lang="fr-FR" dirty="0">
-                <a:solidFill>
-                  <a:schemeClr val="tx1">
-                    <a:lumMod val="65000"/>
-                    <a:lumOff val="35000"/>
-                  </a:schemeClr>
-                </a:solidFill>
-                <a:ea typeface="Calibri" panose="020F0502020204030204" pitchFamily="34" charset="0"/>
-                <a:cs typeface="Arial" panose="020B0604020202020204" pitchFamily="34" charset="0"/>
-              </a:rPr>
-              <a:t> have an </a:t>
-            </a:r>
-            <a:r>
-              <a:rPr lang="fr-FR" dirty="0" err="1">
-                <a:solidFill>
-                  <a:schemeClr val="tx1">
-                    <a:lumMod val="65000"/>
-                    <a:lumOff val="35000"/>
-                  </a:schemeClr>
-                </a:solidFill>
-                <a:ea typeface="Calibri" panose="020F0502020204030204" pitchFamily="34" charset="0"/>
-                <a:cs typeface="Arial" panose="020B0604020202020204" pitchFamily="34" charset="0"/>
-              </a:rPr>
-              <a:t>infinitely</a:t>
-            </a:r>
-            <a:r>
-              <a:rPr lang="fr-FR" dirty="0">
-                <a:solidFill>
-                  <a:schemeClr val="tx1">
-                    <a:lumMod val="65000"/>
-                    <a:lumOff val="35000"/>
-                  </a:schemeClr>
-                </a:solidFill>
-                <a:ea typeface="Calibri" panose="020F0502020204030204" pitchFamily="34" charset="0"/>
-                <a:cs typeface="Arial" panose="020B0604020202020204" pitchFamily="34" charset="0"/>
-              </a:rPr>
-              <a:t> long </a:t>
-            </a:r>
-            <a:r>
-              <a:rPr lang="fr-FR" dirty="0" err="1">
-                <a:solidFill>
-                  <a:schemeClr val="tx1">
-                    <a:lumMod val="65000"/>
-                    <a:lumOff val="35000"/>
-                  </a:schemeClr>
-                </a:solidFill>
-                <a:ea typeface="Calibri" panose="020F0502020204030204" pitchFamily="34" charset="0"/>
-                <a:cs typeface="Arial" panose="020B0604020202020204" pitchFamily="34" charset="0"/>
-              </a:rPr>
-              <a:t>integer</a:t>
-            </a:r>
-            <a:endParaRPr lang="fr-FR" dirty="0">
-              <a:solidFill>
-                <a:schemeClr val="tx1">
-                  <a:lumMod val="65000"/>
-                  <a:lumOff val="35000"/>
-                </a:schemeClr>
-              </a:solidFill>
-              <a:ea typeface="Calibri" panose="020F0502020204030204" pitchFamily="34" charset="0"/>
-              <a:cs typeface="Arial" panose="020B0604020202020204" pitchFamily="34" charset="0"/>
-            </a:endParaRPr>
+              <a:rPr lang="en-GB" dirty="0">
+                <a:solidFill>
+                  <a:schemeClr val="tx1">
+                    <a:lumMod val="65000"/>
+                    <a:lumOff val="35000"/>
+                  </a:schemeClr>
+                </a:solidFill>
+                <a:ea typeface="Calibri" panose="020F0502020204030204" pitchFamily="34" charset="0"/>
+                <a:cs typeface="Arial" panose="020B0604020202020204" pitchFamily="34" charset="0"/>
+              </a:rPr>
+              <a:t>is the default integer type. It is the most performant to handle. In Python, </a:t>
+            </a:r>
+            <a:r>
+              <a:rPr lang="en-GB" b="1" dirty="0">
+                <a:solidFill>
+                  <a:schemeClr val="tx1">
+                    <a:lumMod val="65000"/>
+                    <a:lumOff val="35000"/>
+                  </a:schemeClr>
+                </a:solidFill>
+                <a:ea typeface="Calibri" panose="020F0502020204030204" pitchFamily="34" charset="0"/>
+                <a:cs typeface="Arial" panose="020B0604020202020204" pitchFamily="34" charset="0"/>
+              </a:rPr>
+              <a:t>it is not bounded, </a:t>
+            </a:r>
+            <a:r>
+              <a:rPr lang="en-GB" dirty="0">
+                <a:solidFill>
+                  <a:schemeClr val="tx1">
+                    <a:lumMod val="65000"/>
+                    <a:lumOff val="35000"/>
+                  </a:schemeClr>
+                </a:solidFill>
+                <a:ea typeface="Calibri" panose="020F0502020204030204" pitchFamily="34" charset="0"/>
+                <a:cs typeface="Arial" panose="020B0604020202020204" pitchFamily="34" charset="0"/>
+              </a:rPr>
+              <a:t>e.g. you can have an infinitely long integer</a:t>
+            </a:r>
           </a:p>
           <a:p>
             <a:pPr marL="285750" lvl="0" indent="-285750" algn="just">
@@ -12737,212 +13397,30 @@
               <a:buChar char="•"/>
             </a:pPr>
             <a:r>
-              <a:rPr lang="fr-FR" b="1" dirty="0" err="1">
-                <a:solidFill>
-                  <a:schemeClr val="tx1">
-                    <a:lumMod val="65000"/>
-                    <a:lumOff val="35000"/>
-                  </a:schemeClr>
-                </a:solidFill>
-                <a:ea typeface="Calibri" panose="020F0502020204030204" pitchFamily="34" charset="0"/>
-                <a:cs typeface="Arial" panose="020B0604020202020204" pitchFamily="34" charset="0"/>
-              </a:rPr>
-              <a:t>float</a:t>
-            </a:r>
-            <a:r>
-              <a:rPr lang="fr-FR" b="1" dirty="0">
-                <a:solidFill>
-                  <a:schemeClr val="tx1">
-                    <a:lumMod val="65000"/>
-                    <a:lumOff val="35000"/>
-                  </a:schemeClr>
-                </a:solidFill>
-                <a:ea typeface="Calibri" panose="020F0502020204030204" pitchFamily="34" charset="0"/>
-                <a:cs typeface="Arial" panose="020B0604020202020204" pitchFamily="34" charset="0"/>
-              </a:rPr>
-              <a:t>: </a:t>
-            </a:r>
-            <a:r>
-              <a:rPr lang="fr-FR" dirty="0" err="1">
-                <a:solidFill>
-                  <a:schemeClr val="tx1">
-                    <a:lumMod val="65000"/>
-                    <a:lumOff val="35000"/>
-                  </a:schemeClr>
-                </a:solidFill>
-                <a:ea typeface="Calibri" panose="020F0502020204030204" pitchFamily="34" charset="0"/>
-                <a:cs typeface="Arial" panose="020B0604020202020204" pitchFamily="34" charset="0"/>
-              </a:rPr>
-              <a:t>is</a:t>
-            </a:r>
-            <a:r>
-              <a:rPr lang="fr-FR" dirty="0">
-                <a:solidFill>
-                  <a:schemeClr val="tx1">
-                    <a:lumMod val="65000"/>
-                    <a:lumOff val="35000"/>
-                  </a:schemeClr>
-                </a:solidFill>
-                <a:ea typeface="Calibri" panose="020F0502020204030204" pitchFamily="34" charset="0"/>
-                <a:cs typeface="Arial" panose="020B0604020202020204" pitchFamily="34" charset="0"/>
-              </a:rPr>
-              <a:t> the default </a:t>
-            </a:r>
-            <a:r>
-              <a:rPr lang="fr-FR" dirty="0" err="1">
-                <a:solidFill>
-                  <a:schemeClr val="tx1">
-                    <a:lumMod val="65000"/>
-                    <a:lumOff val="35000"/>
-                  </a:schemeClr>
-                </a:solidFill>
-                <a:ea typeface="Calibri" panose="020F0502020204030204" pitchFamily="34" charset="0"/>
-                <a:cs typeface="Arial" panose="020B0604020202020204" pitchFamily="34" charset="0"/>
-              </a:rPr>
-              <a:t>floating</a:t>
-            </a:r>
-            <a:r>
-              <a:rPr lang="fr-FR" dirty="0">
-                <a:solidFill>
-                  <a:schemeClr val="tx1">
-                    <a:lumMod val="65000"/>
-                    <a:lumOff val="35000"/>
-                  </a:schemeClr>
-                </a:solidFill>
-                <a:ea typeface="Calibri" panose="020F0502020204030204" pitchFamily="34" charset="0"/>
-                <a:cs typeface="Arial" panose="020B0604020202020204" pitchFamily="34" charset="0"/>
-              </a:rPr>
-              <a:t> point type (64 bytes). Great to </a:t>
-            </a:r>
-            <a:r>
-              <a:rPr lang="fr-FR" dirty="0" err="1">
-                <a:solidFill>
-                  <a:schemeClr val="tx1">
-                    <a:lumMod val="65000"/>
-                    <a:lumOff val="35000"/>
-                  </a:schemeClr>
-                </a:solidFill>
-                <a:ea typeface="Calibri" panose="020F0502020204030204" pitchFamily="34" charset="0"/>
-                <a:cs typeface="Arial" panose="020B0604020202020204" pitchFamily="34" charset="0"/>
-              </a:rPr>
-              <a:t>handle</a:t>
-            </a:r>
-            <a:r>
-              <a:rPr lang="fr-FR" dirty="0">
-                <a:solidFill>
-                  <a:schemeClr val="tx1">
-                    <a:lumMod val="65000"/>
-                    <a:lumOff val="35000"/>
-                  </a:schemeClr>
-                </a:solidFill>
-                <a:ea typeface="Calibri" panose="020F0502020204030204" pitchFamily="34" charset="0"/>
-                <a:cs typeface="Arial" panose="020B0604020202020204" pitchFamily="34" charset="0"/>
-              </a:rPr>
-              <a:t> </a:t>
-            </a:r>
-            <a:r>
-              <a:rPr lang="fr-FR" dirty="0" err="1">
-                <a:solidFill>
-                  <a:schemeClr val="tx1">
-                    <a:lumMod val="65000"/>
-                    <a:lumOff val="35000"/>
-                  </a:schemeClr>
-                </a:solidFill>
-                <a:ea typeface="Calibri" panose="020F0502020204030204" pitchFamily="34" charset="0"/>
-                <a:cs typeface="Arial" panose="020B0604020202020204" pitchFamily="34" charset="0"/>
-              </a:rPr>
-              <a:t>decimals</a:t>
-            </a:r>
-            <a:r>
-              <a:rPr lang="fr-FR" dirty="0">
-                <a:solidFill>
-                  <a:schemeClr val="tx1">
-                    <a:lumMod val="65000"/>
-                    <a:lumOff val="35000"/>
-                  </a:schemeClr>
-                </a:solidFill>
-                <a:ea typeface="Calibri" panose="020F0502020204030204" pitchFamily="34" charset="0"/>
-                <a:cs typeface="Arial" panose="020B0604020202020204" pitchFamily="34" charset="0"/>
-              </a:rPr>
-              <a:t> as long as the </a:t>
-            </a:r>
-            <a:r>
-              <a:rPr lang="fr-FR" dirty="0" err="1">
-                <a:solidFill>
-                  <a:schemeClr val="tx1">
-                    <a:lumMod val="65000"/>
-                    <a:lumOff val="35000"/>
-                  </a:schemeClr>
-                </a:solidFill>
-                <a:ea typeface="Calibri" panose="020F0502020204030204" pitchFamily="34" charset="0"/>
-                <a:cs typeface="Arial" panose="020B0604020202020204" pitchFamily="34" charset="0"/>
-              </a:rPr>
-              <a:t>precision</a:t>
-            </a:r>
-            <a:r>
-              <a:rPr lang="fr-FR" dirty="0">
-                <a:solidFill>
-                  <a:schemeClr val="tx1">
-                    <a:lumMod val="65000"/>
-                    <a:lumOff val="35000"/>
-                  </a:schemeClr>
-                </a:solidFill>
-                <a:ea typeface="Calibri" panose="020F0502020204030204" pitchFamily="34" charset="0"/>
-                <a:cs typeface="Arial" panose="020B0604020202020204" pitchFamily="34" charset="0"/>
-              </a:rPr>
-              <a:t> </a:t>
-            </a:r>
-            <a:r>
-              <a:rPr lang="fr-FR" dirty="0" err="1">
-                <a:solidFill>
-                  <a:schemeClr val="tx1">
-                    <a:lumMod val="65000"/>
-                    <a:lumOff val="35000"/>
-                  </a:schemeClr>
-                </a:solidFill>
-                <a:ea typeface="Calibri" panose="020F0502020204030204" pitchFamily="34" charset="0"/>
-                <a:cs typeface="Arial" panose="020B0604020202020204" pitchFamily="34" charset="0"/>
-              </a:rPr>
-              <a:t>is</a:t>
-            </a:r>
-            <a:r>
-              <a:rPr lang="fr-FR" dirty="0">
-                <a:solidFill>
-                  <a:schemeClr val="tx1">
-                    <a:lumMod val="65000"/>
-                    <a:lumOff val="35000"/>
-                  </a:schemeClr>
-                </a:solidFill>
-                <a:ea typeface="Calibri" panose="020F0502020204030204" pitchFamily="34" charset="0"/>
-                <a:cs typeface="Arial" panose="020B0604020202020204" pitchFamily="34" charset="0"/>
-              </a:rPr>
-              <a:t> not </a:t>
-            </a:r>
-            <a:r>
-              <a:rPr lang="fr-FR" dirty="0" err="1">
-                <a:solidFill>
-                  <a:schemeClr val="tx1">
-                    <a:lumMod val="65000"/>
-                    <a:lumOff val="35000"/>
-                  </a:schemeClr>
-                </a:solidFill>
-                <a:ea typeface="Calibri" panose="020F0502020204030204" pitchFamily="34" charset="0"/>
-                <a:cs typeface="Arial" panose="020B0604020202020204" pitchFamily="34" charset="0"/>
-              </a:rPr>
-              <a:t>critical</a:t>
-            </a:r>
-            <a:r>
-              <a:rPr lang="fr-FR" dirty="0">
-                <a:solidFill>
-                  <a:schemeClr val="tx1">
-                    <a:lumMod val="65000"/>
-                    <a:lumOff val="35000"/>
-                  </a:schemeClr>
-                </a:solidFill>
-                <a:ea typeface="Calibri" panose="020F0502020204030204" pitchFamily="34" charset="0"/>
-                <a:cs typeface="Arial" panose="020B0604020202020204" pitchFamily="34" charset="0"/>
-              </a:rPr>
-              <a:t>:</a:t>
+              <a:rPr lang="en-GB" b="1" dirty="0">
+                <a:solidFill>
+                  <a:schemeClr val="tx1">
+                    <a:lumMod val="65000"/>
+                    <a:lumOff val="35000"/>
+                  </a:schemeClr>
+                </a:solidFill>
+                <a:ea typeface="Calibri" panose="020F0502020204030204" pitchFamily="34" charset="0"/>
+                <a:cs typeface="Arial" panose="020B0604020202020204" pitchFamily="34" charset="0"/>
+              </a:rPr>
+              <a:t>float: </a:t>
+            </a:r>
+            <a:r>
+              <a:rPr lang="en-GB" dirty="0">
+                <a:solidFill>
+                  <a:schemeClr val="tx1">
+                    <a:lumMod val="65000"/>
+                    <a:lumOff val="35000"/>
+                  </a:schemeClr>
+                </a:solidFill>
+                <a:ea typeface="Calibri" panose="020F0502020204030204" pitchFamily="34" charset="0"/>
+                <a:cs typeface="Arial" panose="020B0604020202020204" pitchFamily="34" charset="0"/>
+              </a:rPr>
+              <a:t>is the default floating point type (64 bytes). Great to handle decimals as long as the precision is not critical:</a:t>
             </a:r>
           </a:p>
           <a:p>
@@ -12956,7 +13434,7 @@
               <a:buFont typeface="Arial" panose="020B0604020202020204" pitchFamily="34" charset="0"/>
               <a:buChar char="•"/>
             </a:pPr>
-            <a:endParaRPr lang="fr-FR" dirty="0">
+            <a:endParaRPr lang="en-GB" dirty="0">
               <a:solidFill>
                 <a:schemeClr val="tx1">
                   <a:lumMod val="65000"/>
@@ -12978,7 +13456,7 @@
               <a:buFont typeface="Arial" panose="020B0604020202020204" pitchFamily="34" charset="0"/>
               <a:buChar char="•"/>
             </a:pPr>
-            <a:endParaRPr lang="fr-FR" dirty="0">
+            <a:endParaRPr lang="en-GB" dirty="0">
               <a:solidFill>
                 <a:schemeClr val="tx1">
                   <a:lumMod val="65000"/>
@@ -13000,7 +13478,7 @@
               <a:buFont typeface="Arial" panose="020B0604020202020204" pitchFamily="34" charset="0"/>
               <a:buChar char="•"/>
             </a:pPr>
-            <a:endParaRPr lang="fr-FR" dirty="0">
+            <a:endParaRPr lang="en-GB" dirty="0">
               <a:solidFill>
                 <a:schemeClr val="tx1">
                   <a:lumMod val="65000"/>
@@ -13022,7 +13500,7 @@
               <a:buFont typeface="Arial" panose="020B0604020202020204" pitchFamily="34" charset="0"/>
               <a:buChar char="•"/>
             </a:pPr>
-            <a:endParaRPr lang="fr-FR" dirty="0">
+            <a:endParaRPr lang="en-GB" dirty="0">
               <a:solidFill>
                 <a:schemeClr val="tx1">
                   <a:lumMod val="65000"/>
@@ -13044,7 +13522,7 @@
               <a:buFont typeface="Arial" panose="020B0604020202020204" pitchFamily="34" charset="0"/>
               <a:buChar char="•"/>
             </a:pPr>
-            <a:endParaRPr lang="fr-FR" dirty="0">
+            <a:endParaRPr lang="en-GB" dirty="0">
               <a:solidFill>
                 <a:schemeClr val="tx1">
                   <a:lumMod val="65000"/>
@@ -13067,111 +13545,33 @@
               <a:buChar char="•"/>
             </a:pPr>
             <a:r>
-              <a:rPr lang="fr-FR" b="1" dirty="0" err="1">
-                <a:solidFill>
-                  <a:schemeClr val="tx1">
-                    <a:lumMod val="65000"/>
-                    <a:lumOff val="35000"/>
-                  </a:schemeClr>
-                </a:solidFill>
-                <a:ea typeface="Calibri" panose="020F0502020204030204" pitchFamily="34" charset="0"/>
-                <a:cs typeface="Arial" panose="020B0604020202020204" pitchFamily="34" charset="0"/>
-              </a:rPr>
-              <a:t>Decimal</a:t>
-            </a:r>
-            <a:r>
-              <a:rPr lang="fr-FR" b="1" dirty="0">
-                <a:solidFill>
-                  <a:schemeClr val="tx1">
-                    <a:lumMod val="65000"/>
-                    <a:lumOff val="35000"/>
-                  </a:schemeClr>
-                </a:solidFill>
-                <a:ea typeface="Calibri" panose="020F0502020204030204" pitchFamily="34" charset="0"/>
-                <a:cs typeface="Arial" panose="020B0604020202020204" pitchFamily="34" charset="0"/>
-              </a:rPr>
-              <a:t>: </a:t>
-            </a:r>
-            <a:r>
-              <a:rPr lang="fr-FR" dirty="0">
-                <a:solidFill>
-                  <a:schemeClr val="tx1">
-                    <a:lumMod val="65000"/>
-                    <a:lumOff val="35000"/>
-                  </a:schemeClr>
-                </a:solidFill>
-                <a:ea typeface="Calibri" panose="020F0502020204030204" pitchFamily="34" charset="0"/>
-                <a:cs typeface="Arial" panose="020B0604020202020204" pitchFamily="34" charset="0"/>
-              </a:rPr>
-              <a:t>a pure python type </a:t>
-            </a:r>
-            <a:r>
-              <a:rPr lang="fr-FR" dirty="0" err="1">
-                <a:solidFill>
-                  <a:schemeClr val="tx1">
-                    <a:lumMod val="65000"/>
-                    <a:lumOff val="35000"/>
-                  </a:schemeClr>
-                </a:solidFill>
-                <a:ea typeface="Calibri" panose="020F0502020204030204" pitchFamily="34" charset="0"/>
-                <a:cs typeface="Arial" panose="020B0604020202020204" pitchFamily="34" charset="0"/>
-              </a:rPr>
-              <a:t>dedicated</a:t>
-            </a:r>
-            <a:r>
-              <a:rPr lang="fr-FR" dirty="0">
-                <a:solidFill>
-                  <a:schemeClr val="tx1">
-                    <a:lumMod val="65000"/>
-                    <a:lumOff val="35000"/>
-                  </a:schemeClr>
-                </a:solidFill>
-                <a:ea typeface="Calibri" panose="020F0502020204030204" pitchFamily="34" charset="0"/>
-                <a:cs typeface="Arial" panose="020B0604020202020204" pitchFamily="34" charset="0"/>
-              </a:rPr>
-              <a:t> to </a:t>
-            </a:r>
-            <a:r>
-              <a:rPr lang="fr-FR" dirty="0" err="1">
-                <a:solidFill>
-                  <a:schemeClr val="tx1">
-                    <a:lumMod val="65000"/>
-                    <a:lumOff val="35000"/>
-                  </a:schemeClr>
-                </a:solidFill>
-                <a:ea typeface="Calibri" panose="020F0502020204030204" pitchFamily="34" charset="0"/>
-                <a:cs typeface="Arial" panose="020B0604020202020204" pitchFamily="34" charset="0"/>
-              </a:rPr>
-              <a:t>handle</a:t>
-            </a:r>
-            <a:r>
-              <a:rPr lang="fr-FR" dirty="0">
-                <a:solidFill>
-                  <a:schemeClr val="tx1">
-                    <a:lumMod val="65000"/>
-                    <a:lumOff val="35000"/>
-                  </a:schemeClr>
-                </a:solidFill>
-                <a:ea typeface="Calibri" panose="020F0502020204030204" pitchFamily="34" charset="0"/>
-                <a:cs typeface="Arial" panose="020B0604020202020204" pitchFamily="34" charset="0"/>
-              </a:rPr>
-              <a:t> fractions </a:t>
-            </a:r>
-            <a:r>
-              <a:rPr lang="fr-FR" dirty="0" err="1">
-                <a:solidFill>
-                  <a:schemeClr val="tx1">
-                    <a:lumMod val="65000"/>
-                    <a:lumOff val="35000"/>
-                  </a:schemeClr>
-                </a:solidFill>
-                <a:ea typeface="Calibri" panose="020F0502020204030204" pitchFamily="34" charset="0"/>
-                <a:cs typeface="Arial" panose="020B0604020202020204" pitchFamily="34" charset="0"/>
-              </a:rPr>
-              <a:t>accurately</a:t>
-            </a:r>
-            <a:r>
-              <a:rPr lang="fr-FR" b="1" dirty="0">
+              <a:rPr lang="en-GB" b="1" dirty="0">
+                <a:solidFill>
+                  <a:schemeClr val="tx1">
+                    <a:lumMod val="65000"/>
+                    <a:lumOff val="35000"/>
+                  </a:schemeClr>
+                </a:solidFill>
+                <a:ea typeface="Calibri" panose="020F0502020204030204" pitchFamily="34" charset="0"/>
+                <a:cs typeface="Arial" panose="020B0604020202020204" pitchFamily="34" charset="0"/>
+              </a:rPr>
+              <a:t>Decimal: </a:t>
+            </a:r>
+            <a:r>
+              <a:rPr lang="en-GB" dirty="0">
+                <a:solidFill>
+                  <a:schemeClr val="tx1">
+                    <a:lumMod val="65000"/>
+                    <a:lumOff val="35000"/>
+                  </a:schemeClr>
+                </a:solidFill>
+                <a:ea typeface="Calibri" panose="020F0502020204030204" pitchFamily="34" charset="0"/>
+                <a:cs typeface="Arial" panose="020B0604020202020204" pitchFamily="34" charset="0"/>
+              </a:rPr>
+              <a:t>a pure python type dedicated to handle fractions accurately</a:t>
+            </a:r>
+            <a:r>
+              <a:rPr lang="en-GB" b="1" dirty="0">
                 <a:solidFill>
                   <a:schemeClr val="tx1">
                     <a:lumMod val="65000"/>

--- a/Pikcio_tokens.pptx
+++ b/Pikcio_tokens.pptx
@@ -273,7 +273,7 @@
           <a:p>
             <a:fld id="{3B3A7B9A-38C2-40F8-BF0C-E69FC542A6B2}" type="datetimeFigureOut">
               <a:rPr lang="fr-FR" smtClean="0"/>
-              <a:t>27/09/2018</a:t>
+              <a:t>29/09/2018</a:t>
             </a:fld>
             <a:endParaRPr lang="fr-FR"/>
           </a:p>
@@ -327,7 +327,7 @@
           <a:p>
             <a:fld id="{B948C2EC-6902-45C3-9054-2660ED95BCC3}" type="slidenum">
               <a:rPr lang="fr-FR" smtClean="0"/>
-              <a:t>‹#›</a:t>
+              <a:t>‹N°›</a:t>
             </a:fld>
             <a:endParaRPr lang="fr-FR"/>
           </a:p>
@@ -471,7 +471,7 @@
           <a:p>
             <a:fld id="{3B3A7B9A-38C2-40F8-BF0C-E69FC542A6B2}" type="datetimeFigureOut">
               <a:rPr lang="fr-FR" smtClean="0"/>
-              <a:t>27/09/2018</a:t>
+              <a:t>29/09/2018</a:t>
             </a:fld>
             <a:endParaRPr lang="fr-FR"/>
           </a:p>
@@ -525,7 +525,7 @@
           <a:p>
             <a:fld id="{B948C2EC-6902-45C3-9054-2660ED95BCC3}" type="slidenum">
               <a:rPr lang="fr-FR" smtClean="0"/>
-              <a:t>‹#›</a:t>
+              <a:t>‹N°›</a:t>
             </a:fld>
             <a:endParaRPr lang="fr-FR"/>
           </a:p>
@@ -679,7 +679,7 @@
           <a:p>
             <a:fld id="{3B3A7B9A-38C2-40F8-BF0C-E69FC542A6B2}" type="datetimeFigureOut">
               <a:rPr lang="fr-FR" smtClean="0"/>
-              <a:t>27/09/2018</a:t>
+              <a:t>29/09/2018</a:t>
             </a:fld>
             <a:endParaRPr lang="fr-FR"/>
           </a:p>
@@ -733,7 +733,7 @@
           <a:p>
             <a:fld id="{B948C2EC-6902-45C3-9054-2660ED95BCC3}" type="slidenum">
               <a:rPr lang="fr-FR" smtClean="0"/>
-              <a:t>‹#›</a:t>
+              <a:t>‹N°›</a:t>
             </a:fld>
             <a:endParaRPr lang="fr-FR"/>
           </a:p>
@@ -877,7 +877,7 @@
           <a:p>
             <a:fld id="{3B3A7B9A-38C2-40F8-BF0C-E69FC542A6B2}" type="datetimeFigureOut">
               <a:rPr lang="fr-FR" smtClean="0"/>
-              <a:t>27/09/2018</a:t>
+              <a:t>29/09/2018</a:t>
             </a:fld>
             <a:endParaRPr lang="fr-FR"/>
           </a:p>
@@ -931,7 +931,7 @@
           <a:p>
             <a:fld id="{B948C2EC-6902-45C3-9054-2660ED95BCC3}" type="slidenum">
               <a:rPr lang="fr-FR" smtClean="0"/>
-              <a:t>‹#›</a:t>
+              <a:t>‹N°›</a:t>
             </a:fld>
             <a:endParaRPr lang="fr-FR"/>
           </a:p>
@@ -1152,7 +1152,7 @@
           <a:p>
             <a:fld id="{3B3A7B9A-38C2-40F8-BF0C-E69FC542A6B2}" type="datetimeFigureOut">
               <a:rPr lang="fr-FR" smtClean="0"/>
-              <a:t>27/09/2018</a:t>
+              <a:t>29/09/2018</a:t>
             </a:fld>
             <a:endParaRPr lang="fr-FR"/>
           </a:p>
@@ -1206,7 +1206,7 @@
           <a:p>
             <a:fld id="{B948C2EC-6902-45C3-9054-2660ED95BCC3}" type="slidenum">
               <a:rPr lang="fr-FR" smtClean="0"/>
-              <a:t>‹#›</a:t>
+              <a:t>‹N°›</a:t>
             </a:fld>
             <a:endParaRPr lang="fr-FR"/>
           </a:p>
@@ -1417,7 +1417,7 @@
           <a:p>
             <a:fld id="{3B3A7B9A-38C2-40F8-BF0C-E69FC542A6B2}" type="datetimeFigureOut">
               <a:rPr lang="fr-FR" smtClean="0"/>
-              <a:t>27/09/2018</a:t>
+              <a:t>29/09/2018</a:t>
             </a:fld>
             <a:endParaRPr lang="fr-FR"/>
           </a:p>
@@ -1471,7 +1471,7 @@
           <a:p>
             <a:fld id="{B948C2EC-6902-45C3-9054-2660ED95BCC3}" type="slidenum">
               <a:rPr lang="fr-FR" smtClean="0"/>
-              <a:t>‹#›</a:t>
+              <a:t>‹N°›</a:t>
             </a:fld>
             <a:endParaRPr lang="fr-FR"/>
           </a:p>
@@ -1829,7 +1829,7 @@
           <a:p>
             <a:fld id="{3B3A7B9A-38C2-40F8-BF0C-E69FC542A6B2}" type="datetimeFigureOut">
               <a:rPr lang="fr-FR" smtClean="0"/>
-              <a:t>27/09/2018</a:t>
+              <a:t>29/09/2018</a:t>
             </a:fld>
             <a:endParaRPr lang="fr-FR"/>
           </a:p>
@@ -1883,7 +1883,7 @@
           <a:p>
             <a:fld id="{B948C2EC-6902-45C3-9054-2660ED95BCC3}" type="slidenum">
               <a:rPr lang="fr-FR" smtClean="0"/>
-              <a:t>‹#›</a:t>
+              <a:t>‹N°›</a:t>
             </a:fld>
             <a:endParaRPr lang="fr-FR"/>
           </a:p>
@@ -1970,7 +1970,7 @@
           <a:p>
             <a:fld id="{3B3A7B9A-38C2-40F8-BF0C-E69FC542A6B2}" type="datetimeFigureOut">
               <a:rPr lang="fr-FR" smtClean="0"/>
-              <a:t>27/09/2018</a:t>
+              <a:t>29/09/2018</a:t>
             </a:fld>
             <a:endParaRPr lang="fr-FR"/>
           </a:p>
@@ -2024,7 +2024,7 @@
           <a:p>
             <a:fld id="{B948C2EC-6902-45C3-9054-2660ED95BCC3}" type="slidenum">
               <a:rPr lang="fr-FR" smtClean="0"/>
-              <a:t>‹#›</a:t>
+              <a:t>‹N°›</a:t>
             </a:fld>
             <a:endParaRPr lang="fr-FR"/>
           </a:p>
@@ -2083,7 +2083,7 @@
           <a:p>
             <a:fld id="{3B3A7B9A-38C2-40F8-BF0C-E69FC542A6B2}" type="datetimeFigureOut">
               <a:rPr lang="fr-FR" smtClean="0"/>
-              <a:t>27/09/2018</a:t>
+              <a:t>29/09/2018</a:t>
             </a:fld>
             <a:endParaRPr lang="fr-FR"/>
           </a:p>
@@ -2137,7 +2137,7 @@
           <a:p>
             <a:fld id="{B948C2EC-6902-45C3-9054-2660ED95BCC3}" type="slidenum">
               <a:rPr lang="fr-FR" smtClean="0"/>
-              <a:t>‹#›</a:t>
+              <a:t>‹N°›</a:t>
             </a:fld>
             <a:endParaRPr lang="fr-FR"/>
           </a:p>
@@ -2394,7 +2394,7 @@
           <a:p>
             <a:fld id="{3B3A7B9A-38C2-40F8-BF0C-E69FC542A6B2}" type="datetimeFigureOut">
               <a:rPr lang="fr-FR" smtClean="0"/>
-              <a:t>27/09/2018</a:t>
+              <a:t>29/09/2018</a:t>
             </a:fld>
             <a:endParaRPr lang="fr-FR"/>
           </a:p>
@@ -2448,7 +2448,7 @@
           <a:p>
             <a:fld id="{B948C2EC-6902-45C3-9054-2660ED95BCC3}" type="slidenum">
               <a:rPr lang="fr-FR" smtClean="0"/>
-              <a:t>‹#›</a:t>
+              <a:t>‹N°›</a:t>
             </a:fld>
             <a:endParaRPr lang="fr-FR"/>
           </a:p>
@@ -2682,7 +2682,7 @@
           <a:p>
             <a:fld id="{3B3A7B9A-38C2-40F8-BF0C-E69FC542A6B2}" type="datetimeFigureOut">
               <a:rPr lang="fr-FR" smtClean="0"/>
-              <a:t>27/09/2018</a:t>
+              <a:t>29/09/2018</a:t>
             </a:fld>
             <a:endParaRPr lang="fr-FR"/>
           </a:p>
@@ -2736,7 +2736,7 @@
           <a:p>
             <a:fld id="{B948C2EC-6902-45C3-9054-2660ED95BCC3}" type="slidenum">
               <a:rPr lang="fr-FR" smtClean="0"/>
-              <a:t>‹#›</a:t>
+              <a:t>‹N°›</a:t>
             </a:fld>
             <a:endParaRPr lang="fr-FR"/>
           </a:p>
@@ -2923,7 +2923,7 @@
           <a:p>
             <a:fld id="{3B3A7B9A-38C2-40F8-BF0C-E69FC542A6B2}" type="datetimeFigureOut">
               <a:rPr lang="fr-FR" smtClean="0"/>
-              <a:t>27/09/2018</a:t>
+              <a:t>29/09/2018</a:t>
             </a:fld>
             <a:endParaRPr lang="fr-FR"/>
           </a:p>
@@ -3013,7 +3013,7 @@
           <a:p>
             <a:fld id="{B948C2EC-6902-45C3-9054-2660ED95BCC3}" type="slidenum">
               <a:rPr lang="fr-FR" smtClean="0"/>
-              <a:t>‹#›</a:t>
+              <a:t>‹N°›</a:t>
             </a:fld>
             <a:endParaRPr lang="fr-FR"/>
           </a:p>
@@ -3919,33 +3919,7 @@
                 <a:ea typeface="Calibri" panose="020F0502020204030204" pitchFamily="34" charset="0"/>
                 <a:cs typeface="Arial" panose="020B0604020202020204" pitchFamily="34" charset="0"/>
               </a:rPr>
-              <a:t>Coping </a:t>
-            </a:r>
-            <a:r>
-              <a:rPr lang="fr-FR" sz="2000" dirty="0" err="1">
-                <a:solidFill>
-                  <a:schemeClr val="tx1">
-                    <a:lumMod val="65000"/>
-                    <a:lumOff val="35000"/>
-                  </a:schemeClr>
-                </a:solidFill>
-                <a:ea typeface="Calibri" panose="020F0502020204030204" pitchFamily="34" charset="0"/>
-                <a:cs typeface="Arial" panose="020B0604020202020204" pitchFamily="34" charset="0"/>
-              </a:rPr>
-              <a:t>with</a:t>
-            </a:r>
-            <a:r>
-              <a:rPr lang="fr-FR" sz="2000" dirty="0">
-                <a:solidFill>
-                  <a:schemeClr val="tx1">
-                    <a:lumMod val="65000"/>
-                    <a:lumOff val="35000"/>
-                  </a:schemeClr>
-                </a:solidFill>
-                <a:ea typeface="Calibri" panose="020F0502020204030204" pitchFamily="34" charset="0"/>
-                <a:cs typeface="Arial" panose="020B0604020202020204" pitchFamily="34" charset="0"/>
-              </a:rPr>
-              <a:t> the memory issues</a:t>
+              <a:t>Storage issue &amp; solution</a:t>
             </a:r>
           </a:p>
         </p:txBody>
@@ -10660,7 +10634,7 @@
         <p:spPr bwMode="auto">
           <a:xfrm>
             <a:off x="1031844" y="1363424"/>
-            <a:ext cx="10698601" cy="3168240"/>
+            <a:ext cx="10698601" cy="5369932"/>
           </a:xfrm>
           <a:prstGeom prst="rect">
             <a:avLst/>
@@ -10721,7 +10695,7 @@
                 <a:ea typeface="Calibri" panose="020F0502020204030204" pitchFamily="34" charset="0"/>
                 <a:cs typeface="Arial" panose="020B0604020202020204" pitchFamily="34" charset="0"/>
               </a:rPr>
-              <a:t>This is the standard approach used by source control tools like git or SVN:</a:t>
+              <a:t>This is the standard approach used by source control tools like git which have to handle large amounts of data:</a:t>
             </a:r>
           </a:p>
           <a:p>
@@ -10746,7 +10720,72 @@
                 <a:ea typeface="Calibri" panose="020F0502020204030204" pitchFamily="34" charset="0"/>
                 <a:cs typeface="Arial" panose="020B0604020202020204" pitchFamily="34" charset="0"/>
               </a:rPr>
-              <a:t>Each node (execution details stored in the ledger) contains only the difference with the previous node</a:t>
+              <a:t>Each </a:t>
+            </a:r>
+            <a:r>
+              <a:rPr lang="en-GB" i="1" dirty="0">
+                <a:solidFill>
+                  <a:schemeClr val="tx1">
+                    <a:lumMod val="65000"/>
+                    <a:lumOff val="35000"/>
+                  </a:schemeClr>
+                </a:solidFill>
+                <a:ea typeface="Calibri" panose="020F0502020204030204" pitchFamily="34" charset="0"/>
+                <a:cs typeface="Arial" panose="020B0604020202020204" pitchFamily="34" charset="0"/>
+              </a:rPr>
+              <a:t>commit</a:t>
+            </a:r>
+            <a:r>
+              <a:rPr lang="en-GB" dirty="0">
+                <a:solidFill>
+                  <a:schemeClr val="tx1">
+                    <a:lumMod val="65000"/>
+                    <a:lumOff val="35000"/>
+                  </a:schemeClr>
+                </a:solidFill>
+                <a:ea typeface="Calibri" panose="020F0502020204030204" pitchFamily="34" charset="0"/>
+                <a:cs typeface="Arial" panose="020B0604020202020204" pitchFamily="34" charset="0"/>
+              </a:rPr>
+              <a:t> (execution details stored in the ledger) contains only the </a:t>
+            </a:r>
+            <a:r>
+              <a:rPr lang="en-GB" i="1" dirty="0">
+                <a:solidFill>
+                  <a:schemeClr val="tx1">
+                    <a:lumMod val="65000"/>
+                    <a:lumOff val="35000"/>
+                  </a:schemeClr>
+                </a:solidFill>
+                <a:ea typeface="Calibri" panose="020F0502020204030204" pitchFamily="34" charset="0"/>
+                <a:cs typeface="Arial" panose="020B0604020202020204" pitchFamily="34" charset="0"/>
+              </a:rPr>
+              <a:t>changes</a:t>
+            </a:r>
+            <a:r>
+              <a:rPr lang="en-GB" dirty="0">
+                <a:solidFill>
+                  <a:schemeClr val="tx1">
+                    <a:lumMod val="65000"/>
+                    <a:lumOff val="35000"/>
+                  </a:schemeClr>
+                </a:solidFill>
+                <a:ea typeface="Calibri" panose="020F0502020204030204" pitchFamily="34" charset="0"/>
+                <a:cs typeface="Arial" panose="020B0604020202020204" pitchFamily="34" charset="0"/>
+              </a:rPr>
+              <a:t> with the previous </a:t>
+            </a:r>
+            <a:r>
+              <a:rPr lang="en-GB" i="1" dirty="0">
+                <a:solidFill>
+                  <a:schemeClr val="tx1">
+                    <a:lumMod val="65000"/>
+                    <a:lumOff val="35000"/>
+                  </a:schemeClr>
+                </a:solidFill>
+                <a:ea typeface="Calibri" panose="020F0502020204030204" pitchFamily="34" charset="0"/>
+                <a:cs typeface="Arial" panose="020B0604020202020204" pitchFamily="34" charset="0"/>
+              </a:rPr>
+              <a:t>commit</a:t>
             </a:r>
           </a:p>
           <a:p>
@@ -10771,7 +10810,33 @@
                 <a:ea typeface="Calibri" panose="020F0502020204030204" pitchFamily="34" charset="0"/>
                 <a:cs typeface="Arial" panose="020B0604020202020204" pitchFamily="34" charset="0"/>
               </a:rPr>
-              <a:t>It is possible to rebuild the current state by applying in order all the deltas </a:t>
+              <a:t>It is possible to rebuild the current state by applying in order all the </a:t>
+            </a:r>
+            <a:r>
+              <a:rPr lang="en-GB" i="1" dirty="0">
+                <a:solidFill>
+                  <a:schemeClr val="tx1">
+                    <a:lumMod val="65000"/>
+                    <a:lumOff val="35000"/>
+                  </a:schemeClr>
+                </a:solidFill>
+                <a:ea typeface="Calibri" panose="020F0502020204030204" pitchFamily="34" charset="0"/>
+                <a:cs typeface="Arial" panose="020B0604020202020204" pitchFamily="34" charset="0"/>
+              </a:rPr>
+              <a:t>commits</a:t>
+            </a:r>
+            <a:r>
+              <a:rPr lang="en-GB" dirty="0">
+                <a:solidFill>
+                  <a:schemeClr val="tx1">
+                    <a:lumMod val="65000"/>
+                    <a:lumOff val="35000"/>
+                  </a:schemeClr>
+                </a:solidFill>
+                <a:ea typeface="Calibri" panose="020F0502020204030204" pitchFamily="34" charset="0"/>
+                <a:cs typeface="Arial" panose="020B0604020202020204" pitchFamily="34" charset="0"/>
+              </a:rPr>
+              <a:t> </a:t>
             </a:r>
           </a:p>
           <a:p>
@@ -10823,45 +10888,16 @@
                 <a:spcPts val="800"/>
               </a:spcAft>
             </a:pPr>
-            <a:r>
-              <a:rPr lang="en-GB" b="1" dirty="0">
-                <a:solidFill>
-                  <a:schemeClr val="tx1">
-                    <a:lumMod val="65000"/>
-                    <a:lumOff val="35000"/>
-                  </a:schemeClr>
-                </a:solidFill>
-                <a:ea typeface="Calibri" panose="020F0502020204030204" pitchFamily="34" charset="0"/>
-                <a:cs typeface="Arial" panose="020B0604020202020204" pitchFamily="34" charset="0"/>
-              </a:rPr>
-              <a:t>The </a:t>
-            </a:r>
-            <a:r>
-              <a:rPr lang="en-GB" b="1" dirty="0" err="1">
-                <a:solidFill>
-                  <a:schemeClr val="tx1">
-                    <a:lumMod val="65000"/>
-                    <a:lumOff val="35000"/>
-                  </a:schemeClr>
-                </a:solidFill>
-                <a:ea typeface="Calibri" panose="020F0502020204030204" pitchFamily="34" charset="0"/>
-                <a:cs typeface="Arial" panose="020B0604020202020204" pitchFamily="34" charset="0"/>
-              </a:rPr>
-              <a:t>masternodes</a:t>
-            </a:r>
-            <a:r>
-              <a:rPr lang="en-GB" b="1" dirty="0">
-                <a:solidFill>
-                  <a:schemeClr val="tx1">
-                    <a:lumMod val="65000"/>
-                    <a:lumOff val="35000"/>
-                  </a:schemeClr>
-                </a:solidFill>
-                <a:ea typeface="Calibri" panose="020F0502020204030204" pitchFamily="34" charset="0"/>
-                <a:cs typeface="Arial" panose="020B0604020202020204" pitchFamily="34" charset="0"/>
-              </a:rPr>
-              <a:t> should each “cache” the current version of the storage per contract</a:t>
-            </a:r>
+            <a:endParaRPr lang="en-GB" dirty="0">
+              <a:solidFill>
+                <a:schemeClr val="tx1">
+                  <a:lumMod val="65000"/>
+                  <a:lumOff val="35000"/>
+                </a:schemeClr>
+              </a:solidFill>
+              <a:ea typeface="Calibri" panose="020F0502020204030204" pitchFamily="34" charset="0"/>
+              <a:cs typeface="Arial" panose="020B0604020202020204" pitchFamily="34" charset="0"/>
+            </a:endParaRPr>
           </a:p>
           <a:p>
             <a:pPr lvl="0" algn="just">
@@ -10873,6 +10909,55 @@
               </a:spcAft>
             </a:pPr>
             <a:r>
+              <a:rPr lang="en-GB" b="1" dirty="0">
+                <a:solidFill>
+                  <a:schemeClr val="tx1">
+                    <a:lumMod val="65000"/>
+                    <a:lumOff val="35000"/>
+                  </a:schemeClr>
+                </a:solidFill>
+                <a:ea typeface="Calibri" panose="020F0502020204030204" pitchFamily="34" charset="0"/>
+                <a:cs typeface="Arial" panose="020B0604020202020204" pitchFamily="34" charset="0"/>
+              </a:rPr>
+              <a:t>The </a:t>
+            </a:r>
+            <a:r>
+              <a:rPr lang="en-GB" b="1" dirty="0" err="1">
+                <a:solidFill>
+                  <a:schemeClr val="tx1">
+                    <a:lumMod val="65000"/>
+                    <a:lumOff val="35000"/>
+                  </a:schemeClr>
+                </a:solidFill>
+                <a:ea typeface="Calibri" panose="020F0502020204030204" pitchFamily="34" charset="0"/>
+                <a:cs typeface="Arial" panose="020B0604020202020204" pitchFamily="34" charset="0"/>
+              </a:rPr>
+              <a:t>masternodes</a:t>
+            </a:r>
+            <a:r>
+              <a:rPr lang="en-GB" b="1" dirty="0">
+                <a:solidFill>
+                  <a:schemeClr val="tx1">
+                    <a:lumMod val="65000"/>
+                    <a:lumOff val="35000"/>
+                  </a:schemeClr>
+                </a:solidFill>
+                <a:ea typeface="Calibri" panose="020F0502020204030204" pitchFamily="34" charset="0"/>
+                <a:cs typeface="Arial" panose="020B0604020202020204" pitchFamily="34" charset="0"/>
+              </a:rPr>
+              <a:t> should each “cache” the current version of the storage per contract</a:t>
+            </a:r>
+          </a:p>
+          <a:p>
+            <a:pPr lvl="0" algn="just">
+              <a:lnSpc>
+                <a:spcPct val="107000"/>
+              </a:lnSpc>
+              <a:spcAft>
+                <a:spcPts val="800"/>
+              </a:spcAft>
+            </a:pPr>
+            <a:r>
               <a:rPr lang="en-GB" dirty="0">
                 <a:solidFill>
                   <a:schemeClr val="tx1">
@@ -10883,11 +10968,246 @@
                 <a:ea typeface="Calibri" panose="020F0502020204030204" pitchFamily="34" charset="0"/>
                 <a:cs typeface="Arial" panose="020B0604020202020204" pitchFamily="34" charset="0"/>
               </a:rPr>
-              <a:t>Because rebuilding </a:t>
+              <a:t>Rebuilding the current state from scratch might take a long time. On the other hand, the nature of the network between the </a:t>
+            </a:r>
+            <a:r>
+              <a:rPr lang="en-GB" dirty="0" err="1">
+                <a:solidFill>
+                  <a:schemeClr val="tx1">
+                    <a:lumMod val="65000"/>
+                    <a:lumOff val="35000"/>
+                  </a:schemeClr>
+                </a:solidFill>
+                <a:ea typeface="Calibri" panose="020F0502020204030204" pitchFamily="34" charset="0"/>
+                <a:cs typeface="Arial" panose="020B0604020202020204" pitchFamily="34" charset="0"/>
+              </a:rPr>
+              <a:t>masternodes</a:t>
+            </a:r>
+            <a:r>
+              <a:rPr lang="en-GB" dirty="0">
+                <a:solidFill>
+                  <a:schemeClr val="tx1">
+                    <a:lumMod val="65000"/>
+                    <a:lumOff val="35000"/>
+                  </a:schemeClr>
+                </a:solidFill>
+                <a:ea typeface="Calibri" panose="020F0502020204030204" pitchFamily="34" charset="0"/>
+                <a:cs typeface="Arial" panose="020B0604020202020204" pitchFamily="34" charset="0"/>
+              </a:rPr>
+              <a:t> make it easy to share and cache the current version of the contract state out of the ledger:</a:t>
+            </a:r>
+          </a:p>
+          <a:p>
+            <a:pPr marL="285750" lvl="0" indent="-285750" algn="just">
+              <a:lnSpc>
+                <a:spcPct val="107000"/>
+              </a:lnSpc>
+              <a:spcAft>
+                <a:spcPts val="800"/>
+              </a:spcAft>
+              <a:buFont typeface="Arial" panose="020B0604020202020204" pitchFamily="34" charset="0"/>
+              <a:buChar char="•"/>
+            </a:pPr>
+            <a:r>
+              <a:rPr lang="en-GB" dirty="0">
+                <a:solidFill>
+                  <a:schemeClr val="tx1">
+                    <a:lumMod val="65000"/>
+                    <a:lumOff val="35000"/>
+                  </a:schemeClr>
+                </a:solidFill>
+                <a:ea typeface="Calibri" panose="020F0502020204030204" pitchFamily="34" charset="0"/>
+                <a:cs typeface="Arial" panose="020B0604020202020204" pitchFamily="34" charset="0"/>
+              </a:rPr>
+              <a:t>The node executing the contract shares the execution details with all </a:t>
+            </a:r>
+            <a:r>
+              <a:rPr lang="en-GB" dirty="0" err="1">
+                <a:solidFill>
+                  <a:schemeClr val="tx1">
+                    <a:lumMod val="65000"/>
+                    <a:lumOff val="35000"/>
+                  </a:schemeClr>
+                </a:solidFill>
+                <a:ea typeface="Calibri" panose="020F0502020204030204" pitchFamily="34" charset="0"/>
+                <a:cs typeface="Arial" panose="020B0604020202020204" pitchFamily="34" charset="0"/>
+              </a:rPr>
+              <a:t>masternodes</a:t>
+            </a:r>
+            <a:r>
+              <a:rPr lang="en-GB" dirty="0">
+                <a:solidFill>
+                  <a:schemeClr val="tx1">
+                    <a:lumMod val="65000"/>
+                    <a:lumOff val="35000"/>
+                  </a:schemeClr>
+                </a:solidFill>
+                <a:ea typeface="Calibri" panose="020F0502020204030204" pitchFamily="34" charset="0"/>
+                <a:cs typeface="Arial" panose="020B0604020202020204" pitchFamily="34" charset="0"/>
+              </a:rPr>
+              <a:t>.</a:t>
+            </a:r>
+          </a:p>
+          <a:p>
+            <a:pPr marL="285750" lvl="0" indent="-285750" algn="just">
+              <a:lnSpc>
+                <a:spcPct val="107000"/>
+              </a:lnSpc>
+              <a:spcAft>
+                <a:spcPts val="800"/>
+              </a:spcAft>
+              <a:buFont typeface="Arial" panose="020B0604020202020204" pitchFamily="34" charset="0"/>
+              <a:buChar char="•"/>
+            </a:pPr>
+            <a:r>
+              <a:rPr lang="en-GB" dirty="0">
+                <a:solidFill>
+                  <a:schemeClr val="tx1">
+                    <a:lumMod val="65000"/>
+                    <a:lumOff val="35000"/>
+                  </a:schemeClr>
+                </a:solidFill>
+                <a:ea typeface="Calibri" panose="020F0502020204030204" pitchFamily="34" charset="0"/>
+                <a:cs typeface="Arial" panose="020B0604020202020204" pitchFamily="34" charset="0"/>
+              </a:rPr>
+              <a:t>Each </a:t>
+            </a:r>
+            <a:r>
+              <a:rPr lang="en-GB" dirty="0" err="1">
+                <a:solidFill>
+                  <a:schemeClr val="tx1">
+                    <a:lumMod val="65000"/>
+                    <a:lumOff val="35000"/>
+                  </a:schemeClr>
+                </a:solidFill>
+                <a:ea typeface="Calibri" panose="020F0502020204030204" pitchFamily="34" charset="0"/>
+                <a:cs typeface="Arial" panose="020B0604020202020204" pitchFamily="34" charset="0"/>
+              </a:rPr>
+              <a:t>masternode</a:t>
+            </a:r>
+            <a:r>
+              <a:rPr lang="en-GB" dirty="0">
+                <a:solidFill>
+                  <a:schemeClr val="tx1">
+                    <a:lumMod val="65000"/>
+                    <a:lumOff val="35000"/>
+                  </a:schemeClr>
+                </a:solidFill>
+                <a:ea typeface="Calibri" panose="020F0502020204030204" pitchFamily="34" charset="0"/>
+                <a:cs typeface="Arial" panose="020B0604020202020204" pitchFamily="34" charset="0"/>
+              </a:rPr>
+              <a:t> computes the </a:t>
+            </a:r>
+            <a:r>
+              <a:rPr lang="en-GB" i="1" dirty="0">
+                <a:solidFill>
+                  <a:schemeClr val="tx1">
+                    <a:lumMod val="65000"/>
+                    <a:lumOff val="35000"/>
+                  </a:schemeClr>
+                </a:solidFill>
+                <a:ea typeface="Calibri" panose="020F0502020204030204" pitchFamily="34" charset="0"/>
+                <a:cs typeface="Arial" panose="020B0604020202020204" pitchFamily="34" charset="0"/>
+              </a:rPr>
+              <a:t>change</a:t>
+            </a:r>
+            <a:r>
+              <a:rPr lang="en-GB" dirty="0">
+                <a:solidFill>
+                  <a:schemeClr val="tx1">
+                    <a:lumMod val="65000"/>
+                    <a:lumOff val="35000"/>
+                  </a:schemeClr>
+                </a:solidFill>
+                <a:ea typeface="Calibri" panose="020F0502020204030204" pitchFamily="34" charset="0"/>
+                <a:cs typeface="Arial" panose="020B0604020202020204" pitchFamily="34" charset="0"/>
+              </a:rPr>
+              <a:t> and saves it into its chain, then updates its state for the contract.</a:t>
+            </a:r>
+          </a:p>
+          <a:p>
+            <a:pPr marL="285750" lvl="0" indent="-285750" algn="just">
+              <a:lnSpc>
+                <a:spcPct val="107000"/>
+              </a:lnSpc>
+              <a:spcAft>
+                <a:spcPts val="800"/>
+              </a:spcAft>
+              <a:buFont typeface="Arial" panose="020B0604020202020204" pitchFamily="34" charset="0"/>
+              <a:buChar char="•"/>
+            </a:pPr>
+            <a:r>
+              <a:rPr lang="en-GB" dirty="0">
+                <a:solidFill>
+                  <a:schemeClr val="tx1">
+                    <a:lumMod val="65000"/>
+                    <a:lumOff val="35000"/>
+                  </a:schemeClr>
+                </a:solidFill>
+                <a:ea typeface="Calibri" panose="020F0502020204030204" pitchFamily="34" charset="0"/>
+                <a:cs typeface="Arial" panose="020B0604020202020204" pitchFamily="34" charset="0"/>
+              </a:rPr>
+              <a:t>If a </a:t>
+            </a:r>
+            <a:r>
+              <a:rPr lang="en-GB" dirty="0" err="1">
+                <a:solidFill>
+                  <a:schemeClr val="tx1">
+                    <a:lumMod val="65000"/>
+                    <a:lumOff val="35000"/>
+                  </a:schemeClr>
+                </a:solidFill>
+                <a:ea typeface="Calibri" panose="020F0502020204030204" pitchFamily="34" charset="0"/>
+                <a:cs typeface="Arial" panose="020B0604020202020204" pitchFamily="34" charset="0"/>
+              </a:rPr>
+              <a:t>masternode</a:t>
+            </a:r>
+            <a:r>
+              <a:rPr lang="en-GB" dirty="0">
+                <a:solidFill>
+                  <a:schemeClr val="tx1">
+                    <a:lumMod val="65000"/>
+                    <a:lumOff val="35000"/>
+                  </a:schemeClr>
+                </a:solidFill>
+                <a:ea typeface="Calibri" panose="020F0502020204030204" pitchFamily="34" charset="0"/>
+                <a:cs typeface="Arial" panose="020B0604020202020204" pitchFamily="34" charset="0"/>
+              </a:rPr>
+              <a:t> joins the network or loses its cache, it can ask it back from the other nodes.</a:t>
             </a:r>
           </a:p>
         </p:txBody>
       </p:sp>
+      <p:pic>
+        <p:nvPicPr>
+          <p:cNvPr id="5" name="Image 4">
+            <a:extLst>
+              <a:ext uri="{FF2B5EF4-FFF2-40B4-BE49-F238E27FC236}">
+                <a16:creationId xmlns:a16="http://schemas.microsoft.com/office/drawing/2014/main" id="{EA01193B-7DB2-1A40-8540-5BF91C5F3658}"/>
+              </a:ext>
+            </a:extLst>
+          </p:cNvPr>
+          <p:cNvPicPr>
+            <a:picLocks noChangeAspect="1"/>
+          </p:cNvPicPr>
+          <p:nvPr/>
+        </p:nvPicPr>
+        <p:blipFill>
+          <a:blip r:embed="rId3"/>
+          <a:stretch>
+            <a:fillRect/>
+          </a:stretch>
+        </p:blipFill>
+        <p:spPr>
+          <a:xfrm>
+            <a:off x="4091573" y="2859627"/>
+            <a:ext cx="2875284" cy="1188763"/>
+          </a:xfrm>
+          <a:prstGeom prst="rect">
+            <a:avLst/>
+          </a:prstGeom>
+        </p:spPr>
+      </p:pic>
     </p:spTree>
     <p:extLst>
       <p:ext uri="{BB962C8B-B14F-4D97-AF65-F5344CB8AC3E}">
